--- a/Philadelphia Code Camp.pptx
+++ b/Philadelphia Code Camp.pptx
@@ -29,28 +29,33 @@
     <p:sldId id="301" r:id="rId23"/>
     <p:sldId id="302" r:id="rId24"/>
     <p:sldId id="303" r:id="rId25"/>
-    <p:sldId id="265" r:id="rId26"/>
-    <p:sldId id="270" r:id="rId27"/>
-    <p:sldId id="264" r:id="rId28"/>
-    <p:sldId id="267" r:id="rId29"/>
-    <p:sldId id="266" r:id="rId30"/>
-    <p:sldId id="277" r:id="rId31"/>
-    <p:sldId id="278" r:id="rId32"/>
-    <p:sldId id="269" r:id="rId33"/>
-    <p:sldId id="271" r:id="rId34"/>
-    <p:sldId id="272" r:id="rId35"/>
-    <p:sldId id="273" r:id="rId36"/>
-    <p:sldId id="274" r:id="rId37"/>
-    <p:sldId id="275" r:id="rId38"/>
-    <p:sldId id="276" r:id="rId39"/>
-    <p:sldId id="281" r:id="rId40"/>
-    <p:sldId id="282" r:id="rId41"/>
-    <p:sldId id="279" r:id="rId42"/>
-    <p:sldId id="280" r:id="rId43"/>
-    <p:sldId id="283" r:id="rId44"/>
-    <p:sldId id="284" r:id="rId45"/>
-    <p:sldId id="285" r:id="rId46"/>
-    <p:sldId id="286" r:id="rId47"/>
+    <p:sldId id="304" r:id="rId26"/>
+    <p:sldId id="309" r:id="rId27"/>
+    <p:sldId id="305" r:id="rId28"/>
+    <p:sldId id="265" r:id="rId29"/>
+    <p:sldId id="306" r:id="rId30"/>
+    <p:sldId id="307" r:id="rId31"/>
+    <p:sldId id="264" r:id="rId32"/>
+    <p:sldId id="267" r:id="rId33"/>
+    <p:sldId id="308" r:id="rId34"/>
+    <p:sldId id="266" r:id="rId35"/>
+    <p:sldId id="277" r:id="rId36"/>
+    <p:sldId id="278" r:id="rId37"/>
+    <p:sldId id="269" r:id="rId38"/>
+    <p:sldId id="271" r:id="rId39"/>
+    <p:sldId id="272" r:id="rId40"/>
+    <p:sldId id="273" r:id="rId41"/>
+    <p:sldId id="274" r:id="rId42"/>
+    <p:sldId id="275" r:id="rId43"/>
+    <p:sldId id="276" r:id="rId44"/>
+    <p:sldId id="281" r:id="rId45"/>
+    <p:sldId id="282" r:id="rId46"/>
+    <p:sldId id="279" r:id="rId47"/>
+    <p:sldId id="280" r:id="rId48"/>
+    <p:sldId id="283" r:id="rId49"/>
+    <p:sldId id="284" r:id="rId50"/>
+    <p:sldId id="285" r:id="rId51"/>
+    <p:sldId id="286" r:id="rId52"/>
   </p:sldIdLst>
   <p:sldSz cx="12192000" cy="6858000"/>
   <p:notesSz cx="6858000" cy="9144000"/>
@@ -190,10 +195,23 @@
             <p14:sldId id="301"/>
             <p14:sldId id="302"/>
             <p14:sldId id="303"/>
+            <p14:sldId id="304"/>
+            <p14:sldId id="309"/>
+          </p14:sldIdLst>
+        </p14:section>
+        <p14:section name="Lesson 2 - Buttons" id="{8EBA9F61-BCAA-445E-8CC9-3F0223E803A8}">
+          <p14:sldIdLst>
+            <p14:sldId id="305"/>
             <p14:sldId id="265"/>
-            <p14:sldId id="270"/>
+            <p14:sldId id="306"/>
+            <p14:sldId id="307"/>
+          </p14:sldIdLst>
+        </p14:section>
+        <p14:section name="Lesson 3" id="{DD2CD53B-FD93-423A-AF06-14A56D34DDE2}">
+          <p14:sldIdLst>
             <p14:sldId id="264"/>
             <p14:sldId id="267"/>
+            <p14:sldId id="308"/>
             <p14:sldId id="266"/>
             <p14:sldId id="277"/>
             <p14:sldId id="278"/>
@@ -215,6 +233,20 @@
           </p14:sldIdLst>
         </p14:section>
       </p14:sectionLst>
+    </p:ext>
+    <p:ext uri="{EFAFB233-063F-42B5-8137-9DF3F51BA10A}">
+      <p15:sldGuideLst xmlns:p15="http://schemas.microsoft.com/office/powerpoint/2012/main">
+        <p15:guide id="1" orient="horz" pos="2160">
+          <p15:clr>
+            <a:srgbClr val="A4A3A4"/>
+          </p15:clr>
+        </p15:guide>
+        <p15:guide id="2" pos="3840">
+          <p15:clr>
+            <a:srgbClr val="A4A3A4"/>
+          </p15:clr>
+        </p15:guide>
+      </p15:sldGuideLst>
     </p:ext>
   </p:extLst>
 </p:presentation>
@@ -3146,10 +3178,9 @@
           <a:lstStyle/>
           <a:p>
             <a:r>
-              <a:rPr lang="en-US" dirty="0" smtClean="0"/>
+              <a:rPr lang="en-US" dirty="0"/>
               <a:t>Connect to Raspberry Pi</a:t>
             </a:r>
-            <a:endParaRPr lang="en-US" dirty="0"/>
           </a:p>
         </p:txBody>
       </p:sp>
@@ -3171,46 +3202,42 @@
           <a:lstStyle/>
           <a:p>
             <a:r>
-              <a:rPr lang="en-US" dirty="0" smtClean="0"/>
+              <a:rPr lang="en-US" dirty="0"/>
               <a:t>Connect Raspberry Pi to Monitor</a:t>
             </a:r>
           </a:p>
           <a:p>
             <a:r>
-              <a:rPr lang="en-US" dirty="0" smtClean="0"/>
+              <a:rPr lang="en-US" dirty="0"/>
               <a:t>Connect Keyboard and Mouse to Raspberry Pi</a:t>
             </a:r>
           </a:p>
           <a:p>
             <a:r>
-              <a:rPr lang="en-US" dirty="0" smtClean="0"/>
+              <a:rPr lang="en-US" dirty="0"/>
               <a:t>Connect Laptop to </a:t>
             </a:r>
             <a:r>
-              <a:rPr lang="en-US" dirty="0" err="1" smtClean="0"/>
+              <a:rPr lang="en-US" dirty="0" err="1"/>
               <a:t>Wifi</a:t>
             </a:r>
-            <a:endParaRPr lang="en-US" dirty="0" smtClean="0"/>
-          </a:p>
-          <a:p>
-            <a:r>
-              <a:rPr lang="en-US" dirty="0" smtClean="0"/>
+            <a:endParaRPr lang="en-US" dirty="0"/>
+          </a:p>
+          <a:p>
+            <a:r>
+              <a:rPr lang="en-US" dirty="0"/>
               <a:t>Enable Internet Sharing on Laptop</a:t>
             </a:r>
           </a:p>
           <a:p>
             <a:r>
               <a:rPr lang="en-US" dirty="0"/>
-              <a:t>Connect Ethernet Cord from Raspberry Pi to </a:t>
-            </a:r>
-            <a:r>
-              <a:rPr lang="en-US" dirty="0" smtClean="0"/>
-              <a:t>Laptop</a:t>
-            </a:r>
-          </a:p>
-          <a:p>
-            <a:r>
-              <a:rPr lang="en-US" dirty="0" smtClean="0"/>
+              <a:t>Connect Ethernet Cord from Raspberry Pi to Laptop</a:t>
+            </a:r>
+          </a:p>
+          <a:p>
+            <a:r>
+              <a:rPr lang="en-US" dirty="0"/>
               <a:t>Power On Raspberry Pi</a:t>
             </a:r>
           </a:p>
@@ -3265,53 +3292,52 @@
           <a:lstStyle/>
           <a:p>
             <a:r>
-              <a:rPr lang="en-US" dirty="0" smtClean="0"/>
+              <a:rPr lang="en-US" dirty="0"/>
               <a:t>Enable VNC Viewer and SSH</a:t>
             </a:r>
+          </a:p>
+        </p:txBody>
+      </p:sp>
+      <p:sp>
+        <p:nvSpPr>
+          <p:cNvPr id="3" name="Content Placeholder 2"/>
+          <p:cNvSpPr>
+            <a:spLocks noGrp="1"/>
+          </p:cNvSpPr>
+          <p:nvPr>
+            <p:ph idx="1"/>
+          </p:nvPr>
+        </p:nvSpPr>
+        <p:spPr/>
+        <p:txBody>
+          <a:bodyPr/>
+          <a:lstStyle/>
+          <a:p>
+            <a:r>
+              <a:rPr lang="en-US" dirty="0"/>
+              <a:t>Go to menu in Raspberry Pi</a:t>
+            </a:r>
+          </a:p>
+          <a:p>
+            <a:r>
+              <a:rPr lang="en-US" dirty="0"/>
+              <a:t>Find Raspberry </a:t>
+            </a:r>
+            <a:r>
+              <a:rPr lang="en-US" dirty="0" err="1"/>
+              <a:t>Config</a:t>
+            </a:r>
             <a:endParaRPr lang="en-US" dirty="0"/>
           </a:p>
-        </p:txBody>
-      </p:sp>
-      <p:sp>
-        <p:nvSpPr>
-          <p:cNvPr id="3" name="Content Placeholder 2"/>
-          <p:cNvSpPr>
-            <a:spLocks noGrp="1"/>
-          </p:cNvSpPr>
-          <p:nvPr>
-            <p:ph idx="1"/>
-          </p:nvPr>
-        </p:nvSpPr>
-        <p:spPr/>
-        <p:txBody>
-          <a:bodyPr/>
-          <a:lstStyle/>
-          <a:p>
-            <a:r>
-              <a:rPr lang="en-US" dirty="0" smtClean="0"/>
-              <a:t>Go to menu in Raspberry Pi</a:t>
-            </a:r>
-          </a:p>
-          <a:p>
-            <a:r>
-              <a:rPr lang="en-US" dirty="0" smtClean="0"/>
-              <a:t>Find Raspberry </a:t>
-            </a:r>
-            <a:r>
-              <a:rPr lang="en-US" dirty="0" err="1" smtClean="0"/>
-              <a:t>Config</a:t>
-            </a:r>
-            <a:endParaRPr lang="en-US" dirty="0" smtClean="0"/>
-          </a:p>
-          <a:p>
-            <a:r>
-              <a:rPr lang="en-US" dirty="0" smtClean="0"/>
+          <a:p>
+            <a:r>
+              <a:rPr lang="en-US" dirty="0"/>
               <a:t>Enable SSH</a:t>
             </a:r>
           </a:p>
           <a:p>
             <a:r>
-              <a:rPr lang="en-US" dirty="0" smtClean="0"/>
+              <a:rPr lang="en-US" dirty="0"/>
               <a:t>Enable VNC Viewer</a:t>
             </a:r>
           </a:p>
@@ -3363,10 +3389,9 @@
           <a:lstStyle/>
           <a:p>
             <a:r>
-              <a:rPr lang="en-US" dirty="0" smtClean="0"/>
+              <a:rPr lang="en-US" dirty="0"/>
               <a:t>SSH Testing from Laptop</a:t>
             </a:r>
-            <a:endParaRPr lang="en-US" dirty="0"/>
           </a:p>
         </p:txBody>
       </p:sp>
@@ -3386,73 +3411,73 @@
           <a:lstStyle/>
           <a:p>
             <a:r>
-              <a:rPr lang="en-US" dirty="0" smtClean="0"/>
+              <a:rPr lang="en-US" dirty="0"/>
               <a:t>Open up Terminal on Raspberry Pi</a:t>
             </a:r>
           </a:p>
           <a:p>
             <a:r>
-              <a:rPr lang="en-US" dirty="0" smtClean="0"/>
+              <a:rPr lang="en-US" dirty="0"/>
               <a:t>Type “</a:t>
             </a:r>
             <a:r>
-              <a:rPr lang="en-US" dirty="0" err="1" smtClean="0"/>
+              <a:rPr lang="en-US" dirty="0" err="1"/>
               <a:t>ifconfig</a:t>
             </a:r>
             <a:r>
-              <a:rPr lang="en-US" dirty="0" smtClean="0"/>
+              <a:rPr lang="en-US" dirty="0"/>
               <a:t>”</a:t>
             </a:r>
           </a:p>
           <a:p>
             <a:r>
-              <a:rPr lang="en-US" dirty="0" smtClean="0"/>
+              <a:rPr lang="en-US" dirty="0"/>
               <a:t>Write down </a:t>
             </a:r>
             <a:r>
-              <a:rPr lang="en-US" dirty="0" err="1" smtClean="0"/>
+              <a:rPr lang="en-US" dirty="0" err="1"/>
               <a:t>ipaddress</a:t>
             </a:r>
             <a:r>
-              <a:rPr lang="en-US" dirty="0" smtClean="0"/>
+              <a:rPr lang="en-US" dirty="0"/>
               <a:t> of raspberry pi in notepad on laptop</a:t>
             </a:r>
           </a:p>
           <a:p>
             <a:r>
-              <a:rPr lang="en-US" dirty="0" smtClean="0"/>
+              <a:rPr lang="en-US" dirty="0"/>
               <a:t>On laptop SSH into Raspberry Pi</a:t>
             </a:r>
           </a:p>
           <a:p>
             <a:pPr lvl="1"/>
             <a:r>
-              <a:rPr lang="en-US" dirty="0" err="1" smtClean="0"/>
+              <a:rPr lang="en-US" dirty="0" err="1"/>
               <a:t>ssh</a:t>
             </a:r>
             <a:r>
-              <a:rPr lang="en-US" dirty="0" smtClean="0"/>
+              <a:rPr lang="en-US" dirty="0"/>
               <a:t> pi@&lt;</a:t>
             </a:r>
             <a:r>
-              <a:rPr lang="en-US" dirty="0" err="1" smtClean="0"/>
+              <a:rPr lang="en-US" dirty="0" err="1"/>
               <a:t>ip</a:t>
             </a:r>
             <a:r>
-              <a:rPr lang="en-US" dirty="0" smtClean="0"/>
+              <a:rPr lang="en-US" dirty="0"/>
               <a:t>-address&gt;</a:t>
             </a:r>
           </a:p>
           <a:p>
             <a:pPr lvl="1"/>
             <a:r>
-              <a:rPr lang="en-US" dirty="0" smtClean="0"/>
+              <a:rPr lang="en-US" dirty="0"/>
               <a:t>Password:  raspberry</a:t>
             </a:r>
           </a:p>
           <a:p>
             <a:r>
-              <a:rPr lang="en-US" dirty="0" smtClean="0"/>
+              <a:rPr lang="en-US" dirty="0"/>
               <a:t>Disconnect from monitor</a:t>
             </a:r>
           </a:p>
@@ -3504,10 +3529,9 @@
           <a:lstStyle/>
           <a:p>
             <a:r>
-              <a:rPr lang="en-US" dirty="0" smtClean="0"/>
+              <a:rPr lang="en-US" dirty="0"/>
               <a:t>VNC Viewer Test</a:t>
             </a:r>
-            <a:endParaRPr lang="en-US" dirty="0"/>
           </a:p>
         </p:txBody>
       </p:sp>
@@ -3529,45 +3553,45 @@
           <a:lstStyle/>
           <a:p>
             <a:r>
-              <a:rPr lang="en-US" dirty="0" smtClean="0"/>
+              <a:rPr lang="en-US" dirty="0"/>
               <a:t>On Laptop </a:t>
             </a:r>
           </a:p>
           <a:p>
             <a:r>
-              <a:rPr lang="en-US" dirty="0" smtClean="0"/>
+              <a:rPr lang="en-US" dirty="0"/>
               <a:t>Launch VNC Viewer</a:t>
             </a:r>
           </a:p>
           <a:p>
             <a:r>
-              <a:rPr lang="en-US" dirty="0" smtClean="0"/>
+              <a:rPr lang="en-US" dirty="0"/>
               <a:t>Type in &lt;</a:t>
             </a:r>
             <a:r>
-              <a:rPr lang="en-US" dirty="0" err="1" smtClean="0"/>
+              <a:rPr lang="en-US" dirty="0" err="1"/>
               <a:t>ip</a:t>
             </a:r>
             <a:r>
-              <a:rPr lang="en-US" dirty="0" smtClean="0"/>
+              <a:rPr lang="en-US" dirty="0"/>
               <a:t>-address-of-your-pi&gt;</a:t>
             </a:r>
           </a:p>
           <a:p>
             <a:r>
-              <a:rPr lang="en-US" dirty="0" smtClean="0"/>
+              <a:rPr lang="en-US" dirty="0"/>
               <a:t>Username: pi</a:t>
             </a:r>
           </a:p>
           <a:p>
             <a:r>
-              <a:rPr lang="en-US" dirty="0" smtClean="0"/>
+              <a:rPr lang="en-US" dirty="0"/>
               <a:t>Password: Raspberry</a:t>
             </a:r>
           </a:p>
           <a:p>
             <a:r>
-              <a:rPr lang="en-US" dirty="0" smtClean="0"/>
+              <a:rPr lang="en-US" dirty="0"/>
               <a:t>Verify you can view your raspberry pi desktop</a:t>
             </a:r>
           </a:p>
@@ -3619,10 +3643,9 @@
           <a:lstStyle/>
           <a:p>
             <a:r>
-              <a:rPr lang="en-US" dirty="0" smtClean="0"/>
+              <a:rPr lang="en-US" dirty="0"/>
               <a:t>VNC Viewer Resolution Fix</a:t>
             </a:r>
-            <a:endParaRPr lang="en-US" dirty="0"/>
           </a:p>
         </p:txBody>
       </p:sp>
@@ -3644,114 +3667,114 @@
           <a:lstStyle/>
           <a:p>
             <a:r>
-              <a:rPr lang="en-US" dirty="0" smtClean="0"/>
+              <a:rPr lang="en-US" dirty="0"/>
               <a:t>SSH into Raspberry</a:t>
             </a:r>
           </a:p>
           <a:p>
             <a:pPr lvl="1"/>
             <a:r>
-              <a:rPr lang="en-US" dirty="0" err="1" smtClean="0"/>
+              <a:rPr lang="en-US" dirty="0" err="1"/>
               <a:t>ssh</a:t>
             </a:r>
             <a:r>
-              <a:rPr lang="en-US" dirty="0" smtClean="0"/>
+              <a:rPr lang="en-US" dirty="0"/>
               <a:t> pi@&lt;</a:t>
             </a:r>
             <a:r>
-              <a:rPr lang="en-US" dirty="0" err="1" smtClean="0"/>
+              <a:rPr lang="en-US" dirty="0" err="1"/>
               <a:t>ip</a:t>
             </a:r>
             <a:r>
-              <a:rPr lang="en-US" dirty="0" smtClean="0"/>
+              <a:rPr lang="en-US" dirty="0"/>
               <a:t>-address&gt;</a:t>
             </a:r>
           </a:p>
           <a:p>
             <a:pPr lvl="1"/>
             <a:r>
-              <a:rPr lang="en-US" dirty="0" smtClean="0"/>
+              <a:rPr lang="en-US" dirty="0"/>
               <a:t>Password: raspberry</a:t>
             </a:r>
           </a:p>
           <a:p>
             <a:r>
-              <a:rPr lang="en-US" dirty="0" smtClean="0"/>
+              <a:rPr lang="en-US" dirty="0"/>
               <a:t>Type the following into terminal</a:t>
             </a:r>
           </a:p>
           <a:p>
             <a:pPr lvl="1"/>
             <a:r>
-              <a:rPr lang="en-US" dirty="0" smtClean="0"/>
+              <a:rPr lang="en-US" dirty="0"/>
               <a:t>cd boot</a:t>
             </a:r>
           </a:p>
           <a:p>
             <a:pPr lvl="1"/>
             <a:r>
-              <a:rPr lang="en-US" dirty="0" err="1" smtClean="0"/>
+              <a:rPr lang="en-US" dirty="0" err="1"/>
               <a:t>cp</a:t>
             </a:r>
             <a:r>
-              <a:rPr lang="en-US" dirty="0" smtClean="0"/>
+              <a:rPr lang="en-US" dirty="0"/>
               <a:t> config.txt </a:t>
             </a:r>
             <a:r>
-              <a:rPr lang="en-US" dirty="0" err="1" smtClean="0"/>
+              <a:rPr lang="en-US" dirty="0" err="1"/>
               <a:t>config.txt.bk</a:t>
             </a:r>
-            <a:endParaRPr lang="en-US" dirty="0" smtClean="0"/>
+            <a:endParaRPr lang="en-US" dirty="0"/>
           </a:p>
           <a:p>
             <a:pPr lvl="1"/>
             <a:r>
-              <a:rPr lang="en-US" dirty="0" err="1" smtClean="0"/>
+              <a:rPr lang="en-US" dirty="0" err="1"/>
               <a:t>sudo</a:t>
             </a:r>
             <a:r>
-              <a:rPr lang="en-US" dirty="0" smtClean="0"/>
+              <a:rPr lang="en-US" dirty="0"/>
               <a:t> </a:t>
             </a:r>
             <a:r>
-              <a:rPr lang="en-US" dirty="0" err="1" smtClean="0"/>
+              <a:rPr lang="en-US" dirty="0" err="1"/>
               <a:t>nano</a:t>
             </a:r>
             <a:r>
-              <a:rPr lang="en-US" dirty="0" smtClean="0"/>
+              <a:rPr lang="en-US" dirty="0"/>
               <a:t> config.txt</a:t>
             </a:r>
           </a:p>
           <a:p>
             <a:pPr lvl="1"/>
             <a:r>
-              <a:rPr lang="en-US" dirty="0" smtClean="0"/>
+              <a:rPr lang="en-US" dirty="0"/>
               <a:t>#uncomment lines framebuffer</a:t>
             </a:r>
           </a:p>
           <a:p>
             <a:pPr lvl="1"/>
             <a:r>
-              <a:rPr lang="en-US" dirty="0" smtClean="0"/>
+              <a:rPr lang="en-US" dirty="0"/>
               <a:t>Framebuffer 1280</a:t>
             </a:r>
           </a:p>
           <a:p>
             <a:pPr lvl="1"/>
             <a:r>
-              <a:rPr lang="en-US" dirty="0" smtClean="0"/>
+              <a:rPr lang="en-US" dirty="0"/>
               <a:t>Framebuffer 720</a:t>
             </a:r>
           </a:p>
           <a:p>
             <a:r>
-              <a:rPr lang="en-US" dirty="0" smtClean="0"/>
+              <a:rPr lang="en-US" dirty="0"/>
               <a:t>Log into Raspberry Pi via VNC Viewer</a:t>
             </a:r>
           </a:p>
           <a:p>
             <a:r>
-              <a:rPr lang="en-US" dirty="0" smtClean="0"/>
+              <a:rPr lang="en-US" dirty="0"/>
               <a:t>Disconnect from Monitor/Keyboard/Mouse</a:t>
             </a:r>
           </a:p>
@@ -3803,10 +3826,9 @@
           <a:lstStyle/>
           <a:p>
             <a:r>
-              <a:rPr lang="en-US" dirty="0" smtClean="0"/>
+              <a:rPr lang="en-US" dirty="0"/>
               <a:t>Breadboard Overview</a:t>
             </a:r>
-            <a:endParaRPr lang="en-US" dirty="0"/>
           </a:p>
         </p:txBody>
       </p:sp>
@@ -3897,10 +3919,9 @@
           <a:lstStyle/>
           <a:p>
             <a:r>
-              <a:rPr lang="en-US" dirty="0" smtClean="0"/>
+              <a:rPr lang="en-US" dirty="0"/>
               <a:t>Jumper Cables Overview</a:t>
             </a:r>
-            <a:endParaRPr lang="en-US" dirty="0"/>
           </a:p>
         </p:txBody>
       </p:sp>
@@ -3930,35 +3951,17 @@
               <a:rPr lang="en-US" dirty="0"/>
               <a:t>Jumper wires are used on breadboards to ‘jump’ from one connection to another. </a:t>
             </a:r>
-            <a:endParaRPr lang="en-US" dirty="0" smtClean="0"/>
-          </a:p>
-          <a:p>
-            <a:r>
-              <a:rPr lang="en-US" dirty="0" smtClean="0"/>
-              <a:t>The </a:t>
-            </a:r>
-            <a:r>
-              <a:rPr lang="en-US" dirty="0"/>
-              <a:t>ones you will be using in this circuit have different connectors on each end. </a:t>
-            </a:r>
-            <a:endParaRPr lang="en-US" dirty="0" smtClean="0"/>
-          </a:p>
-          <a:p>
-            <a:r>
-              <a:rPr lang="en-US" dirty="0" smtClean="0"/>
-              <a:t>The </a:t>
-            </a:r>
-            <a:r>
-              <a:rPr lang="en-US" dirty="0"/>
-              <a:t>end with the ‘pin’ will go into the Breadboard. The end with the piece of plastic with a hole in it will go onto the Raspberry Pi’s GPIO pins</a:t>
-            </a:r>
-            <a:r>
-              <a:rPr lang="en-US" dirty="0" smtClean="0"/>
-              <a:t>.</a:t>
-            </a:r>
-            <a:r>
-              <a:rPr lang="en-US" dirty="0"/>
-              <a:t/>
+          </a:p>
+          <a:p>
+            <a:r>
+              <a:rPr lang="en-US" dirty="0"/>
+              <a:t>The ones you will be using in this circuit have different connectors on each end. </a:t>
+            </a:r>
+          </a:p>
+          <a:p>
+            <a:r>
+              <a:rPr lang="en-US" dirty="0"/>
+              <a:t>The end with the ‘pin’ will go into the Breadboard. The end with the piece of plastic with a hole in it will go onto the Raspberry Pi’s GPIO pins.</a:t>
             </a:r>
             <a:br>
               <a:rPr lang="en-US" dirty="0"/>
@@ -4054,10 +4057,9 @@
           <a:lstStyle/>
           <a:p>
             <a:r>
-              <a:rPr lang="en-US" dirty="0" smtClean="0"/>
+              <a:rPr lang="en-US" dirty="0"/>
               <a:t>LED Overview</a:t>
             </a:r>
-            <a:endParaRPr lang="en-US" dirty="0"/>
           </a:p>
         </p:txBody>
       </p:sp>
@@ -4086,18 +4088,14 @@
               <a:t>LED stands for </a:t>
             </a:r>
             <a:r>
-              <a:rPr lang="en-US" b="1" dirty="0" smtClean="0"/>
+              <a:rPr lang="en-US" b="1" dirty="0"/>
               <a:t>Light Emitting Diode</a:t>
             </a:r>
           </a:p>
           <a:p>
             <a:r>
-              <a:rPr lang="en-US" dirty="0" smtClean="0"/>
-              <a:t>Longer </a:t>
-            </a:r>
-            <a:r>
-              <a:rPr lang="en-US" dirty="0"/>
-              <a:t>leg (known as the ‘</a:t>
+              <a:rPr lang="en-US" dirty="0"/>
+              <a:t>Longer leg (known as the ‘</a:t>
             </a:r>
             <a:r>
               <a:rPr lang="en-US" b="1" dirty="0"/>
@@ -4107,7 +4105,7 @@
               <a:rPr lang="en-US" dirty="0"/>
               <a:t>’), is always connected to the positive supply of the circuit.</a:t>
             </a:r>
-            <a:endParaRPr lang="en-US" b="1" dirty="0" smtClean="0"/>
+            <a:endParaRPr lang="en-US" b="1" dirty="0"/>
           </a:p>
           <a:p>
             <a:r>
@@ -4122,7 +4120,6 @@
               <a:rPr lang="en-US" dirty="0"/>
               <a:t>’) is connected to the negative side of the power supply, known as ‘ground’.</a:t>
             </a:r>
-            <a:endParaRPr lang="en-US" dirty="0"/>
           </a:p>
         </p:txBody>
       </p:sp>
@@ -4213,10 +4210,9 @@
           <a:lstStyle/>
           <a:p>
             <a:r>
-              <a:rPr lang="en-US" dirty="0" smtClean="0"/>
+              <a:rPr lang="en-US" dirty="0"/>
               <a:t>The Resistor</a:t>
             </a:r>
-            <a:endParaRPr lang="en-US" dirty="0"/>
           </a:p>
         </p:txBody>
       </p:sp>
@@ -4243,49 +4239,26 @@
           <a:lstStyle/>
           <a:p>
             <a:r>
-              <a:rPr lang="en-US" dirty="0" smtClean="0"/>
-              <a:t>ALWAYS</a:t>
-            </a:r>
-            <a:r>
-              <a:rPr lang="en-US" dirty="0"/>
-              <a:t> use resistors to connect LEDs up to the GPIO pins of the Raspberry Pi. </a:t>
-            </a:r>
-            <a:endParaRPr lang="en-US" dirty="0" smtClean="0"/>
-          </a:p>
-          <a:p>
-            <a:r>
-              <a:rPr lang="en-US" dirty="0" smtClean="0"/>
-              <a:t>The </a:t>
-            </a:r>
-            <a:r>
-              <a:rPr lang="en-US" dirty="0"/>
-              <a:t>Raspberry Pi can only supply a small current (about 60mA). </a:t>
-            </a:r>
-            <a:endParaRPr lang="en-US" dirty="0" smtClean="0"/>
-          </a:p>
-          <a:p>
-            <a:r>
-              <a:rPr lang="en-US" b="1" dirty="0" smtClean="0"/>
-              <a:t>The </a:t>
-            </a:r>
+              <a:rPr lang="en-US" dirty="0"/>
+              <a:t>ALWAYS use resistors to connect LEDs up to the GPIO pins of the Raspberry Pi. </a:t>
+            </a:r>
+          </a:p>
+          <a:p>
+            <a:r>
+              <a:rPr lang="en-US" dirty="0"/>
+              <a:t>The Raspberry Pi can only supply a small current (about 60mA). </a:t>
+            </a:r>
+          </a:p>
+          <a:p>
             <a:r>
               <a:rPr lang="en-US" b="1" dirty="0"/>
-              <a:t>LEDs will want to draw more, and if allowed to they will burn out the Raspberry Pi. </a:t>
-            </a:r>
-            <a:endParaRPr lang="en-US" b="1" dirty="0" smtClean="0"/>
-          </a:p>
-          <a:p>
-            <a:r>
-              <a:rPr lang="en-US" dirty="0" smtClean="0"/>
-              <a:t>Therefore </a:t>
-            </a:r>
-            <a:r>
-              <a:rPr lang="en-US" dirty="0"/>
-              <a:t>putting the resistors in the circuit will ensure that only this small current will flow and the Pi will not be damaged</a:t>
-            </a:r>
-            <a:r>
-              <a:rPr lang="en-US" dirty="0" smtClean="0"/>
-              <a:t>.</a:t>
+              <a:t>The LEDs will want to draw more, and if allowed to they will burn out the Raspberry Pi. </a:t>
+            </a:r>
+          </a:p>
+          <a:p>
+            <a:r>
+              <a:rPr lang="en-US" dirty="0"/>
+              <a:t>Therefore putting the resistors in the circuit will ensure that only this small current will flow and the Pi will not be damaged.</a:t>
             </a:r>
           </a:p>
           <a:p>
@@ -4293,27 +4266,17 @@
               <a:rPr lang="en-US" dirty="0"/>
               <a:t>Resistors are a way of limiting the amount of electricity going through a circuit; specifically, they limit the amount of ‘current’ that is allowed to flow. </a:t>
             </a:r>
-            <a:endParaRPr lang="en-US" dirty="0" smtClean="0"/>
-          </a:p>
-          <a:p>
-            <a:r>
-              <a:rPr lang="en-US" dirty="0" smtClean="0"/>
-              <a:t>Measures of </a:t>
-            </a:r>
-            <a:r>
-              <a:rPr lang="en-US" dirty="0"/>
-              <a:t>resistance is called the Ohm (Ω), and the larger the resistance, the more it limits the current. </a:t>
-            </a:r>
-            <a:endParaRPr lang="en-US" dirty="0" smtClean="0"/>
-          </a:p>
-          <a:p>
-            <a:r>
-              <a:rPr lang="en-US" dirty="0" smtClean="0"/>
-              <a:t>The </a:t>
-            </a:r>
-            <a:r>
-              <a:rPr lang="en-US" dirty="0"/>
-              <a:t>value of a resistor is marked with </a:t>
+          </a:p>
+          <a:p>
+            <a:r>
+              <a:rPr lang="en-US" dirty="0"/>
+              <a:t>Measures of resistance is called the Ohm (Ω), and the larger the resistance, the more it limits the current. </a:t>
+            </a:r>
+          </a:p>
+          <a:p>
+            <a:r>
+              <a:rPr lang="en-US" dirty="0"/>
+              <a:t>The value of a resistor is marked with </a:t>
             </a:r>
             <a:r>
               <a:rPr lang="en-US" dirty="0" err="1"/>
@@ -4323,7 +4286,6 @@
               <a:rPr lang="en-US" dirty="0"/>
               <a:t> bands along the length of the resistor body.</a:t>
             </a:r>
-            <a:endParaRPr lang="en-US" dirty="0"/>
           </a:p>
         </p:txBody>
       </p:sp>
@@ -4414,10 +4376,9 @@
           <a:lstStyle/>
           <a:p>
             <a:r>
-              <a:rPr lang="en-US" dirty="0" smtClean="0"/>
+              <a:rPr lang="en-US" dirty="0"/>
               <a:t>GPIO Pins</a:t>
             </a:r>
-            <a:endParaRPr lang="en-US" dirty="0"/>
           </a:p>
         </p:txBody>
       </p:sp>
@@ -4459,18 +4420,12 @@
               <a:rPr lang="en-US" dirty="0"/>
               <a:t>. </a:t>
             </a:r>
-            <a:endParaRPr lang="en-US" dirty="0" smtClean="0"/>
-          </a:p>
-          <a:p>
-            <a:r>
-              <a:rPr lang="en-US" dirty="0" smtClean="0"/>
-              <a:t>It </a:t>
-            </a:r>
-            <a:r>
-              <a:rPr lang="en-US" dirty="0"/>
-              <a:t>is a way the Raspberry Pi can control and monitor the outside world by being connected to electronic circuits. </a:t>
-            </a:r>
-            <a:endParaRPr lang="en-US" dirty="0"/>
+          </a:p>
+          <a:p>
+            <a:r>
+              <a:rPr lang="en-US" dirty="0"/>
+              <a:t>It is a way the Raspberry Pi can control and monitor the outside world by being connected to electronic circuits. </a:t>
+            </a:r>
           </a:p>
         </p:txBody>
       </p:sp>
@@ -4632,10 +4587,9 @@
           <a:lstStyle/>
           <a:p>
             <a:r>
-              <a:rPr lang="en-US" dirty="0" smtClean="0"/>
-              <a:t>Turning on the Lights</a:t>
-            </a:r>
-            <a:endParaRPr lang="en-US" dirty="0"/>
+              <a:rPr lang="en-US" dirty="0"/>
+              <a:t>Turning on the Lights: Demo</a:t>
+            </a:r>
           </a:p>
         </p:txBody>
       </p:sp>
@@ -4663,11 +4617,10 @@
               <a:rPr lang="en-US" dirty="0"/>
               <a:t>Try connecting the long leg of an LED to the Pi's 3V3 and the short leg to a GND pin. </a:t>
             </a:r>
-            <a:endParaRPr lang="en-US" dirty="0" smtClean="0"/>
-          </a:p>
-          <a:p>
-            <a:r>
-              <a:rPr lang="en-US" dirty="0" smtClean="0"/>
+          </a:p>
+          <a:p>
+            <a:r>
+              <a:rPr lang="en-US" dirty="0"/>
               <a:t>Use the </a:t>
             </a:r>
             <a:r>
@@ -4675,13 +4628,13 @@
               <a:t>330Ω </a:t>
             </a:r>
             <a:r>
-              <a:rPr lang="en-US" dirty="0" smtClean="0"/>
+              <a:rPr lang="en-US" dirty="0"/>
               <a:t>Resistor</a:t>
             </a:r>
           </a:p>
           <a:p>
             <a:r>
-              <a:rPr lang="en-US" b="1" dirty="0" smtClean="0"/>
+              <a:rPr lang="en-US" b="1" dirty="0"/>
               <a:t>Constant light no programming needed</a:t>
             </a:r>
           </a:p>
@@ -4774,10 +4727,9 @@
           <a:lstStyle/>
           <a:p>
             <a:r>
-              <a:rPr lang="en-US" dirty="0" smtClean="0"/>
-              <a:t>Python and LED: Circuit</a:t>
-            </a:r>
-            <a:endParaRPr lang="en-US" dirty="0"/>
+              <a:rPr lang="en-US" dirty="0"/>
+              <a:t>LED Walkthrough</a:t>
+            </a:r>
           </a:p>
         </p:txBody>
       </p:sp>
@@ -4802,13 +4754,13 @@
           <a:lstStyle/>
           <a:p>
             <a:r>
-              <a:rPr lang="en-US" dirty="0" smtClean="0"/>
+              <a:rPr lang="en-US" dirty="0"/>
               <a:t>Using Breadboard</a:t>
             </a:r>
           </a:p>
           <a:p>
             <a:r>
-              <a:rPr lang="en-US" dirty="0" smtClean="0"/>
+              <a:rPr lang="en-US" dirty="0"/>
               <a:t>Ground the </a:t>
             </a:r>
             <a:r>
@@ -4816,27 +4768,27 @@
               <a:t>330Ω </a:t>
             </a:r>
             <a:r>
-              <a:rPr lang="en-US" dirty="0" smtClean="0"/>
+              <a:rPr lang="en-US" dirty="0"/>
               <a:t>Resistor</a:t>
             </a:r>
           </a:p>
           <a:p>
             <a:r>
-              <a:rPr lang="en-US" dirty="0" smtClean="0"/>
+              <a:rPr lang="en-US" dirty="0"/>
               <a:t>Connect LED ‘anode’ to GPIO port 17</a:t>
             </a:r>
           </a:p>
           <a:p>
             <a:r>
-              <a:rPr lang="en-US" dirty="0" smtClean="0"/>
+              <a:rPr lang="en-US" dirty="0"/>
               <a:t>Connect LED ‘</a:t>
             </a:r>
             <a:r>
-              <a:rPr lang="en-US" dirty="0" err="1" smtClean="0"/>
+              <a:rPr lang="en-US" dirty="0" err="1"/>
               <a:t>catode</a:t>
             </a:r>
             <a:r>
-              <a:rPr lang="en-US" dirty="0" smtClean="0"/>
+              <a:rPr lang="en-US" dirty="0"/>
               <a:t>’ to </a:t>
             </a:r>
             <a:r>
@@ -4844,7 +4796,7 @@
               <a:t>330Ω </a:t>
             </a:r>
             <a:r>
-              <a:rPr lang="en-US" dirty="0" smtClean="0"/>
+              <a:rPr lang="en-US" dirty="0"/>
               <a:t>Resistor which is grounded</a:t>
             </a:r>
           </a:p>
@@ -4940,10 +4892,9 @@
           <a:lstStyle/>
           <a:p>
             <a:r>
-              <a:rPr lang="en-US" dirty="0" smtClean="0"/>
-              <a:t>Python and LED: Code </a:t>
-            </a:r>
-            <a:endParaRPr lang="en-US" dirty="0"/>
+              <a:rPr lang="en-US" dirty="0"/>
+              <a:t>Python: Code </a:t>
+            </a:r>
           </a:p>
         </p:txBody>
       </p:sp>
@@ -4968,16 +4919,15 @@
           <a:lstStyle/>
           <a:p>
             <a:r>
-              <a:rPr lang="en-US" dirty="0" smtClean="0"/>
+              <a:rPr lang="en-US" dirty="0"/>
               <a:t>Open IDLE Python 3</a:t>
             </a:r>
           </a:p>
           <a:p>
             <a:r>
-              <a:rPr lang="en-US" dirty="0" smtClean="0"/>
+              <a:rPr lang="en-US" dirty="0"/>
               <a:t>Save led.py to Desktop</a:t>
             </a:r>
-            <a:endParaRPr lang="en-US" dirty="0"/>
           </a:p>
         </p:txBody>
       </p:sp>
@@ -5014,27 +4964,15 @@
               <a:rPr lang="en-US" sz="2800" dirty="0"/>
               <a:t> as GPIO</a:t>
             </a:r>
-            <a:r>
-              <a:rPr lang="en-US" sz="2800" dirty="0"/>
-              <a:t/>
-            </a:r>
             <a:br>
               <a:rPr lang="en-US" sz="2800" dirty="0"/>
             </a:br>
             <a:r>
               <a:rPr lang="en-US" sz="2800" dirty="0"/>
-              <a:t>import </a:t>
-            </a:r>
-            <a:r>
-              <a:rPr lang="en-US" sz="2800" dirty="0" smtClean="0"/>
-              <a:t>time</a:t>
-            </a:r>
-          </a:p>
-          <a:p>
-            <a:r>
-              <a:rPr lang="en-US" sz="2800" dirty="0"/>
-              <a:t/>
-            </a:r>
+              <a:t>import time</a:t>
+            </a:r>
+          </a:p>
+          <a:p>
             <a:br>
               <a:rPr lang="en-US" sz="2800" dirty="0"/>
             </a:br>
@@ -5046,10 +4984,6 @@
               <a:rPr lang="en-US" sz="2800" dirty="0"/>
               <a:t>(GPIO.BCM)</a:t>
             </a:r>
-            <a:r>
-              <a:rPr lang="en-US" sz="2800" dirty="0"/>
-              <a:t/>
-            </a:r>
             <a:br>
               <a:rPr lang="en-US" sz="2800" dirty="0"/>
             </a:br>
@@ -5061,28 +4995,16 @@
               <a:rPr lang="en-US" sz="2800" dirty="0"/>
               <a:t>(False)</a:t>
             </a:r>
-            <a:r>
-              <a:rPr lang="en-US" sz="2800" dirty="0"/>
-              <a:t/>
-            </a:r>
             <a:br>
               <a:rPr lang="en-US" sz="2800" dirty="0"/>
             </a:br>
             <a:r>
-              <a:rPr lang="en-US" sz="2800" dirty="0" err="1" smtClean="0"/>
+              <a:rPr lang="en-US" sz="2800" dirty="0" err="1"/>
               <a:t>GPIO.setup</a:t>
             </a:r>
             <a:r>
-              <a:rPr lang="en-US" sz="2800" dirty="0" smtClean="0"/>
-              <a:t>(17,GPIO.OUT</a:t>
-            </a:r>
-            <a:r>
               <a:rPr lang="en-US" sz="2800" dirty="0"/>
-              <a:t>)</a:t>
-            </a:r>
-            <a:r>
-              <a:rPr lang="en-US" sz="2800" dirty="0"/>
-              <a:t/>
+              <a:t>(17,GPIO.OUT)</a:t>
             </a:r>
             <a:br>
               <a:rPr lang="en-US" sz="2800" dirty="0"/>
@@ -5091,28 +5013,16 @@
               <a:rPr lang="en-US" sz="2800" dirty="0"/>
               <a:t>print "LED on"</a:t>
             </a:r>
-            <a:r>
-              <a:rPr lang="en-US" sz="2800" dirty="0"/>
-              <a:t/>
-            </a:r>
             <a:br>
               <a:rPr lang="en-US" sz="2800" dirty="0"/>
             </a:br>
             <a:r>
-              <a:rPr lang="en-US" sz="2800" dirty="0" err="1" smtClean="0"/>
+              <a:rPr lang="en-US" sz="2800" dirty="0" err="1"/>
               <a:t>GPIO.output</a:t>
             </a:r>
             <a:r>
-              <a:rPr lang="en-US" sz="2800" dirty="0" smtClean="0"/>
-              <a:t>(17,GPIO.HIGH</a:t>
-            </a:r>
-            <a:r>
               <a:rPr lang="en-US" sz="2800" dirty="0"/>
-              <a:t>)</a:t>
-            </a:r>
-            <a:r>
-              <a:rPr lang="en-US" sz="2800" dirty="0"/>
-              <a:t/>
+              <a:t>(17,GPIO.HIGH)</a:t>
             </a:r>
             <a:br>
               <a:rPr lang="en-US" sz="2800" dirty="0"/>
@@ -5125,10 +5035,6 @@
               <a:rPr lang="en-US" sz="2800" dirty="0"/>
               <a:t>(1)</a:t>
             </a:r>
-            <a:r>
-              <a:rPr lang="en-US" sz="2800" dirty="0"/>
-              <a:t/>
-            </a:r>
             <a:br>
               <a:rPr lang="en-US" sz="2800" dirty="0"/>
             </a:br>
@@ -5136,26 +5042,17 @@
               <a:rPr lang="en-US" sz="2800" dirty="0"/>
               <a:t>print "LED off"</a:t>
             </a:r>
-            <a:r>
-              <a:rPr lang="en-US" sz="2800" dirty="0"/>
-              <a:t/>
-            </a:r>
             <a:br>
               <a:rPr lang="en-US" sz="2800" dirty="0"/>
             </a:br>
             <a:r>
-              <a:rPr lang="en-US" sz="2800" dirty="0" err="1" smtClean="0"/>
+              <a:rPr lang="en-US" sz="2800" dirty="0" err="1"/>
               <a:t>GPIO.output</a:t>
             </a:r>
             <a:r>
-              <a:rPr lang="en-US" sz="2800" dirty="0" smtClean="0"/>
-              <a:t>(17,GPIO.LOW</a:t>
-            </a:r>
-            <a:r>
               <a:rPr lang="en-US" sz="2800" dirty="0"/>
-              <a:t>)</a:t>
-            </a:r>
-            <a:endParaRPr lang="en-US" sz="2800" dirty="0"/>
+              <a:t>(17,GPIO.LOW)</a:t>
+            </a:r>
           </a:p>
         </p:txBody>
       </p:sp>
@@ -5213,8 +5110,20 @@
             <a:tbl>
               <a:tblPr/>
               <a:tblGrid>
-                <a:gridCol w="5638099"/>
-                <a:gridCol w="5638099"/>
+                <a:gridCol w="5638099">
+                  <a:extLst>
+                    <a:ext uri="{9D8B030D-6E8A-4147-A177-3AD203B41FA5}">
+                      <a16:colId xmlns:a16="http://schemas.microsoft.com/office/drawing/2014/main" val="20000"/>
+                    </a:ext>
+                  </a:extLst>
+                </a:gridCol>
+                <a:gridCol w="5638099">
+                  <a:extLst>
+                    <a:ext uri="{9D8B030D-6E8A-4147-A177-3AD203B41FA5}">
+                      <a16:colId xmlns:a16="http://schemas.microsoft.com/office/drawing/2014/main" val="20001"/>
+                    </a:ext>
+                  </a:extLst>
+                </a:gridCol>
               </a:tblGrid>
               <a:tr h="1684033">
                 <a:tc>
@@ -5341,6 +5250,11 @@
                     </a:solidFill>
                   </a:tcPr>
                 </a:tc>
+                <a:extLst>
+                  <a:ext uri="{0D108BD9-81ED-4DB2-BD59-A6C34878D82A}">
+                    <a16:rowId xmlns:a16="http://schemas.microsoft.com/office/drawing/2014/main" val="10000"/>
+                  </a:ext>
+                </a:extLst>
               </a:tr>
               <a:tr h="466750">
                 <a:tc>
@@ -5455,6 +5369,11 @@
                     </a:solidFill>
                   </a:tcPr>
                 </a:tc>
+                <a:extLst>
+                  <a:ext uri="{0D108BD9-81ED-4DB2-BD59-A6C34878D82A}">
+                    <a16:rowId xmlns:a16="http://schemas.microsoft.com/office/drawing/2014/main" val="10001"/>
+                  </a:ext>
+                </a:extLst>
               </a:tr>
               <a:tr h="534772">
                 <a:tc>
@@ -5569,6 +5488,11 @@
                     </a:solidFill>
                   </a:tcPr>
                 </a:tc>
+                <a:extLst>
+                  <a:ext uri="{0D108BD9-81ED-4DB2-BD59-A6C34878D82A}">
+                    <a16:rowId xmlns:a16="http://schemas.microsoft.com/office/drawing/2014/main" val="10002"/>
+                  </a:ext>
+                </a:extLst>
               </a:tr>
               <a:tr h="466750">
                 <a:tc>
@@ -5683,6 +5607,11 @@
                     </a:solidFill>
                   </a:tcPr>
                 </a:tc>
+                <a:extLst>
+                  <a:ext uri="{0D108BD9-81ED-4DB2-BD59-A6C34878D82A}">
+                    <a16:rowId xmlns:a16="http://schemas.microsoft.com/office/drawing/2014/main" val="10003"/>
+                  </a:ext>
+                </a:extLst>
               </a:tr>
               <a:tr h="764624">
                 <a:tc>
@@ -5692,22 +5621,16 @@
                     <a:p>
                       <a:pPr algn="l"/>
                       <a:r>
-                        <a:rPr lang="en-US" sz="1600" dirty="0" err="1" smtClean="0">
+                        <a:rPr lang="en-US" sz="1600" dirty="0" err="1">
                           <a:effectLst/>
                         </a:rPr>
                         <a:t>GPIO.setup</a:t>
                       </a:r>
                       <a:r>
-                        <a:rPr lang="en-US" sz="1600" dirty="0" smtClean="0">
-                          <a:effectLst/>
-                        </a:rPr>
-                        <a:t>(17,GPIO.OUT</a:t>
-                      </a:r>
-                      <a:r>
                         <a:rPr lang="en-US" sz="1600" dirty="0">
                           <a:effectLst/>
                         </a:rPr>
-                        <a:t>)</a:t>
+                        <a:t>(17,GPIO.OUT)</a:t>
                       </a:r>
                     </a:p>
                   </a:txBody>
@@ -5809,6 +5732,11 @@
                     </a:solidFill>
                   </a:tcPr>
                 </a:tc>
+                <a:extLst>
+                  <a:ext uri="{0D108BD9-81ED-4DB2-BD59-A6C34878D82A}">
+                    <a16:rowId xmlns:a16="http://schemas.microsoft.com/office/drawing/2014/main" val="10004"/>
+                  </a:ext>
+                </a:extLst>
               </a:tr>
               <a:tr h="304920">
                 <a:tc>
@@ -5923,6 +5851,11 @@
                     </a:solidFill>
                   </a:tcPr>
                 </a:tc>
+                <a:extLst>
+                  <a:ext uri="{0D108BD9-81ED-4DB2-BD59-A6C34878D82A}">
+                    <a16:rowId xmlns:a16="http://schemas.microsoft.com/office/drawing/2014/main" val="10005"/>
+                  </a:ext>
+                </a:extLst>
               </a:tr>
               <a:tr h="764624">
                 <a:tc>
@@ -5932,22 +5865,16 @@
                     <a:p>
                       <a:pPr algn="l"/>
                       <a:r>
-                        <a:rPr lang="en-US" sz="1600" dirty="0" err="1" smtClean="0">
+                        <a:rPr lang="en-US" sz="1600" dirty="0" err="1">
                           <a:effectLst/>
                         </a:rPr>
                         <a:t>GPIO.output</a:t>
                       </a:r>
                       <a:r>
-                        <a:rPr lang="en-US" sz="1600" dirty="0" smtClean="0">
-                          <a:effectLst/>
-                        </a:rPr>
-                        <a:t>(17,GPIO.HIGH</a:t>
-                      </a:r>
-                      <a:r>
                         <a:rPr lang="en-US" sz="1600" dirty="0">
                           <a:effectLst/>
                         </a:rPr>
-                        <a:t>)</a:t>
+                        <a:t>(17,GPIO.HIGH)</a:t>
                       </a:r>
                     </a:p>
                   </a:txBody>
@@ -6049,6 +5976,11 @@
                     </a:solidFill>
                   </a:tcPr>
                 </a:tc>
+                <a:extLst>
+                  <a:ext uri="{0D108BD9-81ED-4DB2-BD59-A6C34878D82A}">
+                    <a16:rowId xmlns:a16="http://schemas.microsoft.com/office/drawing/2014/main" val="10006"/>
+                  </a:ext>
+                </a:extLst>
               </a:tr>
               <a:tr h="304920">
                 <a:tc>
@@ -6163,6 +6095,11 @@
                     </a:solidFill>
                   </a:tcPr>
                 </a:tc>
+                <a:extLst>
+                  <a:ext uri="{0D108BD9-81ED-4DB2-BD59-A6C34878D82A}">
+                    <a16:rowId xmlns:a16="http://schemas.microsoft.com/office/drawing/2014/main" val="10007"/>
+                  </a:ext>
+                </a:extLst>
               </a:tr>
               <a:tr h="304920">
                 <a:tc>
@@ -6277,6 +6214,11 @@
                     </a:solidFill>
                   </a:tcPr>
                 </a:tc>
+                <a:extLst>
+                  <a:ext uri="{0D108BD9-81ED-4DB2-BD59-A6C34878D82A}">
+                    <a16:rowId xmlns:a16="http://schemas.microsoft.com/office/drawing/2014/main" val="10008"/>
+                  </a:ext>
+                </a:extLst>
               </a:tr>
               <a:tr h="534772">
                 <a:tc>
@@ -6286,22 +6228,16 @@
                     <a:p>
                       <a:pPr algn="l"/>
                       <a:r>
-                        <a:rPr lang="en-US" sz="1600" dirty="0" err="1" smtClean="0">
+                        <a:rPr lang="en-US" sz="1600" dirty="0" err="1">
                           <a:effectLst/>
                         </a:rPr>
                         <a:t>GPIO.output</a:t>
                       </a:r>
                       <a:r>
-                        <a:rPr lang="en-US" sz="1600" dirty="0" smtClean="0">
-                          <a:effectLst/>
-                        </a:rPr>
-                        <a:t>(17,GPIO.LOW</a:t>
-                      </a:r>
-                      <a:r>
                         <a:rPr lang="en-US" sz="1600" dirty="0">
                           <a:effectLst/>
                         </a:rPr>
-                        <a:t>)</a:t>
+                        <a:t>(17,GPIO.LOW)</a:t>
                       </a:r>
                     </a:p>
                   </a:txBody>
@@ -6403,6 +6339,11 @@
                     </a:solidFill>
                   </a:tcPr>
                 </a:tc>
+                <a:extLst>
+                  <a:ext uri="{0D108BD9-81ED-4DB2-BD59-A6C34878D82A}">
+                    <a16:rowId xmlns:a16="http://schemas.microsoft.com/office/drawing/2014/main" val="10009"/>
+                  </a:ext>
+                </a:extLst>
               </a:tr>
             </a:tbl>
           </a:graphicData>
@@ -6454,10 +6395,9 @@
           <a:lstStyle/>
           <a:p>
             <a:r>
-              <a:rPr lang="en-US" dirty="0" smtClean="0"/>
-              <a:t>Flashing LED</a:t>
-            </a:r>
-            <a:endParaRPr lang="en-US" dirty="0"/>
+              <a:rPr lang="en-US" dirty="0"/>
+              <a:t>Flashing LED - Exercise</a:t>
+            </a:r>
           </a:p>
         </p:txBody>
       </p:sp>
@@ -6474,7 +6414,7 @@
         <p:spPr>
           <a:xfrm>
             <a:off x="838200" y="1825625"/>
-            <a:ext cx="4323735" cy="4351338"/>
+            <a:ext cx="11117826" cy="4351338"/>
           </a:xfrm>
         </p:spPr>
         <p:txBody>
@@ -6482,165 +6422,24 @@
           <a:lstStyle/>
           <a:p>
             <a:r>
-              <a:rPr lang="en-US" dirty="0" smtClean="0"/>
+              <a:rPr lang="en-US" dirty="0"/>
               <a:t>Open IDLE Python 3</a:t>
             </a:r>
           </a:p>
           <a:p>
             <a:r>
-              <a:rPr lang="en-US" dirty="0" smtClean="0"/>
+              <a:rPr lang="en-US" dirty="0"/>
               <a:t>Save Flashing_LED.py</a:t>
             </a:r>
+          </a:p>
+          <a:p>
             <a:endParaRPr lang="en-US" dirty="0"/>
           </a:p>
-        </p:txBody>
-      </p:sp>
-      <p:sp>
-        <p:nvSpPr>
-          <p:cNvPr id="4" name="Rectangle 3"/>
-          <p:cNvSpPr/>
-          <p:nvPr/>
-        </p:nvSpPr>
-        <p:spPr>
-          <a:xfrm>
-            <a:off x="6784258" y="1496393"/>
-            <a:ext cx="4645742" cy="1815882"/>
-          </a:xfrm>
-          <a:prstGeom prst="rect">
-            <a:avLst/>
-          </a:prstGeom>
-        </p:spPr>
-        <p:txBody>
-          <a:bodyPr wrap="square">
-            <a:spAutoFit/>
-          </a:bodyPr>
-          <a:lstStyle/>
-          <a:p>
-            <a:r>
-              <a:rPr lang="en-US" sz="2800" dirty="0"/>
-              <a:t>from</a:t>
-            </a:r>
-            <a:r>
-              <a:rPr lang="en-US" sz="2800" dirty="0"/>
-              <a:t> </a:t>
-            </a:r>
-            <a:r>
-              <a:rPr lang="en-US" sz="2800" dirty="0" err="1"/>
-              <a:t>gpiozero</a:t>
-            </a:r>
-            <a:r>
-              <a:rPr lang="en-US" sz="2800" dirty="0"/>
-              <a:t> </a:t>
-            </a:r>
-            <a:r>
-              <a:rPr lang="en-US" sz="2800" dirty="0"/>
-              <a:t>import</a:t>
-            </a:r>
-            <a:r>
-              <a:rPr lang="en-US" sz="2800" dirty="0"/>
-              <a:t> LED </a:t>
-            </a:r>
-            <a:r>
-              <a:rPr lang="en-US" sz="2800" dirty="0"/>
-              <a:t>from</a:t>
-            </a:r>
-            <a:r>
-              <a:rPr lang="en-US" sz="2800" dirty="0"/>
-              <a:t> time </a:t>
-            </a:r>
-            <a:r>
-              <a:rPr lang="en-US" sz="2800" dirty="0"/>
-              <a:t>import</a:t>
-            </a:r>
-            <a:r>
-              <a:rPr lang="en-US" sz="2800" dirty="0"/>
-              <a:t> sleep led </a:t>
-            </a:r>
-            <a:r>
-              <a:rPr lang="en-US" sz="2800" dirty="0"/>
-              <a:t>=</a:t>
-            </a:r>
-            <a:r>
-              <a:rPr lang="en-US" sz="2800" dirty="0"/>
-              <a:t> LED</a:t>
-            </a:r>
-            <a:r>
-              <a:rPr lang="en-US" sz="2800" dirty="0"/>
-              <a:t>(17)</a:t>
-            </a:r>
-            <a:r>
-              <a:rPr lang="en-US" sz="2800" dirty="0"/>
-              <a:t> </a:t>
-            </a:r>
-            <a:r>
-              <a:rPr lang="en-US" sz="2800" dirty="0"/>
-              <a:t>while</a:t>
-            </a:r>
-            <a:r>
-              <a:rPr lang="en-US" sz="2800" dirty="0"/>
-              <a:t> </a:t>
-            </a:r>
-            <a:r>
-              <a:rPr lang="en-US" sz="2800" dirty="0"/>
-              <a:t>True:</a:t>
-            </a:r>
-            <a:r>
-              <a:rPr lang="en-US" sz="2800" dirty="0"/>
-              <a:t> </a:t>
-            </a:r>
-            <a:r>
-              <a:rPr lang="en-US" sz="2800" dirty="0" err="1"/>
-              <a:t>led</a:t>
-            </a:r>
-            <a:r>
-              <a:rPr lang="en-US" sz="2800" dirty="0" err="1"/>
-              <a:t>.</a:t>
-            </a:r>
-            <a:r>
-              <a:rPr lang="en-US" sz="2800" dirty="0" err="1"/>
-              <a:t>on</a:t>
-            </a:r>
-            <a:r>
-              <a:rPr lang="en-US" sz="2800" dirty="0"/>
-              <a:t>()</a:t>
-            </a:r>
-            <a:r>
-              <a:rPr lang="en-US" sz="2800" dirty="0"/>
-              <a:t> sleep</a:t>
-            </a:r>
-            <a:r>
-              <a:rPr lang="en-US" sz="2800" dirty="0"/>
-              <a:t>(1)</a:t>
-            </a:r>
-            <a:r>
-              <a:rPr lang="en-US" sz="2800" dirty="0"/>
-              <a:t> </a:t>
-            </a:r>
-            <a:r>
-              <a:rPr lang="en-US" sz="2800" dirty="0" err="1"/>
-              <a:t>led</a:t>
-            </a:r>
-            <a:r>
-              <a:rPr lang="en-US" sz="2800" dirty="0" err="1"/>
-              <a:t>.</a:t>
-            </a:r>
-            <a:r>
-              <a:rPr lang="en-US" sz="2800" dirty="0" err="1"/>
-              <a:t>off</a:t>
-            </a:r>
-            <a:r>
-              <a:rPr lang="en-US" sz="2800" dirty="0"/>
-              <a:t>()</a:t>
-            </a:r>
-            <a:r>
-              <a:rPr lang="en-US" sz="2800" dirty="0"/>
-              <a:t> sleep</a:t>
-            </a:r>
-            <a:r>
-              <a:rPr lang="en-US" sz="2800" dirty="0"/>
-              <a:t>(1)</a:t>
-            </a:r>
-            <a:endParaRPr lang="en-US" sz="2800" dirty="0"/>
+          <a:p>
+            <a:r>
+              <a:rPr lang="en-US" dirty="0"/>
+              <a:t>Can you make your LED Flash on/off every second?</a:t>
+            </a:r>
           </a:p>
         </p:txBody>
       </p:sp>
@@ -6691,7 +6490,7 @@
           <a:p>
             <a:r>
               <a:rPr lang="en-US" dirty="0"/>
-              <a:t>Overview of LED Project</a:t>
+              <a:t>Turn On Multiple LED’s Exercise</a:t>
             </a:r>
           </a:p>
         </p:txBody>
@@ -6713,7 +6512,19 @@
           <a:p>
             <a:r>
               <a:rPr lang="en-US" dirty="0"/>
-              <a:t>Review Python Code for coding up the LED ourselves</a:t>
+              <a:t>Can you turn on three LED’s at once?</a:t>
+            </a:r>
+          </a:p>
+          <a:p>
+            <a:r>
+              <a:rPr lang="en-US" dirty="0"/>
+              <a:t>Can you make the color blue (hint red + yellow)?</a:t>
+            </a:r>
+          </a:p>
+          <a:p>
+            <a:r>
+              <a:rPr lang="en-US" dirty="0"/>
+              <a:t>Can you flash red, yellow, green in this order?</a:t>
             </a:r>
           </a:p>
         </p:txBody>
@@ -6721,7 +6532,7 @@
     </p:spTree>
     <p:extLst>
       <p:ext uri="{BB962C8B-B14F-4D97-AF65-F5344CB8AC3E}">
-        <p14:creationId xmlns:p14="http://schemas.microsoft.com/office/powerpoint/2010/main" val="2930527921"/>
+        <p14:creationId xmlns:p14="http://schemas.microsoft.com/office/powerpoint/2010/main" val="822641502"/>
       </p:ext>
     </p:extLst>
   </p:cSld>
@@ -6748,6 +6559,46 @@
           <a:chExt cx="0" cy="0"/>
         </a:xfrm>
       </p:grpSpPr>
+      <p:pic>
+        <p:nvPicPr>
+          <p:cNvPr id="6148" name="Picture 4" descr="https://www.raspberrypi.org/learning/physical-computing-with-python/images/led-gpio17.png"/>
+          <p:cNvPicPr>
+            <a:picLocks noChangeAspect="1" noChangeArrowheads="1"/>
+          </p:cNvPicPr>
+          <p:nvPr/>
+        </p:nvPicPr>
+        <p:blipFill rotWithShape="1">
+          <a:blip r:embed="rId2">
+            <a:extLst>
+              <a:ext uri="{28A0092B-C50C-407E-A947-70E740481C1C}">
+                <a14:useLocalDpi xmlns:a14="http://schemas.microsoft.com/office/drawing/2010/main" val="0"/>
+              </a:ext>
+            </a:extLst>
+          </a:blip>
+          <a:srcRect r="34470"/>
+          <a:stretch/>
+        </p:blipFill>
+        <p:spPr bwMode="auto">
+          <a:xfrm>
+            <a:off x="4639056" y="10"/>
+            <a:ext cx="7552944" cy="6857990"/>
+          </a:xfrm>
+          <a:prstGeom prst="rect">
+            <a:avLst/>
+          </a:prstGeom>
+          <a:noFill/>
+          <a:effectLst/>
+          <a:extLst>
+            <a:ext uri="{909E8E84-426E-40DD-AFC4-6F175D3DCCD1}">
+              <a14:hiddenFill xmlns:a14="http://schemas.microsoft.com/office/drawing/2010/main">
+                <a:solidFill>
+                  <a:srgbClr val="FFFFFF"/>
+                </a:solidFill>
+              </a14:hiddenFill>
+            </a:ext>
+          </a:extLst>
+        </p:spPr>
+      </p:pic>
       <p:sp>
         <p:nvSpPr>
           <p:cNvPr id="2" name="Title 1"/>
@@ -6758,14 +6609,21 @@
             <p:ph type="title"/>
           </p:nvPr>
         </p:nvSpPr>
-        <p:spPr/>
-        <p:txBody>
-          <a:bodyPr/>
-          <a:lstStyle/>
-          <a:p>
-            <a:r>
-              <a:rPr lang="en-US" dirty="0"/>
-              <a:t>Breadboard Overview</a:t>
+        <p:spPr>
+          <a:xfrm>
+            <a:off x="648929" y="629266"/>
+            <a:ext cx="3651467" cy="1676603"/>
+          </a:xfrm>
+        </p:spPr>
+        <p:txBody>
+          <a:bodyPr>
+            <a:normAutofit/>
+          </a:bodyPr>
+          <a:lstStyle/>
+          <a:p>
+            <a:r>
+              <a:rPr lang="en-US"/>
+              <a:t>LED GPIOZero Library</a:t>
             </a:r>
           </a:p>
         </p:txBody>
@@ -6780,19 +6638,60 @@
             <p:ph idx="1"/>
           </p:nvPr>
         </p:nvSpPr>
-        <p:spPr/>
-        <p:txBody>
-          <a:bodyPr/>
-          <a:lstStyle/>
-          <a:p>
-            <a:endParaRPr lang="en-US"/>
+        <p:spPr>
+          <a:xfrm>
+            <a:off x="648931" y="2438400"/>
+            <a:ext cx="3651466" cy="3785419"/>
+          </a:xfrm>
+        </p:spPr>
+        <p:txBody>
+          <a:bodyPr>
+            <a:normAutofit/>
+          </a:bodyPr>
+          <a:lstStyle/>
+          <a:p>
+            <a:r>
+              <a:rPr lang="en-US" sz="1800" dirty="0"/>
+              <a:t>GPIO Pin 17</a:t>
+            </a:r>
+          </a:p>
+          <a:p>
+            <a:r>
+              <a:rPr lang="en-US" sz="1800" dirty="0"/>
+              <a:t>Ground</a:t>
+            </a:r>
+          </a:p>
+          <a:p>
+            <a:r>
+              <a:rPr lang="en-US" sz="1800" dirty="0"/>
+              <a:t>Connect LED ‘</a:t>
+            </a:r>
+            <a:r>
+              <a:rPr lang="en-US" sz="1800" dirty="0" err="1"/>
+              <a:t>catode</a:t>
+            </a:r>
+            <a:r>
+              <a:rPr lang="en-US" sz="1800" dirty="0"/>
+              <a:t>’ to </a:t>
+            </a:r>
+            <a:r>
+              <a:rPr lang="el-GR" sz="1800" dirty="0"/>
+              <a:t>330Ω </a:t>
+            </a:r>
+            <a:r>
+              <a:rPr lang="en-US" sz="1800" dirty="0"/>
+              <a:t>Resistor which is grounded</a:t>
+            </a:r>
+          </a:p>
+          <a:p>
+            <a:endParaRPr lang="en-US" sz="1800" dirty="0"/>
           </a:p>
         </p:txBody>
       </p:sp>
     </p:spTree>
     <p:extLst>
       <p:ext uri="{BB962C8B-B14F-4D97-AF65-F5344CB8AC3E}">
-        <p14:creationId xmlns:p14="http://schemas.microsoft.com/office/powerpoint/2010/main" val="3311843986"/>
+        <p14:creationId xmlns:p14="http://schemas.microsoft.com/office/powerpoint/2010/main" val="2004324286"/>
       </p:ext>
     </p:extLst>
   </p:cSld>
@@ -6829,14 +6728,19 @@
             <p:ph type="title"/>
           </p:nvPr>
         </p:nvSpPr>
-        <p:spPr/>
-        <p:txBody>
-          <a:bodyPr/>
-          <a:lstStyle/>
-          <a:p>
-            <a:r>
-              <a:rPr lang="en-US" dirty="0"/>
-              <a:t>Demo of Working LED Project</a:t>
+        <p:spPr>
+          <a:xfrm>
+            <a:off x="838200" y="365125"/>
+            <a:ext cx="10515600" cy="1325563"/>
+          </a:xfrm>
+        </p:spPr>
+        <p:txBody>
+          <a:bodyPr/>
+          <a:lstStyle/>
+          <a:p>
+            <a:r>
+              <a:rPr lang="en-US" dirty="0"/>
+              <a:t>Tactile Button Review</a:t>
             </a:r>
           </a:p>
         </p:txBody>
@@ -6851,28 +6755,80 @@
             <p:ph idx="1"/>
           </p:nvPr>
         </p:nvSpPr>
-        <p:spPr/>
-        <p:txBody>
-          <a:bodyPr/>
-          <a:lstStyle/>
-          <a:p>
-            <a:r>
-              <a:rPr lang="en-US" dirty="0"/>
-              <a:t>Build the LED Project yourself first and then demo it working</a:t>
-            </a:r>
-          </a:p>
-          <a:p>
-            <a:r>
-              <a:rPr lang="en-US" dirty="0"/>
-              <a:t>Then Ask the class to do it themselves</a:t>
-            </a:r>
-          </a:p>
-        </p:txBody>
-      </p:sp>
+        <p:spPr>
+          <a:xfrm>
+            <a:off x="838200" y="1825625"/>
+            <a:ext cx="10515600" cy="1463985"/>
+          </a:xfrm>
+        </p:spPr>
+        <p:txBody>
+          <a:bodyPr>
+            <a:normAutofit fontScale="77500" lnSpcReduction="20000"/>
+          </a:bodyPr>
+          <a:lstStyle/>
+          <a:p>
+            <a:r>
+              <a:rPr lang="en-US" dirty="0"/>
+              <a:t>You might expect the push switch to have just two connections, which are either open or closed. </a:t>
+            </a:r>
+          </a:p>
+          <a:p>
+            <a:r>
+              <a:rPr lang="en-US" dirty="0"/>
+              <a:t>While some of these tactile push switches do have just two connections, most have four. shows how these connections are arranged.</a:t>
+            </a:r>
+            <a:br>
+              <a:rPr lang="en-US" dirty="0"/>
+            </a:br>
+            <a:endParaRPr lang="en-US" dirty="0"/>
+          </a:p>
+        </p:txBody>
+      </p:sp>
+      <p:pic>
+        <p:nvPicPr>
+          <p:cNvPr id="2050" name="Picture 2" descr="http://razzpisampler.oreilly.com/images/rpck_1102.png"/>
+          <p:cNvPicPr>
+            <a:picLocks noChangeAspect="1" noChangeArrowheads="1"/>
+          </p:cNvPicPr>
+          <p:nvPr/>
+        </p:nvPicPr>
+        <p:blipFill>
+          <a:blip r:embed="rId2">
+            <a:extLst>
+              <a:ext uri="{28A0092B-C50C-407E-A947-70E740481C1C}">
+                <a14:useLocalDpi xmlns:a14="http://schemas.microsoft.com/office/drawing/2010/main" val="0"/>
+              </a:ext>
+            </a:extLst>
+          </a:blip>
+          <a:srcRect/>
+          <a:stretch>
+            <a:fillRect/>
+          </a:stretch>
+        </p:blipFill>
+        <p:spPr bwMode="auto">
+          <a:xfrm>
+            <a:off x="363112" y="3609512"/>
+            <a:ext cx="10710449" cy="2812777"/>
+          </a:xfrm>
+          <a:prstGeom prst="rect">
+            <a:avLst/>
+          </a:prstGeom>
+          <a:noFill/>
+          <a:extLst>
+            <a:ext uri="{909E8E84-426E-40DD-AFC4-6F175D3DCCD1}">
+              <a14:hiddenFill xmlns:a14="http://schemas.microsoft.com/office/drawing/2010/main">
+                <a:solidFill>
+                  <a:srgbClr val="FFFFFF"/>
+                </a:solidFill>
+              </a14:hiddenFill>
+            </a:ext>
+          </a:extLst>
+        </p:spPr>
+      </p:pic>
     </p:spTree>
     <p:extLst>
       <p:ext uri="{BB962C8B-B14F-4D97-AF65-F5344CB8AC3E}">
-        <p14:creationId xmlns:p14="http://schemas.microsoft.com/office/powerpoint/2010/main" val="615127140"/>
+        <p14:creationId xmlns:p14="http://schemas.microsoft.com/office/powerpoint/2010/main" val="453893494"/>
       </p:ext>
     </p:extLst>
   </p:cSld>
@@ -6899,6 +6855,46 @@
           <a:chExt cx="0" cy="0"/>
         </a:xfrm>
       </p:grpSpPr>
+      <p:pic>
+        <p:nvPicPr>
+          <p:cNvPr id="1026" name="Picture 2" descr="http://razzpisampler.oreilly.com/images/rpck_1101.png"/>
+          <p:cNvPicPr>
+            <a:picLocks noChangeAspect="1" noChangeArrowheads="1"/>
+          </p:cNvPicPr>
+          <p:nvPr/>
+        </p:nvPicPr>
+        <p:blipFill rotWithShape="1">
+          <a:blip r:embed="rId2">
+            <a:extLst>
+              <a:ext uri="{28A0092B-C50C-407E-A947-70E740481C1C}">
+                <a14:useLocalDpi xmlns:a14="http://schemas.microsoft.com/office/drawing/2010/main" val="0"/>
+              </a:ext>
+            </a:extLst>
+          </a:blip>
+          <a:srcRect r="14648" b="2"/>
+          <a:stretch/>
+        </p:blipFill>
+        <p:spPr bwMode="auto">
+          <a:xfrm>
+            <a:off x="4639056" y="10"/>
+            <a:ext cx="7552944" cy="6857990"/>
+          </a:xfrm>
+          <a:prstGeom prst="rect">
+            <a:avLst/>
+          </a:prstGeom>
+          <a:noFill/>
+          <a:effectLst/>
+          <a:extLst>
+            <a:ext uri="{909E8E84-426E-40DD-AFC4-6F175D3DCCD1}">
+              <a14:hiddenFill xmlns:a14="http://schemas.microsoft.com/office/drawing/2010/main">
+                <a:solidFill>
+                  <a:srgbClr val="FFFFFF"/>
+                </a:solidFill>
+              </a14:hiddenFill>
+            </a:ext>
+          </a:extLst>
+        </p:spPr>
+      </p:pic>
       <p:sp>
         <p:nvSpPr>
           <p:cNvPr id="2" name="Title 1"/>
@@ -6909,14 +6905,21 @@
             <p:ph type="title"/>
           </p:nvPr>
         </p:nvSpPr>
-        <p:spPr/>
-        <p:txBody>
-          <a:bodyPr/>
-          <a:lstStyle/>
-          <a:p>
-            <a:r>
-              <a:rPr lang="en-US" dirty="0"/>
-              <a:t>Hands On LED Project</a:t>
+        <p:spPr>
+          <a:xfrm>
+            <a:off x="648929" y="629266"/>
+            <a:ext cx="3651467" cy="1676603"/>
+          </a:xfrm>
+        </p:spPr>
+        <p:txBody>
+          <a:bodyPr>
+            <a:normAutofit/>
+          </a:bodyPr>
+          <a:lstStyle/>
+          <a:p>
+            <a:r>
+              <a:rPr lang="en-US" dirty="0"/>
+              <a:t>Button Demo: ‘Press Me’</a:t>
             </a:r>
           </a:p>
         </p:txBody>
@@ -6931,19 +6934,44 @@
             <p:ph idx="1"/>
           </p:nvPr>
         </p:nvSpPr>
-        <p:spPr/>
-        <p:txBody>
-          <a:bodyPr/>
-          <a:lstStyle/>
-          <a:p>
-            <a:endParaRPr lang="en-US" dirty="0"/>
+        <p:spPr>
+          <a:xfrm>
+            <a:off x="648931" y="2438400"/>
+            <a:ext cx="3651466" cy="3785419"/>
+          </a:xfrm>
+        </p:spPr>
+        <p:txBody>
+          <a:bodyPr>
+            <a:normAutofit/>
+          </a:bodyPr>
+          <a:lstStyle/>
+          <a:p>
+            <a:r>
+              <a:rPr lang="en-US" sz="1800"/>
+              <a:t>GPIO Pin 2</a:t>
+            </a:r>
+          </a:p>
+          <a:p>
+            <a:r>
+              <a:rPr lang="en-US" sz="1800"/>
+              <a:t>Ground</a:t>
+            </a:r>
+          </a:p>
+          <a:p>
+            <a:endParaRPr lang="en-US" sz="1800"/>
+          </a:p>
+          <a:p>
+            <a:r>
+              <a:rPr lang="en-US" sz="1800"/>
+              <a:t>When you press the button python says: “Press Me”</a:t>
+            </a:r>
           </a:p>
         </p:txBody>
       </p:sp>
     </p:spTree>
     <p:extLst>
       <p:ext uri="{BB962C8B-B14F-4D97-AF65-F5344CB8AC3E}">
-        <p14:creationId xmlns:p14="http://schemas.microsoft.com/office/powerpoint/2010/main" val="3589877555"/>
+        <p14:creationId xmlns:p14="http://schemas.microsoft.com/office/powerpoint/2010/main" val="2930527921"/>
       </p:ext>
     </p:extLst>
   </p:cSld>
@@ -6972,6 +7000,63 @@
       </p:grpSpPr>
       <p:sp>
         <p:nvSpPr>
+          <p:cNvPr id="7" name="Rectangle 6"/>
+          <p:cNvSpPr>
+            <a:spLocks noGrp="1" noRot="1" noChangeAspect="1" noMove="1" noResize="1" noEditPoints="1" noAdjustHandles="1" noChangeArrowheads="1" noChangeShapeType="1" noTextEdit="1"/>
+          </p:cNvSpPr>
+          <p:nvPr>
+            <p:extLst>
+              <p:ext uri="{386F3935-93C4-4BCD-93E2-E3B085C9AB24}">
+                <p16:designElem xmlns:p16="http://schemas.microsoft.com/office/powerpoint/2015/main" val="1"/>
+              </p:ext>
+            </p:extLst>
+          </p:nvPr>
+        </p:nvSpPr>
+        <p:spPr>
+          <a:xfrm>
+            <a:off x="5315061" y="-2"/>
+            <a:ext cx="6876939" cy="6858002"/>
+          </a:xfrm>
+          <a:prstGeom prst="rect">
+            <a:avLst/>
+          </a:prstGeom>
+          <a:solidFill>
+            <a:schemeClr val="tx1">
+              <a:lumMod val="85000"/>
+              <a:lumOff val="15000"/>
+            </a:schemeClr>
+          </a:solidFill>
+          <a:ln>
+            <a:noFill/>
+          </a:ln>
+        </p:spPr>
+        <p:style>
+          <a:lnRef idx="2">
+            <a:schemeClr val="accent1">
+              <a:shade val="50000"/>
+            </a:schemeClr>
+          </a:lnRef>
+          <a:fillRef idx="1">
+            <a:schemeClr val="accent1"/>
+          </a:fillRef>
+          <a:effectRef idx="0">
+            <a:schemeClr val="accent1"/>
+          </a:effectRef>
+          <a:fontRef idx="minor">
+            <a:schemeClr val="lt1"/>
+          </a:fontRef>
+        </p:style>
+        <p:txBody>
+          <a:bodyPr rtlCol="0" anchor="ctr"/>
+          <a:lstStyle/>
+          <a:p>
+            <a:pPr algn="ctr"/>
+            <a:endParaRPr lang="en-US"/>
+          </a:p>
+        </p:txBody>
+      </p:sp>
+      <p:sp>
+        <p:nvSpPr>
           <p:cNvPr id="2" name="Title 1"/>
           <p:cNvSpPr>
             <a:spLocks noGrp="1"/>
@@ -6980,14 +7065,33 @@
             <p:ph type="title"/>
           </p:nvPr>
         </p:nvSpPr>
-        <p:spPr/>
-        <p:txBody>
-          <a:bodyPr/>
-          <a:lstStyle/>
-          <a:p>
-            <a:r>
-              <a:rPr lang="en-US" dirty="0"/>
-              <a:t>LED Project Node Red Project</a:t>
+        <p:spPr>
+          <a:xfrm>
+            <a:off x="829781" y="2745736"/>
+            <a:ext cx="3698803" cy="1366528"/>
+          </a:xfrm>
+          <a:solidFill>
+            <a:schemeClr val="bg1">
+              <a:alpha val="50000"/>
+            </a:schemeClr>
+          </a:solidFill>
+          <a:ln w="25400" cap="sq">
+            <a:solidFill>
+              <a:schemeClr val="tx1"/>
+            </a:solidFill>
+            <a:miter lim="800000"/>
+          </a:ln>
+        </p:spPr>
+        <p:txBody>
+          <a:bodyPr>
+            <a:normAutofit/>
+          </a:bodyPr>
+          <a:lstStyle/>
+          <a:p>
+            <a:pPr algn="ctr"/>
+            <a:r>
+              <a:rPr lang="en-US" sz="3200" dirty="0"/>
+              <a:t>Light Switch with a Button: Demo</a:t>
             </a:r>
           </a:p>
         </p:txBody>
@@ -7002,28 +7106,132 @@
             <p:ph idx="1"/>
           </p:nvPr>
         </p:nvSpPr>
-        <p:spPr/>
-        <p:txBody>
-          <a:bodyPr/>
-          <a:lstStyle/>
-          <a:p>
-            <a:r>
-              <a:rPr lang="en-US" dirty="0">
-                <a:hlinkClick r:id="rId2"/>
+        <p:spPr>
+          <a:xfrm>
+            <a:off x="6049182" y="802638"/>
+            <a:ext cx="5408696" cy="5252722"/>
+          </a:xfrm>
+        </p:spPr>
+        <p:txBody>
+          <a:bodyPr anchor="ctr">
+            <a:normAutofit/>
+          </a:bodyPr>
+          <a:lstStyle/>
+          <a:p>
+            <a:r>
+              <a:rPr lang="en-US" sz="2400" b="1">
+                <a:solidFill>
+                  <a:schemeClr val="bg1"/>
+                </a:solidFill>
               </a:rPr>
-              <a:t>https://www.raspberrypi.org/learning/getting-started-with-node-red/worksheet/</a:t>
-            </a:r>
-            <a:endParaRPr lang="en-US" dirty="0"/>
-          </a:p>
-          <a:p>
-            <a:endParaRPr lang="en-US" dirty="0"/>
+              <a:t>LED</a:t>
+            </a:r>
+          </a:p>
+          <a:p>
+            <a:r>
+              <a:rPr lang="en-US" sz="2400">
+                <a:solidFill>
+                  <a:schemeClr val="bg1"/>
+                </a:solidFill>
+              </a:rPr>
+              <a:t>Ground the </a:t>
+            </a:r>
+            <a:r>
+              <a:rPr lang="el-GR" sz="2400">
+                <a:solidFill>
+                  <a:schemeClr val="bg1"/>
+                </a:solidFill>
+              </a:rPr>
+              <a:t>330Ω </a:t>
+            </a:r>
+            <a:r>
+              <a:rPr lang="en-US" sz="2400">
+                <a:solidFill>
+                  <a:schemeClr val="bg1"/>
+                </a:solidFill>
+              </a:rPr>
+              <a:t>Resistor</a:t>
+            </a:r>
+          </a:p>
+          <a:p>
+            <a:r>
+              <a:rPr lang="en-US" sz="2400">
+                <a:solidFill>
+                  <a:schemeClr val="bg1"/>
+                </a:solidFill>
+              </a:rPr>
+              <a:t>Connect LED ‘anode’ to GPIO pin 17</a:t>
+            </a:r>
+          </a:p>
+          <a:p>
+            <a:r>
+              <a:rPr lang="en-US" sz="2400">
+                <a:solidFill>
+                  <a:schemeClr val="bg1"/>
+                </a:solidFill>
+              </a:rPr>
+              <a:t>Connect LED ‘catode’ to </a:t>
+            </a:r>
+            <a:r>
+              <a:rPr lang="el-GR" sz="2400">
+                <a:solidFill>
+                  <a:schemeClr val="bg1"/>
+                </a:solidFill>
+              </a:rPr>
+              <a:t>330Ω </a:t>
+            </a:r>
+            <a:r>
+              <a:rPr lang="en-US" sz="2400">
+                <a:solidFill>
+                  <a:schemeClr val="bg1"/>
+                </a:solidFill>
+              </a:rPr>
+              <a:t>Resistor which is grounded</a:t>
+            </a:r>
+          </a:p>
+          <a:p>
+            <a:endParaRPr lang="en-US" sz="2400">
+              <a:solidFill>
+                <a:schemeClr val="bg1"/>
+              </a:solidFill>
+            </a:endParaRPr>
+          </a:p>
+          <a:p>
+            <a:r>
+              <a:rPr lang="en-US" sz="2400" b="1">
+                <a:solidFill>
+                  <a:schemeClr val="bg1"/>
+                </a:solidFill>
+              </a:rPr>
+              <a:t>Button</a:t>
+            </a:r>
+          </a:p>
+          <a:p>
+            <a:r>
+              <a:rPr lang="en-US" sz="2400">
+                <a:solidFill>
+                  <a:schemeClr val="bg1"/>
+                </a:solidFill>
+              </a:rPr>
+              <a:t>GPIO pin 2</a:t>
+            </a:r>
+          </a:p>
+          <a:p>
+            <a:r>
+              <a:rPr lang="en-US" sz="2400">
+                <a:solidFill>
+                  <a:schemeClr val="bg1"/>
+                </a:solidFill>
+              </a:rPr>
+              <a:t>Ground Button</a:t>
+            </a:r>
           </a:p>
         </p:txBody>
       </p:sp>
     </p:spTree>
     <p:extLst>
       <p:ext uri="{BB962C8B-B14F-4D97-AF65-F5344CB8AC3E}">
-        <p14:creationId xmlns:p14="http://schemas.microsoft.com/office/powerpoint/2010/main" val="1251222904"/>
+        <p14:creationId xmlns:p14="http://schemas.microsoft.com/office/powerpoint/2010/main" val="2230136365"/>
       </p:ext>
     </p:extLst>
   </p:cSld>
@@ -7108,17 +7316,8 @@
           <a:p>
             <a:r>
               <a:rPr lang="en-US" dirty="0"/>
-              <a:t>Raspberry Pi 3 </a:t>
-            </a:r>
-            <a:r>
-              <a:rPr lang="en-US" dirty="0" smtClean="0"/>
-              <a:t>Overview </a:t>
-            </a:r>
-            <a:r>
-              <a:rPr lang="en-US" dirty="0" smtClean="0"/>
-              <a:t>Specs</a:t>
-            </a:r>
-            <a:endParaRPr lang="en-US" dirty="0"/>
+              <a:t>Raspberry Pi 3 Overview Specs</a:t>
+            </a:r>
           </a:p>
         </p:txBody>
       </p:sp>
@@ -7154,10 +7353,6 @@
               <a:rPr lang="en-US" sz="2400" dirty="0"/>
               <a:t> Broadcom BCM2837</a:t>
             </a:r>
-            <a:r>
-              <a:rPr lang="en-US" sz="2400" dirty="0"/>
-              <a:t/>
-            </a:r>
             <a:br>
               <a:rPr lang="en-US" sz="2400" dirty="0"/>
             </a:br>
@@ -7169,10 +7364,6 @@
               <a:rPr lang="en-US" sz="2400" dirty="0"/>
               <a:t> 4× ARM Cortex-A53, 1.2GHz</a:t>
             </a:r>
-            <a:r>
-              <a:rPr lang="en-US" sz="2400" dirty="0"/>
-              <a:t/>
-            </a:r>
             <a:br>
               <a:rPr lang="en-US" sz="2400" dirty="0"/>
             </a:br>
@@ -7192,10 +7383,6 @@
               <a:rPr lang="en-US" sz="2400" dirty="0"/>
               <a:t> IV</a:t>
             </a:r>
-            <a:r>
-              <a:rPr lang="en-US" sz="2400" dirty="0"/>
-              <a:t/>
-            </a:r>
             <a:br>
               <a:rPr lang="en-US" sz="2400" dirty="0"/>
             </a:br>
@@ -7207,10 +7394,6 @@
               <a:rPr lang="en-US" sz="2400" dirty="0"/>
               <a:t> 1GB LPDDR2 (900 MHz)</a:t>
             </a:r>
-            <a:r>
-              <a:rPr lang="en-US" sz="2400" dirty="0"/>
-              <a:t/>
-            </a:r>
             <a:br>
               <a:rPr lang="en-US" sz="2400" dirty="0"/>
             </a:br>
@@ -7222,10 +7405,6 @@
               <a:rPr lang="en-US" sz="2400" dirty="0"/>
               <a:t> 10/100 Ethernet, 2.4GHz 802.11n wireless</a:t>
             </a:r>
-            <a:r>
-              <a:rPr lang="en-US" sz="2400" dirty="0"/>
-              <a:t/>
-            </a:r>
             <a:br>
               <a:rPr lang="en-US" sz="2400" dirty="0"/>
             </a:br>
@@ -7237,10 +7416,6 @@
               <a:rPr lang="en-US" sz="2400" dirty="0"/>
               <a:t> Bluetooth 4.1 Classic, Bluetooth Low Energy</a:t>
             </a:r>
-            <a:r>
-              <a:rPr lang="en-US" sz="2400" dirty="0"/>
-              <a:t/>
-            </a:r>
             <a:br>
               <a:rPr lang="en-US" sz="2400" dirty="0"/>
             </a:br>
@@ -7256,10 +7431,6 @@
               <a:rPr lang="en-US" sz="2400" dirty="0" err="1"/>
               <a:t>microSD</a:t>
             </a:r>
-            <a:r>
-              <a:rPr lang="en-US" sz="2400" dirty="0"/>
-              <a:t/>
-            </a:r>
             <a:br>
               <a:rPr lang="en-US" sz="2400" dirty="0"/>
             </a:br>
@@ -7271,10 +7442,6 @@
               <a:rPr lang="en-US" sz="2400" dirty="0"/>
               <a:t> 40-pin header, populated</a:t>
             </a:r>
-            <a:r>
-              <a:rPr lang="en-US" sz="2400" dirty="0"/>
-              <a:t/>
-            </a:r>
             <a:br>
               <a:rPr lang="en-US" sz="2400" dirty="0"/>
             </a:br>
@@ -7286,7 +7453,6 @@
               <a:rPr lang="en-US" sz="2400" dirty="0"/>
               <a:t> HDMI, 3.5mm analogue audio-video jack, 4× USB 2.0, Ethernet, Camera Serial Interface (CSI), Display Serial Interface (DSI)</a:t>
             </a:r>
-            <a:endParaRPr lang="en-US" sz="2400" dirty="0"/>
           </a:p>
         </p:txBody>
       </p:sp>
@@ -7320,6 +7486,89 @@
           <a:chExt cx="0" cy="0"/>
         </a:xfrm>
       </p:grpSpPr>
+      <p:pic>
+        <p:nvPicPr>
+          <p:cNvPr id="4" name="Picture 2" descr="http://razzpisampler.oreilly.com/images/rpck_1101.png"/>
+          <p:cNvPicPr>
+            <a:picLocks noChangeAspect="1" noChangeArrowheads="1"/>
+          </p:cNvPicPr>
+          <p:nvPr/>
+        </p:nvPicPr>
+        <p:blipFill rotWithShape="1">
+          <a:blip r:embed="rId2">
+            <a:extLst>
+              <a:ext uri="{28A0092B-C50C-407E-A947-70E740481C1C}">
+                <a14:useLocalDpi xmlns:a14="http://schemas.microsoft.com/office/drawing/2010/main" val="0"/>
+              </a:ext>
+            </a:extLst>
+          </a:blip>
+          <a:srcRect l="374" r="47242" b="2"/>
+          <a:stretch/>
+        </p:blipFill>
+        <p:spPr bwMode="auto">
+          <a:xfrm>
+            <a:off x="20" y="10"/>
+            <a:ext cx="4635571" cy="6857990"/>
+          </a:xfrm>
+          <a:prstGeom prst="rect">
+            <a:avLst/>
+          </a:prstGeom>
+          <a:noFill/>
+          <a:effectLst/>
+          <a:extLst>
+            <a:ext uri="{909E8E84-426E-40DD-AFC4-6F175D3DCCD1}">
+              <a14:hiddenFill xmlns:a14="http://schemas.microsoft.com/office/drawing/2010/main">
+                <a:solidFill>
+                  <a:srgbClr val="FFFFFF"/>
+                </a:solidFill>
+              </a14:hiddenFill>
+            </a:ext>
+          </a:extLst>
+        </p:spPr>
+      </p:pic>
+      <p:cxnSp>
+        <p:nvCxnSpPr>
+          <p:cNvPr id="8" name="Straight Connector 7"/>
+          <p:cNvCxnSpPr>
+            <a:cxnSpLocks noGrp="1" noRot="1" noChangeAspect="1" noMove="1" noResize="1" noEditPoints="1" noAdjustHandles="1" noChangeArrowheads="1" noChangeShapeType="1"/>
+          </p:cNvCxnSpPr>
+          <p:nvPr>
+            <p:extLst>
+              <p:ext uri="{386F3935-93C4-4BCD-93E2-E3B085C9AB24}">
+                <p16:designElem xmlns:p16="http://schemas.microsoft.com/office/powerpoint/2015/main" val="1"/>
+              </p:ext>
+            </p:extLst>
+          </p:nvPr>
+        </p:nvCxnSpPr>
+        <p:spPr>
+          <a:xfrm>
+            <a:off x="5080934" y="2115117"/>
+            <a:ext cx="6309360" cy="0"/>
+          </a:xfrm>
+          <a:prstGeom prst="line">
+            <a:avLst/>
+          </a:prstGeom>
+          <a:ln>
+            <a:solidFill>
+              <a:srgbClr val="3A5C42"/>
+            </a:solidFill>
+          </a:ln>
+        </p:spPr>
+        <p:style>
+          <a:lnRef idx="1">
+            <a:schemeClr val="accent1"/>
+          </a:lnRef>
+          <a:fillRef idx="0">
+            <a:schemeClr val="accent1"/>
+          </a:fillRef>
+          <a:effectRef idx="0">
+            <a:schemeClr val="accent1"/>
+          </a:effectRef>
+          <a:fontRef idx="minor">
+            <a:schemeClr val="tx1"/>
+          </a:fontRef>
+        </p:style>
+      </p:cxnSp>
       <p:sp>
         <p:nvSpPr>
           <p:cNvPr id="2" name="Title 1"/>
@@ -7330,14 +7579,29 @@
             <p:ph type="title"/>
           </p:nvPr>
         </p:nvSpPr>
-        <p:spPr/>
-        <p:txBody>
-          <a:bodyPr/>
-          <a:lstStyle/>
-          <a:p>
-            <a:r>
-              <a:rPr lang="en-US" dirty="0"/>
-              <a:t>Drone Car Part Overview</a:t>
+        <p:spPr>
+          <a:xfrm>
+            <a:off x="4965430" y="629268"/>
+            <a:ext cx="6586491" cy="1286160"/>
+          </a:xfrm>
+        </p:spPr>
+        <p:txBody>
+          <a:bodyPr anchor="b">
+            <a:normAutofit/>
+          </a:bodyPr>
+          <a:lstStyle/>
+          <a:p>
+            <a:r>
+              <a:rPr lang="en-US" dirty="0"/>
+              <a:t>Demo: </a:t>
+            </a:r>
+            <a:r>
+              <a:rPr lang="en-US" dirty="0" err="1"/>
+              <a:t>GPIOZero</a:t>
+            </a:r>
+            <a:r>
+              <a:rPr lang="en-US" dirty="0"/>
+              <a:t> Library</a:t>
             </a:r>
           </a:p>
         </p:txBody>
@@ -7352,19 +7616,50 @@
             <p:ph idx="1"/>
           </p:nvPr>
         </p:nvSpPr>
-        <p:spPr/>
-        <p:txBody>
-          <a:bodyPr/>
-          <a:lstStyle/>
-          <a:p>
-            <a:endParaRPr lang="en-US"/>
+        <p:spPr>
+          <a:xfrm>
+            <a:off x="4965431" y="2438400"/>
+            <a:ext cx="6586489" cy="3785419"/>
+          </a:xfrm>
+        </p:spPr>
+        <p:txBody>
+          <a:bodyPr>
+            <a:normAutofit/>
+          </a:bodyPr>
+          <a:lstStyle/>
+          <a:p>
+            <a:r>
+              <a:rPr lang="en-US" sz="2000" b="1"/>
+              <a:t>Button</a:t>
+            </a:r>
+          </a:p>
+          <a:p>
+            <a:r>
+              <a:rPr lang="en-US" sz="2000"/>
+              <a:t>GPIO pin 2</a:t>
+            </a:r>
+          </a:p>
+          <a:p>
+            <a:r>
+              <a:rPr lang="en-US" sz="2000"/>
+              <a:t>Ground Button</a:t>
+            </a:r>
+          </a:p>
+          <a:p>
+            <a:r>
+              <a:rPr lang="en-US" sz="2000"/>
+              <a:t>Using GPIOZero Library</a:t>
+            </a:r>
+          </a:p>
+          <a:p>
+            <a:endParaRPr lang="en-US" sz="2000"/>
           </a:p>
         </p:txBody>
       </p:sp>
     </p:spTree>
     <p:extLst>
       <p:ext uri="{BB962C8B-B14F-4D97-AF65-F5344CB8AC3E}">
-        <p14:creationId xmlns:p14="http://schemas.microsoft.com/office/powerpoint/2010/main" val="3840062048"/>
+        <p14:creationId xmlns:p14="http://schemas.microsoft.com/office/powerpoint/2010/main" val="4079811165"/>
       </p:ext>
     </p:extLst>
   </p:cSld>
@@ -7391,6 +7686,46 @@
           <a:chExt cx="0" cy="0"/>
         </a:xfrm>
       </p:grpSpPr>
+      <p:pic>
+        <p:nvPicPr>
+          <p:cNvPr id="3074" name="Picture 2" descr="http://thumbs2.picclick.com/d/w1600/pict/110946607173_/10pcs-5V-Active-Buzzer-Speaker-Continous-Beep-for.jpg"/>
+          <p:cNvPicPr>
+            <a:picLocks noChangeAspect="1" noChangeArrowheads="1"/>
+          </p:cNvPicPr>
+          <p:nvPr/>
+        </p:nvPicPr>
+        <p:blipFill rotWithShape="1">
+          <a:blip r:embed="rId2">
+            <a:extLst>
+              <a:ext uri="{28A0092B-C50C-407E-A947-70E740481C1C}">
+                <a14:useLocalDpi xmlns:a14="http://schemas.microsoft.com/office/drawing/2010/main" val="0"/>
+              </a:ext>
+            </a:extLst>
+          </a:blip>
+          <a:srcRect r="-2" b="9199"/>
+          <a:stretch/>
+        </p:blipFill>
+        <p:spPr bwMode="auto">
+          <a:xfrm>
+            <a:off x="5719156" y="10"/>
+            <a:ext cx="6472844" cy="6857990"/>
+          </a:xfrm>
+          <a:prstGeom prst="rect">
+            <a:avLst/>
+          </a:prstGeom>
+          <a:noFill/>
+          <a:effectLst/>
+          <a:extLst>
+            <a:ext uri="{909E8E84-426E-40DD-AFC4-6F175D3DCCD1}">
+              <a14:hiddenFill xmlns:a14="http://schemas.microsoft.com/office/drawing/2010/main">
+                <a:solidFill>
+                  <a:srgbClr val="FFFFFF"/>
+                </a:solidFill>
+              </a14:hiddenFill>
+            </a:ext>
+          </a:extLst>
+        </p:spPr>
+      </p:pic>
       <p:sp>
         <p:nvSpPr>
           <p:cNvPr id="2" name="Title 1"/>
@@ -7401,14 +7736,21 @@
             <p:ph type="title"/>
           </p:nvPr>
         </p:nvSpPr>
-        <p:spPr/>
-        <p:txBody>
-          <a:bodyPr/>
-          <a:lstStyle/>
-          <a:p>
-            <a:r>
-              <a:rPr lang="en-US" dirty="0"/>
-              <a:t>Keyboard Console App</a:t>
+        <p:spPr>
+          <a:xfrm>
+            <a:off x="648929" y="629266"/>
+            <a:ext cx="5452613" cy="1676603"/>
+          </a:xfrm>
+        </p:spPr>
+        <p:txBody>
+          <a:bodyPr>
+            <a:normAutofit/>
+          </a:bodyPr>
+          <a:lstStyle/>
+          <a:p>
+            <a:r>
+              <a:rPr lang="en-US" dirty="0"/>
+              <a:t>Buzzer Overview</a:t>
             </a:r>
           </a:p>
         </p:txBody>
@@ -7423,19 +7765,99 @@
             <p:ph idx="1"/>
           </p:nvPr>
         </p:nvSpPr>
-        <p:spPr/>
-        <p:txBody>
-          <a:bodyPr/>
-          <a:lstStyle/>
-          <a:p>
-            <a:endParaRPr lang="en-US"/>
+        <p:spPr>
+          <a:xfrm>
+            <a:off x="366298" y="2421774"/>
+            <a:ext cx="5735244" cy="3785419"/>
+          </a:xfrm>
+        </p:spPr>
+        <p:txBody>
+          <a:bodyPr>
+            <a:normAutofit/>
+          </a:bodyPr>
+          <a:lstStyle/>
+          <a:p>
+            <a:pPr marL="457200" lvl="1" indent="0">
+              <a:lnSpc>
+                <a:spcPct val="80000"/>
+              </a:lnSpc>
+              <a:buNone/>
+            </a:pPr>
+            <a:r>
+              <a:rPr lang="en-US" b="1" dirty="0"/>
+              <a:t>Passive Buzzers</a:t>
+            </a:r>
+          </a:p>
+          <a:p>
+            <a:pPr lvl="2">
+              <a:lnSpc>
+                <a:spcPct val="80000"/>
+              </a:lnSpc>
+            </a:pPr>
+            <a:r>
+              <a:rPr lang="en-US" sz="2400" dirty="0"/>
+              <a:t>emits a tone when a voltage is applied across it. </a:t>
+            </a:r>
+          </a:p>
+          <a:p>
+            <a:pPr lvl="2">
+              <a:lnSpc>
+                <a:spcPct val="80000"/>
+              </a:lnSpc>
+            </a:pPr>
+            <a:r>
+              <a:rPr lang="en-US" sz="2400" dirty="0"/>
+              <a:t>requires a specific signal to generate a variety of tones</a:t>
+            </a:r>
+          </a:p>
+          <a:p>
+            <a:pPr marL="457200" lvl="1" indent="0">
+              <a:lnSpc>
+                <a:spcPct val="80000"/>
+              </a:lnSpc>
+              <a:buNone/>
+            </a:pPr>
+            <a:r>
+              <a:rPr lang="en-US" b="1" dirty="0"/>
+              <a:t>Active Buzzers</a:t>
+            </a:r>
+          </a:p>
+          <a:p>
+            <a:pPr lvl="2">
+              <a:lnSpc>
+                <a:spcPct val="80000"/>
+              </a:lnSpc>
+            </a:pPr>
+            <a:r>
+              <a:rPr lang="en-US" sz="2400" dirty="0"/>
+              <a:t>are a lot simpler to use</a:t>
+            </a:r>
+          </a:p>
+          <a:p>
+            <a:pPr lvl="2">
+              <a:lnSpc>
+                <a:spcPct val="80000"/>
+              </a:lnSpc>
+            </a:pPr>
+            <a:r>
+              <a:rPr lang="en-US" sz="2400" dirty="0"/>
+              <a:t>can be connected just like a LED</a:t>
+            </a:r>
+          </a:p>
+          <a:p>
+            <a:pPr lvl="1">
+              <a:lnSpc>
+                <a:spcPct val="80000"/>
+              </a:lnSpc>
+            </a:pPr>
+            <a:endParaRPr lang="en-US" dirty="0"/>
           </a:p>
         </p:txBody>
       </p:sp>
     </p:spTree>
     <p:extLst>
       <p:ext uri="{BB962C8B-B14F-4D97-AF65-F5344CB8AC3E}">
-        <p14:creationId xmlns:p14="http://schemas.microsoft.com/office/powerpoint/2010/main" val="1741616617"/>
+        <p14:creationId xmlns:p14="http://schemas.microsoft.com/office/powerpoint/2010/main" val="615127140"/>
       </p:ext>
     </p:extLst>
   </p:cSld>
@@ -7464,6 +7886,107 @@
       </p:grpSpPr>
       <p:sp>
         <p:nvSpPr>
+          <p:cNvPr id="136" name="Rectangle 135"/>
+          <p:cNvSpPr>
+            <a:spLocks noGrp="1" noRot="1" noChangeAspect="1" noMove="1" noResize="1" noEditPoints="1" noAdjustHandles="1" noChangeArrowheads="1" noChangeShapeType="1" noTextEdit="1"/>
+          </p:cNvSpPr>
+          <p:nvPr>
+            <p:extLst>
+              <p:ext uri="{386F3935-93C4-4BCD-93E2-E3B085C9AB24}">
+                <p16:designElem xmlns:p16="http://schemas.microsoft.com/office/powerpoint/2015/main" val="1"/>
+              </p:ext>
+            </p:extLst>
+          </p:nvPr>
+        </p:nvSpPr>
+        <p:spPr>
+          <a:xfrm>
+            <a:off x="0" y="2"/>
+            <a:ext cx="4636008" cy="6857998"/>
+          </a:xfrm>
+          <a:prstGeom prst="rect">
+            <a:avLst/>
+          </a:prstGeom>
+          <a:solidFill>
+            <a:schemeClr val="tx1">
+              <a:lumMod val="85000"/>
+              <a:lumOff val="15000"/>
+            </a:schemeClr>
+          </a:solidFill>
+          <a:ln>
+            <a:noFill/>
+          </a:ln>
+          <a:effectLst/>
+        </p:spPr>
+        <p:style>
+          <a:lnRef idx="1">
+            <a:schemeClr val="accent1"/>
+          </a:lnRef>
+          <a:fillRef idx="3">
+            <a:schemeClr val="accent1"/>
+          </a:fillRef>
+          <a:effectRef idx="2">
+            <a:schemeClr val="accent1"/>
+          </a:effectRef>
+          <a:fontRef idx="minor">
+            <a:schemeClr val="lt1"/>
+          </a:fontRef>
+        </p:style>
+        <p:txBody>
+          <a:bodyPr rtlCol="0" anchor="ctr"/>
+          <a:lstStyle/>
+          <a:p>
+            <a:pPr algn="ctr" defTabSz="457200"/>
+            <a:endParaRPr lang="en-US">
+              <a:solidFill>
+                <a:srgbClr val="FFFFFF"/>
+              </a:solidFill>
+              <a:latin typeface="Calibri" panose="020F0502020204030204"/>
+            </a:endParaRPr>
+          </a:p>
+        </p:txBody>
+      </p:sp>
+      <p:pic>
+        <p:nvPicPr>
+          <p:cNvPr id="5124" name="Picture 4" descr="buzzer"/>
+          <p:cNvPicPr>
+            <a:picLocks noChangeAspect="1" noChangeArrowheads="1"/>
+          </p:cNvPicPr>
+          <p:nvPr/>
+        </p:nvPicPr>
+        <p:blipFill rotWithShape="1">
+          <a:blip r:embed="rId2">
+            <a:extLst>
+              <a:ext uri="{28A0092B-C50C-407E-A947-70E740481C1C}">
+                <a14:useLocalDpi xmlns:a14="http://schemas.microsoft.com/office/drawing/2010/main" val="0"/>
+              </a:ext>
+            </a:extLst>
+          </a:blip>
+          <a:srcRect t="5743" r="2" b="2874"/>
+          <a:stretch/>
+        </p:blipFill>
+        <p:spPr bwMode="auto">
+          <a:xfrm>
+            <a:off x="5276088" y="640082"/>
+            <a:ext cx="6276250" cy="5577838"/>
+          </a:xfrm>
+          <a:prstGeom prst="rect">
+            <a:avLst/>
+          </a:prstGeom>
+          <a:noFill/>
+          <a:effectLst/>
+          <a:extLst>
+            <a:ext uri="{909E8E84-426E-40DD-AFC4-6F175D3DCCD1}">
+              <a14:hiddenFill xmlns:a14="http://schemas.microsoft.com/office/drawing/2010/main">
+                <a:solidFill>
+                  <a:srgbClr val="FFFFFF"/>
+                </a:solidFill>
+              </a14:hiddenFill>
+            </a:ext>
+          </a:extLst>
+        </p:spPr>
+      </p:pic>
+      <p:sp>
+        <p:nvSpPr>
           <p:cNvPr id="2" name="Title 1"/>
           <p:cNvSpPr>
             <a:spLocks noGrp="1"/>
@@ -7472,14 +7995,25 @@
             <p:ph type="title"/>
           </p:nvPr>
         </p:nvSpPr>
-        <p:spPr/>
-        <p:txBody>
-          <a:bodyPr/>
-          <a:lstStyle/>
-          <a:p>
-            <a:r>
-              <a:rPr lang="en-US" dirty="0"/>
-              <a:t>Setting up Left Wheel with Rp3</a:t>
+        <p:spPr>
+          <a:xfrm>
+            <a:off x="648929" y="629266"/>
+            <a:ext cx="3667039" cy="1676603"/>
+          </a:xfrm>
+        </p:spPr>
+        <p:txBody>
+          <a:bodyPr>
+            <a:normAutofit/>
+          </a:bodyPr>
+          <a:lstStyle/>
+          <a:p>
+            <a:r>
+              <a:rPr lang="en-US" sz="3600" dirty="0">
+                <a:solidFill>
+                  <a:schemeClr val="bg1"/>
+                </a:solidFill>
+              </a:rPr>
+              <a:t>Buzzer Exercise</a:t>
             </a:r>
           </a:p>
         </p:txBody>
@@ -7494,19 +8028,144 @@
             <p:ph idx="1"/>
           </p:nvPr>
         </p:nvSpPr>
-        <p:spPr/>
-        <p:txBody>
-          <a:bodyPr/>
-          <a:lstStyle/>
-          <a:p>
-            <a:endParaRPr lang="en-US"/>
+        <p:spPr>
+          <a:xfrm>
+            <a:off x="648931" y="2438401"/>
+            <a:ext cx="3667036" cy="3779520"/>
+          </a:xfrm>
+        </p:spPr>
+        <p:txBody>
+          <a:bodyPr>
+            <a:normAutofit/>
+          </a:bodyPr>
+          <a:lstStyle/>
+          <a:p>
+            <a:r>
+              <a:rPr lang="en-US" sz="1800" b="1" dirty="0">
+                <a:solidFill>
+                  <a:schemeClr val="bg1"/>
+                </a:solidFill>
+              </a:rPr>
+              <a:t>Buzzer</a:t>
+            </a:r>
+          </a:p>
+          <a:p>
+            <a:r>
+              <a:rPr lang="en-US" sz="1800" dirty="0">
+                <a:solidFill>
+                  <a:schemeClr val="bg1"/>
+                </a:solidFill>
+              </a:rPr>
+              <a:t>GPIO pin 17</a:t>
+            </a:r>
+          </a:p>
+          <a:p>
+            <a:r>
+              <a:rPr lang="en-US" sz="1800" dirty="0">
+                <a:solidFill>
+                  <a:schemeClr val="bg1"/>
+                </a:solidFill>
+              </a:rPr>
+              <a:t>GPIO pin Ground</a:t>
+            </a:r>
+          </a:p>
+          <a:p>
+            <a:r>
+              <a:rPr lang="en-US" altLang="ja-JP" sz="1800" i="1" dirty="0">
+                <a:solidFill>
+                  <a:schemeClr val="bg1"/>
+                </a:solidFill>
+              </a:rPr>
+              <a:t>Hint</a:t>
+            </a:r>
+            <a:r>
+              <a:rPr lang="ja-JP" altLang="en-US" sz="1800" i="1" dirty="0">
+                <a:solidFill>
+                  <a:schemeClr val="bg1"/>
+                </a:solidFill>
+              </a:rPr>
+              <a:t> </a:t>
+            </a:r>
+            <a:r>
+              <a:rPr lang="en-US" altLang="ja-JP" sz="1800" i="1" dirty="0">
+                <a:solidFill>
+                  <a:schemeClr val="bg1"/>
+                </a:solidFill>
+              </a:rPr>
+              <a:t>no</a:t>
+            </a:r>
+            <a:r>
+              <a:rPr lang="ja-JP" altLang="en-US" sz="1800" i="1" dirty="0">
+                <a:solidFill>
+                  <a:schemeClr val="bg1"/>
+                </a:solidFill>
+              </a:rPr>
+              <a:t> </a:t>
+            </a:r>
+            <a:r>
+              <a:rPr lang="en-US" altLang="ja-JP" sz="1800" i="1" dirty="0">
+                <a:solidFill>
+                  <a:schemeClr val="bg1"/>
+                </a:solidFill>
+              </a:rPr>
+              <a:t>need</a:t>
+            </a:r>
+            <a:r>
+              <a:rPr lang="ja-JP" altLang="en-US" sz="1800" i="1" dirty="0">
+                <a:solidFill>
+                  <a:schemeClr val="bg1"/>
+                </a:solidFill>
+              </a:rPr>
+              <a:t> </a:t>
+            </a:r>
+            <a:r>
+              <a:rPr lang="en-US" altLang="ja-JP" sz="1800" i="1" dirty="0">
+                <a:solidFill>
+                  <a:schemeClr val="bg1"/>
+                </a:solidFill>
+              </a:rPr>
+              <a:t>for</a:t>
+            </a:r>
+            <a:r>
+              <a:rPr lang="ja-JP" altLang="en-US" sz="1800" i="1" dirty="0">
+                <a:solidFill>
+                  <a:schemeClr val="bg1"/>
+                </a:solidFill>
+              </a:rPr>
+              <a:t> </a:t>
+            </a:r>
+            <a:r>
+              <a:rPr lang="en-US" altLang="ja-JP" sz="1800" i="1" dirty="0">
+                <a:solidFill>
+                  <a:schemeClr val="bg1"/>
+                </a:solidFill>
+              </a:rPr>
+              <a:t>resistors</a:t>
+            </a:r>
+          </a:p>
+          <a:p>
+            <a:endParaRPr lang="en-US" sz="1800" i="1" dirty="0">
+              <a:solidFill>
+                <a:schemeClr val="bg1"/>
+              </a:solidFill>
+            </a:endParaRPr>
+          </a:p>
+          <a:p>
+            <a:r>
+              <a:rPr lang="en-US" sz="1800" i="1" dirty="0">
+                <a:solidFill>
+                  <a:schemeClr val="bg1"/>
+                </a:solidFill>
+              </a:rPr>
+              <a:t>Can you make your buzzer make buzz?</a:t>
+            </a:r>
           </a:p>
         </p:txBody>
       </p:sp>
     </p:spTree>
     <p:extLst>
       <p:ext uri="{BB962C8B-B14F-4D97-AF65-F5344CB8AC3E}">
-        <p14:creationId xmlns:p14="http://schemas.microsoft.com/office/powerpoint/2010/main" val="2290919857"/>
+        <p14:creationId xmlns:p14="http://schemas.microsoft.com/office/powerpoint/2010/main" val="3589877555"/>
       </p:ext>
     </p:extLst>
   </p:cSld>
@@ -7533,6 +8192,89 @@
           <a:chExt cx="0" cy="0"/>
         </a:xfrm>
       </p:grpSpPr>
+      <p:pic>
+        <p:nvPicPr>
+          <p:cNvPr id="4" name="Picture 2" descr="http://razzpisampler.oreilly.com/images/rpck_1101.png"/>
+          <p:cNvPicPr>
+            <a:picLocks noChangeAspect="1" noChangeArrowheads="1"/>
+          </p:cNvPicPr>
+          <p:nvPr/>
+        </p:nvPicPr>
+        <p:blipFill rotWithShape="1">
+          <a:blip r:embed="rId2">
+            <a:extLst>
+              <a:ext uri="{28A0092B-C50C-407E-A947-70E740481C1C}">
+                <a14:useLocalDpi xmlns:a14="http://schemas.microsoft.com/office/drawing/2010/main" val="0"/>
+              </a:ext>
+            </a:extLst>
+          </a:blip>
+          <a:srcRect l="374" r="47242" b="2"/>
+          <a:stretch/>
+        </p:blipFill>
+        <p:spPr bwMode="auto">
+          <a:xfrm>
+            <a:off x="20" y="10"/>
+            <a:ext cx="4635571" cy="6857990"/>
+          </a:xfrm>
+          <a:prstGeom prst="rect">
+            <a:avLst/>
+          </a:prstGeom>
+          <a:noFill/>
+          <a:effectLst/>
+          <a:extLst>
+            <a:ext uri="{909E8E84-426E-40DD-AFC4-6F175D3DCCD1}">
+              <a14:hiddenFill xmlns:a14="http://schemas.microsoft.com/office/drawing/2010/main">
+                <a:solidFill>
+                  <a:srgbClr val="FFFFFF"/>
+                </a:solidFill>
+              </a14:hiddenFill>
+            </a:ext>
+          </a:extLst>
+        </p:spPr>
+      </p:pic>
+      <p:cxnSp>
+        <p:nvCxnSpPr>
+          <p:cNvPr id="8" name="Straight Connector 7"/>
+          <p:cNvCxnSpPr>
+            <a:cxnSpLocks noGrp="1" noRot="1" noChangeAspect="1" noMove="1" noResize="1" noEditPoints="1" noAdjustHandles="1" noChangeArrowheads="1" noChangeShapeType="1"/>
+          </p:cNvCxnSpPr>
+          <p:nvPr>
+            <p:extLst>
+              <p:ext uri="{386F3935-93C4-4BCD-93E2-E3B085C9AB24}">
+                <p16:designElem xmlns:p16="http://schemas.microsoft.com/office/powerpoint/2015/main" val="1"/>
+              </p:ext>
+            </p:extLst>
+          </p:nvPr>
+        </p:nvCxnSpPr>
+        <p:spPr>
+          <a:xfrm>
+            <a:off x="5080934" y="2115117"/>
+            <a:ext cx="6309360" cy="0"/>
+          </a:xfrm>
+          <a:prstGeom prst="line">
+            <a:avLst/>
+          </a:prstGeom>
+          <a:ln>
+            <a:solidFill>
+              <a:srgbClr val="3A5C42"/>
+            </a:solidFill>
+          </a:ln>
+        </p:spPr>
+        <p:style>
+          <a:lnRef idx="1">
+            <a:schemeClr val="accent1"/>
+          </a:lnRef>
+          <a:fillRef idx="0">
+            <a:schemeClr val="accent1"/>
+          </a:fillRef>
+          <a:effectRef idx="0">
+            <a:schemeClr val="accent1"/>
+          </a:effectRef>
+          <a:fontRef idx="minor">
+            <a:schemeClr val="tx1"/>
+          </a:fontRef>
+        </p:style>
+      </p:cxnSp>
       <p:sp>
         <p:nvSpPr>
           <p:cNvPr id="2" name="Title 1"/>
@@ -7543,14 +8285,29 @@
             <p:ph type="title"/>
           </p:nvPr>
         </p:nvSpPr>
-        <p:spPr/>
-        <p:txBody>
-          <a:bodyPr/>
-          <a:lstStyle/>
-          <a:p>
-            <a:r>
-              <a:rPr lang="en-US" dirty="0"/>
-              <a:t>Setting up Right Wheel with Rp3</a:t>
+        <p:spPr>
+          <a:xfrm>
+            <a:off x="4965430" y="629268"/>
+            <a:ext cx="6586491" cy="1286160"/>
+          </a:xfrm>
+        </p:spPr>
+        <p:txBody>
+          <a:bodyPr anchor="b">
+            <a:normAutofit fontScale="90000"/>
+          </a:bodyPr>
+          <a:lstStyle/>
+          <a:p>
+            <a:r>
+              <a:rPr lang="en-US" dirty="0"/>
+              <a:t>Demo: </a:t>
+            </a:r>
+            <a:r>
+              <a:rPr lang="en-US" dirty="0" err="1"/>
+              <a:t>GPIOZero</a:t>
+            </a:r>
+            <a:r>
+              <a:rPr lang="en-US" dirty="0"/>
+              <a:t> Buzzer Library</a:t>
             </a:r>
           </a:p>
         </p:txBody>
@@ -7565,19 +8322,58 @@
             <p:ph idx="1"/>
           </p:nvPr>
         </p:nvSpPr>
-        <p:spPr/>
-        <p:txBody>
-          <a:bodyPr/>
-          <a:lstStyle/>
-          <a:p>
-            <a:endParaRPr lang="en-US"/>
+        <p:spPr>
+          <a:xfrm>
+            <a:off x="4965431" y="2438400"/>
+            <a:ext cx="6586489" cy="3785419"/>
+          </a:xfrm>
+        </p:spPr>
+        <p:txBody>
+          <a:bodyPr>
+            <a:normAutofit/>
+          </a:bodyPr>
+          <a:lstStyle/>
+          <a:p>
+            <a:r>
+              <a:rPr lang="en-US" sz="2000" b="1" dirty="0"/>
+              <a:t>Button</a:t>
+            </a:r>
+          </a:p>
+          <a:p>
+            <a:r>
+              <a:rPr lang="en-US" sz="2000" dirty="0"/>
+              <a:t>GPIO pin 17</a:t>
+            </a:r>
+          </a:p>
+          <a:p>
+            <a:r>
+              <a:rPr lang="en-US" sz="2000" dirty="0"/>
+              <a:t>Ground Button</a:t>
+            </a:r>
+          </a:p>
+          <a:p>
+            <a:r>
+              <a:rPr lang="en-US" sz="2000" dirty="0"/>
+              <a:t>Using </a:t>
+            </a:r>
+            <a:r>
+              <a:rPr lang="en-US" sz="2000" dirty="0" err="1"/>
+              <a:t>GPIOZero</a:t>
+            </a:r>
+            <a:r>
+              <a:rPr lang="en-US" sz="2000" dirty="0"/>
+              <a:t> Library</a:t>
+            </a:r>
+          </a:p>
+          <a:p>
+            <a:endParaRPr lang="en-US" sz="2000" dirty="0"/>
           </a:p>
         </p:txBody>
       </p:sp>
     </p:spTree>
     <p:extLst>
       <p:ext uri="{BB962C8B-B14F-4D97-AF65-F5344CB8AC3E}">
-        <p14:creationId xmlns:p14="http://schemas.microsoft.com/office/powerpoint/2010/main" val="4271900370"/>
+        <p14:creationId xmlns:p14="http://schemas.microsoft.com/office/powerpoint/2010/main" val="706711351"/>
       </p:ext>
     </p:extLst>
   </p:cSld>
@@ -7621,7 +8417,7 @@
           <a:p>
             <a:r>
               <a:rPr lang="en-US" dirty="0"/>
-              <a:t>Going Forward</a:t>
+              <a:t>LED Project Node Red Project</a:t>
             </a:r>
           </a:p>
         </p:txBody>
@@ -7641,14 +8437,23 @@
           <a:bodyPr/>
           <a:lstStyle/>
           <a:p>
-            <a:endParaRPr lang="en-US"/>
+            <a:r>
+              <a:rPr lang="en-US" dirty="0">
+                <a:hlinkClick r:id="rId2"/>
+              </a:rPr>
+              <a:t>https://www.raspberrypi.org/learning/getting-started-with-node-red/worksheet/</a:t>
+            </a:r>
+            <a:endParaRPr lang="en-US" dirty="0"/>
+          </a:p>
+          <a:p>
+            <a:endParaRPr lang="en-US" dirty="0"/>
           </a:p>
         </p:txBody>
       </p:sp>
     </p:spTree>
     <p:extLst>
       <p:ext uri="{BB962C8B-B14F-4D97-AF65-F5344CB8AC3E}">
-        <p14:creationId xmlns:p14="http://schemas.microsoft.com/office/powerpoint/2010/main" val="997098735"/>
+        <p14:creationId xmlns:p14="http://schemas.microsoft.com/office/powerpoint/2010/main" val="1251222904"/>
       </p:ext>
     </p:extLst>
   </p:cSld>
@@ -7692,7 +8497,7 @@
           <a:p>
             <a:r>
               <a:rPr lang="en-US" dirty="0"/>
-              <a:t>Going in Reverse</a:t>
+              <a:t>Drone Car Part Overview</a:t>
             </a:r>
           </a:p>
         </p:txBody>
@@ -7719,7 +8524,7 @@
     </p:spTree>
     <p:extLst>
       <p:ext uri="{BB962C8B-B14F-4D97-AF65-F5344CB8AC3E}">
-        <p14:creationId xmlns:p14="http://schemas.microsoft.com/office/powerpoint/2010/main" val="1113329580"/>
+        <p14:creationId xmlns:p14="http://schemas.microsoft.com/office/powerpoint/2010/main" val="3840062048"/>
       </p:ext>
     </p:extLst>
   </p:cSld>
@@ -7763,7 +8568,7 @@
           <a:p>
             <a:r>
               <a:rPr lang="en-US" dirty="0"/>
-              <a:t>Turning Left</a:t>
+              <a:t>Keyboard Console App</a:t>
             </a:r>
           </a:p>
         </p:txBody>
@@ -7790,7 +8595,7 @@
     </p:spTree>
     <p:extLst>
       <p:ext uri="{BB962C8B-B14F-4D97-AF65-F5344CB8AC3E}">
-        <p14:creationId xmlns:p14="http://schemas.microsoft.com/office/powerpoint/2010/main" val="2871945435"/>
+        <p14:creationId xmlns:p14="http://schemas.microsoft.com/office/powerpoint/2010/main" val="1741616617"/>
       </p:ext>
     </p:extLst>
   </p:cSld>
@@ -7834,7 +8639,7 @@
           <a:p>
             <a:r>
               <a:rPr lang="en-US" dirty="0"/>
-              <a:t>Turning Right</a:t>
+              <a:t>Setting up Left Wheel with Rp3</a:t>
             </a:r>
           </a:p>
         </p:txBody>
@@ -7861,7 +8666,7 @@
     </p:spTree>
     <p:extLst>
       <p:ext uri="{BB962C8B-B14F-4D97-AF65-F5344CB8AC3E}">
-        <p14:creationId xmlns:p14="http://schemas.microsoft.com/office/powerpoint/2010/main" val="2408800527"/>
+        <p14:creationId xmlns:p14="http://schemas.microsoft.com/office/powerpoint/2010/main" val="2290919857"/>
       </p:ext>
     </p:extLst>
   </p:cSld>
@@ -7905,7 +8710,7 @@
           <a:p>
             <a:r>
               <a:rPr lang="en-US" dirty="0"/>
-              <a:t>Spinning Left/Spinning Right</a:t>
+              <a:t>Setting up Right Wheel with Rp3</a:t>
             </a:r>
           </a:p>
         </p:txBody>
@@ -7932,7 +8737,7 @@
     </p:spTree>
     <p:extLst>
       <p:ext uri="{BB962C8B-B14F-4D97-AF65-F5344CB8AC3E}">
-        <p14:creationId xmlns:p14="http://schemas.microsoft.com/office/powerpoint/2010/main" val="808923193"/>
+        <p14:creationId xmlns:p14="http://schemas.microsoft.com/office/powerpoint/2010/main" val="4271900370"/>
       </p:ext>
     </p:extLst>
   </p:cSld>
@@ -7976,7 +8781,7 @@
           <a:p>
             <a:r>
               <a:rPr lang="en-US" dirty="0"/>
-              <a:t>Installing Camera in Rp3</a:t>
+              <a:t>Going Forward</a:t>
             </a:r>
           </a:p>
         </p:txBody>
@@ -8003,7 +8808,7 @@
     </p:spTree>
     <p:extLst>
       <p:ext uri="{BB962C8B-B14F-4D97-AF65-F5344CB8AC3E}">
-        <p14:creationId xmlns:p14="http://schemas.microsoft.com/office/powerpoint/2010/main" val="1947557022"/>
+        <p14:creationId xmlns:p14="http://schemas.microsoft.com/office/powerpoint/2010/main" val="997098735"/>
       </p:ext>
     </p:extLst>
   </p:cSld>
@@ -8046,10 +8851,9 @@
           <a:lstStyle/>
           <a:p>
             <a:r>
-              <a:rPr lang="en-US" dirty="0" smtClean="0"/>
+              <a:rPr lang="en-US" dirty="0"/>
               <a:t>Wireless Hardware</a:t>
             </a:r>
-            <a:endParaRPr lang="en-US" dirty="0"/>
           </a:p>
         </p:txBody>
       </p:sp>
@@ -8074,30 +8878,21 @@
           <a:lstStyle/>
           <a:p>
             <a:r>
-              <a:rPr lang="en-US" dirty="0" smtClean="0"/>
-              <a:t>Broadcom </a:t>
-            </a:r>
-            <a:r>
-              <a:rPr lang="en-US" dirty="0"/>
-              <a:t>BCM43438 chip provides 2.4GHz 802.11n wireless LAN, Bluetooth Low Energy, and Bluetooth 4.1 Classic radio </a:t>
-            </a:r>
-            <a:r>
-              <a:rPr lang="en-US" dirty="0" smtClean="0"/>
-              <a:t>support</a:t>
-            </a:r>
-          </a:p>
-          <a:p>
-            <a:r>
-              <a:rPr lang="en-US" dirty="0" smtClean="0"/>
+              <a:rPr lang="en-US" dirty="0"/>
+              <a:t>Broadcom BCM43438 chip provides 2.4GHz 802.11n wireless LAN, Bluetooth Low Energy, and Bluetooth 4.1 Classic radio support</a:t>
+            </a:r>
+          </a:p>
+          <a:p>
+            <a:r>
+              <a:rPr lang="en-US" dirty="0"/>
               <a:t>Antenna built on to board</a:t>
             </a:r>
           </a:p>
           <a:p>
             <a:r>
-              <a:rPr lang="en-US" dirty="0" smtClean="0"/>
+              <a:rPr lang="en-US" dirty="0"/>
               <a:t>No need for external antenna</a:t>
             </a:r>
-            <a:endParaRPr lang="en-US" dirty="0"/>
           </a:p>
         </p:txBody>
       </p:sp>
@@ -8230,7 +9025,7 @@
           <a:p>
             <a:r>
               <a:rPr lang="en-US" dirty="0"/>
-              <a:t>Standard Web Camera</a:t>
+              <a:t>Going in Reverse</a:t>
             </a:r>
           </a:p>
         </p:txBody>
@@ -8257,7 +9052,7 @@
     </p:spTree>
     <p:extLst>
       <p:ext uri="{BB962C8B-B14F-4D97-AF65-F5344CB8AC3E}">
-        <p14:creationId xmlns:p14="http://schemas.microsoft.com/office/powerpoint/2010/main" val="3253176025"/>
+        <p14:creationId xmlns:p14="http://schemas.microsoft.com/office/powerpoint/2010/main" val="1113329580"/>
       </p:ext>
     </p:extLst>
   </p:cSld>
@@ -8301,7 +9096,7 @@
           <a:p>
             <a:r>
               <a:rPr lang="en-US" dirty="0"/>
-              <a:t>Raspberry Pi 3 Camera</a:t>
+              <a:t>Turning Left</a:t>
             </a:r>
           </a:p>
         </p:txBody>
@@ -8328,7 +9123,7 @@
     </p:spTree>
     <p:extLst>
       <p:ext uri="{BB962C8B-B14F-4D97-AF65-F5344CB8AC3E}">
-        <p14:creationId xmlns:p14="http://schemas.microsoft.com/office/powerpoint/2010/main" val="3546370642"/>
+        <p14:creationId xmlns:p14="http://schemas.microsoft.com/office/powerpoint/2010/main" val="2871945435"/>
       </p:ext>
     </p:extLst>
   </p:cSld>
@@ -8372,13 +9167,8 @@
           <a:p>
             <a:r>
               <a:rPr lang="en-US" dirty="0"/>
-              <a:t>Installing </a:t>
-            </a:r>
-            <a:r>
-              <a:rPr lang="en-US" dirty="0" err="1"/>
-              <a:t>WebServer</a:t>
-            </a:r>
-            <a:endParaRPr lang="en-US" dirty="0"/>
+              <a:t>Turning Right</a:t>
+            </a:r>
           </a:p>
         </p:txBody>
       </p:sp>
@@ -8404,7 +9194,7 @@
     </p:spTree>
     <p:extLst>
       <p:ext uri="{BB962C8B-B14F-4D97-AF65-F5344CB8AC3E}">
-        <p14:creationId xmlns:p14="http://schemas.microsoft.com/office/powerpoint/2010/main" val="356162134"/>
+        <p14:creationId xmlns:p14="http://schemas.microsoft.com/office/powerpoint/2010/main" val="2408800527"/>
       </p:ext>
     </p:extLst>
   </p:cSld>
@@ -8448,7 +9238,7 @@
           <a:p>
             <a:r>
               <a:rPr lang="en-US" dirty="0"/>
-              <a:t>Installing NPM, Bower</a:t>
+              <a:t>Spinning Left/Spinning Right</a:t>
             </a:r>
           </a:p>
         </p:txBody>
@@ -8475,7 +9265,7 @@
     </p:spTree>
     <p:extLst>
       <p:ext uri="{BB962C8B-B14F-4D97-AF65-F5344CB8AC3E}">
-        <p14:creationId xmlns:p14="http://schemas.microsoft.com/office/powerpoint/2010/main" val="3908743277"/>
+        <p14:creationId xmlns:p14="http://schemas.microsoft.com/office/powerpoint/2010/main" val="808923193"/>
       </p:ext>
     </p:extLst>
   </p:cSld>
@@ -8519,7 +9309,7 @@
           <a:p>
             <a:r>
               <a:rPr lang="en-US" dirty="0"/>
-              <a:t>Installing Flak Web Server</a:t>
+              <a:t>Installing Camera in Rp3</a:t>
             </a:r>
           </a:p>
         </p:txBody>
@@ -8546,7 +9336,7 @@
     </p:spTree>
     <p:extLst>
       <p:ext uri="{BB962C8B-B14F-4D97-AF65-F5344CB8AC3E}">
-        <p14:creationId xmlns:p14="http://schemas.microsoft.com/office/powerpoint/2010/main" val="431776766"/>
+        <p14:creationId xmlns:p14="http://schemas.microsoft.com/office/powerpoint/2010/main" val="1947557022"/>
       </p:ext>
     </p:extLst>
   </p:cSld>
@@ -8590,7 +9380,7 @@
           <a:p>
             <a:r>
               <a:rPr lang="en-US" dirty="0"/>
-              <a:t>Coding Mobile Application</a:t>
+              <a:t>Standard Web Camera</a:t>
             </a:r>
           </a:p>
         </p:txBody>
@@ -8617,7 +9407,7 @@
     </p:spTree>
     <p:extLst>
       <p:ext uri="{BB962C8B-B14F-4D97-AF65-F5344CB8AC3E}">
-        <p14:creationId xmlns:p14="http://schemas.microsoft.com/office/powerpoint/2010/main" val="4252861944"/>
+        <p14:creationId xmlns:p14="http://schemas.microsoft.com/office/powerpoint/2010/main" val="3253176025"/>
       </p:ext>
     </p:extLst>
   </p:cSld>
@@ -8661,7 +9451,7 @@
           <a:p>
             <a:r>
               <a:rPr lang="en-US" dirty="0"/>
-              <a:t>Wiring up web services to Motors</a:t>
+              <a:t>Raspberry Pi 3 Camera</a:t>
             </a:r>
           </a:p>
         </p:txBody>
@@ -8688,7 +9478,225 @@
     </p:spTree>
     <p:extLst>
       <p:ext uri="{BB962C8B-B14F-4D97-AF65-F5344CB8AC3E}">
-        <p14:creationId xmlns:p14="http://schemas.microsoft.com/office/powerpoint/2010/main" val="2392235267"/>
+        <p14:creationId xmlns:p14="http://schemas.microsoft.com/office/powerpoint/2010/main" val="3546370642"/>
+      </p:ext>
+    </p:extLst>
+  </p:cSld>
+  <p:clrMapOvr>
+    <a:masterClrMapping/>
+  </p:clrMapOvr>
+</p:sld>
+</file>
+
+<file path=ppt/slides/slide47.xml><?xml version="1.0" encoding="utf-8"?>
+<p:sld xmlns:a="http://schemas.openxmlformats.org/drawingml/2006/main" xmlns:r="http://schemas.openxmlformats.org/officeDocument/2006/relationships" xmlns:p="http://schemas.openxmlformats.org/presentationml/2006/main">
+  <p:cSld>
+    <p:spTree>
+      <p:nvGrpSpPr>
+        <p:cNvPr id="1" name=""/>
+        <p:cNvGrpSpPr/>
+        <p:nvPr/>
+      </p:nvGrpSpPr>
+      <p:grpSpPr>
+        <a:xfrm>
+          <a:off x="0" y="0"/>
+          <a:ext cx="0" cy="0"/>
+          <a:chOff x="0" y="0"/>
+          <a:chExt cx="0" cy="0"/>
+        </a:xfrm>
+      </p:grpSpPr>
+      <p:sp>
+        <p:nvSpPr>
+          <p:cNvPr id="2" name="Title 1"/>
+          <p:cNvSpPr>
+            <a:spLocks noGrp="1"/>
+          </p:cNvSpPr>
+          <p:nvPr>
+            <p:ph type="title"/>
+          </p:nvPr>
+        </p:nvSpPr>
+        <p:spPr/>
+        <p:txBody>
+          <a:bodyPr/>
+          <a:lstStyle/>
+          <a:p>
+            <a:r>
+              <a:rPr lang="en-US" dirty="0"/>
+              <a:t>Installing </a:t>
+            </a:r>
+            <a:r>
+              <a:rPr lang="en-US" dirty="0" err="1"/>
+              <a:t>WebServer</a:t>
+            </a:r>
+            <a:endParaRPr lang="en-US" dirty="0"/>
+          </a:p>
+        </p:txBody>
+      </p:sp>
+      <p:sp>
+        <p:nvSpPr>
+          <p:cNvPr id="3" name="Content Placeholder 2"/>
+          <p:cNvSpPr>
+            <a:spLocks noGrp="1"/>
+          </p:cNvSpPr>
+          <p:nvPr>
+            <p:ph idx="1"/>
+          </p:nvPr>
+        </p:nvSpPr>
+        <p:spPr/>
+        <p:txBody>
+          <a:bodyPr/>
+          <a:lstStyle/>
+          <a:p>
+            <a:endParaRPr lang="en-US"/>
+          </a:p>
+        </p:txBody>
+      </p:sp>
+    </p:spTree>
+    <p:extLst>
+      <p:ext uri="{BB962C8B-B14F-4D97-AF65-F5344CB8AC3E}">
+        <p14:creationId xmlns:p14="http://schemas.microsoft.com/office/powerpoint/2010/main" val="356162134"/>
+      </p:ext>
+    </p:extLst>
+  </p:cSld>
+  <p:clrMapOvr>
+    <a:masterClrMapping/>
+  </p:clrMapOvr>
+</p:sld>
+</file>
+
+<file path=ppt/slides/slide48.xml><?xml version="1.0" encoding="utf-8"?>
+<p:sld xmlns:a="http://schemas.openxmlformats.org/drawingml/2006/main" xmlns:r="http://schemas.openxmlformats.org/officeDocument/2006/relationships" xmlns:p="http://schemas.openxmlformats.org/presentationml/2006/main">
+  <p:cSld>
+    <p:spTree>
+      <p:nvGrpSpPr>
+        <p:cNvPr id="1" name=""/>
+        <p:cNvGrpSpPr/>
+        <p:nvPr/>
+      </p:nvGrpSpPr>
+      <p:grpSpPr>
+        <a:xfrm>
+          <a:off x="0" y="0"/>
+          <a:ext cx="0" cy="0"/>
+          <a:chOff x="0" y="0"/>
+          <a:chExt cx="0" cy="0"/>
+        </a:xfrm>
+      </p:grpSpPr>
+      <p:sp>
+        <p:nvSpPr>
+          <p:cNvPr id="2" name="Title 1"/>
+          <p:cNvSpPr>
+            <a:spLocks noGrp="1"/>
+          </p:cNvSpPr>
+          <p:nvPr>
+            <p:ph type="title"/>
+          </p:nvPr>
+        </p:nvSpPr>
+        <p:spPr/>
+        <p:txBody>
+          <a:bodyPr/>
+          <a:lstStyle/>
+          <a:p>
+            <a:r>
+              <a:rPr lang="en-US" dirty="0"/>
+              <a:t>Installing NPM, Bower</a:t>
+            </a:r>
+          </a:p>
+        </p:txBody>
+      </p:sp>
+      <p:sp>
+        <p:nvSpPr>
+          <p:cNvPr id="3" name="Content Placeholder 2"/>
+          <p:cNvSpPr>
+            <a:spLocks noGrp="1"/>
+          </p:cNvSpPr>
+          <p:nvPr>
+            <p:ph idx="1"/>
+          </p:nvPr>
+        </p:nvSpPr>
+        <p:spPr/>
+        <p:txBody>
+          <a:bodyPr/>
+          <a:lstStyle/>
+          <a:p>
+            <a:endParaRPr lang="en-US"/>
+          </a:p>
+        </p:txBody>
+      </p:sp>
+    </p:spTree>
+    <p:extLst>
+      <p:ext uri="{BB962C8B-B14F-4D97-AF65-F5344CB8AC3E}">
+        <p14:creationId xmlns:p14="http://schemas.microsoft.com/office/powerpoint/2010/main" val="3908743277"/>
+      </p:ext>
+    </p:extLst>
+  </p:cSld>
+  <p:clrMapOvr>
+    <a:masterClrMapping/>
+  </p:clrMapOvr>
+</p:sld>
+</file>
+
+<file path=ppt/slides/slide49.xml><?xml version="1.0" encoding="utf-8"?>
+<p:sld xmlns:a="http://schemas.openxmlformats.org/drawingml/2006/main" xmlns:r="http://schemas.openxmlformats.org/officeDocument/2006/relationships" xmlns:p="http://schemas.openxmlformats.org/presentationml/2006/main">
+  <p:cSld>
+    <p:spTree>
+      <p:nvGrpSpPr>
+        <p:cNvPr id="1" name=""/>
+        <p:cNvGrpSpPr/>
+        <p:nvPr/>
+      </p:nvGrpSpPr>
+      <p:grpSpPr>
+        <a:xfrm>
+          <a:off x="0" y="0"/>
+          <a:ext cx="0" cy="0"/>
+          <a:chOff x="0" y="0"/>
+          <a:chExt cx="0" cy="0"/>
+        </a:xfrm>
+      </p:grpSpPr>
+      <p:sp>
+        <p:nvSpPr>
+          <p:cNvPr id="2" name="Title 1"/>
+          <p:cNvSpPr>
+            <a:spLocks noGrp="1"/>
+          </p:cNvSpPr>
+          <p:nvPr>
+            <p:ph type="title"/>
+          </p:nvPr>
+        </p:nvSpPr>
+        <p:spPr/>
+        <p:txBody>
+          <a:bodyPr/>
+          <a:lstStyle/>
+          <a:p>
+            <a:r>
+              <a:rPr lang="en-US" dirty="0"/>
+              <a:t>Installing Flak Web Server</a:t>
+            </a:r>
+          </a:p>
+        </p:txBody>
+      </p:sp>
+      <p:sp>
+        <p:nvSpPr>
+          <p:cNvPr id="3" name="Content Placeholder 2"/>
+          <p:cNvSpPr>
+            <a:spLocks noGrp="1"/>
+          </p:cNvSpPr>
+          <p:nvPr>
+            <p:ph idx="1"/>
+          </p:nvPr>
+        </p:nvSpPr>
+        <p:spPr/>
+        <p:txBody>
+          <a:bodyPr/>
+          <a:lstStyle/>
+          <a:p>
+            <a:endParaRPr lang="en-US"/>
+          </a:p>
+        </p:txBody>
+      </p:sp>
+    </p:spTree>
+    <p:extLst>
+      <p:ext uri="{BB962C8B-B14F-4D97-AF65-F5344CB8AC3E}">
+        <p14:creationId xmlns:p14="http://schemas.microsoft.com/office/powerpoint/2010/main" val="431776766"/>
       </p:ext>
     </p:extLst>
   </p:cSld>
@@ -8731,14 +9739,13 @@
           <a:lstStyle/>
           <a:p>
             <a:r>
-              <a:rPr lang="en-US" dirty="0" err="1" smtClean="0"/>
+              <a:rPr lang="en-US" dirty="0" err="1"/>
               <a:t>SoC</a:t>
             </a:r>
             <a:r>
-              <a:rPr lang="en-US" dirty="0" smtClean="0"/>
+              <a:rPr lang="en-US" dirty="0"/>
               <a:t> – System on Chip</a:t>
             </a:r>
-            <a:endParaRPr lang="en-US" dirty="0"/>
           </a:p>
         </p:txBody>
       </p:sp>
@@ -8776,55 +9783,53 @@
               <a:rPr lang="en-US" dirty="0"/>
               <a:t>) </a:t>
             </a:r>
-            <a:endParaRPr lang="en-US" dirty="0" smtClean="0"/>
-          </a:p>
-          <a:p>
-            <a:r>
-              <a:rPr lang="en-US" dirty="0" smtClean="0"/>
+          </a:p>
+          <a:p>
+            <a:r>
+              <a:rPr lang="en-US" dirty="0"/>
               <a:t>4 ARM Cortex-A53 Processing Cores</a:t>
             </a:r>
           </a:p>
           <a:p>
             <a:r>
-              <a:rPr lang="en-US" dirty="0" smtClean="0"/>
+              <a:rPr lang="en-US" dirty="0"/>
               <a:t>Each Core 1.2GHz</a:t>
             </a:r>
           </a:p>
           <a:p>
             <a:r>
-              <a:rPr lang="en-US" dirty="0" smtClean="0"/>
+              <a:rPr lang="en-US" dirty="0"/>
               <a:t>32kB Level 1 Cache</a:t>
             </a:r>
           </a:p>
           <a:p>
             <a:r>
-              <a:rPr lang="en-US" dirty="0" smtClean="0"/>
+              <a:rPr lang="en-US" dirty="0"/>
               <a:t>512 kB Level 2 Cache</a:t>
             </a:r>
           </a:p>
           <a:p>
             <a:r>
-              <a:rPr lang="en-US" dirty="0" err="1" smtClean="0"/>
+              <a:rPr lang="en-US" dirty="0" err="1"/>
               <a:t>VideoCore</a:t>
             </a:r>
             <a:r>
-              <a:rPr lang="en-US" dirty="0" smtClean="0"/>
+              <a:rPr lang="en-US" dirty="0"/>
               <a:t> IV Graphics Processor</a:t>
             </a:r>
           </a:p>
           <a:p>
             <a:pPr lvl="1"/>
             <a:r>
-              <a:rPr lang="en-US" dirty="0" smtClean="0"/>
+              <a:rPr lang="en-US" dirty="0"/>
               <a:t>(supports 4K)</a:t>
             </a:r>
           </a:p>
           <a:p>
             <a:r>
-              <a:rPr lang="en-US" dirty="0" smtClean="0"/>
+              <a:rPr lang="en-US" dirty="0"/>
               <a:t>1 GB LPDDR2 Memory on rear of board</a:t>
             </a:r>
-            <a:endParaRPr lang="en-US" dirty="0"/>
           </a:p>
         </p:txBody>
       </p:sp>
@@ -8882,6 +9887,148 @@
 </p:sld>
 </file>
 
+<file path=ppt/slides/slide50.xml><?xml version="1.0" encoding="utf-8"?>
+<p:sld xmlns:a="http://schemas.openxmlformats.org/drawingml/2006/main" xmlns:r="http://schemas.openxmlformats.org/officeDocument/2006/relationships" xmlns:p="http://schemas.openxmlformats.org/presentationml/2006/main">
+  <p:cSld>
+    <p:spTree>
+      <p:nvGrpSpPr>
+        <p:cNvPr id="1" name=""/>
+        <p:cNvGrpSpPr/>
+        <p:nvPr/>
+      </p:nvGrpSpPr>
+      <p:grpSpPr>
+        <a:xfrm>
+          <a:off x="0" y="0"/>
+          <a:ext cx="0" cy="0"/>
+          <a:chOff x="0" y="0"/>
+          <a:chExt cx="0" cy="0"/>
+        </a:xfrm>
+      </p:grpSpPr>
+      <p:sp>
+        <p:nvSpPr>
+          <p:cNvPr id="2" name="Title 1"/>
+          <p:cNvSpPr>
+            <a:spLocks noGrp="1"/>
+          </p:cNvSpPr>
+          <p:nvPr>
+            <p:ph type="title"/>
+          </p:nvPr>
+        </p:nvSpPr>
+        <p:spPr/>
+        <p:txBody>
+          <a:bodyPr/>
+          <a:lstStyle/>
+          <a:p>
+            <a:r>
+              <a:rPr lang="en-US" dirty="0"/>
+              <a:t>Coding Mobile Application</a:t>
+            </a:r>
+          </a:p>
+        </p:txBody>
+      </p:sp>
+      <p:sp>
+        <p:nvSpPr>
+          <p:cNvPr id="3" name="Content Placeholder 2"/>
+          <p:cNvSpPr>
+            <a:spLocks noGrp="1"/>
+          </p:cNvSpPr>
+          <p:nvPr>
+            <p:ph idx="1"/>
+          </p:nvPr>
+        </p:nvSpPr>
+        <p:spPr/>
+        <p:txBody>
+          <a:bodyPr/>
+          <a:lstStyle/>
+          <a:p>
+            <a:endParaRPr lang="en-US"/>
+          </a:p>
+        </p:txBody>
+      </p:sp>
+    </p:spTree>
+    <p:extLst>
+      <p:ext uri="{BB962C8B-B14F-4D97-AF65-F5344CB8AC3E}">
+        <p14:creationId xmlns:p14="http://schemas.microsoft.com/office/powerpoint/2010/main" val="4252861944"/>
+      </p:ext>
+    </p:extLst>
+  </p:cSld>
+  <p:clrMapOvr>
+    <a:masterClrMapping/>
+  </p:clrMapOvr>
+</p:sld>
+</file>
+
+<file path=ppt/slides/slide51.xml><?xml version="1.0" encoding="utf-8"?>
+<p:sld xmlns:a="http://schemas.openxmlformats.org/drawingml/2006/main" xmlns:r="http://schemas.openxmlformats.org/officeDocument/2006/relationships" xmlns:p="http://schemas.openxmlformats.org/presentationml/2006/main">
+  <p:cSld>
+    <p:spTree>
+      <p:nvGrpSpPr>
+        <p:cNvPr id="1" name=""/>
+        <p:cNvGrpSpPr/>
+        <p:nvPr/>
+      </p:nvGrpSpPr>
+      <p:grpSpPr>
+        <a:xfrm>
+          <a:off x="0" y="0"/>
+          <a:ext cx="0" cy="0"/>
+          <a:chOff x="0" y="0"/>
+          <a:chExt cx="0" cy="0"/>
+        </a:xfrm>
+      </p:grpSpPr>
+      <p:sp>
+        <p:nvSpPr>
+          <p:cNvPr id="2" name="Title 1"/>
+          <p:cNvSpPr>
+            <a:spLocks noGrp="1"/>
+          </p:cNvSpPr>
+          <p:nvPr>
+            <p:ph type="title"/>
+          </p:nvPr>
+        </p:nvSpPr>
+        <p:spPr/>
+        <p:txBody>
+          <a:bodyPr/>
+          <a:lstStyle/>
+          <a:p>
+            <a:r>
+              <a:rPr lang="en-US" dirty="0"/>
+              <a:t>Wiring up web services to Motors</a:t>
+            </a:r>
+          </a:p>
+        </p:txBody>
+      </p:sp>
+      <p:sp>
+        <p:nvSpPr>
+          <p:cNvPr id="3" name="Content Placeholder 2"/>
+          <p:cNvSpPr>
+            <a:spLocks noGrp="1"/>
+          </p:cNvSpPr>
+          <p:nvPr>
+            <p:ph idx="1"/>
+          </p:nvPr>
+        </p:nvSpPr>
+        <p:spPr/>
+        <p:txBody>
+          <a:bodyPr/>
+          <a:lstStyle/>
+          <a:p>
+            <a:endParaRPr lang="en-US"/>
+          </a:p>
+        </p:txBody>
+      </p:sp>
+    </p:spTree>
+    <p:extLst>
+      <p:ext uri="{BB962C8B-B14F-4D97-AF65-F5344CB8AC3E}">
+        <p14:creationId xmlns:p14="http://schemas.microsoft.com/office/powerpoint/2010/main" val="2392235267"/>
+      </p:ext>
+    </p:extLst>
+  </p:cSld>
+  <p:clrMapOvr>
+    <a:masterClrMapping/>
+  </p:clrMapOvr>
+</p:sld>
+</file>
+
 <file path=ppt/slides/slide6.xml><?xml version="1.0" encoding="utf-8"?>
 <p:sld xmlns:a="http://schemas.openxmlformats.org/drawingml/2006/main" xmlns:r="http://schemas.openxmlformats.org/officeDocument/2006/relationships" xmlns:p="http://schemas.openxmlformats.org/presentationml/2006/main">
   <p:cSld>
@@ -8915,10 +10062,9 @@
           <a:lstStyle/>
           <a:p>
             <a:r>
-              <a:rPr lang="en-US" dirty="0" smtClean="0"/>
+              <a:rPr lang="en-US" dirty="0"/>
               <a:t>GPIO (General Purpose Input/Output)</a:t>
             </a:r>
-            <a:endParaRPr lang="en-US" dirty="0"/>
           </a:p>
         </p:txBody>
       </p:sp>
@@ -8945,13 +10091,13 @@
           <a:lstStyle/>
           <a:p>
             <a:r>
-              <a:rPr lang="en-US" dirty="0" smtClean="0"/>
+              <a:rPr lang="en-US" dirty="0"/>
               <a:t>40 GPIO Pins </a:t>
             </a:r>
           </a:p>
           <a:p>
             <a:r>
-              <a:rPr lang="en-US" dirty="0" smtClean="0"/>
+              <a:rPr lang="en-US" dirty="0"/>
               <a:t>With Following Configurations</a:t>
             </a:r>
           </a:p>
@@ -9024,9 +10170,27 @@
             <a:tbl>
               <a:tblPr/>
               <a:tblGrid>
-                <a:gridCol w="1575919"/>
-                <a:gridCol w="1575919"/>
-                <a:gridCol w="1575919"/>
+                <a:gridCol w="1575919">
+                  <a:extLst>
+                    <a:ext uri="{9D8B030D-6E8A-4147-A177-3AD203B41FA5}">
+                      <a16:colId xmlns:a16="http://schemas.microsoft.com/office/drawing/2014/main" val="20000"/>
+                    </a:ext>
+                  </a:extLst>
+                </a:gridCol>
+                <a:gridCol w="1575919">
+                  <a:extLst>
+                    <a:ext uri="{9D8B030D-6E8A-4147-A177-3AD203B41FA5}">
+                      <a16:colId xmlns:a16="http://schemas.microsoft.com/office/drawing/2014/main" val="20001"/>
+                    </a:ext>
+                  </a:extLst>
+                </a:gridCol>
+                <a:gridCol w="1575919">
+                  <a:extLst>
+                    <a:ext uri="{9D8B030D-6E8A-4147-A177-3AD203B41FA5}">
+                      <a16:colId xmlns:a16="http://schemas.microsoft.com/office/drawing/2014/main" val="20002"/>
+                    </a:ext>
+                  </a:extLst>
+                </a:gridCol>
               </a:tblGrid>
               <a:tr h="902739">
                 <a:tc>
@@ -9194,6 +10358,11 @@
                     </a:solidFill>
                   </a:tcPr>
                 </a:tc>
+                <a:extLst>
+                  <a:ext uri="{0D108BD9-81ED-4DB2-BD59-A6C34878D82A}">
+                    <a16:rowId xmlns:a16="http://schemas.microsoft.com/office/drawing/2014/main" val="10000"/>
+                  </a:ext>
+                </a:extLst>
               </a:tr>
               <a:tr h="902739">
                 <a:tc>
@@ -9361,6 +10530,11 @@
                     </a:solidFill>
                   </a:tcPr>
                 </a:tc>
+                <a:extLst>
+                  <a:ext uri="{0D108BD9-81ED-4DB2-BD59-A6C34878D82A}">
+                    <a16:rowId xmlns:a16="http://schemas.microsoft.com/office/drawing/2014/main" val="10001"/>
+                  </a:ext>
+                </a:extLst>
               </a:tr>
               <a:tr h="493952">
                 <a:tc>
@@ -9528,6 +10702,11 @@
                     </a:solidFill>
                   </a:tcPr>
                 </a:tc>
+                <a:extLst>
+                  <a:ext uri="{0D108BD9-81ED-4DB2-BD59-A6C34878D82A}">
+                    <a16:rowId xmlns:a16="http://schemas.microsoft.com/office/drawing/2014/main" val="10002"/>
+                  </a:ext>
+                </a:extLst>
               </a:tr>
               <a:tr h="1107133">
                 <a:tc>
@@ -9695,6 +10874,11 @@
                     </a:solidFill>
                   </a:tcPr>
                 </a:tc>
+                <a:extLst>
+                  <a:ext uri="{0D108BD9-81ED-4DB2-BD59-A6C34878D82A}">
+                    <a16:rowId xmlns:a16="http://schemas.microsoft.com/office/drawing/2014/main" val="10003"/>
+                  </a:ext>
+                </a:extLst>
               </a:tr>
             </a:tbl>
           </a:graphicData>
@@ -9746,10 +10930,9 @@
           <a:lstStyle/>
           <a:p>
             <a:r>
-              <a:rPr lang="en-US" dirty="0" smtClean="0"/>
+              <a:rPr lang="en-US" dirty="0"/>
               <a:t>USB chip</a:t>
             </a:r>
-            <a:endParaRPr lang="en-US" dirty="0"/>
           </a:p>
         </p:txBody>
       </p:sp>
@@ -9776,33 +10959,33 @@
           <a:lstStyle/>
           <a:p>
             <a:r>
-              <a:rPr lang="en-US" dirty="0" smtClean="0"/>
+              <a:rPr lang="en-US" dirty="0"/>
               <a:t>4 USB Channels</a:t>
             </a:r>
           </a:p>
           <a:p>
             <a:r>
-              <a:rPr lang="en-US" dirty="0" smtClean="0"/>
+              <a:rPr lang="en-US" dirty="0"/>
               <a:t>SMSC chips to </a:t>
             </a:r>
             <a:r>
-              <a:rPr lang="en-US" dirty="0" err="1" smtClean="0"/>
+              <a:rPr lang="en-US" dirty="0" err="1"/>
               <a:t>SoC</a:t>
             </a:r>
             <a:r>
-              <a:rPr lang="en-US" dirty="0" smtClean="0"/>
+              <a:rPr lang="en-US" dirty="0"/>
               <a:t> via single USB Channel</a:t>
             </a:r>
           </a:p>
           <a:p>
             <a:r>
-              <a:rPr lang="en-US" dirty="0" smtClean="0"/>
+              <a:rPr lang="en-US" dirty="0"/>
               <a:t>Acts as USB-to-Ethernet Adapter</a:t>
             </a:r>
           </a:p>
           <a:p>
             <a:r>
-              <a:rPr lang="en-US" dirty="0" smtClean="0"/>
+              <a:rPr lang="en-US" dirty="0"/>
               <a:t>Acts as USB Hub</a:t>
             </a:r>
           </a:p>
@@ -9895,10 +11078,9 @@
           <a:lstStyle/>
           <a:p>
             <a:r>
-              <a:rPr lang="en-US" dirty="0" smtClean="0"/>
+              <a:rPr lang="en-US" dirty="0"/>
               <a:t>Software Install</a:t>
             </a:r>
-            <a:endParaRPr lang="en-US" dirty="0"/>
           </a:p>
         </p:txBody>
       </p:sp>
@@ -9920,15 +11102,15 @@
           <a:lstStyle/>
           <a:p>
             <a:r>
-              <a:rPr lang="en-US" dirty="0" smtClean="0"/>
+              <a:rPr lang="en-US" dirty="0"/>
               <a:t>Download </a:t>
             </a:r>
             <a:r>
-              <a:rPr lang="en-US" dirty="0" err="1" smtClean="0"/>
+              <a:rPr lang="en-US" dirty="0" err="1"/>
               <a:t>Raspbian</a:t>
             </a:r>
             <a:r>
-              <a:rPr lang="en-US" dirty="0" smtClean="0"/>
+              <a:rPr lang="en-US" dirty="0"/>
               <a:t> OS .zip folder</a:t>
             </a:r>
           </a:p>
@@ -9938,27 +11120,21 @@
               <a:rPr lang="en-US" dirty="0">
                 <a:hlinkClick r:id="rId2"/>
               </a:rPr>
-              <a:t>https://www.raspberrypi.org/downloads/raspbian</a:t>
-            </a:r>
-            <a:r>
-              <a:rPr lang="en-US" dirty="0" smtClean="0">
-                <a:hlinkClick r:id="rId2"/>
-              </a:rPr>
-              <a:t>/</a:t>
-            </a:r>
-            <a:endParaRPr lang="en-US" dirty="0" smtClean="0"/>
-          </a:p>
-          <a:p>
-            <a:r>
-              <a:rPr lang="en-US" dirty="0" smtClean="0"/>
+              <a:t>https://www.raspberrypi.org/downloads/raspbian/</a:t>
+            </a:r>
+            <a:endParaRPr lang="en-US" dirty="0"/>
+          </a:p>
+          <a:p>
+            <a:r>
+              <a:rPr lang="en-US" dirty="0"/>
               <a:t>Download SD Card Writer for </a:t>
             </a:r>
             <a:r>
-              <a:rPr lang="en-US" dirty="0" err="1" smtClean="0"/>
+              <a:rPr lang="en-US" dirty="0" err="1"/>
               <a:t>Raspbian</a:t>
             </a:r>
             <a:r>
-              <a:rPr lang="en-US" dirty="0" smtClean="0"/>
+              <a:rPr lang="en-US" dirty="0"/>
               <a:t> OS</a:t>
             </a:r>
           </a:p>
@@ -9968,22 +11144,16 @@
               <a:rPr lang="en-US" dirty="0">
                 <a:hlinkClick r:id="rId3"/>
               </a:rPr>
-              <a:t>https://sourceforge.net/projects/win32diskimager</a:t>
-            </a:r>
-            <a:r>
-              <a:rPr lang="en-US" dirty="0" smtClean="0">
-                <a:hlinkClick r:id="rId3"/>
-              </a:rPr>
-              <a:t>/</a:t>
-            </a:r>
-            <a:r>
-              <a:rPr lang="en-US" dirty="0" smtClean="0"/>
+              <a:t>https://sourceforge.net/projects/win32diskimager/</a:t>
+            </a:r>
+            <a:r>
+              <a:rPr lang="en-US" dirty="0"/>
               <a:t> </a:t>
             </a:r>
           </a:p>
           <a:p>
             <a:r>
-              <a:rPr lang="en-US" dirty="0" smtClean="0"/>
+              <a:rPr lang="en-US" dirty="0"/>
               <a:t>Download VNC Viewer</a:t>
             </a:r>
           </a:p>
@@ -9993,53 +11163,47 @@
               <a:rPr lang="en-US" dirty="0">
                 <a:hlinkClick r:id="rId4"/>
               </a:rPr>
-              <a:t>https://www.realvnc.com/download/viewer</a:t>
-            </a:r>
-            <a:r>
-              <a:rPr lang="en-US" dirty="0" smtClean="0">
-                <a:hlinkClick r:id="rId4"/>
-              </a:rPr>
+              <a:t>https://www.realvnc.com/download/viewer/</a:t>
+            </a:r>
+            <a:endParaRPr lang="en-US" dirty="0"/>
+          </a:p>
+          <a:p>
+            <a:r>
+              <a:rPr lang="en-US" dirty="0"/>
+              <a:t>Download SSH Client</a:t>
+            </a:r>
+          </a:p>
+          <a:p>
+            <a:pPr lvl="1"/>
+            <a:r>
+              <a:rPr lang="en-US" dirty="0"/>
+              <a:t>Putty/</a:t>
+            </a:r>
+            <a:r>
+              <a:rPr lang="en-US" dirty="0" err="1"/>
+              <a:t>Git</a:t>
+            </a:r>
+            <a:r>
+              <a:rPr lang="en-US" dirty="0"/>
               <a:t>/</a:t>
             </a:r>
-            <a:endParaRPr lang="en-US" dirty="0" smtClean="0"/>
-          </a:p>
-          <a:p>
-            <a:r>
-              <a:rPr lang="en-US" dirty="0" smtClean="0"/>
-              <a:t>Download SSH Client</a:t>
-            </a:r>
-          </a:p>
-          <a:p>
-            <a:pPr lvl="1"/>
-            <a:r>
-              <a:rPr lang="en-US" dirty="0" smtClean="0"/>
-              <a:t>Putty/</a:t>
-            </a:r>
-            <a:r>
-              <a:rPr lang="en-US" dirty="0" err="1" smtClean="0"/>
+            <a:r>
+              <a:rPr lang="en-US" dirty="0" err="1"/>
+              <a:t>Cmdr</a:t>
+            </a:r>
+            <a:endParaRPr lang="en-US" dirty="0"/>
+          </a:p>
+          <a:p>
+            <a:r>
+              <a:rPr lang="en-US" dirty="0"/>
+              <a:t>Download </a:t>
+            </a:r>
+            <a:r>
+              <a:rPr lang="en-US" dirty="0" err="1"/>
               <a:t>Git</a:t>
             </a:r>
             <a:r>
-              <a:rPr lang="en-US" dirty="0" smtClean="0"/>
-              <a:t>/</a:t>
-            </a:r>
-            <a:r>
-              <a:rPr lang="en-US" dirty="0" err="1" smtClean="0"/>
-              <a:t>Cmdr</a:t>
-            </a:r>
-            <a:endParaRPr lang="en-US" dirty="0"/>
-          </a:p>
-          <a:p>
-            <a:r>
-              <a:rPr lang="en-US" dirty="0" smtClean="0"/>
-              <a:t>Download </a:t>
-            </a:r>
-            <a:r>
-              <a:rPr lang="en-US" dirty="0" err="1" smtClean="0"/>
-              <a:t>Git</a:t>
-            </a:r>
-            <a:r>
-              <a:rPr lang="en-US" dirty="0" smtClean="0"/>
+              <a:rPr lang="en-US" dirty="0"/>
               <a:t> for Laptop</a:t>
             </a:r>
           </a:p>
@@ -10049,19 +11213,12 @@
               <a:rPr lang="en-US" dirty="0">
                 <a:hlinkClick r:id="rId5"/>
               </a:rPr>
-              <a:t>https://</a:t>
-            </a:r>
-            <a:r>
-              <a:rPr lang="en-US" dirty="0" smtClean="0">
-                <a:hlinkClick r:id="rId5"/>
-              </a:rPr>
-              <a:t>git-scm.com/download/win</a:t>
-            </a:r>
-            <a:r>
-              <a:rPr lang="en-US" dirty="0" smtClean="0"/>
+              <a:t>https://git-scm.com/download/win</a:t>
+            </a:r>
+            <a:r>
+              <a:rPr lang="en-US" dirty="0"/>
               <a:t> </a:t>
             </a:r>
-            <a:endParaRPr lang="en-US" dirty="0"/>
           </a:p>
         </p:txBody>
       </p:sp>
@@ -10111,18 +11268,17 @@
           <a:lstStyle/>
           <a:p>
             <a:r>
-              <a:rPr lang="en-US" dirty="0" smtClean="0"/>
+              <a:rPr lang="en-US" dirty="0"/>
               <a:t>Install </a:t>
             </a:r>
             <a:r>
-              <a:rPr lang="en-US" dirty="0" err="1" smtClean="0"/>
+              <a:rPr lang="en-US" dirty="0" err="1"/>
               <a:t>Raspbian</a:t>
             </a:r>
             <a:r>
-              <a:rPr lang="en-US" dirty="0" smtClean="0"/>
+              <a:rPr lang="en-US" dirty="0"/>
               <a:t> OS</a:t>
             </a:r>
-            <a:endParaRPr lang="en-US" dirty="0"/>
           </a:p>
         </p:txBody>
       </p:sp>
@@ -10142,33 +11298,33 @@
           <a:lstStyle/>
           <a:p>
             <a:r>
-              <a:rPr lang="en-US" dirty="0" smtClean="0"/>
+              <a:rPr lang="en-US" dirty="0"/>
               <a:t>Put SD card into Laptop</a:t>
             </a:r>
           </a:p>
           <a:p>
             <a:r>
-              <a:rPr lang="en-US" dirty="0" smtClean="0"/>
+              <a:rPr lang="en-US" dirty="0"/>
               <a:t>Use Win32DiskImager </a:t>
             </a:r>
           </a:p>
           <a:p>
             <a:r>
-              <a:rPr lang="en-US" dirty="0" smtClean="0"/>
+              <a:rPr lang="en-US" dirty="0"/>
               <a:t>Write </a:t>
             </a:r>
             <a:r>
-              <a:rPr lang="en-US" dirty="0" err="1" smtClean="0"/>
+              <a:rPr lang="en-US" dirty="0" err="1"/>
               <a:t>Raspbian</a:t>
             </a:r>
             <a:r>
-              <a:rPr lang="en-US" dirty="0" smtClean="0"/>
+              <a:rPr lang="en-US" dirty="0"/>
               <a:t> OS to SD Card</a:t>
             </a:r>
           </a:p>
           <a:p>
             <a:r>
-              <a:rPr lang="en-US" dirty="0" smtClean="0"/>
+              <a:rPr lang="en-US" dirty="0"/>
               <a:t>Place SD Card into Raspberry Pi </a:t>
             </a:r>
           </a:p>
@@ -10517,7 +11673,7 @@
   <a:extraClrSchemeLst/>
   <a:extLst>
     <a:ext uri="{05A4C25C-085E-4340-85A3-A5531E510DB2}">
-      <thm15:themeFamily xmlns:thm15="http://schemas.microsoft.com/office/thememl/2012/main" xmlns="" name="Office Theme" id="{62F939B6-93AF-4DB8-9C6B-D6C7DFDC589F}" vid="{4A3C46E8-61CC-4603-A589-7422A47A8E4A}"/>
+      <thm15:themeFamily xmlns:thm15="http://schemas.microsoft.com/office/thememl/2012/main" name="Office Theme" id="{62F939B6-93AF-4DB8-9C6B-D6C7DFDC589F}" vid="{4A3C46E8-61CC-4603-A589-7422A47A8E4A}"/>
     </a:ext>
   </a:extLst>
 </a:theme>

--- a/Philadelphia Code Camp.pptx
+++ b/Philadelphia Code Camp.pptx
@@ -38,7 +38,7 @@
     <p:sldId id="264" r:id="rId32"/>
     <p:sldId id="267" r:id="rId33"/>
     <p:sldId id="308" r:id="rId34"/>
-    <p:sldId id="266" r:id="rId35"/>
+    <p:sldId id="310" r:id="rId35"/>
     <p:sldId id="277" r:id="rId36"/>
     <p:sldId id="278" r:id="rId37"/>
     <p:sldId id="269" r:id="rId38"/>
@@ -56,6 +56,7 @@
     <p:sldId id="284" r:id="rId50"/>
     <p:sldId id="285" r:id="rId51"/>
     <p:sldId id="286" r:id="rId52"/>
+    <p:sldId id="266" r:id="rId53"/>
   </p:sldIdLst>
   <p:sldSz cx="12192000" cy="6858000"/>
   <p:notesSz cx="6858000" cy="9144000"/>
@@ -212,7 +213,11 @@
             <p14:sldId id="264"/>
             <p14:sldId id="267"/>
             <p14:sldId id="308"/>
-            <p14:sldId id="266"/>
+          </p14:sldIdLst>
+        </p14:section>
+        <p14:section name="Lesson 4 - Reaction Game" id="{975F73E2-8A1C-4B74-ABB0-5FB27927F8F1}">
+          <p14:sldIdLst>
+            <p14:sldId id="310"/>
             <p14:sldId id="277"/>
             <p14:sldId id="278"/>
             <p14:sldId id="269"/>
@@ -231,6 +236,17 @@
             <p14:sldId id="285"/>
             <p14:sldId id="286"/>
           </p14:sldIdLst>
+        </p14:section>
+        <p14:section name="Lesson 5 - Traffic Lights" id="{1A1D589F-A0A0-4C42-A5AE-6F610DE43B7A}">
+          <p14:sldIdLst>
+            <p14:sldId id="266"/>
+          </p14:sldIdLst>
+        </p14:section>
+        <p14:section name="Lesson 6 - Laser Trip Wire" id="{7A2AD9E3-1919-418B-9E20-85CE879CA720}">
+          <p14:sldIdLst/>
+        </p14:section>
+        <p14:section name="Lesson 7 - Drone Car" id="{ED7258B8-CAC7-4C2D-AB65-3CC3C6C419D6}">
+          <p14:sldIdLst/>
         </p14:section>
       </p14:sectionLst>
     </p:ext>
@@ -8400,6 +8416,36 @@
           <a:chExt cx="0" cy="0"/>
         </a:xfrm>
       </p:grpSpPr>
+      <p:pic>
+        <p:nvPicPr>
+          <p:cNvPr id="2052" name="Picture 2" descr="https://www.raspberrypi.org/learning/python-quick-reaction-game/images/quick-reaction-circuit.png"/>
+          <p:cNvPicPr>
+            <a:picLocks noChangeAspect="1"/>
+          </p:cNvPicPr>
+          <p:nvPr/>
+        </p:nvPicPr>
+        <p:blipFill rotWithShape="1">
+          <a:blip r:embed="rId2">
+            <a:extLst>
+              <a:ext uri="{28A0092B-C50C-407E-A947-70E740481C1C}">
+                <a14:useLocalDpi xmlns:a14="http://schemas.microsoft.com/office/drawing/2010/main" val="0"/>
+              </a:ext>
+            </a:extLst>
+          </a:blip>
+          <a:srcRect t="3622" r="-2" b="3009"/>
+          <a:stretch/>
+        </p:blipFill>
+        <p:spPr>
+          <a:xfrm>
+            <a:off x="4639056" y="10"/>
+            <a:ext cx="7552944" cy="6857990"/>
+          </a:xfrm>
+          <a:prstGeom prst="rect">
+            <a:avLst/>
+          </a:prstGeom>
+          <a:effectLst/>
+        </p:spPr>
+      </p:pic>
       <p:sp>
         <p:nvSpPr>
           <p:cNvPr id="2" name="Title 1"/>
@@ -8410,50 +8456,544 @@
             <p:ph type="title"/>
           </p:nvPr>
         </p:nvSpPr>
-        <p:spPr/>
-        <p:txBody>
-          <a:bodyPr/>
-          <a:lstStyle/>
-          <a:p>
-            <a:r>
-              <a:rPr lang="en-US" dirty="0"/>
-              <a:t>LED Project Node Red Project</a:t>
-            </a:r>
-          </a:p>
-        </p:txBody>
-      </p:sp>
-      <p:sp>
-        <p:nvSpPr>
-          <p:cNvPr id="3" name="Content Placeholder 2"/>
-          <p:cNvSpPr>
-            <a:spLocks noGrp="1"/>
-          </p:cNvSpPr>
+        <p:spPr>
+          <a:xfrm>
+            <a:off x="648929" y="629266"/>
+            <a:ext cx="3651467" cy="1676603"/>
+          </a:xfrm>
+        </p:spPr>
+        <p:txBody>
+          <a:bodyPr>
+            <a:normAutofit/>
+          </a:bodyPr>
+          <a:lstStyle/>
+          <a:p>
+            <a:r>
+              <a:rPr lang="en-US" dirty="0"/>
+              <a:t>Reaction Game</a:t>
+            </a:r>
+          </a:p>
+        </p:txBody>
+      </p:sp>
+      <p:graphicFrame>
+        <p:nvGraphicFramePr>
+          <p:cNvPr id="7" name="Content Placeholder 3"/>
+          <p:cNvGraphicFramePr>
+            <a:graphicFrameLocks noGrp="1"/>
+          </p:cNvGraphicFramePr>
           <p:nvPr>
             <p:ph idx="1"/>
-          </p:nvPr>
-        </p:nvSpPr>
-        <p:spPr/>
-        <p:txBody>
-          <a:bodyPr/>
-          <a:lstStyle/>
-          <a:p>
-            <a:r>
-              <a:rPr lang="en-US" dirty="0">
-                <a:hlinkClick r:id="rId2"/>
-              </a:rPr>
-              <a:t>https://www.raspberrypi.org/learning/getting-started-with-node-red/worksheet/</a:t>
-            </a:r>
-            <a:endParaRPr lang="en-US" dirty="0"/>
-          </a:p>
-          <a:p>
-            <a:endParaRPr lang="en-US" dirty="0"/>
-          </a:p>
-        </p:txBody>
-      </p:sp>
+            <p:extLst>
+              <p:ext uri="{D42A27DB-BD31-4B8C-83A1-F6EECF244321}">
+                <p14:modId xmlns:p14="http://schemas.microsoft.com/office/powerpoint/2010/main" val="2200899781"/>
+              </p:ext>
+            </p:extLst>
+          </p:nvPr>
+        </p:nvGraphicFramePr>
+        <p:xfrm>
+          <a:off x="649288" y="2841520"/>
+          <a:ext cx="3023060" cy="1309912"/>
+        </p:xfrm>
+        <a:graphic>
+          <a:graphicData uri="http://schemas.openxmlformats.org/drawingml/2006/table">
+            <a:tbl>
+              <a:tblPr/>
+              <a:tblGrid>
+                <a:gridCol w="1511530">
+                  <a:extLst>
+                    <a:ext uri="{9D8B030D-6E8A-4147-A177-3AD203B41FA5}">
+                      <a16:colId xmlns:a16="http://schemas.microsoft.com/office/drawing/2014/main" val="3764869724"/>
+                    </a:ext>
+                  </a:extLst>
+                </a:gridCol>
+                <a:gridCol w="1511530">
+                  <a:extLst>
+                    <a:ext uri="{9D8B030D-6E8A-4147-A177-3AD203B41FA5}">
+                      <a16:colId xmlns:a16="http://schemas.microsoft.com/office/drawing/2014/main" val="2130788667"/>
+                    </a:ext>
+                  </a:extLst>
+                </a:gridCol>
+              </a:tblGrid>
+              <a:tr h="307293">
+                <a:tc>
+                  <a:txBody>
+                    <a:bodyPr/>
+                    <a:lstStyle/>
+                    <a:p>
+                      <a:r>
+                        <a:rPr lang="en-US" sz="2000" b="1">
+                          <a:effectLst/>
+                        </a:rPr>
+                        <a:t>Component</a:t>
+                      </a:r>
+                    </a:p>
+                  </a:txBody>
+                  <a:tcPr marL="24568" marR="24568" marT="11339" marB="11339" anchor="ctr">
+                    <a:lnL w="5443" cap="flat" cmpd="sng" algn="ctr">
+                      <a:solidFill>
+                        <a:srgbClr val="DDDDDD"/>
+                      </a:solidFill>
+                      <a:prstDash val="solid"/>
+                      <a:round/>
+                      <a:headEnd type="none" w="med" len="med"/>
+                      <a:tailEnd type="none" w="med" len="med"/>
+                    </a:lnL>
+                    <a:lnR w="5443" cap="flat" cmpd="sng" algn="ctr">
+                      <a:solidFill>
+                        <a:srgbClr val="DDDDDD"/>
+                      </a:solidFill>
+                      <a:prstDash val="solid"/>
+                      <a:round/>
+                      <a:headEnd type="none" w="med" len="med"/>
+                      <a:tailEnd type="none" w="med" len="med"/>
+                    </a:lnR>
+                    <a:lnT w="5443" cap="flat" cmpd="sng" algn="ctr">
+                      <a:solidFill>
+                        <a:srgbClr val="DDDDDD"/>
+                      </a:solidFill>
+                      <a:prstDash val="solid"/>
+                      <a:round/>
+                      <a:headEnd type="none" w="med" len="med"/>
+                      <a:tailEnd type="none" w="med" len="med"/>
+                    </a:lnT>
+                    <a:lnB w="5443" cap="flat" cmpd="sng" algn="ctr">
+                      <a:solidFill>
+                        <a:srgbClr val="DDDDDD"/>
+                      </a:solidFill>
+                      <a:prstDash val="solid"/>
+                      <a:round/>
+                      <a:headEnd type="none" w="med" len="med"/>
+                      <a:tailEnd type="none" w="med" len="med"/>
+                    </a:lnB>
+                    <a:solidFill>
+                      <a:srgbClr val="FFFFFF"/>
+                    </a:solidFill>
+                  </a:tcPr>
+                </a:tc>
+                <a:tc>
+                  <a:txBody>
+                    <a:bodyPr/>
+                    <a:lstStyle/>
+                    <a:p>
+                      <a:pPr algn="ctr"/>
+                      <a:r>
+                        <a:rPr lang="en-US" sz="2000" b="1" dirty="0">
+                          <a:effectLst/>
+                        </a:rPr>
+                        <a:t>GPIO pin</a:t>
+                      </a:r>
+                    </a:p>
+                  </a:txBody>
+                  <a:tcPr marL="24568" marR="24568" marT="11339" marB="11339" anchor="ctr">
+                    <a:lnL w="5443" cap="flat" cmpd="sng" algn="ctr">
+                      <a:solidFill>
+                        <a:srgbClr val="DDDDDD"/>
+                      </a:solidFill>
+                      <a:prstDash val="solid"/>
+                      <a:round/>
+                      <a:headEnd type="none" w="med" len="med"/>
+                      <a:tailEnd type="none" w="med" len="med"/>
+                    </a:lnL>
+                    <a:lnR w="5443" cap="flat" cmpd="sng" algn="ctr">
+                      <a:solidFill>
+                        <a:srgbClr val="DDDDDD"/>
+                      </a:solidFill>
+                      <a:prstDash val="solid"/>
+                      <a:round/>
+                      <a:headEnd type="none" w="med" len="med"/>
+                      <a:tailEnd type="none" w="med" len="med"/>
+                    </a:lnR>
+                    <a:lnT w="5443" cap="flat" cmpd="sng" algn="ctr">
+                      <a:solidFill>
+                        <a:srgbClr val="DDDDDD"/>
+                      </a:solidFill>
+                      <a:prstDash val="solid"/>
+                      <a:round/>
+                      <a:headEnd type="none" w="med" len="med"/>
+                      <a:tailEnd type="none" w="med" len="med"/>
+                    </a:lnT>
+                    <a:lnB w="5443" cap="flat" cmpd="sng" algn="ctr">
+                      <a:solidFill>
+                        <a:srgbClr val="DDDDDD"/>
+                      </a:solidFill>
+                      <a:prstDash val="solid"/>
+                      <a:round/>
+                      <a:headEnd type="none" w="med" len="med"/>
+                      <a:tailEnd type="none" w="med" len="med"/>
+                    </a:lnB>
+                    <a:solidFill>
+                      <a:srgbClr val="FFFFFF"/>
+                    </a:solidFill>
+                  </a:tcPr>
+                </a:tc>
+                <a:extLst>
+                  <a:ext uri="{0D108BD9-81ED-4DB2-BD59-A6C34878D82A}">
+                    <a16:rowId xmlns:a16="http://schemas.microsoft.com/office/drawing/2014/main" val="1048854025"/>
+                  </a:ext>
+                </a:extLst>
+              </a:tr>
+              <a:tr h="307293">
+                <a:tc>
+                  <a:txBody>
+                    <a:bodyPr/>
+                    <a:lstStyle/>
+                    <a:p>
+                      <a:r>
+                        <a:rPr lang="en-US" sz="2000">
+                          <a:effectLst/>
+                        </a:rPr>
+                        <a:t>Button</a:t>
+                      </a:r>
+                    </a:p>
+                  </a:txBody>
+                  <a:tcPr marL="24568" marR="24568" marT="11339" marB="11339" anchor="ctr">
+                    <a:lnL w="5443" cap="flat" cmpd="sng" algn="ctr">
+                      <a:solidFill>
+                        <a:srgbClr val="DDDDDD"/>
+                      </a:solidFill>
+                      <a:prstDash val="solid"/>
+                      <a:round/>
+                      <a:headEnd type="none" w="med" len="med"/>
+                      <a:tailEnd type="none" w="med" len="med"/>
+                    </a:lnL>
+                    <a:lnR w="5443" cap="flat" cmpd="sng" algn="ctr">
+                      <a:solidFill>
+                        <a:srgbClr val="DDDDDD"/>
+                      </a:solidFill>
+                      <a:prstDash val="solid"/>
+                      <a:round/>
+                      <a:headEnd type="none" w="med" len="med"/>
+                      <a:tailEnd type="none" w="med" len="med"/>
+                    </a:lnR>
+                    <a:lnT w="5443" cap="flat" cmpd="sng" algn="ctr">
+                      <a:solidFill>
+                        <a:srgbClr val="DDDDDD"/>
+                      </a:solidFill>
+                      <a:prstDash val="solid"/>
+                      <a:round/>
+                      <a:headEnd type="none" w="med" len="med"/>
+                      <a:tailEnd type="none" w="med" len="med"/>
+                    </a:lnT>
+                    <a:lnB w="5443" cap="flat" cmpd="sng" algn="ctr">
+                      <a:solidFill>
+                        <a:srgbClr val="DDDDDD"/>
+                      </a:solidFill>
+                      <a:prstDash val="solid"/>
+                      <a:round/>
+                      <a:headEnd type="none" w="med" len="med"/>
+                      <a:tailEnd type="none" w="med" len="med"/>
+                    </a:lnB>
+                    <a:solidFill>
+                      <a:srgbClr val="FFFFFF"/>
+                    </a:solidFill>
+                  </a:tcPr>
+                </a:tc>
+                <a:tc>
+                  <a:txBody>
+                    <a:bodyPr/>
+                    <a:lstStyle/>
+                    <a:p>
+                      <a:pPr algn="ctr"/>
+                      <a:r>
+                        <a:rPr lang="en-US" sz="2000" dirty="0">
+                          <a:effectLst/>
+                        </a:rPr>
+                        <a:t>15</a:t>
+                      </a:r>
+                    </a:p>
+                  </a:txBody>
+                  <a:tcPr marL="24568" marR="24568" marT="11339" marB="11339" anchor="ctr">
+                    <a:lnL w="5443" cap="flat" cmpd="sng" algn="ctr">
+                      <a:solidFill>
+                        <a:srgbClr val="DDDDDD"/>
+                      </a:solidFill>
+                      <a:prstDash val="solid"/>
+                      <a:round/>
+                      <a:headEnd type="none" w="med" len="med"/>
+                      <a:tailEnd type="none" w="med" len="med"/>
+                    </a:lnL>
+                    <a:lnR w="5443" cap="flat" cmpd="sng" algn="ctr">
+                      <a:solidFill>
+                        <a:srgbClr val="DDDDDD"/>
+                      </a:solidFill>
+                      <a:prstDash val="solid"/>
+                      <a:round/>
+                      <a:headEnd type="none" w="med" len="med"/>
+                      <a:tailEnd type="none" w="med" len="med"/>
+                    </a:lnR>
+                    <a:lnT w="5443" cap="flat" cmpd="sng" algn="ctr">
+                      <a:solidFill>
+                        <a:srgbClr val="DDDDDD"/>
+                      </a:solidFill>
+                      <a:prstDash val="solid"/>
+                      <a:round/>
+                      <a:headEnd type="none" w="med" len="med"/>
+                      <a:tailEnd type="none" w="med" len="med"/>
+                    </a:lnT>
+                    <a:lnB w="5443" cap="flat" cmpd="sng" algn="ctr">
+                      <a:solidFill>
+                        <a:srgbClr val="DDDDDD"/>
+                      </a:solidFill>
+                      <a:prstDash val="solid"/>
+                      <a:round/>
+                      <a:headEnd type="none" w="med" len="med"/>
+                      <a:tailEnd type="none" w="med" len="med"/>
+                    </a:lnB>
+                    <a:solidFill>
+                      <a:srgbClr val="FFFFFF"/>
+                    </a:solidFill>
+                  </a:tcPr>
+                </a:tc>
+                <a:extLst>
+                  <a:ext uri="{0D108BD9-81ED-4DB2-BD59-A6C34878D82A}">
+                    <a16:rowId xmlns:a16="http://schemas.microsoft.com/office/drawing/2014/main" val="663980406"/>
+                  </a:ext>
+                </a:extLst>
+              </a:tr>
+              <a:tr h="307293">
+                <a:tc>
+                  <a:txBody>
+                    <a:bodyPr/>
+                    <a:lstStyle/>
+                    <a:p>
+                      <a:r>
+                        <a:rPr lang="en-US" sz="2000" dirty="0">
+                          <a:effectLst/>
+                        </a:rPr>
+                        <a:t>Button</a:t>
+                      </a:r>
+                    </a:p>
+                  </a:txBody>
+                  <a:tcPr marL="24568" marR="24568" marT="11339" marB="11339" anchor="ctr">
+                    <a:lnL w="5443" cap="flat" cmpd="sng" algn="ctr">
+                      <a:solidFill>
+                        <a:srgbClr val="DDDDDD"/>
+                      </a:solidFill>
+                      <a:prstDash val="solid"/>
+                      <a:round/>
+                      <a:headEnd type="none" w="med" len="med"/>
+                      <a:tailEnd type="none" w="med" len="med"/>
+                    </a:lnL>
+                    <a:lnR w="5443" cap="flat" cmpd="sng" algn="ctr">
+                      <a:solidFill>
+                        <a:srgbClr val="DDDDDD"/>
+                      </a:solidFill>
+                      <a:prstDash val="solid"/>
+                      <a:round/>
+                      <a:headEnd type="none" w="med" len="med"/>
+                      <a:tailEnd type="none" w="med" len="med"/>
+                    </a:lnR>
+                    <a:lnT w="5443" cap="flat" cmpd="sng" algn="ctr">
+                      <a:solidFill>
+                        <a:srgbClr val="DDDDDD"/>
+                      </a:solidFill>
+                      <a:prstDash val="solid"/>
+                      <a:round/>
+                      <a:headEnd type="none" w="med" len="med"/>
+                      <a:tailEnd type="none" w="med" len="med"/>
+                    </a:lnT>
+                    <a:lnB w="5443" cap="flat" cmpd="sng" algn="ctr">
+                      <a:solidFill>
+                        <a:srgbClr val="DDDDDD"/>
+                      </a:solidFill>
+                      <a:prstDash val="solid"/>
+                      <a:round/>
+                      <a:headEnd type="none" w="med" len="med"/>
+                      <a:tailEnd type="none" w="med" len="med"/>
+                    </a:lnB>
+                    <a:solidFill>
+                      <a:srgbClr val="FFFFFF"/>
+                    </a:solidFill>
+                  </a:tcPr>
+                </a:tc>
+                <a:tc>
+                  <a:txBody>
+                    <a:bodyPr/>
+                    <a:lstStyle/>
+                    <a:p>
+                      <a:pPr algn="ctr"/>
+                      <a:r>
+                        <a:rPr lang="en-US" sz="2000" dirty="0">
+                          <a:effectLst/>
+                        </a:rPr>
+                        <a:t>14</a:t>
+                      </a:r>
+                    </a:p>
+                  </a:txBody>
+                  <a:tcPr marL="24568" marR="24568" marT="11339" marB="11339" anchor="ctr">
+                    <a:lnL w="5443" cap="flat" cmpd="sng" algn="ctr">
+                      <a:solidFill>
+                        <a:srgbClr val="DDDDDD"/>
+                      </a:solidFill>
+                      <a:prstDash val="solid"/>
+                      <a:round/>
+                      <a:headEnd type="none" w="med" len="med"/>
+                      <a:tailEnd type="none" w="med" len="med"/>
+                    </a:lnL>
+                    <a:lnR w="5443" cap="flat" cmpd="sng" algn="ctr">
+                      <a:solidFill>
+                        <a:srgbClr val="DDDDDD"/>
+                      </a:solidFill>
+                      <a:prstDash val="solid"/>
+                      <a:round/>
+                      <a:headEnd type="none" w="med" len="med"/>
+                      <a:tailEnd type="none" w="med" len="med"/>
+                    </a:lnR>
+                    <a:lnT w="5443" cap="flat" cmpd="sng" algn="ctr">
+                      <a:solidFill>
+                        <a:srgbClr val="DDDDDD"/>
+                      </a:solidFill>
+                      <a:prstDash val="solid"/>
+                      <a:round/>
+                      <a:headEnd type="none" w="med" len="med"/>
+                      <a:tailEnd type="none" w="med" len="med"/>
+                    </a:lnT>
+                    <a:lnB w="5443" cap="flat" cmpd="sng" algn="ctr">
+                      <a:solidFill>
+                        <a:srgbClr val="DDDDDD"/>
+                      </a:solidFill>
+                      <a:prstDash val="solid"/>
+                      <a:round/>
+                      <a:headEnd type="none" w="med" len="med"/>
+                      <a:tailEnd type="none" w="med" len="med"/>
+                    </a:lnB>
+                    <a:solidFill>
+                      <a:srgbClr val="FFFFFF"/>
+                    </a:solidFill>
+                  </a:tcPr>
+                </a:tc>
+                <a:extLst>
+                  <a:ext uri="{0D108BD9-81ED-4DB2-BD59-A6C34878D82A}">
+                    <a16:rowId xmlns:a16="http://schemas.microsoft.com/office/drawing/2014/main" val="751520324"/>
+                  </a:ext>
+                </a:extLst>
+              </a:tr>
+              <a:tr h="307293">
+                <a:tc>
+                  <a:txBody>
+                    <a:bodyPr/>
+                    <a:lstStyle/>
+                    <a:p>
+                      <a:r>
+                        <a:rPr lang="en-US" sz="2000" dirty="0">
+                          <a:effectLst/>
+                        </a:rPr>
+                        <a:t>LED</a:t>
+                      </a:r>
+                    </a:p>
+                  </a:txBody>
+                  <a:tcPr marL="24568" marR="24568" marT="11339" marB="11339" anchor="ctr">
+                    <a:lnL w="5443" cap="flat" cmpd="sng" algn="ctr">
+                      <a:solidFill>
+                        <a:srgbClr val="DDDDDD"/>
+                      </a:solidFill>
+                      <a:prstDash val="solid"/>
+                      <a:round/>
+                      <a:headEnd type="none" w="med" len="med"/>
+                      <a:tailEnd type="none" w="med" len="med"/>
+                    </a:lnL>
+                    <a:lnR w="5443" cap="flat" cmpd="sng" algn="ctr">
+                      <a:solidFill>
+                        <a:srgbClr val="DDDDDD"/>
+                      </a:solidFill>
+                      <a:prstDash val="solid"/>
+                      <a:round/>
+                      <a:headEnd type="none" w="med" len="med"/>
+                      <a:tailEnd type="none" w="med" len="med"/>
+                    </a:lnR>
+                    <a:lnT w="5443" cap="flat" cmpd="sng" algn="ctr">
+                      <a:solidFill>
+                        <a:srgbClr val="DDDDDD"/>
+                      </a:solidFill>
+                      <a:prstDash val="solid"/>
+                      <a:round/>
+                      <a:headEnd type="none" w="med" len="med"/>
+                      <a:tailEnd type="none" w="med" len="med"/>
+                    </a:lnT>
+                    <a:lnB w="5443" cap="flat" cmpd="sng" algn="ctr">
+                      <a:solidFill>
+                        <a:srgbClr val="DDDDDD"/>
+                      </a:solidFill>
+                      <a:prstDash val="solid"/>
+                      <a:round/>
+                      <a:headEnd type="none" w="med" len="med"/>
+                      <a:tailEnd type="none" w="med" len="med"/>
+                    </a:lnB>
+                    <a:solidFill>
+                      <a:srgbClr val="FFFFFF"/>
+                    </a:solidFill>
+                  </a:tcPr>
+                </a:tc>
+                <a:tc>
+                  <a:txBody>
+                    <a:bodyPr/>
+                    <a:lstStyle/>
+                    <a:p>
+                      <a:pPr algn="ctr"/>
+                      <a:r>
+                        <a:rPr lang="en-US" sz="2000" dirty="0">
+                          <a:effectLst/>
+                        </a:rPr>
+                        <a:t>14</a:t>
+                      </a:r>
+                    </a:p>
+                  </a:txBody>
+                  <a:tcPr marL="24568" marR="24568" marT="11339" marB="11339" anchor="ctr">
+                    <a:lnL w="5443" cap="flat" cmpd="sng" algn="ctr">
+                      <a:solidFill>
+                        <a:srgbClr val="DDDDDD"/>
+                      </a:solidFill>
+                      <a:prstDash val="solid"/>
+                      <a:round/>
+                      <a:headEnd type="none" w="med" len="med"/>
+                      <a:tailEnd type="none" w="med" len="med"/>
+                    </a:lnL>
+                    <a:lnR w="5443" cap="flat" cmpd="sng" algn="ctr">
+                      <a:solidFill>
+                        <a:srgbClr val="DDDDDD"/>
+                      </a:solidFill>
+                      <a:prstDash val="solid"/>
+                      <a:round/>
+                      <a:headEnd type="none" w="med" len="med"/>
+                      <a:tailEnd type="none" w="med" len="med"/>
+                    </a:lnR>
+                    <a:lnT w="5443" cap="flat" cmpd="sng" algn="ctr">
+                      <a:solidFill>
+                        <a:srgbClr val="DDDDDD"/>
+                      </a:solidFill>
+                      <a:prstDash val="solid"/>
+                      <a:round/>
+                      <a:headEnd type="none" w="med" len="med"/>
+                      <a:tailEnd type="none" w="med" len="med"/>
+                    </a:lnT>
+                    <a:lnB w="5443" cap="flat" cmpd="sng" algn="ctr">
+                      <a:solidFill>
+                        <a:srgbClr val="DDDDDD"/>
+                      </a:solidFill>
+                      <a:prstDash val="solid"/>
+                      <a:round/>
+                      <a:headEnd type="none" w="med" len="med"/>
+                      <a:tailEnd type="none" w="med" len="med"/>
+                    </a:lnB>
+                    <a:solidFill>
+                      <a:srgbClr val="FFFFFF"/>
+                    </a:solidFill>
+                  </a:tcPr>
+                </a:tc>
+                <a:extLst>
+                  <a:ext uri="{0D108BD9-81ED-4DB2-BD59-A6C34878D82A}">
+                    <a16:rowId xmlns:a16="http://schemas.microsoft.com/office/drawing/2014/main" val="3712619895"/>
+                  </a:ext>
+                </a:extLst>
+              </a:tr>
+            </a:tbl>
+          </a:graphicData>
+        </a:graphic>
+      </p:graphicFrame>
     </p:spTree>
     <p:extLst>
       <p:ext uri="{BB962C8B-B14F-4D97-AF65-F5344CB8AC3E}">
-        <p14:creationId xmlns:p14="http://schemas.microsoft.com/office/powerpoint/2010/main" val="1251222904"/>
+        <p14:creationId xmlns:p14="http://schemas.microsoft.com/office/powerpoint/2010/main" val="4113172726"/>
       </p:ext>
     </p:extLst>
   </p:cSld>
@@ -10020,6 +10560,953 @@
     <p:extLst>
       <p:ext uri="{BB962C8B-B14F-4D97-AF65-F5344CB8AC3E}">
         <p14:creationId xmlns:p14="http://schemas.microsoft.com/office/powerpoint/2010/main" val="2392235267"/>
+      </p:ext>
+    </p:extLst>
+  </p:cSld>
+  <p:clrMapOvr>
+    <a:masterClrMapping/>
+  </p:clrMapOvr>
+</p:sld>
+</file>
+
+<file path=ppt/slides/slide52.xml><?xml version="1.0" encoding="utf-8"?>
+<p:sld xmlns:a="http://schemas.openxmlformats.org/drawingml/2006/main" xmlns:r="http://schemas.openxmlformats.org/officeDocument/2006/relationships" xmlns:p="http://schemas.openxmlformats.org/presentationml/2006/main">
+  <p:cSld>
+    <p:spTree>
+      <p:nvGrpSpPr>
+        <p:cNvPr id="1" name=""/>
+        <p:cNvGrpSpPr/>
+        <p:nvPr/>
+      </p:nvGrpSpPr>
+      <p:grpSpPr>
+        <a:xfrm>
+          <a:off x="0" y="0"/>
+          <a:ext cx="0" cy="0"/>
+          <a:chOff x="0" y="0"/>
+          <a:chExt cx="0" cy="0"/>
+        </a:xfrm>
+      </p:grpSpPr>
+      <p:pic>
+        <p:nvPicPr>
+          <p:cNvPr id="1028" name="Picture 2" descr="GPIO diagram"/>
+          <p:cNvPicPr>
+            <a:picLocks noChangeAspect="1"/>
+          </p:cNvPicPr>
+          <p:nvPr/>
+        </p:nvPicPr>
+        <p:blipFill rotWithShape="1">
+          <a:blip r:embed="rId2">
+            <a:extLst>
+              <a:ext uri="{28A0092B-C50C-407E-A947-70E740481C1C}">
+                <a14:useLocalDpi xmlns:a14="http://schemas.microsoft.com/office/drawing/2010/main" val="0"/>
+              </a:ext>
+            </a:extLst>
+          </a:blip>
+          <a:srcRect t="2450" r="-2" b="4182"/>
+          <a:stretch/>
+        </p:blipFill>
+        <p:spPr>
+          <a:xfrm>
+            <a:off x="4639056" y="10"/>
+            <a:ext cx="7552944" cy="6857990"/>
+          </a:xfrm>
+          <a:prstGeom prst="rect">
+            <a:avLst/>
+          </a:prstGeom>
+          <a:effectLst/>
+        </p:spPr>
+      </p:pic>
+      <p:sp>
+        <p:nvSpPr>
+          <p:cNvPr id="2" name="Title 1"/>
+          <p:cNvSpPr>
+            <a:spLocks noGrp="1"/>
+          </p:cNvSpPr>
+          <p:nvPr>
+            <p:ph type="title"/>
+          </p:nvPr>
+        </p:nvSpPr>
+        <p:spPr>
+          <a:xfrm>
+            <a:off x="648929" y="629266"/>
+            <a:ext cx="3651467" cy="1676603"/>
+          </a:xfrm>
+        </p:spPr>
+        <p:txBody>
+          <a:bodyPr>
+            <a:normAutofit/>
+          </a:bodyPr>
+          <a:lstStyle/>
+          <a:p>
+            <a:r>
+              <a:rPr lang="en-US" dirty="0"/>
+              <a:t>Traffic Lights</a:t>
+            </a:r>
+            <a:br>
+              <a:rPr lang="en-US" dirty="0"/>
+            </a:br>
+            <a:r>
+              <a:rPr lang="en-US" dirty="0"/>
+              <a:t>Exercise</a:t>
+            </a:r>
+          </a:p>
+        </p:txBody>
+      </p:sp>
+      <p:graphicFrame>
+        <p:nvGraphicFramePr>
+          <p:cNvPr id="4" name="Content Placeholder 3"/>
+          <p:cNvGraphicFramePr>
+            <a:graphicFrameLocks noGrp="1"/>
+          </p:cNvGraphicFramePr>
+          <p:nvPr>
+            <p:ph idx="1"/>
+            <p:extLst>
+              <p:ext uri="{D42A27DB-BD31-4B8C-83A1-F6EECF244321}">
+                <p14:modId xmlns:p14="http://schemas.microsoft.com/office/powerpoint/2010/main" val="1121207410"/>
+              </p:ext>
+            </p:extLst>
+          </p:nvPr>
+        </p:nvGraphicFramePr>
+        <p:xfrm>
+          <a:off x="649288" y="2841520"/>
+          <a:ext cx="3023060" cy="1964868"/>
+        </p:xfrm>
+        <a:graphic>
+          <a:graphicData uri="http://schemas.openxmlformats.org/drawingml/2006/table">
+            <a:tbl>
+              <a:tblPr/>
+              <a:tblGrid>
+                <a:gridCol w="1511530">
+                  <a:extLst>
+                    <a:ext uri="{9D8B030D-6E8A-4147-A177-3AD203B41FA5}">
+                      <a16:colId xmlns:a16="http://schemas.microsoft.com/office/drawing/2014/main" val="3764869724"/>
+                    </a:ext>
+                  </a:extLst>
+                </a:gridCol>
+                <a:gridCol w="1511530">
+                  <a:extLst>
+                    <a:ext uri="{9D8B030D-6E8A-4147-A177-3AD203B41FA5}">
+                      <a16:colId xmlns:a16="http://schemas.microsoft.com/office/drawing/2014/main" val="2130788667"/>
+                    </a:ext>
+                  </a:extLst>
+                </a:gridCol>
+              </a:tblGrid>
+              <a:tr h="307293">
+                <a:tc>
+                  <a:txBody>
+                    <a:bodyPr/>
+                    <a:lstStyle/>
+                    <a:p>
+                      <a:r>
+                        <a:rPr lang="en-US" sz="2000" b="1">
+                          <a:effectLst/>
+                        </a:rPr>
+                        <a:t>Component</a:t>
+                      </a:r>
+                    </a:p>
+                  </a:txBody>
+                  <a:tcPr marL="24568" marR="24568" marT="11339" marB="11339" anchor="ctr">
+                    <a:lnL w="5443" cap="flat" cmpd="sng" algn="ctr">
+                      <a:solidFill>
+                        <a:srgbClr val="DDDDDD"/>
+                      </a:solidFill>
+                      <a:prstDash val="solid"/>
+                      <a:round/>
+                      <a:headEnd type="none" w="med" len="med"/>
+                      <a:tailEnd type="none" w="med" len="med"/>
+                    </a:lnL>
+                    <a:lnR w="5443" cap="flat" cmpd="sng" algn="ctr">
+                      <a:solidFill>
+                        <a:srgbClr val="DDDDDD"/>
+                      </a:solidFill>
+                      <a:prstDash val="solid"/>
+                      <a:round/>
+                      <a:headEnd type="none" w="med" len="med"/>
+                      <a:tailEnd type="none" w="med" len="med"/>
+                    </a:lnR>
+                    <a:lnT w="5443" cap="flat" cmpd="sng" algn="ctr">
+                      <a:solidFill>
+                        <a:srgbClr val="DDDDDD"/>
+                      </a:solidFill>
+                      <a:prstDash val="solid"/>
+                      <a:round/>
+                      <a:headEnd type="none" w="med" len="med"/>
+                      <a:tailEnd type="none" w="med" len="med"/>
+                    </a:lnT>
+                    <a:lnB w="5443" cap="flat" cmpd="sng" algn="ctr">
+                      <a:solidFill>
+                        <a:srgbClr val="DDDDDD"/>
+                      </a:solidFill>
+                      <a:prstDash val="solid"/>
+                      <a:round/>
+                      <a:headEnd type="none" w="med" len="med"/>
+                      <a:tailEnd type="none" w="med" len="med"/>
+                    </a:lnB>
+                    <a:solidFill>
+                      <a:srgbClr val="FFFFFF"/>
+                    </a:solidFill>
+                  </a:tcPr>
+                </a:tc>
+                <a:tc>
+                  <a:txBody>
+                    <a:bodyPr/>
+                    <a:lstStyle/>
+                    <a:p>
+                      <a:pPr algn="ctr"/>
+                      <a:r>
+                        <a:rPr lang="en-US" sz="2000" b="1" dirty="0">
+                          <a:effectLst/>
+                        </a:rPr>
+                        <a:t>GPIO pin</a:t>
+                      </a:r>
+                    </a:p>
+                  </a:txBody>
+                  <a:tcPr marL="24568" marR="24568" marT="11339" marB="11339" anchor="ctr">
+                    <a:lnL w="5443" cap="flat" cmpd="sng" algn="ctr">
+                      <a:solidFill>
+                        <a:srgbClr val="DDDDDD"/>
+                      </a:solidFill>
+                      <a:prstDash val="solid"/>
+                      <a:round/>
+                      <a:headEnd type="none" w="med" len="med"/>
+                      <a:tailEnd type="none" w="med" len="med"/>
+                    </a:lnL>
+                    <a:lnR w="5443" cap="flat" cmpd="sng" algn="ctr">
+                      <a:solidFill>
+                        <a:srgbClr val="DDDDDD"/>
+                      </a:solidFill>
+                      <a:prstDash val="solid"/>
+                      <a:round/>
+                      <a:headEnd type="none" w="med" len="med"/>
+                      <a:tailEnd type="none" w="med" len="med"/>
+                    </a:lnR>
+                    <a:lnT w="5443" cap="flat" cmpd="sng" algn="ctr">
+                      <a:solidFill>
+                        <a:srgbClr val="DDDDDD"/>
+                      </a:solidFill>
+                      <a:prstDash val="solid"/>
+                      <a:round/>
+                      <a:headEnd type="none" w="med" len="med"/>
+                      <a:tailEnd type="none" w="med" len="med"/>
+                    </a:lnT>
+                    <a:lnB w="5443" cap="flat" cmpd="sng" algn="ctr">
+                      <a:solidFill>
+                        <a:srgbClr val="DDDDDD"/>
+                      </a:solidFill>
+                      <a:prstDash val="solid"/>
+                      <a:round/>
+                      <a:headEnd type="none" w="med" len="med"/>
+                      <a:tailEnd type="none" w="med" len="med"/>
+                    </a:lnB>
+                    <a:solidFill>
+                      <a:srgbClr val="FFFFFF"/>
+                    </a:solidFill>
+                  </a:tcPr>
+                </a:tc>
+                <a:extLst>
+                  <a:ext uri="{0D108BD9-81ED-4DB2-BD59-A6C34878D82A}">
+                    <a16:rowId xmlns:a16="http://schemas.microsoft.com/office/drawing/2014/main" val="1048854025"/>
+                  </a:ext>
+                </a:extLst>
+              </a:tr>
+              <a:tr h="307293">
+                <a:tc>
+                  <a:txBody>
+                    <a:bodyPr/>
+                    <a:lstStyle/>
+                    <a:p>
+                      <a:r>
+                        <a:rPr lang="en-US" sz="2000">
+                          <a:effectLst/>
+                        </a:rPr>
+                        <a:t>Button</a:t>
+                      </a:r>
+                    </a:p>
+                  </a:txBody>
+                  <a:tcPr marL="24568" marR="24568" marT="11339" marB="11339" anchor="ctr">
+                    <a:lnL w="5443" cap="flat" cmpd="sng" algn="ctr">
+                      <a:solidFill>
+                        <a:srgbClr val="DDDDDD"/>
+                      </a:solidFill>
+                      <a:prstDash val="solid"/>
+                      <a:round/>
+                      <a:headEnd type="none" w="med" len="med"/>
+                      <a:tailEnd type="none" w="med" len="med"/>
+                    </a:lnL>
+                    <a:lnR w="5443" cap="flat" cmpd="sng" algn="ctr">
+                      <a:solidFill>
+                        <a:srgbClr val="DDDDDD"/>
+                      </a:solidFill>
+                      <a:prstDash val="solid"/>
+                      <a:round/>
+                      <a:headEnd type="none" w="med" len="med"/>
+                      <a:tailEnd type="none" w="med" len="med"/>
+                    </a:lnR>
+                    <a:lnT w="5443" cap="flat" cmpd="sng" algn="ctr">
+                      <a:solidFill>
+                        <a:srgbClr val="DDDDDD"/>
+                      </a:solidFill>
+                      <a:prstDash val="solid"/>
+                      <a:round/>
+                      <a:headEnd type="none" w="med" len="med"/>
+                      <a:tailEnd type="none" w="med" len="med"/>
+                    </a:lnT>
+                    <a:lnB w="5443" cap="flat" cmpd="sng" algn="ctr">
+                      <a:solidFill>
+                        <a:srgbClr val="DDDDDD"/>
+                      </a:solidFill>
+                      <a:prstDash val="solid"/>
+                      <a:round/>
+                      <a:headEnd type="none" w="med" len="med"/>
+                      <a:tailEnd type="none" w="med" len="med"/>
+                    </a:lnB>
+                    <a:solidFill>
+                      <a:srgbClr val="FFFFFF"/>
+                    </a:solidFill>
+                  </a:tcPr>
+                </a:tc>
+                <a:tc>
+                  <a:txBody>
+                    <a:bodyPr/>
+                    <a:lstStyle/>
+                    <a:p>
+                      <a:pPr algn="ctr"/>
+                      <a:r>
+                        <a:rPr lang="en-US" sz="2000" dirty="0">
+                          <a:effectLst/>
+                        </a:rPr>
+                        <a:t>21</a:t>
+                      </a:r>
+                    </a:p>
+                  </a:txBody>
+                  <a:tcPr marL="24568" marR="24568" marT="11339" marB="11339" anchor="ctr">
+                    <a:lnL w="5443" cap="flat" cmpd="sng" algn="ctr">
+                      <a:solidFill>
+                        <a:srgbClr val="DDDDDD"/>
+                      </a:solidFill>
+                      <a:prstDash val="solid"/>
+                      <a:round/>
+                      <a:headEnd type="none" w="med" len="med"/>
+                      <a:tailEnd type="none" w="med" len="med"/>
+                    </a:lnL>
+                    <a:lnR w="5443" cap="flat" cmpd="sng" algn="ctr">
+                      <a:solidFill>
+                        <a:srgbClr val="DDDDDD"/>
+                      </a:solidFill>
+                      <a:prstDash val="solid"/>
+                      <a:round/>
+                      <a:headEnd type="none" w="med" len="med"/>
+                      <a:tailEnd type="none" w="med" len="med"/>
+                    </a:lnR>
+                    <a:lnT w="5443" cap="flat" cmpd="sng" algn="ctr">
+                      <a:solidFill>
+                        <a:srgbClr val="DDDDDD"/>
+                      </a:solidFill>
+                      <a:prstDash val="solid"/>
+                      <a:round/>
+                      <a:headEnd type="none" w="med" len="med"/>
+                      <a:tailEnd type="none" w="med" len="med"/>
+                    </a:lnT>
+                    <a:lnB w="5443" cap="flat" cmpd="sng" algn="ctr">
+                      <a:solidFill>
+                        <a:srgbClr val="DDDDDD"/>
+                      </a:solidFill>
+                      <a:prstDash val="solid"/>
+                      <a:round/>
+                      <a:headEnd type="none" w="med" len="med"/>
+                      <a:tailEnd type="none" w="med" len="med"/>
+                    </a:lnB>
+                    <a:solidFill>
+                      <a:srgbClr val="FFFFFF"/>
+                    </a:solidFill>
+                  </a:tcPr>
+                </a:tc>
+                <a:extLst>
+                  <a:ext uri="{0D108BD9-81ED-4DB2-BD59-A6C34878D82A}">
+                    <a16:rowId xmlns:a16="http://schemas.microsoft.com/office/drawing/2014/main" val="663980406"/>
+                  </a:ext>
+                </a:extLst>
+              </a:tr>
+              <a:tr h="307293">
+                <a:tc>
+                  <a:txBody>
+                    <a:bodyPr/>
+                    <a:lstStyle/>
+                    <a:p>
+                      <a:r>
+                        <a:rPr lang="en-US" sz="2000">
+                          <a:effectLst/>
+                        </a:rPr>
+                        <a:t>Red LED</a:t>
+                      </a:r>
+                    </a:p>
+                  </a:txBody>
+                  <a:tcPr marL="24568" marR="24568" marT="11339" marB="11339" anchor="ctr">
+                    <a:lnL w="5443" cap="flat" cmpd="sng" algn="ctr">
+                      <a:solidFill>
+                        <a:srgbClr val="DDDDDD"/>
+                      </a:solidFill>
+                      <a:prstDash val="solid"/>
+                      <a:round/>
+                      <a:headEnd type="none" w="med" len="med"/>
+                      <a:tailEnd type="none" w="med" len="med"/>
+                    </a:lnL>
+                    <a:lnR w="5443" cap="flat" cmpd="sng" algn="ctr">
+                      <a:solidFill>
+                        <a:srgbClr val="DDDDDD"/>
+                      </a:solidFill>
+                      <a:prstDash val="solid"/>
+                      <a:round/>
+                      <a:headEnd type="none" w="med" len="med"/>
+                      <a:tailEnd type="none" w="med" len="med"/>
+                    </a:lnR>
+                    <a:lnT w="5443" cap="flat" cmpd="sng" algn="ctr">
+                      <a:solidFill>
+                        <a:srgbClr val="DDDDDD"/>
+                      </a:solidFill>
+                      <a:prstDash val="solid"/>
+                      <a:round/>
+                      <a:headEnd type="none" w="med" len="med"/>
+                      <a:tailEnd type="none" w="med" len="med"/>
+                    </a:lnT>
+                    <a:lnB w="5443" cap="flat" cmpd="sng" algn="ctr">
+                      <a:solidFill>
+                        <a:srgbClr val="DDDDDD"/>
+                      </a:solidFill>
+                      <a:prstDash val="solid"/>
+                      <a:round/>
+                      <a:headEnd type="none" w="med" len="med"/>
+                      <a:tailEnd type="none" w="med" len="med"/>
+                    </a:lnB>
+                    <a:solidFill>
+                      <a:srgbClr val="FFFFFF"/>
+                    </a:solidFill>
+                  </a:tcPr>
+                </a:tc>
+                <a:tc>
+                  <a:txBody>
+                    <a:bodyPr/>
+                    <a:lstStyle/>
+                    <a:p>
+                      <a:pPr algn="ctr"/>
+                      <a:r>
+                        <a:rPr lang="en-US" sz="2000">
+                          <a:effectLst/>
+                        </a:rPr>
+                        <a:t>25</a:t>
+                      </a:r>
+                    </a:p>
+                  </a:txBody>
+                  <a:tcPr marL="24568" marR="24568" marT="11339" marB="11339" anchor="ctr">
+                    <a:lnL w="5443" cap="flat" cmpd="sng" algn="ctr">
+                      <a:solidFill>
+                        <a:srgbClr val="DDDDDD"/>
+                      </a:solidFill>
+                      <a:prstDash val="solid"/>
+                      <a:round/>
+                      <a:headEnd type="none" w="med" len="med"/>
+                      <a:tailEnd type="none" w="med" len="med"/>
+                    </a:lnL>
+                    <a:lnR w="5443" cap="flat" cmpd="sng" algn="ctr">
+                      <a:solidFill>
+                        <a:srgbClr val="DDDDDD"/>
+                      </a:solidFill>
+                      <a:prstDash val="solid"/>
+                      <a:round/>
+                      <a:headEnd type="none" w="med" len="med"/>
+                      <a:tailEnd type="none" w="med" len="med"/>
+                    </a:lnR>
+                    <a:lnT w="5443" cap="flat" cmpd="sng" algn="ctr">
+                      <a:solidFill>
+                        <a:srgbClr val="DDDDDD"/>
+                      </a:solidFill>
+                      <a:prstDash val="solid"/>
+                      <a:round/>
+                      <a:headEnd type="none" w="med" len="med"/>
+                      <a:tailEnd type="none" w="med" len="med"/>
+                    </a:lnT>
+                    <a:lnB w="5443" cap="flat" cmpd="sng" algn="ctr">
+                      <a:solidFill>
+                        <a:srgbClr val="DDDDDD"/>
+                      </a:solidFill>
+                      <a:prstDash val="solid"/>
+                      <a:round/>
+                      <a:headEnd type="none" w="med" len="med"/>
+                      <a:tailEnd type="none" w="med" len="med"/>
+                    </a:lnB>
+                    <a:solidFill>
+                      <a:srgbClr val="FFFFFF"/>
+                    </a:solidFill>
+                  </a:tcPr>
+                </a:tc>
+                <a:extLst>
+                  <a:ext uri="{0D108BD9-81ED-4DB2-BD59-A6C34878D82A}">
+                    <a16:rowId xmlns:a16="http://schemas.microsoft.com/office/drawing/2014/main" val="751520324"/>
+                  </a:ext>
+                </a:extLst>
+              </a:tr>
+              <a:tr h="307293">
+                <a:tc>
+                  <a:txBody>
+                    <a:bodyPr/>
+                    <a:lstStyle/>
+                    <a:p>
+                      <a:r>
+                        <a:rPr lang="en-US" sz="2000">
+                          <a:effectLst/>
+                        </a:rPr>
+                        <a:t>Amber LED</a:t>
+                      </a:r>
+                    </a:p>
+                  </a:txBody>
+                  <a:tcPr marL="24568" marR="24568" marT="11339" marB="11339" anchor="ctr">
+                    <a:lnL w="5443" cap="flat" cmpd="sng" algn="ctr">
+                      <a:solidFill>
+                        <a:srgbClr val="DDDDDD"/>
+                      </a:solidFill>
+                      <a:prstDash val="solid"/>
+                      <a:round/>
+                      <a:headEnd type="none" w="med" len="med"/>
+                      <a:tailEnd type="none" w="med" len="med"/>
+                    </a:lnL>
+                    <a:lnR w="5443" cap="flat" cmpd="sng" algn="ctr">
+                      <a:solidFill>
+                        <a:srgbClr val="DDDDDD"/>
+                      </a:solidFill>
+                      <a:prstDash val="solid"/>
+                      <a:round/>
+                      <a:headEnd type="none" w="med" len="med"/>
+                      <a:tailEnd type="none" w="med" len="med"/>
+                    </a:lnR>
+                    <a:lnT w="5443" cap="flat" cmpd="sng" algn="ctr">
+                      <a:solidFill>
+                        <a:srgbClr val="DDDDDD"/>
+                      </a:solidFill>
+                      <a:prstDash val="solid"/>
+                      <a:round/>
+                      <a:headEnd type="none" w="med" len="med"/>
+                      <a:tailEnd type="none" w="med" len="med"/>
+                    </a:lnT>
+                    <a:lnB w="5443" cap="flat" cmpd="sng" algn="ctr">
+                      <a:solidFill>
+                        <a:srgbClr val="DDDDDD"/>
+                      </a:solidFill>
+                      <a:prstDash val="solid"/>
+                      <a:round/>
+                      <a:headEnd type="none" w="med" len="med"/>
+                      <a:tailEnd type="none" w="med" len="med"/>
+                    </a:lnB>
+                    <a:solidFill>
+                      <a:srgbClr val="FFFFFF"/>
+                    </a:solidFill>
+                  </a:tcPr>
+                </a:tc>
+                <a:tc>
+                  <a:txBody>
+                    <a:bodyPr/>
+                    <a:lstStyle/>
+                    <a:p>
+                      <a:pPr algn="ctr"/>
+                      <a:r>
+                        <a:rPr lang="en-US" sz="2000">
+                          <a:effectLst/>
+                        </a:rPr>
+                        <a:t>8</a:t>
+                      </a:r>
+                    </a:p>
+                  </a:txBody>
+                  <a:tcPr marL="24568" marR="24568" marT="11339" marB="11339" anchor="ctr">
+                    <a:lnL w="5443" cap="flat" cmpd="sng" algn="ctr">
+                      <a:solidFill>
+                        <a:srgbClr val="DDDDDD"/>
+                      </a:solidFill>
+                      <a:prstDash val="solid"/>
+                      <a:round/>
+                      <a:headEnd type="none" w="med" len="med"/>
+                      <a:tailEnd type="none" w="med" len="med"/>
+                    </a:lnL>
+                    <a:lnR w="5443" cap="flat" cmpd="sng" algn="ctr">
+                      <a:solidFill>
+                        <a:srgbClr val="DDDDDD"/>
+                      </a:solidFill>
+                      <a:prstDash val="solid"/>
+                      <a:round/>
+                      <a:headEnd type="none" w="med" len="med"/>
+                      <a:tailEnd type="none" w="med" len="med"/>
+                    </a:lnR>
+                    <a:lnT w="5443" cap="flat" cmpd="sng" algn="ctr">
+                      <a:solidFill>
+                        <a:srgbClr val="DDDDDD"/>
+                      </a:solidFill>
+                      <a:prstDash val="solid"/>
+                      <a:round/>
+                      <a:headEnd type="none" w="med" len="med"/>
+                      <a:tailEnd type="none" w="med" len="med"/>
+                    </a:lnT>
+                    <a:lnB w="5443" cap="flat" cmpd="sng" algn="ctr">
+                      <a:solidFill>
+                        <a:srgbClr val="DDDDDD"/>
+                      </a:solidFill>
+                      <a:prstDash val="solid"/>
+                      <a:round/>
+                      <a:headEnd type="none" w="med" len="med"/>
+                      <a:tailEnd type="none" w="med" len="med"/>
+                    </a:lnB>
+                    <a:solidFill>
+                      <a:srgbClr val="FFFFFF"/>
+                    </a:solidFill>
+                  </a:tcPr>
+                </a:tc>
+                <a:extLst>
+                  <a:ext uri="{0D108BD9-81ED-4DB2-BD59-A6C34878D82A}">
+                    <a16:rowId xmlns:a16="http://schemas.microsoft.com/office/drawing/2014/main" val="3712619895"/>
+                  </a:ext>
+                </a:extLst>
+              </a:tr>
+              <a:tr h="307293">
+                <a:tc>
+                  <a:txBody>
+                    <a:bodyPr/>
+                    <a:lstStyle/>
+                    <a:p>
+                      <a:r>
+                        <a:rPr lang="en-US" sz="2000">
+                          <a:effectLst/>
+                        </a:rPr>
+                        <a:t>Green LED</a:t>
+                      </a:r>
+                    </a:p>
+                  </a:txBody>
+                  <a:tcPr marL="24568" marR="24568" marT="11339" marB="11339" anchor="ctr">
+                    <a:lnL w="5443" cap="flat" cmpd="sng" algn="ctr">
+                      <a:solidFill>
+                        <a:srgbClr val="DDDDDD"/>
+                      </a:solidFill>
+                      <a:prstDash val="solid"/>
+                      <a:round/>
+                      <a:headEnd type="none" w="med" len="med"/>
+                      <a:tailEnd type="none" w="med" len="med"/>
+                    </a:lnL>
+                    <a:lnR w="5443" cap="flat" cmpd="sng" algn="ctr">
+                      <a:solidFill>
+                        <a:srgbClr val="DDDDDD"/>
+                      </a:solidFill>
+                      <a:prstDash val="solid"/>
+                      <a:round/>
+                      <a:headEnd type="none" w="med" len="med"/>
+                      <a:tailEnd type="none" w="med" len="med"/>
+                    </a:lnR>
+                    <a:lnT w="5443" cap="flat" cmpd="sng" algn="ctr">
+                      <a:solidFill>
+                        <a:srgbClr val="DDDDDD"/>
+                      </a:solidFill>
+                      <a:prstDash val="solid"/>
+                      <a:round/>
+                      <a:headEnd type="none" w="med" len="med"/>
+                      <a:tailEnd type="none" w="med" len="med"/>
+                    </a:lnT>
+                    <a:lnB w="5443" cap="flat" cmpd="sng" algn="ctr">
+                      <a:solidFill>
+                        <a:srgbClr val="DDDDDD"/>
+                      </a:solidFill>
+                      <a:prstDash val="solid"/>
+                      <a:round/>
+                      <a:headEnd type="none" w="med" len="med"/>
+                      <a:tailEnd type="none" w="med" len="med"/>
+                    </a:lnB>
+                    <a:solidFill>
+                      <a:srgbClr val="FFFFFF"/>
+                    </a:solidFill>
+                  </a:tcPr>
+                </a:tc>
+                <a:tc>
+                  <a:txBody>
+                    <a:bodyPr/>
+                    <a:lstStyle/>
+                    <a:p>
+                      <a:pPr algn="ctr"/>
+                      <a:r>
+                        <a:rPr lang="en-US" sz="2000">
+                          <a:effectLst/>
+                        </a:rPr>
+                        <a:t>7</a:t>
+                      </a:r>
+                    </a:p>
+                  </a:txBody>
+                  <a:tcPr marL="24568" marR="24568" marT="11339" marB="11339" anchor="ctr">
+                    <a:lnL w="5443" cap="flat" cmpd="sng" algn="ctr">
+                      <a:solidFill>
+                        <a:srgbClr val="DDDDDD"/>
+                      </a:solidFill>
+                      <a:prstDash val="solid"/>
+                      <a:round/>
+                      <a:headEnd type="none" w="med" len="med"/>
+                      <a:tailEnd type="none" w="med" len="med"/>
+                    </a:lnL>
+                    <a:lnR w="5443" cap="flat" cmpd="sng" algn="ctr">
+                      <a:solidFill>
+                        <a:srgbClr val="DDDDDD"/>
+                      </a:solidFill>
+                      <a:prstDash val="solid"/>
+                      <a:round/>
+                      <a:headEnd type="none" w="med" len="med"/>
+                      <a:tailEnd type="none" w="med" len="med"/>
+                    </a:lnR>
+                    <a:lnT w="5443" cap="flat" cmpd="sng" algn="ctr">
+                      <a:solidFill>
+                        <a:srgbClr val="DDDDDD"/>
+                      </a:solidFill>
+                      <a:prstDash val="solid"/>
+                      <a:round/>
+                      <a:headEnd type="none" w="med" len="med"/>
+                      <a:tailEnd type="none" w="med" len="med"/>
+                    </a:lnT>
+                    <a:lnB w="5443" cap="flat" cmpd="sng" algn="ctr">
+                      <a:solidFill>
+                        <a:srgbClr val="DDDDDD"/>
+                      </a:solidFill>
+                      <a:prstDash val="solid"/>
+                      <a:round/>
+                      <a:headEnd type="none" w="med" len="med"/>
+                      <a:tailEnd type="none" w="med" len="med"/>
+                    </a:lnB>
+                    <a:solidFill>
+                      <a:srgbClr val="FFFFFF"/>
+                    </a:solidFill>
+                  </a:tcPr>
+                </a:tc>
+                <a:extLst>
+                  <a:ext uri="{0D108BD9-81ED-4DB2-BD59-A6C34878D82A}">
+                    <a16:rowId xmlns:a16="http://schemas.microsoft.com/office/drawing/2014/main" val="2499935102"/>
+                  </a:ext>
+                </a:extLst>
+              </a:tr>
+              <a:tr h="307293">
+                <a:tc>
+                  <a:txBody>
+                    <a:bodyPr/>
+                    <a:lstStyle/>
+                    <a:p>
+                      <a:r>
+                        <a:rPr lang="en-US" sz="2000">
+                          <a:effectLst/>
+                        </a:rPr>
+                        <a:t>Buzzer</a:t>
+                      </a:r>
+                    </a:p>
+                  </a:txBody>
+                  <a:tcPr marL="24568" marR="24568" marT="11339" marB="11339" anchor="ctr">
+                    <a:lnL w="5443" cap="flat" cmpd="sng" algn="ctr">
+                      <a:solidFill>
+                        <a:srgbClr val="DDDDDD"/>
+                      </a:solidFill>
+                      <a:prstDash val="solid"/>
+                      <a:round/>
+                      <a:headEnd type="none" w="med" len="med"/>
+                      <a:tailEnd type="none" w="med" len="med"/>
+                    </a:lnL>
+                    <a:lnR w="5443" cap="flat" cmpd="sng" algn="ctr">
+                      <a:solidFill>
+                        <a:srgbClr val="DDDDDD"/>
+                      </a:solidFill>
+                      <a:prstDash val="solid"/>
+                      <a:round/>
+                      <a:headEnd type="none" w="med" len="med"/>
+                      <a:tailEnd type="none" w="med" len="med"/>
+                    </a:lnR>
+                    <a:lnT w="5443" cap="flat" cmpd="sng" algn="ctr">
+                      <a:solidFill>
+                        <a:srgbClr val="DDDDDD"/>
+                      </a:solidFill>
+                      <a:prstDash val="solid"/>
+                      <a:round/>
+                      <a:headEnd type="none" w="med" len="med"/>
+                      <a:tailEnd type="none" w="med" len="med"/>
+                    </a:lnT>
+                    <a:lnB w="5443" cap="flat" cmpd="sng" algn="ctr">
+                      <a:solidFill>
+                        <a:srgbClr val="DDDDDD"/>
+                      </a:solidFill>
+                      <a:prstDash val="solid"/>
+                      <a:round/>
+                      <a:headEnd type="none" w="med" len="med"/>
+                      <a:tailEnd type="none" w="med" len="med"/>
+                    </a:lnB>
+                    <a:solidFill>
+                      <a:srgbClr val="FFFFFF"/>
+                    </a:solidFill>
+                  </a:tcPr>
+                </a:tc>
+                <a:tc>
+                  <a:txBody>
+                    <a:bodyPr/>
+                    <a:lstStyle/>
+                    <a:p>
+                      <a:pPr algn="ctr"/>
+                      <a:r>
+                        <a:rPr lang="en-US" sz="2000" dirty="0">
+                          <a:effectLst/>
+                        </a:rPr>
+                        <a:t>15</a:t>
+                      </a:r>
+                    </a:p>
+                  </a:txBody>
+                  <a:tcPr marL="24568" marR="24568" marT="11339" marB="11339" anchor="ctr">
+                    <a:lnL w="5443" cap="flat" cmpd="sng" algn="ctr">
+                      <a:solidFill>
+                        <a:srgbClr val="DDDDDD"/>
+                      </a:solidFill>
+                      <a:prstDash val="solid"/>
+                      <a:round/>
+                      <a:headEnd type="none" w="med" len="med"/>
+                      <a:tailEnd type="none" w="med" len="med"/>
+                    </a:lnL>
+                    <a:lnR w="5443" cap="flat" cmpd="sng" algn="ctr">
+                      <a:solidFill>
+                        <a:srgbClr val="DDDDDD"/>
+                      </a:solidFill>
+                      <a:prstDash val="solid"/>
+                      <a:round/>
+                      <a:headEnd type="none" w="med" len="med"/>
+                      <a:tailEnd type="none" w="med" len="med"/>
+                    </a:lnR>
+                    <a:lnT w="5443" cap="flat" cmpd="sng" algn="ctr">
+                      <a:solidFill>
+                        <a:srgbClr val="DDDDDD"/>
+                      </a:solidFill>
+                      <a:prstDash val="solid"/>
+                      <a:round/>
+                      <a:headEnd type="none" w="med" len="med"/>
+                      <a:tailEnd type="none" w="med" len="med"/>
+                    </a:lnT>
+                    <a:lnB w="5443" cap="flat" cmpd="sng" algn="ctr">
+                      <a:solidFill>
+                        <a:srgbClr val="DDDDDD"/>
+                      </a:solidFill>
+                      <a:prstDash val="solid"/>
+                      <a:round/>
+                      <a:headEnd type="none" w="med" len="med"/>
+                      <a:tailEnd type="none" w="med" len="med"/>
+                    </a:lnB>
+                    <a:solidFill>
+                      <a:srgbClr val="FFFFFF"/>
+                    </a:solidFill>
+                  </a:tcPr>
+                </a:tc>
+                <a:extLst>
+                  <a:ext uri="{0D108BD9-81ED-4DB2-BD59-A6C34878D82A}">
+                    <a16:rowId xmlns:a16="http://schemas.microsoft.com/office/drawing/2014/main" val="3654752669"/>
+                  </a:ext>
+                </a:extLst>
+              </a:tr>
+            </a:tbl>
+          </a:graphicData>
+        </a:graphic>
+      </p:graphicFrame>
+      <p:sp>
+        <p:nvSpPr>
+          <p:cNvPr id="5" name="Rectangle 3"/>
+          <p:cNvSpPr>
+            <a:spLocks noChangeArrowheads="1"/>
+          </p:cNvSpPr>
+          <p:nvPr/>
+        </p:nvSpPr>
+        <p:spPr bwMode="auto">
+          <a:xfrm>
+            <a:off x="0" y="-323165"/>
+            <a:ext cx="6417298" cy="646331"/>
+          </a:xfrm>
+          <a:prstGeom prst="rect">
+            <a:avLst/>
+          </a:prstGeom>
+          <a:noFill/>
+          <a:ln>
+            <a:noFill/>
+          </a:ln>
+          <a:effectLst/>
+          <a:extLst>
+            <a:ext uri="{909E8E84-426E-40DD-AFC4-6F175D3DCCD1}">
+              <a14:hiddenFill xmlns:a14="http://schemas.microsoft.com/office/drawing/2010/main">
+                <a:solidFill>
+                  <a:schemeClr val="accent1"/>
+                </a:solidFill>
+              </a14:hiddenFill>
+            </a:ext>
+            <a:ext uri="{91240B29-F687-4F45-9708-019B960494DF}">
+              <a14:hiddenLine xmlns:a14="http://schemas.microsoft.com/office/drawing/2010/main" w="9525">
+                <a:solidFill>
+                  <a:schemeClr val="tx1"/>
+                </a:solidFill>
+                <a:miter lim="800000"/>
+                <a:headEnd/>
+                <a:tailEnd/>
+              </a14:hiddenLine>
+            </a:ext>
+            <a:ext uri="{AF507438-7753-43E0-B8FC-AC1667EBCBE1}">
+              <a14:hiddenEffects xmlns:a14="http://schemas.microsoft.com/office/drawing/2010/main">
+                <a:effectLst>
+                  <a:outerShdw dist="35921" dir="2700000" algn="ctr" rotWithShape="0">
+                    <a:schemeClr val="bg2"/>
+                  </a:outerShdw>
+                </a:effectLst>
+              </a14:hiddenEffects>
+            </a:ext>
+          </a:extLst>
+        </p:spPr>
+        <p:txBody>
+          <a:bodyPr vert="horz" wrap="square" lIns="91440" tIns="45720" rIns="91440" bIns="45720" numCol="1" anchor="ctr" anchorCtr="0" compatLnSpc="1">
+            <a:prstTxWarp prst="textNoShape">
+              <a:avLst/>
+            </a:prstTxWarp>
+            <a:spAutoFit/>
+          </a:bodyPr>
+          <a:lstStyle/>
+          <a:p>
+            <a:pPr marL="0" marR="0" lvl="0" indent="0" algn="l" defTabSz="914400" rtl="0" eaLnBrk="0" fontAlgn="base" latinLnBrk="0" hangingPunct="0">
+              <a:lnSpc>
+                <a:spcPct val="100000"/>
+              </a:lnSpc>
+              <a:spcBef>
+                <a:spcPct val="0"/>
+              </a:spcBef>
+              <a:spcAft>
+                <a:spcPct val="0"/>
+              </a:spcAft>
+              <a:buClrTx/>
+              <a:buSzTx/>
+              <a:buFontTx/>
+              <a:buNone/>
+              <a:tabLst/>
+            </a:pPr>
+            <a:br>
+              <a:rPr kumimoji="0" lang="en-US" altLang="en-US" sz="1800" b="0" i="0" u="none" strike="noStrike" cap="none" normalizeH="0" baseline="0">
+                <a:ln>
+                  <a:noFill/>
+                </a:ln>
+                <a:solidFill>
+                  <a:schemeClr val="tx1"/>
+                </a:solidFill>
+                <a:effectLst/>
+                <a:latin typeface="Arial" panose="020B0604020202020204" pitchFamily="34" charset="0"/>
+              </a:rPr>
+            </a:br>
+            <a:endParaRPr kumimoji="0" lang="en-US" altLang="en-US" sz="1800" b="0" i="0" u="none" strike="noStrike" cap="none" normalizeH="0" baseline="0">
+              <a:ln>
+                <a:noFill/>
+              </a:ln>
+              <a:solidFill>
+                <a:schemeClr val="tx1"/>
+              </a:solidFill>
+              <a:effectLst/>
+              <a:latin typeface="Arial" panose="020B0604020202020204" pitchFamily="34" charset="0"/>
+            </a:endParaRPr>
+          </a:p>
+        </p:txBody>
+      </p:sp>
+    </p:spTree>
+    <p:extLst>
+      <p:ext uri="{BB962C8B-B14F-4D97-AF65-F5344CB8AC3E}">
+        <p14:creationId xmlns:p14="http://schemas.microsoft.com/office/powerpoint/2010/main" val="1251222904"/>
       </p:ext>
     </p:extLst>
   </p:cSld>

--- a/Philadelphia Code Camp.pptx
+++ b/Philadelphia Code Camp.pptx
@@ -38,25 +38,9 @@
     <p:sldId id="264" r:id="rId32"/>
     <p:sldId id="267" r:id="rId33"/>
     <p:sldId id="308" r:id="rId34"/>
-    <p:sldId id="310" r:id="rId35"/>
-    <p:sldId id="277" r:id="rId36"/>
-    <p:sldId id="278" r:id="rId37"/>
-    <p:sldId id="269" r:id="rId38"/>
-    <p:sldId id="271" r:id="rId39"/>
-    <p:sldId id="272" r:id="rId40"/>
-    <p:sldId id="273" r:id="rId41"/>
-    <p:sldId id="274" r:id="rId42"/>
-    <p:sldId id="275" r:id="rId43"/>
-    <p:sldId id="276" r:id="rId44"/>
-    <p:sldId id="281" r:id="rId45"/>
-    <p:sldId id="282" r:id="rId46"/>
-    <p:sldId id="279" r:id="rId47"/>
-    <p:sldId id="280" r:id="rId48"/>
-    <p:sldId id="283" r:id="rId49"/>
-    <p:sldId id="284" r:id="rId50"/>
-    <p:sldId id="285" r:id="rId51"/>
-    <p:sldId id="286" r:id="rId52"/>
-    <p:sldId id="266" r:id="rId53"/>
+    <p:sldId id="266" r:id="rId35"/>
+    <p:sldId id="310" r:id="rId36"/>
+    <p:sldId id="311" r:id="rId37"/>
   </p:sldIdLst>
   <p:sldSz cx="12192000" cy="6858000"/>
   <p:notesSz cx="6858000" cy="9144000"/>
@@ -215,38 +199,23 @@
             <p14:sldId id="308"/>
           </p14:sldIdLst>
         </p14:section>
+        <p14:section name="Lesson 5 - Traffic Lights" id="{1A1D589F-A0A0-4C42-A5AE-6F610DE43B7A}">
+          <p14:sldIdLst>
+            <p14:sldId id="266"/>
+          </p14:sldIdLst>
+        </p14:section>
         <p14:section name="Lesson 4 - Reaction Game" id="{975F73E2-8A1C-4B74-ABB0-5FB27927F8F1}">
           <p14:sldIdLst>
             <p14:sldId id="310"/>
-            <p14:sldId id="277"/>
-            <p14:sldId id="278"/>
-            <p14:sldId id="269"/>
-            <p14:sldId id="271"/>
-            <p14:sldId id="272"/>
-            <p14:sldId id="273"/>
-            <p14:sldId id="274"/>
-            <p14:sldId id="275"/>
-            <p14:sldId id="276"/>
-            <p14:sldId id="281"/>
-            <p14:sldId id="282"/>
-            <p14:sldId id="279"/>
-            <p14:sldId id="280"/>
-            <p14:sldId id="283"/>
-            <p14:sldId id="284"/>
-            <p14:sldId id="285"/>
-            <p14:sldId id="286"/>
-          </p14:sldIdLst>
-        </p14:section>
-        <p14:section name="Lesson 5 - Traffic Lights" id="{1A1D589F-A0A0-4C42-A5AE-6F610DE43B7A}">
-          <p14:sldIdLst>
-            <p14:sldId id="266"/>
           </p14:sldIdLst>
         </p14:section>
         <p14:section name="Lesson 6 - Laser Trip Wire" id="{7A2AD9E3-1919-418B-9E20-85CE879CA720}">
           <p14:sldIdLst/>
         </p14:section>
         <p14:section name="Lesson 7 - Drone Car" id="{ED7258B8-CAC7-4C2D-AB65-3CC3C6C419D6}">
-          <p14:sldIdLst/>
+          <p14:sldIdLst>
+            <p14:sldId id="311"/>
+          </p14:sldIdLst>
         </p14:section>
       </p14:sectionLst>
     </p:ext>
@@ -8418,6 +8387,953 @@
       </p:grpSpPr>
       <p:pic>
         <p:nvPicPr>
+          <p:cNvPr id="1028" name="Picture 2" descr="GPIO diagram"/>
+          <p:cNvPicPr>
+            <a:picLocks noChangeAspect="1"/>
+          </p:cNvPicPr>
+          <p:nvPr/>
+        </p:nvPicPr>
+        <p:blipFill rotWithShape="1">
+          <a:blip r:embed="rId2">
+            <a:extLst>
+              <a:ext uri="{28A0092B-C50C-407E-A947-70E740481C1C}">
+                <a14:useLocalDpi xmlns:a14="http://schemas.microsoft.com/office/drawing/2010/main" val="0"/>
+              </a:ext>
+            </a:extLst>
+          </a:blip>
+          <a:srcRect t="2450" r="-2" b="4182"/>
+          <a:stretch/>
+        </p:blipFill>
+        <p:spPr>
+          <a:xfrm>
+            <a:off x="4639056" y="10"/>
+            <a:ext cx="7552944" cy="6857990"/>
+          </a:xfrm>
+          <a:prstGeom prst="rect">
+            <a:avLst/>
+          </a:prstGeom>
+          <a:effectLst/>
+        </p:spPr>
+      </p:pic>
+      <p:sp>
+        <p:nvSpPr>
+          <p:cNvPr id="2" name="Title 1"/>
+          <p:cNvSpPr>
+            <a:spLocks noGrp="1"/>
+          </p:cNvSpPr>
+          <p:nvPr>
+            <p:ph type="title"/>
+          </p:nvPr>
+        </p:nvSpPr>
+        <p:spPr>
+          <a:xfrm>
+            <a:off x="648929" y="629266"/>
+            <a:ext cx="3651467" cy="1676603"/>
+          </a:xfrm>
+        </p:spPr>
+        <p:txBody>
+          <a:bodyPr>
+            <a:normAutofit/>
+          </a:bodyPr>
+          <a:lstStyle/>
+          <a:p>
+            <a:r>
+              <a:rPr lang="en-US" dirty="0"/>
+              <a:t>Traffic Lights</a:t>
+            </a:r>
+            <a:br>
+              <a:rPr lang="en-US" dirty="0"/>
+            </a:br>
+            <a:r>
+              <a:rPr lang="en-US" dirty="0"/>
+              <a:t>Exercise</a:t>
+            </a:r>
+          </a:p>
+        </p:txBody>
+      </p:sp>
+      <p:graphicFrame>
+        <p:nvGraphicFramePr>
+          <p:cNvPr id="4" name="Content Placeholder 3"/>
+          <p:cNvGraphicFramePr>
+            <a:graphicFrameLocks noGrp="1"/>
+          </p:cNvGraphicFramePr>
+          <p:nvPr>
+            <p:ph idx="1"/>
+            <p:extLst>
+              <p:ext uri="{D42A27DB-BD31-4B8C-83A1-F6EECF244321}">
+                <p14:modId xmlns:p14="http://schemas.microsoft.com/office/powerpoint/2010/main" val="1121207410"/>
+              </p:ext>
+            </p:extLst>
+          </p:nvPr>
+        </p:nvGraphicFramePr>
+        <p:xfrm>
+          <a:off x="649288" y="2841520"/>
+          <a:ext cx="3023060" cy="1964868"/>
+        </p:xfrm>
+        <a:graphic>
+          <a:graphicData uri="http://schemas.openxmlformats.org/drawingml/2006/table">
+            <a:tbl>
+              <a:tblPr/>
+              <a:tblGrid>
+                <a:gridCol w="1511530">
+                  <a:extLst>
+                    <a:ext uri="{9D8B030D-6E8A-4147-A177-3AD203B41FA5}">
+                      <a16:colId xmlns:a16="http://schemas.microsoft.com/office/drawing/2014/main" val="3764869724"/>
+                    </a:ext>
+                  </a:extLst>
+                </a:gridCol>
+                <a:gridCol w="1511530">
+                  <a:extLst>
+                    <a:ext uri="{9D8B030D-6E8A-4147-A177-3AD203B41FA5}">
+                      <a16:colId xmlns:a16="http://schemas.microsoft.com/office/drawing/2014/main" val="2130788667"/>
+                    </a:ext>
+                  </a:extLst>
+                </a:gridCol>
+              </a:tblGrid>
+              <a:tr h="307293">
+                <a:tc>
+                  <a:txBody>
+                    <a:bodyPr/>
+                    <a:lstStyle/>
+                    <a:p>
+                      <a:r>
+                        <a:rPr lang="en-US" sz="2000" b="1">
+                          <a:effectLst/>
+                        </a:rPr>
+                        <a:t>Component</a:t>
+                      </a:r>
+                    </a:p>
+                  </a:txBody>
+                  <a:tcPr marL="24568" marR="24568" marT="11339" marB="11339" anchor="ctr">
+                    <a:lnL w="5443" cap="flat" cmpd="sng" algn="ctr">
+                      <a:solidFill>
+                        <a:srgbClr val="DDDDDD"/>
+                      </a:solidFill>
+                      <a:prstDash val="solid"/>
+                      <a:round/>
+                      <a:headEnd type="none" w="med" len="med"/>
+                      <a:tailEnd type="none" w="med" len="med"/>
+                    </a:lnL>
+                    <a:lnR w="5443" cap="flat" cmpd="sng" algn="ctr">
+                      <a:solidFill>
+                        <a:srgbClr val="DDDDDD"/>
+                      </a:solidFill>
+                      <a:prstDash val="solid"/>
+                      <a:round/>
+                      <a:headEnd type="none" w="med" len="med"/>
+                      <a:tailEnd type="none" w="med" len="med"/>
+                    </a:lnR>
+                    <a:lnT w="5443" cap="flat" cmpd="sng" algn="ctr">
+                      <a:solidFill>
+                        <a:srgbClr val="DDDDDD"/>
+                      </a:solidFill>
+                      <a:prstDash val="solid"/>
+                      <a:round/>
+                      <a:headEnd type="none" w="med" len="med"/>
+                      <a:tailEnd type="none" w="med" len="med"/>
+                    </a:lnT>
+                    <a:lnB w="5443" cap="flat" cmpd="sng" algn="ctr">
+                      <a:solidFill>
+                        <a:srgbClr val="DDDDDD"/>
+                      </a:solidFill>
+                      <a:prstDash val="solid"/>
+                      <a:round/>
+                      <a:headEnd type="none" w="med" len="med"/>
+                      <a:tailEnd type="none" w="med" len="med"/>
+                    </a:lnB>
+                    <a:solidFill>
+                      <a:srgbClr val="FFFFFF"/>
+                    </a:solidFill>
+                  </a:tcPr>
+                </a:tc>
+                <a:tc>
+                  <a:txBody>
+                    <a:bodyPr/>
+                    <a:lstStyle/>
+                    <a:p>
+                      <a:pPr algn="ctr"/>
+                      <a:r>
+                        <a:rPr lang="en-US" sz="2000" b="1" dirty="0">
+                          <a:effectLst/>
+                        </a:rPr>
+                        <a:t>GPIO pin</a:t>
+                      </a:r>
+                    </a:p>
+                  </a:txBody>
+                  <a:tcPr marL="24568" marR="24568" marT="11339" marB="11339" anchor="ctr">
+                    <a:lnL w="5443" cap="flat" cmpd="sng" algn="ctr">
+                      <a:solidFill>
+                        <a:srgbClr val="DDDDDD"/>
+                      </a:solidFill>
+                      <a:prstDash val="solid"/>
+                      <a:round/>
+                      <a:headEnd type="none" w="med" len="med"/>
+                      <a:tailEnd type="none" w="med" len="med"/>
+                    </a:lnL>
+                    <a:lnR w="5443" cap="flat" cmpd="sng" algn="ctr">
+                      <a:solidFill>
+                        <a:srgbClr val="DDDDDD"/>
+                      </a:solidFill>
+                      <a:prstDash val="solid"/>
+                      <a:round/>
+                      <a:headEnd type="none" w="med" len="med"/>
+                      <a:tailEnd type="none" w="med" len="med"/>
+                    </a:lnR>
+                    <a:lnT w="5443" cap="flat" cmpd="sng" algn="ctr">
+                      <a:solidFill>
+                        <a:srgbClr val="DDDDDD"/>
+                      </a:solidFill>
+                      <a:prstDash val="solid"/>
+                      <a:round/>
+                      <a:headEnd type="none" w="med" len="med"/>
+                      <a:tailEnd type="none" w="med" len="med"/>
+                    </a:lnT>
+                    <a:lnB w="5443" cap="flat" cmpd="sng" algn="ctr">
+                      <a:solidFill>
+                        <a:srgbClr val="DDDDDD"/>
+                      </a:solidFill>
+                      <a:prstDash val="solid"/>
+                      <a:round/>
+                      <a:headEnd type="none" w="med" len="med"/>
+                      <a:tailEnd type="none" w="med" len="med"/>
+                    </a:lnB>
+                    <a:solidFill>
+                      <a:srgbClr val="FFFFFF"/>
+                    </a:solidFill>
+                  </a:tcPr>
+                </a:tc>
+                <a:extLst>
+                  <a:ext uri="{0D108BD9-81ED-4DB2-BD59-A6C34878D82A}">
+                    <a16:rowId xmlns:a16="http://schemas.microsoft.com/office/drawing/2014/main" val="1048854025"/>
+                  </a:ext>
+                </a:extLst>
+              </a:tr>
+              <a:tr h="307293">
+                <a:tc>
+                  <a:txBody>
+                    <a:bodyPr/>
+                    <a:lstStyle/>
+                    <a:p>
+                      <a:r>
+                        <a:rPr lang="en-US" sz="2000">
+                          <a:effectLst/>
+                        </a:rPr>
+                        <a:t>Button</a:t>
+                      </a:r>
+                    </a:p>
+                  </a:txBody>
+                  <a:tcPr marL="24568" marR="24568" marT="11339" marB="11339" anchor="ctr">
+                    <a:lnL w="5443" cap="flat" cmpd="sng" algn="ctr">
+                      <a:solidFill>
+                        <a:srgbClr val="DDDDDD"/>
+                      </a:solidFill>
+                      <a:prstDash val="solid"/>
+                      <a:round/>
+                      <a:headEnd type="none" w="med" len="med"/>
+                      <a:tailEnd type="none" w="med" len="med"/>
+                    </a:lnL>
+                    <a:lnR w="5443" cap="flat" cmpd="sng" algn="ctr">
+                      <a:solidFill>
+                        <a:srgbClr val="DDDDDD"/>
+                      </a:solidFill>
+                      <a:prstDash val="solid"/>
+                      <a:round/>
+                      <a:headEnd type="none" w="med" len="med"/>
+                      <a:tailEnd type="none" w="med" len="med"/>
+                    </a:lnR>
+                    <a:lnT w="5443" cap="flat" cmpd="sng" algn="ctr">
+                      <a:solidFill>
+                        <a:srgbClr val="DDDDDD"/>
+                      </a:solidFill>
+                      <a:prstDash val="solid"/>
+                      <a:round/>
+                      <a:headEnd type="none" w="med" len="med"/>
+                      <a:tailEnd type="none" w="med" len="med"/>
+                    </a:lnT>
+                    <a:lnB w="5443" cap="flat" cmpd="sng" algn="ctr">
+                      <a:solidFill>
+                        <a:srgbClr val="DDDDDD"/>
+                      </a:solidFill>
+                      <a:prstDash val="solid"/>
+                      <a:round/>
+                      <a:headEnd type="none" w="med" len="med"/>
+                      <a:tailEnd type="none" w="med" len="med"/>
+                    </a:lnB>
+                    <a:solidFill>
+                      <a:srgbClr val="FFFFFF"/>
+                    </a:solidFill>
+                  </a:tcPr>
+                </a:tc>
+                <a:tc>
+                  <a:txBody>
+                    <a:bodyPr/>
+                    <a:lstStyle/>
+                    <a:p>
+                      <a:pPr algn="ctr"/>
+                      <a:r>
+                        <a:rPr lang="en-US" sz="2000" dirty="0">
+                          <a:effectLst/>
+                        </a:rPr>
+                        <a:t>21</a:t>
+                      </a:r>
+                    </a:p>
+                  </a:txBody>
+                  <a:tcPr marL="24568" marR="24568" marT="11339" marB="11339" anchor="ctr">
+                    <a:lnL w="5443" cap="flat" cmpd="sng" algn="ctr">
+                      <a:solidFill>
+                        <a:srgbClr val="DDDDDD"/>
+                      </a:solidFill>
+                      <a:prstDash val="solid"/>
+                      <a:round/>
+                      <a:headEnd type="none" w="med" len="med"/>
+                      <a:tailEnd type="none" w="med" len="med"/>
+                    </a:lnL>
+                    <a:lnR w="5443" cap="flat" cmpd="sng" algn="ctr">
+                      <a:solidFill>
+                        <a:srgbClr val="DDDDDD"/>
+                      </a:solidFill>
+                      <a:prstDash val="solid"/>
+                      <a:round/>
+                      <a:headEnd type="none" w="med" len="med"/>
+                      <a:tailEnd type="none" w="med" len="med"/>
+                    </a:lnR>
+                    <a:lnT w="5443" cap="flat" cmpd="sng" algn="ctr">
+                      <a:solidFill>
+                        <a:srgbClr val="DDDDDD"/>
+                      </a:solidFill>
+                      <a:prstDash val="solid"/>
+                      <a:round/>
+                      <a:headEnd type="none" w="med" len="med"/>
+                      <a:tailEnd type="none" w="med" len="med"/>
+                    </a:lnT>
+                    <a:lnB w="5443" cap="flat" cmpd="sng" algn="ctr">
+                      <a:solidFill>
+                        <a:srgbClr val="DDDDDD"/>
+                      </a:solidFill>
+                      <a:prstDash val="solid"/>
+                      <a:round/>
+                      <a:headEnd type="none" w="med" len="med"/>
+                      <a:tailEnd type="none" w="med" len="med"/>
+                    </a:lnB>
+                    <a:solidFill>
+                      <a:srgbClr val="FFFFFF"/>
+                    </a:solidFill>
+                  </a:tcPr>
+                </a:tc>
+                <a:extLst>
+                  <a:ext uri="{0D108BD9-81ED-4DB2-BD59-A6C34878D82A}">
+                    <a16:rowId xmlns:a16="http://schemas.microsoft.com/office/drawing/2014/main" val="663980406"/>
+                  </a:ext>
+                </a:extLst>
+              </a:tr>
+              <a:tr h="307293">
+                <a:tc>
+                  <a:txBody>
+                    <a:bodyPr/>
+                    <a:lstStyle/>
+                    <a:p>
+                      <a:r>
+                        <a:rPr lang="en-US" sz="2000">
+                          <a:effectLst/>
+                        </a:rPr>
+                        <a:t>Red LED</a:t>
+                      </a:r>
+                    </a:p>
+                  </a:txBody>
+                  <a:tcPr marL="24568" marR="24568" marT="11339" marB="11339" anchor="ctr">
+                    <a:lnL w="5443" cap="flat" cmpd="sng" algn="ctr">
+                      <a:solidFill>
+                        <a:srgbClr val="DDDDDD"/>
+                      </a:solidFill>
+                      <a:prstDash val="solid"/>
+                      <a:round/>
+                      <a:headEnd type="none" w="med" len="med"/>
+                      <a:tailEnd type="none" w="med" len="med"/>
+                    </a:lnL>
+                    <a:lnR w="5443" cap="flat" cmpd="sng" algn="ctr">
+                      <a:solidFill>
+                        <a:srgbClr val="DDDDDD"/>
+                      </a:solidFill>
+                      <a:prstDash val="solid"/>
+                      <a:round/>
+                      <a:headEnd type="none" w="med" len="med"/>
+                      <a:tailEnd type="none" w="med" len="med"/>
+                    </a:lnR>
+                    <a:lnT w="5443" cap="flat" cmpd="sng" algn="ctr">
+                      <a:solidFill>
+                        <a:srgbClr val="DDDDDD"/>
+                      </a:solidFill>
+                      <a:prstDash val="solid"/>
+                      <a:round/>
+                      <a:headEnd type="none" w="med" len="med"/>
+                      <a:tailEnd type="none" w="med" len="med"/>
+                    </a:lnT>
+                    <a:lnB w="5443" cap="flat" cmpd="sng" algn="ctr">
+                      <a:solidFill>
+                        <a:srgbClr val="DDDDDD"/>
+                      </a:solidFill>
+                      <a:prstDash val="solid"/>
+                      <a:round/>
+                      <a:headEnd type="none" w="med" len="med"/>
+                      <a:tailEnd type="none" w="med" len="med"/>
+                    </a:lnB>
+                    <a:solidFill>
+                      <a:srgbClr val="FFFFFF"/>
+                    </a:solidFill>
+                  </a:tcPr>
+                </a:tc>
+                <a:tc>
+                  <a:txBody>
+                    <a:bodyPr/>
+                    <a:lstStyle/>
+                    <a:p>
+                      <a:pPr algn="ctr"/>
+                      <a:r>
+                        <a:rPr lang="en-US" sz="2000">
+                          <a:effectLst/>
+                        </a:rPr>
+                        <a:t>25</a:t>
+                      </a:r>
+                    </a:p>
+                  </a:txBody>
+                  <a:tcPr marL="24568" marR="24568" marT="11339" marB="11339" anchor="ctr">
+                    <a:lnL w="5443" cap="flat" cmpd="sng" algn="ctr">
+                      <a:solidFill>
+                        <a:srgbClr val="DDDDDD"/>
+                      </a:solidFill>
+                      <a:prstDash val="solid"/>
+                      <a:round/>
+                      <a:headEnd type="none" w="med" len="med"/>
+                      <a:tailEnd type="none" w="med" len="med"/>
+                    </a:lnL>
+                    <a:lnR w="5443" cap="flat" cmpd="sng" algn="ctr">
+                      <a:solidFill>
+                        <a:srgbClr val="DDDDDD"/>
+                      </a:solidFill>
+                      <a:prstDash val="solid"/>
+                      <a:round/>
+                      <a:headEnd type="none" w="med" len="med"/>
+                      <a:tailEnd type="none" w="med" len="med"/>
+                    </a:lnR>
+                    <a:lnT w="5443" cap="flat" cmpd="sng" algn="ctr">
+                      <a:solidFill>
+                        <a:srgbClr val="DDDDDD"/>
+                      </a:solidFill>
+                      <a:prstDash val="solid"/>
+                      <a:round/>
+                      <a:headEnd type="none" w="med" len="med"/>
+                      <a:tailEnd type="none" w="med" len="med"/>
+                    </a:lnT>
+                    <a:lnB w="5443" cap="flat" cmpd="sng" algn="ctr">
+                      <a:solidFill>
+                        <a:srgbClr val="DDDDDD"/>
+                      </a:solidFill>
+                      <a:prstDash val="solid"/>
+                      <a:round/>
+                      <a:headEnd type="none" w="med" len="med"/>
+                      <a:tailEnd type="none" w="med" len="med"/>
+                    </a:lnB>
+                    <a:solidFill>
+                      <a:srgbClr val="FFFFFF"/>
+                    </a:solidFill>
+                  </a:tcPr>
+                </a:tc>
+                <a:extLst>
+                  <a:ext uri="{0D108BD9-81ED-4DB2-BD59-A6C34878D82A}">
+                    <a16:rowId xmlns:a16="http://schemas.microsoft.com/office/drawing/2014/main" val="751520324"/>
+                  </a:ext>
+                </a:extLst>
+              </a:tr>
+              <a:tr h="307293">
+                <a:tc>
+                  <a:txBody>
+                    <a:bodyPr/>
+                    <a:lstStyle/>
+                    <a:p>
+                      <a:r>
+                        <a:rPr lang="en-US" sz="2000">
+                          <a:effectLst/>
+                        </a:rPr>
+                        <a:t>Amber LED</a:t>
+                      </a:r>
+                    </a:p>
+                  </a:txBody>
+                  <a:tcPr marL="24568" marR="24568" marT="11339" marB="11339" anchor="ctr">
+                    <a:lnL w="5443" cap="flat" cmpd="sng" algn="ctr">
+                      <a:solidFill>
+                        <a:srgbClr val="DDDDDD"/>
+                      </a:solidFill>
+                      <a:prstDash val="solid"/>
+                      <a:round/>
+                      <a:headEnd type="none" w="med" len="med"/>
+                      <a:tailEnd type="none" w="med" len="med"/>
+                    </a:lnL>
+                    <a:lnR w="5443" cap="flat" cmpd="sng" algn="ctr">
+                      <a:solidFill>
+                        <a:srgbClr val="DDDDDD"/>
+                      </a:solidFill>
+                      <a:prstDash val="solid"/>
+                      <a:round/>
+                      <a:headEnd type="none" w="med" len="med"/>
+                      <a:tailEnd type="none" w="med" len="med"/>
+                    </a:lnR>
+                    <a:lnT w="5443" cap="flat" cmpd="sng" algn="ctr">
+                      <a:solidFill>
+                        <a:srgbClr val="DDDDDD"/>
+                      </a:solidFill>
+                      <a:prstDash val="solid"/>
+                      <a:round/>
+                      <a:headEnd type="none" w="med" len="med"/>
+                      <a:tailEnd type="none" w="med" len="med"/>
+                    </a:lnT>
+                    <a:lnB w="5443" cap="flat" cmpd="sng" algn="ctr">
+                      <a:solidFill>
+                        <a:srgbClr val="DDDDDD"/>
+                      </a:solidFill>
+                      <a:prstDash val="solid"/>
+                      <a:round/>
+                      <a:headEnd type="none" w="med" len="med"/>
+                      <a:tailEnd type="none" w="med" len="med"/>
+                    </a:lnB>
+                    <a:solidFill>
+                      <a:srgbClr val="FFFFFF"/>
+                    </a:solidFill>
+                  </a:tcPr>
+                </a:tc>
+                <a:tc>
+                  <a:txBody>
+                    <a:bodyPr/>
+                    <a:lstStyle/>
+                    <a:p>
+                      <a:pPr algn="ctr"/>
+                      <a:r>
+                        <a:rPr lang="en-US" sz="2000">
+                          <a:effectLst/>
+                        </a:rPr>
+                        <a:t>8</a:t>
+                      </a:r>
+                    </a:p>
+                  </a:txBody>
+                  <a:tcPr marL="24568" marR="24568" marT="11339" marB="11339" anchor="ctr">
+                    <a:lnL w="5443" cap="flat" cmpd="sng" algn="ctr">
+                      <a:solidFill>
+                        <a:srgbClr val="DDDDDD"/>
+                      </a:solidFill>
+                      <a:prstDash val="solid"/>
+                      <a:round/>
+                      <a:headEnd type="none" w="med" len="med"/>
+                      <a:tailEnd type="none" w="med" len="med"/>
+                    </a:lnL>
+                    <a:lnR w="5443" cap="flat" cmpd="sng" algn="ctr">
+                      <a:solidFill>
+                        <a:srgbClr val="DDDDDD"/>
+                      </a:solidFill>
+                      <a:prstDash val="solid"/>
+                      <a:round/>
+                      <a:headEnd type="none" w="med" len="med"/>
+                      <a:tailEnd type="none" w="med" len="med"/>
+                    </a:lnR>
+                    <a:lnT w="5443" cap="flat" cmpd="sng" algn="ctr">
+                      <a:solidFill>
+                        <a:srgbClr val="DDDDDD"/>
+                      </a:solidFill>
+                      <a:prstDash val="solid"/>
+                      <a:round/>
+                      <a:headEnd type="none" w="med" len="med"/>
+                      <a:tailEnd type="none" w="med" len="med"/>
+                    </a:lnT>
+                    <a:lnB w="5443" cap="flat" cmpd="sng" algn="ctr">
+                      <a:solidFill>
+                        <a:srgbClr val="DDDDDD"/>
+                      </a:solidFill>
+                      <a:prstDash val="solid"/>
+                      <a:round/>
+                      <a:headEnd type="none" w="med" len="med"/>
+                      <a:tailEnd type="none" w="med" len="med"/>
+                    </a:lnB>
+                    <a:solidFill>
+                      <a:srgbClr val="FFFFFF"/>
+                    </a:solidFill>
+                  </a:tcPr>
+                </a:tc>
+                <a:extLst>
+                  <a:ext uri="{0D108BD9-81ED-4DB2-BD59-A6C34878D82A}">
+                    <a16:rowId xmlns:a16="http://schemas.microsoft.com/office/drawing/2014/main" val="3712619895"/>
+                  </a:ext>
+                </a:extLst>
+              </a:tr>
+              <a:tr h="307293">
+                <a:tc>
+                  <a:txBody>
+                    <a:bodyPr/>
+                    <a:lstStyle/>
+                    <a:p>
+                      <a:r>
+                        <a:rPr lang="en-US" sz="2000">
+                          <a:effectLst/>
+                        </a:rPr>
+                        <a:t>Green LED</a:t>
+                      </a:r>
+                    </a:p>
+                  </a:txBody>
+                  <a:tcPr marL="24568" marR="24568" marT="11339" marB="11339" anchor="ctr">
+                    <a:lnL w="5443" cap="flat" cmpd="sng" algn="ctr">
+                      <a:solidFill>
+                        <a:srgbClr val="DDDDDD"/>
+                      </a:solidFill>
+                      <a:prstDash val="solid"/>
+                      <a:round/>
+                      <a:headEnd type="none" w="med" len="med"/>
+                      <a:tailEnd type="none" w="med" len="med"/>
+                    </a:lnL>
+                    <a:lnR w="5443" cap="flat" cmpd="sng" algn="ctr">
+                      <a:solidFill>
+                        <a:srgbClr val="DDDDDD"/>
+                      </a:solidFill>
+                      <a:prstDash val="solid"/>
+                      <a:round/>
+                      <a:headEnd type="none" w="med" len="med"/>
+                      <a:tailEnd type="none" w="med" len="med"/>
+                    </a:lnR>
+                    <a:lnT w="5443" cap="flat" cmpd="sng" algn="ctr">
+                      <a:solidFill>
+                        <a:srgbClr val="DDDDDD"/>
+                      </a:solidFill>
+                      <a:prstDash val="solid"/>
+                      <a:round/>
+                      <a:headEnd type="none" w="med" len="med"/>
+                      <a:tailEnd type="none" w="med" len="med"/>
+                    </a:lnT>
+                    <a:lnB w="5443" cap="flat" cmpd="sng" algn="ctr">
+                      <a:solidFill>
+                        <a:srgbClr val="DDDDDD"/>
+                      </a:solidFill>
+                      <a:prstDash val="solid"/>
+                      <a:round/>
+                      <a:headEnd type="none" w="med" len="med"/>
+                      <a:tailEnd type="none" w="med" len="med"/>
+                    </a:lnB>
+                    <a:solidFill>
+                      <a:srgbClr val="FFFFFF"/>
+                    </a:solidFill>
+                  </a:tcPr>
+                </a:tc>
+                <a:tc>
+                  <a:txBody>
+                    <a:bodyPr/>
+                    <a:lstStyle/>
+                    <a:p>
+                      <a:pPr algn="ctr"/>
+                      <a:r>
+                        <a:rPr lang="en-US" sz="2000">
+                          <a:effectLst/>
+                        </a:rPr>
+                        <a:t>7</a:t>
+                      </a:r>
+                    </a:p>
+                  </a:txBody>
+                  <a:tcPr marL="24568" marR="24568" marT="11339" marB="11339" anchor="ctr">
+                    <a:lnL w="5443" cap="flat" cmpd="sng" algn="ctr">
+                      <a:solidFill>
+                        <a:srgbClr val="DDDDDD"/>
+                      </a:solidFill>
+                      <a:prstDash val="solid"/>
+                      <a:round/>
+                      <a:headEnd type="none" w="med" len="med"/>
+                      <a:tailEnd type="none" w="med" len="med"/>
+                    </a:lnL>
+                    <a:lnR w="5443" cap="flat" cmpd="sng" algn="ctr">
+                      <a:solidFill>
+                        <a:srgbClr val="DDDDDD"/>
+                      </a:solidFill>
+                      <a:prstDash val="solid"/>
+                      <a:round/>
+                      <a:headEnd type="none" w="med" len="med"/>
+                      <a:tailEnd type="none" w="med" len="med"/>
+                    </a:lnR>
+                    <a:lnT w="5443" cap="flat" cmpd="sng" algn="ctr">
+                      <a:solidFill>
+                        <a:srgbClr val="DDDDDD"/>
+                      </a:solidFill>
+                      <a:prstDash val="solid"/>
+                      <a:round/>
+                      <a:headEnd type="none" w="med" len="med"/>
+                      <a:tailEnd type="none" w="med" len="med"/>
+                    </a:lnT>
+                    <a:lnB w="5443" cap="flat" cmpd="sng" algn="ctr">
+                      <a:solidFill>
+                        <a:srgbClr val="DDDDDD"/>
+                      </a:solidFill>
+                      <a:prstDash val="solid"/>
+                      <a:round/>
+                      <a:headEnd type="none" w="med" len="med"/>
+                      <a:tailEnd type="none" w="med" len="med"/>
+                    </a:lnB>
+                    <a:solidFill>
+                      <a:srgbClr val="FFFFFF"/>
+                    </a:solidFill>
+                  </a:tcPr>
+                </a:tc>
+                <a:extLst>
+                  <a:ext uri="{0D108BD9-81ED-4DB2-BD59-A6C34878D82A}">
+                    <a16:rowId xmlns:a16="http://schemas.microsoft.com/office/drawing/2014/main" val="2499935102"/>
+                  </a:ext>
+                </a:extLst>
+              </a:tr>
+              <a:tr h="307293">
+                <a:tc>
+                  <a:txBody>
+                    <a:bodyPr/>
+                    <a:lstStyle/>
+                    <a:p>
+                      <a:r>
+                        <a:rPr lang="en-US" sz="2000">
+                          <a:effectLst/>
+                        </a:rPr>
+                        <a:t>Buzzer</a:t>
+                      </a:r>
+                    </a:p>
+                  </a:txBody>
+                  <a:tcPr marL="24568" marR="24568" marT="11339" marB="11339" anchor="ctr">
+                    <a:lnL w="5443" cap="flat" cmpd="sng" algn="ctr">
+                      <a:solidFill>
+                        <a:srgbClr val="DDDDDD"/>
+                      </a:solidFill>
+                      <a:prstDash val="solid"/>
+                      <a:round/>
+                      <a:headEnd type="none" w="med" len="med"/>
+                      <a:tailEnd type="none" w="med" len="med"/>
+                    </a:lnL>
+                    <a:lnR w="5443" cap="flat" cmpd="sng" algn="ctr">
+                      <a:solidFill>
+                        <a:srgbClr val="DDDDDD"/>
+                      </a:solidFill>
+                      <a:prstDash val="solid"/>
+                      <a:round/>
+                      <a:headEnd type="none" w="med" len="med"/>
+                      <a:tailEnd type="none" w="med" len="med"/>
+                    </a:lnR>
+                    <a:lnT w="5443" cap="flat" cmpd="sng" algn="ctr">
+                      <a:solidFill>
+                        <a:srgbClr val="DDDDDD"/>
+                      </a:solidFill>
+                      <a:prstDash val="solid"/>
+                      <a:round/>
+                      <a:headEnd type="none" w="med" len="med"/>
+                      <a:tailEnd type="none" w="med" len="med"/>
+                    </a:lnT>
+                    <a:lnB w="5443" cap="flat" cmpd="sng" algn="ctr">
+                      <a:solidFill>
+                        <a:srgbClr val="DDDDDD"/>
+                      </a:solidFill>
+                      <a:prstDash val="solid"/>
+                      <a:round/>
+                      <a:headEnd type="none" w="med" len="med"/>
+                      <a:tailEnd type="none" w="med" len="med"/>
+                    </a:lnB>
+                    <a:solidFill>
+                      <a:srgbClr val="FFFFFF"/>
+                    </a:solidFill>
+                  </a:tcPr>
+                </a:tc>
+                <a:tc>
+                  <a:txBody>
+                    <a:bodyPr/>
+                    <a:lstStyle/>
+                    <a:p>
+                      <a:pPr algn="ctr"/>
+                      <a:r>
+                        <a:rPr lang="en-US" sz="2000" dirty="0">
+                          <a:effectLst/>
+                        </a:rPr>
+                        <a:t>15</a:t>
+                      </a:r>
+                    </a:p>
+                  </a:txBody>
+                  <a:tcPr marL="24568" marR="24568" marT="11339" marB="11339" anchor="ctr">
+                    <a:lnL w="5443" cap="flat" cmpd="sng" algn="ctr">
+                      <a:solidFill>
+                        <a:srgbClr val="DDDDDD"/>
+                      </a:solidFill>
+                      <a:prstDash val="solid"/>
+                      <a:round/>
+                      <a:headEnd type="none" w="med" len="med"/>
+                      <a:tailEnd type="none" w="med" len="med"/>
+                    </a:lnL>
+                    <a:lnR w="5443" cap="flat" cmpd="sng" algn="ctr">
+                      <a:solidFill>
+                        <a:srgbClr val="DDDDDD"/>
+                      </a:solidFill>
+                      <a:prstDash val="solid"/>
+                      <a:round/>
+                      <a:headEnd type="none" w="med" len="med"/>
+                      <a:tailEnd type="none" w="med" len="med"/>
+                    </a:lnR>
+                    <a:lnT w="5443" cap="flat" cmpd="sng" algn="ctr">
+                      <a:solidFill>
+                        <a:srgbClr val="DDDDDD"/>
+                      </a:solidFill>
+                      <a:prstDash val="solid"/>
+                      <a:round/>
+                      <a:headEnd type="none" w="med" len="med"/>
+                      <a:tailEnd type="none" w="med" len="med"/>
+                    </a:lnT>
+                    <a:lnB w="5443" cap="flat" cmpd="sng" algn="ctr">
+                      <a:solidFill>
+                        <a:srgbClr val="DDDDDD"/>
+                      </a:solidFill>
+                      <a:prstDash val="solid"/>
+                      <a:round/>
+                      <a:headEnd type="none" w="med" len="med"/>
+                      <a:tailEnd type="none" w="med" len="med"/>
+                    </a:lnB>
+                    <a:solidFill>
+                      <a:srgbClr val="FFFFFF"/>
+                    </a:solidFill>
+                  </a:tcPr>
+                </a:tc>
+                <a:extLst>
+                  <a:ext uri="{0D108BD9-81ED-4DB2-BD59-A6C34878D82A}">
+                    <a16:rowId xmlns:a16="http://schemas.microsoft.com/office/drawing/2014/main" val="3654752669"/>
+                  </a:ext>
+                </a:extLst>
+              </a:tr>
+            </a:tbl>
+          </a:graphicData>
+        </a:graphic>
+      </p:graphicFrame>
+      <p:sp>
+        <p:nvSpPr>
+          <p:cNvPr id="5" name="Rectangle 3"/>
+          <p:cNvSpPr>
+            <a:spLocks noChangeArrowheads="1"/>
+          </p:cNvSpPr>
+          <p:nvPr/>
+        </p:nvSpPr>
+        <p:spPr bwMode="auto">
+          <a:xfrm>
+            <a:off x="0" y="-323165"/>
+            <a:ext cx="6417298" cy="646331"/>
+          </a:xfrm>
+          <a:prstGeom prst="rect">
+            <a:avLst/>
+          </a:prstGeom>
+          <a:noFill/>
+          <a:ln>
+            <a:noFill/>
+          </a:ln>
+          <a:effectLst/>
+          <a:extLst>
+            <a:ext uri="{909E8E84-426E-40DD-AFC4-6F175D3DCCD1}">
+              <a14:hiddenFill xmlns:a14="http://schemas.microsoft.com/office/drawing/2010/main">
+                <a:solidFill>
+                  <a:schemeClr val="accent1"/>
+                </a:solidFill>
+              </a14:hiddenFill>
+            </a:ext>
+            <a:ext uri="{91240B29-F687-4F45-9708-019B960494DF}">
+              <a14:hiddenLine xmlns:a14="http://schemas.microsoft.com/office/drawing/2010/main" w="9525">
+                <a:solidFill>
+                  <a:schemeClr val="tx1"/>
+                </a:solidFill>
+                <a:miter lim="800000"/>
+                <a:headEnd/>
+                <a:tailEnd/>
+              </a14:hiddenLine>
+            </a:ext>
+            <a:ext uri="{AF507438-7753-43E0-B8FC-AC1667EBCBE1}">
+              <a14:hiddenEffects xmlns:a14="http://schemas.microsoft.com/office/drawing/2010/main">
+                <a:effectLst>
+                  <a:outerShdw dist="35921" dir="2700000" algn="ctr" rotWithShape="0">
+                    <a:schemeClr val="bg2"/>
+                  </a:outerShdw>
+                </a:effectLst>
+              </a14:hiddenEffects>
+            </a:ext>
+          </a:extLst>
+        </p:spPr>
+        <p:txBody>
+          <a:bodyPr vert="horz" wrap="square" lIns="91440" tIns="45720" rIns="91440" bIns="45720" numCol="1" anchor="ctr" anchorCtr="0" compatLnSpc="1">
+            <a:prstTxWarp prst="textNoShape">
+              <a:avLst/>
+            </a:prstTxWarp>
+            <a:spAutoFit/>
+          </a:bodyPr>
+          <a:lstStyle/>
+          <a:p>
+            <a:pPr marL="0" marR="0" lvl="0" indent="0" algn="l" defTabSz="914400" rtl="0" eaLnBrk="0" fontAlgn="base" latinLnBrk="0" hangingPunct="0">
+              <a:lnSpc>
+                <a:spcPct val="100000"/>
+              </a:lnSpc>
+              <a:spcBef>
+                <a:spcPct val="0"/>
+              </a:spcBef>
+              <a:spcAft>
+                <a:spcPct val="0"/>
+              </a:spcAft>
+              <a:buClrTx/>
+              <a:buSzTx/>
+              <a:buFontTx/>
+              <a:buNone/>
+              <a:tabLst/>
+            </a:pPr>
+            <a:br>
+              <a:rPr kumimoji="0" lang="en-US" altLang="en-US" sz="1800" b="0" i="0" u="none" strike="noStrike" cap="none" normalizeH="0" baseline="0">
+                <a:ln>
+                  <a:noFill/>
+                </a:ln>
+                <a:solidFill>
+                  <a:schemeClr val="tx1"/>
+                </a:solidFill>
+                <a:effectLst/>
+                <a:latin typeface="Arial" panose="020B0604020202020204" pitchFamily="34" charset="0"/>
+              </a:rPr>
+            </a:br>
+            <a:endParaRPr kumimoji="0" lang="en-US" altLang="en-US" sz="1800" b="0" i="0" u="none" strike="noStrike" cap="none" normalizeH="0" baseline="0">
+              <a:ln>
+                <a:noFill/>
+              </a:ln>
+              <a:solidFill>
+                <a:schemeClr val="tx1"/>
+              </a:solidFill>
+              <a:effectLst/>
+              <a:latin typeface="Arial" panose="020B0604020202020204" pitchFamily="34" charset="0"/>
+            </a:endParaRPr>
+          </a:p>
+        </p:txBody>
+      </p:sp>
+    </p:spTree>
+    <p:extLst>
+      <p:ext uri="{BB962C8B-B14F-4D97-AF65-F5344CB8AC3E}">
+        <p14:creationId xmlns:p14="http://schemas.microsoft.com/office/powerpoint/2010/main" val="1251222904"/>
+      </p:ext>
+    </p:extLst>
+  </p:cSld>
+  <p:clrMapOvr>
+    <a:masterClrMapping/>
+  </p:clrMapOvr>
+</p:sld>
+</file>
+
+<file path=ppt/slides/slide35.xml><?xml version="1.0" encoding="utf-8"?>
+<p:sld xmlns:a="http://schemas.openxmlformats.org/drawingml/2006/main" xmlns:r="http://schemas.openxmlformats.org/officeDocument/2006/relationships" xmlns:p="http://schemas.openxmlformats.org/presentationml/2006/main">
+  <p:cSld>
+    <p:spTree>
+      <p:nvGrpSpPr>
+        <p:cNvPr id="1" name=""/>
+        <p:cNvGrpSpPr/>
+        <p:nvPr/>
+      </p:nvGrpSpPr>
+      <p:grpSpPr>
+        <a:xfrm>
+          <a:off x="0" y="0"/>
+          <a:ext cx="0" cy="0"/>
+          <a:chOff x="0" y="0"/>
+          <a:chExt cx="0" cy="0"/>
+        </a:xfrm>
+      </p:grpSpPr>
+      <p:pic>
+        <p:nvPicPr>
           <p:cNvPr id="2052" name="Picture 2" descr="https://www.raspberrypi.org/learning/python-quick-reaction-game/images/quick-reaction-circuit.png"/>
           <p:cNvPicPr>
             <a:picLocks noChangeAspect="1"/>
@@ -9003,77 +9919,6 @@
 </p:sld>
 </file>
 
-<file path=ppt/slides/slide35.xml><?xml version="1.0" encoding="utf-8"?>
-<p:sld xmlns:a="http://schemas.openxmlformats.org/drawingml/2006/main" xmlns:r="http://schemas.openxmlformats.org/officeDocument/2006/relationships" xmlns:p="http://schemas.openxmlformats.org/presentationml/2006/main">
-  <p:cSld>
-    <p:spTree>
-      <p:nvGrpSpPr>
-        <p:cNvPr id="1" name=""/>
-        <p:cNvGrpSpPr/>
-        <p:nvPr/>
-      </p:nvGrpSpPr>
-      <p:grpSpPr>
-        <a:xfrm>
-          <a:off x="0" y="0"/>
-          <a:ext cx="0" cy="0"/>
-          <a:chOff x="0" y="0"/>
-          <a:chExt cx="0" cy="0"/>
-        </a:xfrm>
-      </p:grpSpPr>
-      <p:sp>
-        <p:nvSpPr>
-          <p:cNvPr id="2" name="Title 1"/>
-          <p:cNvSpPr>
-            <a:spLocks noGrp="1"/>
-          </p:cNvSpPr>
-          <p:nvPr>
-            <p:ph type="title"/>
-          </p:nvPr>
-        </p:nvSpPr>
-        <p:spPr/>
-        <p:txBody>
-          <a:bodyPr/>
-          <a:lstStyle/>
-          <a:p>
-            <a:r>
-              <a:rPr lang="en-US" dirty="0"/>
-              <a:t>Drone Car Part Overview</a:t>
-            </a:r>
-          </a:p>
-        </p:txBody>
-      </p:sp>
-      <p:sp>
-        <p:nvSpPr>
-          <p:cNvPr id="3" name="Content Placeholder 2"/>
-          <p:cNvSpPr>
-            <a:spLocks noGrp="1"/>
-          </p:cNvSpPr>
-          <p:nvPr>
-            <p:ph idx="1"/>
-          </p:nvPr>
-        </p:nvSpPr>
-        <p:spPr/>
-        <p:txBody>
-          <a:bodyPr/>
-          <a:lstStyle/>
-          <a:p>
-            <a:endParaRPr lang="en-US"/>
-          </a:p>
-        </p:txBody>
-      </p:sp>
-    </p:spTree>
-    <p:extLst>
-      <p:ext uri="{BB962C8B-B14F-4D97-AF65-F5344CB8AC3E}">
-        <p14:creationId xmlns:p14="http://schemas.microsoft.com/office/powerpoint/2010/main" val="3840062048"/>
-      </p:ext>
-    </p:extLst>
-  </p:cSld>
-  <p:clrMapOvr>
-    <a:masterClrMapping/>
-  </p:clrMapOvr>
-</p:sld>
-</file>
-
 <file path=ppt/slides/slide36.xml><?xml version="1.0" encoding="utf-8"?>
 <p:sld xmlns:a="http://schemas.openxmlformats.org/drawingml/2006/main" xmlns:r="http://schemas.openxmlformats.org/officeDocument/2006/relationships" xmlns:p="http://schemas.openxmlformats.org/presentationml/2006/main">
   <p:cSld>
@@ -9101,6 +9946,35 @@
             <p:ph type="title"/>
           </p:nvPr>
         </p:nvSpPr>
+        <p:spPr>
+          <a:xfrm>
+            <a:off x="648929" y="629266"/>
+            <a:ext cx="9419303" cy="1676603"/>
+          </a:xfrm>
+        </p:spPr>
+        <p:txBody>
+          <a:bodyPr>
+            <a:normAutofit/>
+          </a:bodyPr>
+          <a:lstStyle/>
+          <a:p>
+            <a:r>
+              <a:rPr lang="en-US" dirty="0"/>
+              <a:t>Installing Raspberry Pi Camera v2</a:t>
+            </a:r>
+          </a:p>
+        </p:txBody>
+      </p:sp>
+      <p:sp>
+        <p:nvSpPr>
+          <p:cNvPr id="3" name="Content Placeholder 2"/>
+          <p:cNvSpPr>
+            <a:spLocks noGrp="1"/>
+          </p:cNvSpPr>
+          <p:nvPr>
+            <p:ph idx="1"/>
+          </p:nvPr>
+        </p:nvSpPr>
         <p:spPr/>
         <p:txBody>
           <a:bodyPr/>
@@ -9108,247 +9982,34 @@
           <a:p>
             <a:r>
               <a:rPr lang="en-US" dirty="0"/>
-              <a:t>Keyboard Console App</a:t>
-            </a:r>
-          </a:p>
-        </p:txBody>
-      </p:sp>
-      <p:sp>
-        <p:nvSpPr>
-          <p:cNvPr id="3" name="Content Placeholder 2"/>
-          <p:cNvSpPr>
-            <a:spLocks noGrp="1"/>
-          </p:cNvSpPr>
-          <p:nvPr>
-            <p:ph idx="1"/>
-          </p:nvPr>
-        </p:nvSpPr>
-        <p:spPr/>
-        <p:txBody>
-          <a:bodyPr/>
-          <a:lstStyle/>
-          <a:p>
-            <a:endParaRPr lang="en-US"/>
+              <a:t>Currently, there is driver issues with Raspberry Pi Camera 2 and Motion Library</a:t>
+            </a:r>
+          </a:p>
+          <a:p>
+            <a:r>
+              <a:rPr lang="en-US" dirty="0"/>
+              <a:t>I’ve updated and fixed this in the repo</a:t>
+            </a:r>
+          </a:p>
+          <a:p>
+            <a:r>
+              <a:rPr lang="en-US" dirty="0"/>
+              <a:t>Please Go to Lesson 6 – Drone Car</a:t>
+            </a:r>
+          </a:p>
+          <a:p>
+            <a:pPr lvl="1"/>
+            <a:r>
+              <a:rPr lang="en-US" dirty="0"/>
+              <a:t>ReadMe.txt</a:t>
+            </a:r>
           </a:p>
         </p:txBody>
       </p:sp>
     </p:spTree>
     <p:extLst>
       <p:ext uri="{BB962C8B-B14F-4D97-AF65-F5344CB8AC3E}">
-        <p14:creationId xmlns:p14="http://schemas.microsoft.com/office/powerpoint/2010/main" val="1741616617"/>
-      </p:ext>
-    </p:extLst>
-  </p:cSld>
-  <p:clrMapOvr>
-    <a:masterClrMapping/>
-  </p:clrMapOvr>
-</p:sld>
-</file>
-
-<file path=ppt/slides/slide37.xml><?xml version="1.0" encoding="utf-8"?>
-<p:sld xmlns:a="http://schemas.openxmlformats.org/drawingml/2006/main" xmlns:r="http://schemas.openxmlformats.org/officeDocument/2006/relationships" xmlns:p="http://schemas.openxmlformats.org/presentationml/2006/main">
-  <p:cSld>
-    <p:spTree>
-      <p:nvGrpSpPr>
-        <p:cNvPr id="1" name=""/>
-        <p:cNvGrpSpPr/>
-        <p:nvPr/>
-      </p:nvGrpSpPr>
-      <p:grpSpPr>
-        <a:xfrm>
-          <a:off x="0" y="0"/>
-          <a:ext cx="0" cy="0"/>
-          <a:chOff x="0" y="0"/>
-          <a:chExt cx="0" cy="0"/>
-        </a:xfrm>
-      </p:grpSpPr>
-      <p:sp>
-        <p:nvSpPr>
-          <p:cNvPr id="2" name="Title 1"/>
-          <p:cNvSpPr>
-            <a:spLocks noGrp="1"/>
-          </p:cNvSpPr>
-          <p:nvPr>
-            <p:ph type="title"/>
-          </p:nvPr>
-        </p:nvSpPr>
-        <p:spPr/>
-        <p:txBody>
-          <a:bodyPr/>
-          <a:lstStyle/>
-          <a:p>
-            <a:r>
-              <a:rPr lang="en-US" dirty="0"/>
-              <a:t>Setting up Left Wheel with Rp3</a:t>
-            </a:r>
-          </a:p>
-        </p:txBody>
-      </p:sp>
-      <p:sp>
-        <p:nvSpPr>
-          <p:cNvPr id="3" name="Content Placeholder 2"/>
-          <p:cNvSpPr>
-            <a:spLocks noGrp="1"/>
-          </p:cNvSpPr>
-          <p:nvPr>
-            <p:ph idx="1"/>
-          </p:nvPr>
-        </p:nvSpPr>
-        <p:spPr/>
-        <p:txBody>
-          <a:bodyPr/>
-          <a:lstStyle/>
-          <a:p>
-            <a:endParaRPr lang="en-US"/>
-          </a:p>
-        </p:txBody>
-      </p:sp>
-    </p:spTree>
-    <p:extLst>
-      <p:ext uri="{BB962C8B-B14F-4D97-AF65-F5344CB8AC3E}">
-        <p14:creationId xmlns:p14="http://schemas.microsoft.com/office/powerpoint/2010/main" val="2290919857"/>
-      </p:ext>
-    </p:extLst>
-  </p:cSld>
-  <p:clrMapOvr>
-    <a:masterClrMapping/>
-  </p:clrMapOvr>
-</p:sld>
-</file>
-
-<file path=ppt/slides/slide38.xml><?xml version="1.0" encoding="utf-8"?>
-<p:sld xmlns:a="http://schemas.openxmlformats.org/drawingml/2006/main" xmlns:r="http://schemas.openxmlformats.org/officeDocument/2006/relationships" xmlns:p="http://schemas.openxmlformats.org/presentationml/2006/main">
-  <p:cSld>
-    <p:spTree>
-      <p:nvGrpSpPr>
-        <p:cNvPr id="1" name=""/>
-        <p:cNvGrpSpPr/>
-        <p:nvPr/>
-      </p:nvGrpSpPr>
-      <p:grpSpPr>
-        <a:xfrm>
-          <a:off x="0" y="0"/>
-          <a:ext cx="0" cy="0"/>
-          <a:chOff x="0" y="0"/>
-          <a:chExt cx="0" cy="0"/>
-        </a:xfrm>
-      </p:grpSpPr>
-      <p:sp>
-        <p:nvSpPr>
-          <p:cNvPr id="2" name="Title 1"/>
-          <p:cNvSpPr>
-            <a:spLocks noGrp="1"/>
-          </p:cNvSpPr>
-          <p:nvPr>
-            <p:ph type="title"/>
-          </p:nvPr>
-        </p:nvSpPr>
-        <p:spPr/>
-        <p:txBody>
-          <a:bodyPr/>
-          <a:lstStyle/>
-          <a:p>
-            <a:r>
-              <a:rPr lang="en-US" dirty="0"/>
-              <a:t>Setting up Right Wheel with Rp3</a:t>
-            </a:r>
-          </a:p>
-        </p:txBody>
-      </p:sp>
-      <p:sp>
-        <p:nvSpPr>
-          <p:cNvPr id="3" name="Content Placeholder 2"/>
-          <p:cNvSpPr>
-            <a:spLocks noGrp="1"/>
-          </p:cNvSpPr>
-          <p:nvPr>
-            <p:ph idx="1"/>
-          </p:nvPr>
-        </p:nvSpPr>
-        <p:spPr/>
-        <p:txBody>
-          <a:bodyPr/>
-          <a:lstStyle/>
-          <a:p>
-            <a:endParaRPr lang="en-US"/>
-          </a:p>
-        </p:txBody>
-      </p:sp>
-    </p:spTree>
-    <p:extLst>
-      <p:ext uri="{BB962C8B-B14F-4D97-AF65-F5344CB8AC3E}">
-        <p14:creationId xmlns:p14="http://schemas.microsoft.com/office/powerpoint/2010/main" val="4271900370"/>
-      </p:ext>
-    </p:extLst>
-  </p:cSld>
-  <p:clrMapOvr>
-    <a:masterClrMapping/>
-  </p:clrMapOvr>
-</p:sld>
-</file>
-
-<file path=ppt/slides/slide39.xml><?xml version="1.0" encoding="utf-8"?>
-<p:sld xmlns:a="http://schemas.openxmlformats.org/drawingml/2006/main" xmlns:r="http://schemas.openxmlformats.org/officeDocument/2006/relationships" xmlns:p="http://schemas.openxmlformats.org/presentationml/2006/main">
-  <p:cSld>
-    <p:spTree>
-      <p:nvGrpSpPr>
-        <p:cNvPr id="1" name=""/>
-        <p:cNvGrpSpPr/>
-        <p:nvPr/>
-      </p:nvGrpSpPr>
-      <p:grpSpPr>
-        <a:xfrm>
-          <a:off x="0" y="0"/>
-          <a:ext cx="0" cy="0"/>
-          <a:chOff x="0" y="0"/>
-          <a:chExt cx="0" cy="0"/>
-        </a:xfrm>
-      </p:grpSpPr>
-      <p:sp>
-        <p:nvSpPr>
-          <p:cNvPr id="2" name="Title 1"/>
-          <p:cNvSpPr>
-            <a:spLocks noGrp="1"/>
-          </p:cNvSpPr>
-          <p:nvPr>
-            <p:ph type="title"/>
-          </p:nvPr>
-        </p:nvSpPr>
-        <p:spPr/>
-        <p:txBody>
-          <a:bodyPr/>
-          <a:lstStyle/>
-          <a:p>
-            <a:r>
-              <a:rPr lang="en-US" dirty="0"/>
-              <a:t>Going Forward</a:t>
-            </a:r>
-          </a:p>
-        </p:txBody>
-      </p:sp>
-      <p:sp>
-        <p:nvSpPr>
-          <p:cNvPr id="3" name="Content Placeholder 2"/>
-          <p:cNvSpPr>
-            <a:spLocks noGrp="1"/>
-          </p:cNvSpPr>
-          <p:nvPr>
-            <p:ph idx="1"/>
-          </p:nvPr>
-        </p:nvSpPr>
-        <p:spPr/>
-        <p:txBody>
-          <a:bodyPr/>
-          <a:lstStyle/>
-          <a:p>
-            <a:endParaRPr lang="en-US"/>
-          </a:p>
-        </p:txBody>
-      </p:sp>
-    </p:spTree>
-    <p:extLst>
-      <p:ext uri="{BB962C8B-B14F-4D97-AF65-F5344CB8AC3E}">
-        <p14:creationId xmlns:p14="http://schemas.microsoft.com/office/powerpoint/2010/main" val="997098735"/>
+        <p14:creationId xmlns:p14="http://schemas.microsoft.com/office/powerpoint/2010/main" val="1403893181"/>
       </p:ext>
     </p:extLst>
   </p:cSld>
@@ -9531,721 +10192,6 @@
 </p:sld>
 </file>
 
-<file path=ppt/slides/slide40.xml><?xml version="1.0" encoding="utf-8"?>
-<p:sld xmlns:a="http://schemas.openxmlformats.org/drawingml/2006/main" xmlns:r="http://schemas.openxmlformats.org/officeDocument/2006/relationships" xmlns:p="http://schemas.openxmlformats.org/presentationml/2006/main">
-  <p:cSld>
-    <p:spTree>
-      <p:nvGrpSpPr>
-        <p:cNvPr id="1" name=""/>
-        <p:cNvGrpSpPr/>
-        <p:nvPr/>
-      </p:nvGrpSpPr>
-      <p:grpSpPr>
-        <a:xfrm>
-          <a:off x="0" y="0"/>
-          <a:ext cx="0" cy="0"/>
-          <a:chOff x="0" y="0"/>
-          <a:chExt cx="0" cy="0"/>
-        </a:xfrm>
-      </p:grpSpPr>
-      <p:sp>
-        <p:nvSpPr>
-          <p:cNvPr id="2" name="Title 1"/>
-          <p:cNvSpPr>
-            <a:spLocks noGrp="1"/>
-          </p:cNvSpPr>
-          <p:nvPr>
-            <p:ph type="title"/>
-          </p:nvPr>
-        </p:nvSpPr>
-        <p:spPr/>
-        <p:txBody>
-          <a:bodyPr/>
-          <a:lstStyle/>
-          <a:p>
-            <a:r>
-              <a:rPr lang="en-US" dirty="0"/>
-              <a:t>Going in Reverse</a:t>
-            </a:r>
-          </a:p>
-        </p:txBody>
-      </p:sp>
-      <p:sp>
-        <p:nvSpPr>
-          <p:cNvPr id="3" name="Content Placeholder 2"/>
-          <p:cNvSpPr>
-            <a:spLocks noGrp="1"/>
-          </p:cNvSpPr>
-          <p:nvPr>
-            <p:ph idx="1"/>
-          </p:nvPr>
-        </p:nvSpPr>
-        <p:spPr/>
-        <p:txBody>
-          <a:bodyPr/>
-          <a:lstStyle/>
-          <a:p>
-            <a:endParaRPr lang="en-US"/>
-          </a:p>
-        </p:txBody>
-      </p:sp>
-    </p:spTree>
-    <p:extLst>
-      <p:ext uri="{BB962C8B-B14F-4D97-AF65-F5344CB8AC3E}">
-        <p14:creationId xmlns:p14="http://schemas.microsoft.com/office/powerpoint/2010/main" val="1113329580"/>
-      </p:ext>
-    </p:extLst>
-  </p:cSld>
-  <p:clrMapOvr>
-    <a:masterClrMapping/>
-  </p:clrMapOvr>
-</p:sld>
-</file>
-
-<file path=ppt/slides/slide41.xml><?xml version="1.0" encoding="utf-8"?>
-<p:sld xmlns:a="http://schemas.openxmlformats.org/drawingml/2006/main" xmlns:r="http://schemas.openxmlformats.org/officeDocument/2006/relationships" xmlns:p="http://schemas.openxmlformats.org/presentationml/2006/main">
-  <p:cSld>
-    <p:spTree>
-      <p:nvGrpSpPr>
-        <p:cNvPr id="1" name=""/>
-        <p:cNvGrpSpPr/>
-        <p:nvPr/>
-      </p:nvGrpSpPr>
-      <p:grpSpPr>
-        <a:xfrm>
-          <a:off x="0" y="0"/>
-          <a:ext cx="0" cy="0"/>
-          <a:chOff x="0" y="0"/>
-          <a:chExt cx="0" cy="0"/>
-        </a:xfrm>
-      </p:grpSpPr>
-      <p:sp>
-        <p:nvSpPr>
-          <p:cNvPr id="2" name="Title 1"/>
-          <p:cNvSpPr>
-            <a:spLocks noGrp="1"/>
-          </p:cNvSpPr>
-          <p:nvPr>
-            <p:ph type="title"/>
-          </p:nvPr>
-        </p:nvSpPr>
-        <p:spPr/>
-        <p:txBody>
-          <a:bodyPr/>
-          <a:lstStyle/>
-          <a:p>
-            <a:r>
-              <a:rPr lang="en-US" dirty="0"/>
-              <a:t>Turning Left</a:t>
-            </a:r>
-          </a:p>
-        </p:txBody>
-      </p:sp>
-      <p:sp>
-        <p:nvSpPr>
-          <p:cNvPr id="3" name="Content Placeholder 2"/>
-          <p:cNvSpPr>
-            <a:spLocks noGrp="1"/>
-          </p:cNvSpPr>
-          <p:nvPr>
-            <p:ph idx="1"/>
-          </p:nvPr>
-        </p:nvSpPr>
-        <p:spPr/>
-        <p:txBody>
-          <a:bodyPr/>
-          <a:lstStyle/>
-          <a:p>
-            <a:endParaRPr lang="en-US"/>
-          </a:p>
-        </p:txBody>
-      </p:sp>
-    </p:spTree>
-    <p:extLst>
-      <p:ext uri="{BB962C8B-B14F-4D97-AF65-F5344CB8AC3E}">
-        <p14:creationId xmlns:p14="http://schemas.microsoft.com/office/powerpoint/2010/main" val="2871945435"/>
-      </p:ext>
-    </p:extLst>
-  </p:cSld>
-  <p:clrMapOvr>
-    <a:masterClrMapping/>
-  </p:clrMapOvr>
-</p:sld>
-</file>
-
-<file path=ppt/slides/slide42.xml><?xml version="1.0" encoding="utf-8"?>
-<p:sld xmlns:a="http://schemas.openxmlformats.org/drawingml/2006/main" xmlns:r="http://schemas.openxmlformats.org/officeDocument/2006/relationships" xmlns:p="http://schemas.openxmlformats.org/presentationml/2006/main">
-  <p:cSld>
-    <p:spTree>
-      <p:nvGrpSpPr>
-        <p:cNvPr id="1" name=""/>
-        <p:cNvGrpSpPr/>
-        <p:nvPr/>
-      </p:nvGrpSpPr>
-      <p:grpSpPr>
-        <a:xfrm>
-          <a:off x="0" y="0"/>
-          <a:ext cx="0" cy="0"/>
-          <a:chOff x="0" y="0"/>
-          <a:chExt cx="0" cy="0"/>
-        </a:xfrm>
-      </p:grpSpPr>
-      <p:sp>
-        <p:nvSpPr>
-          <p:cNvPr id="2" name="Title 1"/>
-          <p:cNvSpPr>
-            <a:spLocks noGrp="1"/>
-          </p:cNvSpPr>
-          <p:nvPr>
-            <p:ph type="title"/>
-          </p:nvPr>
-        </p:nvSpPr>
-        <p:spPr/>
-        <p:txBody>
-          <a:bodyPr/>
-          <a:lstStyle/>
-          <a:p>
-            <a:r>
-              <a:rPr lang="en-US" dirty="0"/>
-              <a:t>Turning Right</a:t>
-            </a:r>
-          </a:p>
-        </p:txBody>
-      </p:sp>
-      <p:sp>
-        <p:nvSpPr>
-          <p:cNvPr id="3" name="Content Placeholder 2"/>
-          <p:cNvSpPr>
-            <a:spLocks noGrp="1"/>
-          </p:cNvSpPr>
-          <p:nvPr>
-            <p:ph idx="1"/>
-          </p:nvPr>
-        </p:nvSpPr>
-        <p:spPr/>
-        <p:txBody>
-          <a:bodyPr/>
-          <a:lstStyle/>
-          <a:p>
-            <a:endParaRPr lang="en-US"/>
-          </a:p>
-        </p:txBody>
-      </p:sp>
-    </p:spTree>
-    <p:extLst>
-      <p:ext uri="{BB962C8B-B14F-4D97-AF65-F5344CB8AC3E}">
-        <p14:creationId xmlns:p14="http://schemas.microsoft.com/office/powerpoint/2010/main" val="2408800527"/>
-      </p:ext>
-    </p:extLst>
-  </p:cSld>
-  <p:clrMapOvr>
-    <a:masterClrMapping/>
-  </p:clrMapOvr>
-</p:sld>
-</file>
-
-<file path=ppt/slides/slide43.xml><?xml version="1.0" encoding="utf-8"?>
-<p:sld xmlns:a="http://schemas.openxmlformats.org/drawingml/2006/main" xmlns:r="http://schemas.openxmlformats.org/officeDocument/2006/relationships" xmlns:p="http://schemas.openxmlformats.org/presentationml/2006/main">
-  <p:cSld>
-    <p:spTree>
-      <p:nvGrpSpPr>
-        <p:cNvPr id="1" name=""/>
-        <p:cNvGrpSpPr/>
-        <p:nvPr/>
-      </p:nvGrpSpPr>
-      <p:grpSpPr>
-        <a:xfrm>
-          <a:off x="0" y="0"/>
-          <a:ext cx="0" cy="0"/>
-          <a:chOff x="0" y="0"/>
-          <a:chExt cx="0" cy="0"/>
-        </a:xfrm>
-      </p:grpSpPr>
-      <p:sp>
-        <p:nvSpPr>
-          <p:cNvPr id="2" name="Title 1"/>
-          <p:cNvSpPr>
-            <a:spLocks noGrp="1"/>
-          </p:cNvSpPr>
-          <p:nvPr>
-            <p:ph type="title"/>
-          </p:nvPr>
-        </p:nvSpPr>
-        <p:spPr/>
-        <p:txBody>
-          <a:bodyPr/>
-          <a:lstStyle/>
-          <a:p>
-            <a:r>
-              <a:rPr lang="en-US" dirty="0"/>
-              <a:t>Spinning Left/Spinning Right</a:t>
-            </a:r>
-          </a:p>
-        </p:txBody>
-      </p:sp>
-      <p:sp>
-        <p:nvSpPr>
-          <p:cNvPr id="3" name="Content Placeholder 2"/>
-          <p:cNvSpPr>
-            <a:spLocks noGrp="1"/>
-          </p:cNvSpPr>
-          <p:nvPr>
-            <p:ph idx="1"/>
-          </p:nvPr>
-        </p:nvSpPr>
-        <p:spPr/>
-        <p:txBody>
-          <a:bodyPr/>
-          <a:lstStyle/>
-          <a:p>
-            <a:endParaRPr lang="en-US"/>
-          </a:p>
-        </p:txBody>
-      </p:sp>
-    </p:spTree>
-    <p:extLst>
-      <p:ext uri="{BB962C8B-B14F-4D97-AF65-F5344CB8AC3E}">
-        <p14:creationId xmlns:p14="http://schemas.microsoft.com/office/powerpoint/2010/main" val="808923193"/>
-      </p:ext>
-    </p:extLst>
-  </p:cSld>
-  <p:clrMapOvr>
-    <a:masterClrMapping/>
-  </p:clrMapOvr>
-</p:sld>
-</file>
-
-<file path=ppt/slides/slide44.xml><?xml version="1.0" encoding="utf-8"?>
-<p:sld xmlns:a="http://schemas.openxmlformats.org/drawingml/2006/main" xmlns:r="http://schemas.openxmlformats.org/officeDocument/2006/relationships" xmlns:p="http://schemas.openxmlformats.org/presentationml/2006/main">
-  <p:cSld>
-    <p:spTree>
-      <p:nvGrpSpPr>
-        <p:cNvPr id="1" name=""/>
-        <p:cNvGrpSpPr/>
-        <p:nvPr/>
-      </p:nvGrpSpPr>
-      <p:grpSpPr>
-        <a:xfrm>
-          <a:off x="0" y="0"/>
-          <a:ext cx="0" cy="0"/>
-          <a:chOff x="0" y="0"/>
-          <a:chExt cx="0" cy="0"/>
-        </a:xfrm>
-      </p:grpSpPr>
-      <p:sp>
-        <p:nvSpPr>
-          <p:cNvPr id="2" name="Title 1"/>
-          <p:cNvSpPr>
-            <a:spLocks noGrp="1"/>
-          </p:cNvSpPr>
-          <p:nvPr>
-            <p:ph type="title"/>
-          </p:nvPr>
-        </p:nvSpPr>
-        <p:spPr/>
-        <p:txBody>
-          <a:bodyPr/>
-          <a:lstStyle/>
-          <a:p>
-            <a:r>
-              <a:rPr lang="en-US" dirty="0"/>
-              <a:t>Installing Camera in Rp3</a:t>
-            </a:r>
-          </a:p>
-        </p:txBody>
-      </p:sp>
-      <p:sp>
-        <p:nvSpPr>
-          <p:cNvPr id="3" name="Content Placeholder 2"/>
-          <p:cNvSpPr>
-            <a:spLocks noGrp="1"/>
-          </p:cNvSpPr>
-          <p:nvPr>
-            <p:ph idx="1"/>
-          </p:nvPr>
-        </p:nvSpPr>
-        <p:spPr/>
-        <p:txBody>
-          <a:bodyPr/>
-          <a:lstStyle/>
-          <a:p>
-            <a:endParaRPr lang="en-US"/>
-          </a:p>
-        </p:txBody>
-      </p:sp>
-    </p:spTree>
-    <p:extLst>
-      <p:ext uri="{BB962C8B-B14F-4D97-AF65-F5344CB8AC3E}">
-        <p14:creationId xmlns:p14="http://schemas.microsoft.com/office/powerpoint/2010/main" val="1947557022"/>
-      </p:ext>
-    </p:extLst>
-  </p:cSld>
-  <p:clrMapOvr>
-    <a:masterClrMapping/>
-  </p:clrMapOvr>
-</p:sld>
-</file>
-
-<file path=ppt/slides/slide45.xml><?xml version="1.0" encoding="utf-8"?>
-<p:sld xmlns:a="http://schemas.openxmlformats.org/drawingml/2006/main" xmlns:r="http://schemas.openxmlformats.org/officeDocument/2006/relationships" xmlns:p="http://schemas.openxmlformats.org/presentationml/2006/main">
-  <p:cSld>
-    <p:spTree>
-      <p:nvGrpSpPr>
-        <p:cNvPr id="1" name=""/>
-        <p:cNvGrpSpPr/>
-        <p:nvPr/>
-      </p:nvGrpSpPr>
-      <p:grpSpPr>
-        <a:xfrm>
-          <a:off x="0" y="0"/>
-          <a:ext cx="0" cy="0"/>
-          <a:chOff x="0" y="0"/>
-          <a:chExt cx="0" cy="0"/>
-        </a:xfrm>
-      </p:grpSpPr>
-      <p:sp>
-        <p:nvSpPr>
-          <p:cNvPr id="2" name="Title 1"/>
-          <p:cNvSpPr>
-            <a:spLocks noGrp="1"/>
-          </p:cNvSpPr>
-          <p:nvPr>
-            <p:ph type="title"/>
-          </p:nvPr>
-        </p:nvSpPr>
-        <p:spPr/>
-        <p:txBody>
-          <a:bodyPr/>
-          <a:lstStyle/>
-          <a:p>
-            <a:r>
-              <a:rPr lang="en-US" dirty="0"/>
-              <a:t>Standard Web Camera</a:t>
-            </a:r>
-          </a:p>
-        </p:txBody>
-      </p:sp>
-      <p:sp>
-        <p:nvSpPr>
-          <p:cNvPr id="3" name="Content Placeholder 2"/>
-          <p:cNvSpPr>
-            <a:spLocks noGrp="1"/>
-          </p:cNvSpPr>
-          <p:nvPr>
-            <p:ph idx="1"/>
-          </p:nvPr>
-        </p:nvSpPr>
-        <p:spPr/>
-        <p:txBody>
-          <a:bodyPr/>
-          <a:lstStyle/>
-          <a:p>
-            <a:endParaRPr lang="en-US"/>
-          </a:p>
-        </p:txBody>
-      </p:sp>
-    </p:spTree>
-    <p:extLst>
-      <p:ext uri="{BB962C8B-B14F-4D97-AF65-F5344CB8AC3E}">
-        <p14:creationId xmlns:p14="http://schemas.microsoft.com/office/powerpoint/2010/main" val="3253176025"/>
-      </p:ext>
-    </p:extLst>
-  </p:cSld>
-  <p:clrMapOvr>
-    <a:masterClrMapping/>
-  </p:clrMapOvr>
-</p:sld>
-</file>
-
-<file path=ppt/slides/slide46.xml><?xml version="1.0" encoding="utf-8"?>
-<p:sld xmlns:a="http://schemas.openxmlformats.org/drawingml/2006/main" xmlns:r="http://schemas.openxmlformats.org/officeDocument/2006/relationships" xmlns:p="http://schemas.openxmlformats.org/presentationml/2006/main">
-  <p:cSld>
-    <p:spTree>
-      <p:nvGrpSpPr>
-        <p:cNvPr id="1" name=""/>
-        <p:cNvGrpSpPr/>
-        <p:nvPr/>
-      </p:nvGrpSpPr>
-      <p:grpSpPr>
-        <a:xfrm>
-          <a:off x="0" y="0"/>
-          <a:ext cx="0" cy="0"/>
-          <a:chOff x="0" y="0"/>
-          <a:chExt cx="0" cy="0"/>
-        </a:xfrm>
-      </p:grpSpPr>
-      <p:sp>
-        <p:nvSpPr>
-          <p:cNvPr id="2" name="Title 1"/>
-          <p:cNvSpPr>
-            <a:spLocks noGrp="1"/>
-          </p:cNvSpPr>
-          <p:nvPr>
-            <p:ph type="title"/>
-          </p:nvPr>
-        </p:nvSpPr>
-        <p:spPr/>
-        <p:txBody>
-          <a:bodyPr/>
-          <a:lstStyle/>
-          <a:p>
-            <a:r>
-              <a:rPr lang="en-US" dirty="0"/>
-              <a:t>Raspberry Pi 3 Camera</a:t>
-            </a:r>
-          </a:p>
-        </p:txBody>
-      </p:sp>
-      <p:sp>
-        <p:nvSpPr>
-          <p:cNvPr id="3" name="Content Placeholder 2"/>
-          <p:cNvSpPr>
-            <a:spLocks noGrp="1"/>
-          </p:cNvSpPr>
-          <p:nvPr>
-            <p:ph idx="1"/>
-          </p:nvPr>
-        </p:nvSpPr>
-        <p:spPr/>
-        <p:txBody>
-          <a:bodyPr/>
-          <a:lstStyle/>
-          <a:p>
-            <a:endParaRPr lang="en-US"/>
-          </a:p>
-        </p:txBody>
-      </p:sp>
-    </p:spTree>
-    <p:extLst>
-      <p:ext uri="{BB962C8B-B14F-4D97-AF65-F5344CB8AC3E}">
-        <p14:creationId xmlns:p14="http://schemas.microsoft.com/office/powerpoint/2010/main" val="3546370642"/>
-      </p:ext>
-    </p:extLst>
-  </p:cSld>
-  <p:clrMapOvr>
-    <a:masterClrMapping/>
-  </p:clrMapOvr>
-</p:sld>
-</file>
-
-<file path=ppt/slides/slide47.xml><?xml version="1.0" encoding="utf-8"?>
-<p:sld xmlns:a="http://schemas.openxmlformats.org/drawingml/2006/main" xmlns:r="http://schemas.openxmlformats.org/officeDocument/2006/relationships" xmlns:p="http://schemas.openxmlformats.org/presentationml/2006/main">
-  <p:cSld>
-    <p:spTree>
-      <p:nvGrpSpPr>
-        <p:cNvPr id="1" name=""/>
-        <p:cNvGrpSpPr/>
-        <p:nvPr/>
-      </p:nvGrpSpPr>
-      <p:grpSpPr>
-        <a:xfrm>
-          <a:off x="0" y="0"/>
-          <a:ext cx="0" cy="0"/>
-          <a:chOff x="0" y="0"/>
-          <a:chExt cx="0" cy="0"/>
-        </a:xfrm>
-      </p:grpSpPr>
-      <p:sp>
-        <p:nvSpPr>
-          <p:cNvPr id="2" name="Title 1"/>
-          <p:cNvSpPr>
-            <a:spLocks noGrp="1"/>
-          </p:cNvSpPr>
-          <p:nvPr>
-            <p:ph type="title"/>
-          </p:nvPr>
-        </p:nvSpPr>
-        <p:spPr/>
-        <p:txBody>
-          <a:bodyPr/>
-          <a:lstStyle/>
-          <a:p>
-            <a:r>
-              <a:rPr lang="en-US" dirty="0"/>
-              <a:t>Installing </a:t>
-            </a:r>
-            <a:r>
-              <a:rPr lang="en-US" dirty="0" err="1"/>
-              <a:t>WebServer</a:t>
-            </a:r>
-            <a:endParaRPr lang="en-US" dirty="0"/>
-          </a:p>
-        </p:txBody>
-      </p:sp>
-      <p:sp>
-        <p:nvSpPr>
-          <p:cNvPr id="3" name="Content Placeholder 2"/>
-          <p:cNvSpPr>
-            <a:spLocks noGrp="1"/>
-          </p:cNvSpPr>
-          <p:nvPr>
-            <p:ph idx="1"/>
-          </p:nvPr>
-        </p:nvSpPr>
-        <p:spPr/>
-        <p:txBody>
-          <a:bodyPr/>
-          <a:lstStyle/>
-          <a:p>
-            <a:endParaRPr lang="en-US"/>
-          </a:p>
-        </p:txBody>
-      </p:sp>
-    </p:spTree>
-    <p:extLst>
-      <p:ext uri="{BB962C8B-B14F-4D97-AF65-F5344CB8AC3E}">
-        <p14:creationId xmlns:p14="http://schemas.microsoft.com/office/powerpoint/2010/main" val="356162134"/>
-      </p:ext>
-    </p:extLst>
-  </p:cSld>
-  <p:clrMapOvr>
-    <a:masterClrMapping/>
-  </p:clrMapOvr>
-</p:sld>
-</file>
-
-<file path=ppt/slides/slide48.xml><?xml version="1.0" encoding="utf-8"?>
-<p:sld xmlns:a="http://schemas.openxmlformats.org/drawingml/2006/main" xmlns:r="http://schemas.openxmlformats.org/officeDocument/2006/relationships" xmlns:p="http://schemas.openxmlformats.org/presentationml/2006/main">
-  <p:cSld>
-    <p:spTree>
-      <p:nvGrpSpPr>
-        <p:cNvPr id="1" name=""/>
-        <p:cNvGrpSpPr/>
-        <p:nvPr/>
-      </p:nvGrpSpPr>
-      <p:grpSpPr>
-        <a:xfrm>
-          <a:off x="0" y="0"/>
-          <a:ext cx="0" cy="0"/>
-          <a:chOff x="0" y="0"/>
-          <a:chExt cx="0" cy="0"/>
-        </a:xfrm>
-      </p:grpSpPr>
-      <p:sp>
-        <p:nvSpPr>
-          <p:cNvPr id="2" name="Title 1"/>
-          <p:cNvSpPr>
-            <a:spLocks noGrp="1"/>
-          </p:cNvSpPr>
-          <p:nvPr>
-            <p:ph type="title"/>
-          </p:nvPr>
-        </p:nvSpPr>
-        <p:spPr/>
-        <p:txBody>
-          <a:bodyPr/>
-          <a:lstStyle/>
-          <a:p>
-            <a:r>
-              <a:rPr lang="en-US" dirty="0"/>
-              <a:t>Installing NPM, Bower</a:t>
-            </a:r>
-          </a:p>
-        </p:txBody>
-      </p:sp>
-      <p:sp>
-        <p:nvSpPr>
-          <p:cNvPr id="3" name="Content Placeholder 2"/>
-          <p:cNvSpPr>
-            <a:spLocks noGrp="1"/>
-          </p:cNvSpPr>
-          <p:nvPr>
-            <p:ph idx="1"/>
-          </p:nvPr>
-        </p:nvSpPr>
-        <p:spPr/>
-        <p:txBody>
-          <a:bodyPr/>
-          <a:lstStyle/>
-          <a:p>
-            <a:endParaRPr lang="en-US"/>
-          </a:p>
-        </p:txBody>
-      </p:sp>
-    </p:spTree>
-    <p:extLst>
-      <p:ext uri="{BB962C8B-B14F-4D97-AF65-F5344CB8AC3E}">
-        <p14:creationId xmlns:p14="http://schemas.microsoft.com/office/powerpoint/2010/main" val="3908743277"/>
-      </p:ext>
-    </p:extLst>
-  </p:cSld>
-  <p:clrMapOvr>
-    <a:masterClrMapping/>
-  </p:clrMapOvr>
-</p:sld>
-</file>
-
-<file path=ppt/slides/slide49.xml><?xml version="1.0" encoding="utf-8"?>
-<p:sld xmlns:a="http://schemas.openxmlformats.org/drawingml/2006/main" xmlns:r="http://schemas.openxmlformats.org/officeDocument/2006/relationships" xmlns:p="http://schemas.openxmlformats.org/presentationml/2006/main">
-  <p:cSld>
-    <p:spTree>
-      <p:nvGrpSpPr>
-        <p:cNvPr id="1" name=""/>
-        <p:cNvGrpSpPr/>
-        <p:nvPr/>
-      </p:nvGrpSpPr>
-      <p:grpSpPr>
-        <a:xfrm>
-          <a:off x="0" y="0"/>
-          <a:ext cx="0" cy="0"/>
-          <a:chOff x="0" y="0"/>
-          <a:chExt cx="0" cy="0"/>
-        </a:xfrm>
-      </p:grpSpPr>
-      <p:sp>
-        <p:nvSpPr>
-          <p:cNvPr id="2" name="Title 1"/>
-          <p:cNvSpPr>
-            <a:spLocks noGrp="1"/>
-          </p:cNvSpPr>
-          <p:nvPr>
-            <p:ph type="title"/>
-          </p:nvPr>
-        </p:nvSpPr>
-        <p:spPr/>
-        <p:txBody>
-          <a:bodyPr/>
-          <a:lstStyle/>
-          <a:p>
-            <a:r>
-              <a:rPr lang="en-US" dirty="0"/>
-              <a:t>Installing Flak Web Server</a:t>
-            </a:r>
-          </a:p>
-        </p:txBody>
-      </p:sp>
-      <p:sp>
-        <p:nvSpPr>
-          <p:cNvPr id="3" name="Content Placeholder 2"/>
-          <p:cNvSpPr>
-            <a:spLocks noGrp="1"/>
-          </p:cNvSpPr>
-          <p:nvPr>
-            <p:ph idx="1"/>
-          </p:nvPr>
-        </p:nvSpPr>
-        <p:spPr/>
-        <p:txBody>
-          <a:bodyPr/>
-          <a:lstStyle/>
-          <a:p>
-            <a:endParaRPr lang="en-US"/>
-          </a:p>
-        </p:txBody>
-      </p:sp>
-    </p:spTree>
-    <p:extLst>
-      <p:ext uri="{BB962C8B-B14F-4D97-AF65-F5344CB8AC3E}">
-        <p14:creationId xmlns:p14="http://schemas.microsoft.com/office/powerpoint/2010/main" val="431776766"/>
-      </p:ext>
-    </p:extLst>
-  </p:cSld>
-  <p:clrMapOvr>
-    <a:masterClrMapping/>
-  </p:clrMapOvr>
-</p:sld>
-</file>
-
 <file path=ppt/slides/slide5.xml><?xml version="1.0" encoding="utf-8"?>
 <p:sld xmlns:a="http://schemas.openxmlformats.org/drawingml/2006/main" xmlns:r="http://schemas.openxmlformats.org/officeDocument/2006/relationships" xmlns:p="http://schemas.openxmlformats.org/presentationml/2006/main">
   <p:cSld>
@@ -10418,1095 +10364,6 @@
     <p:extLst>
       <p:ext uri="{BB962C8B-B14F-4D97-AF65-F5344CB8AC3E}">
         <p14:creationId xmlns:p14="http://schemas.microsoft.com/office/powerpoint/2010/main" val="4225246822"/>
-      </p:ext>
-    </p:extLst>
-  </p:cSld>
-  <p:clrMapOvr>
-    <a:masterClrMapping/>
-  </p:clrMapOvr>
-</p:sld>
-</file>
-
-<file path=ppt/slides/slide50.xml><?xml version="1.0" encoding="utf-8"?>
-<p:sld xmlns:a="http://schemas.openxmlformats.org/drawingml/2006/main" xmlns:r="http://schemas.openxmlformats.org/officeDocument/2006/relationships" xmlns:p="http://schemas.openxmlformats.org/presentationml/2006/main">
-  <p:cSld>
-    <p:spTree>
-      <p:nvGrpSpPr>
-        <p:cNvPr id="1" name=""/>
-        <p:cNvGrpSpPr/>
-        <p:nvPr/>
-      </p:nvGrpSpPr>
-      <p:grpSpPr>
-        <a:xfrm>
-          <a:off x="0" y="0"/>
-          <a:ext cx="0" cy="0"/>
-          <a:chOff x="0" y="0"/>
-          <a:chExt cx="0" cy="0"/>
-        </a:xfrm>
-      </p:grpSpPr>
-      <p:sp>
-        <p:nvSpPr>
-          <p:cNvPr id="2" name="Title 1"/>
-          <p:cNvSpPr>
-            <a:spLocks noGrp="1"/>
-          </p:cNvSpPr>
-          <p:nvPr>
-            <p:ph type="title"/>
-          </p:nvPr>
-        </p:nvSpPr>
-        <p:spPr/>
-        <p:txBody>
-          <a:bodyPr/>
-          <a:lstStyle/>
-          <a:p>
-            <a:r>
-              <a:rPr lang="en-US" dirty="0"/>
-              <a:t>Coding Mobile Application</a:t>
-            </a:r>
-          </a:p>
-        </p:txBody>
-      </p:sp>
-      <p:sp>
-        <p:nvSpPr>
-          <p:cNvPr id="3" name="Content Placeholder 2"/>
-          <p:cNvSpPr>
-            <a:spLocks noGrp="1"/>
-          </p:cNvSpPr>
-          <p:nvPr>
-            <p:ph idx="1"/>
-          </p:nvPr>
-        </p:nvSpPr>
-        <p:spPr/>
-        <p:txBody>
-          <a:bodyPr/>
-          <a:lstStyle/>
-          <a:p>
-            <a:endParaRPr lang="en-US"/>
-          </a:p>
-        </p:txBody>
-      </p:sp>
-    </p:spTree>
-    <p:extLst>
-      <p:ext uri="{BB962C8B-B14F-4D97-AF65-F5344CB8AC3E}">
-        <p14:creationId xmlns:p14="http://schemas.microsoft.com/office/powerpoint/2010/main" val="4252861944"/>
-      </p:ext>
-    </p:extLst>
-  </p:cSld>
-  <p:clrMapOvr>
-    <a:masterClrMapping/>
-  </p:clrMapOvr>
-</p:sld>
-</file>
-
-<file path=ppt/slides/slide51.xml><?xml version="1.0" encoding="utf-8"?>
-<p:sld xmlns:a="http://schemas.openxmlformats.org/drawingml/2006/main" xmlns:r="http://schemas.openxmlformats.org/officeDocument/2006/relationships" xmlns:p="http://schemas.openxmlformats.org/presentationml/2006/main">
-  <p:cSld>
-    <p:spTree>
-      <p:nvGrpSpPr>
-        <p:cNvPr id="1" name=""/>
-        <p:cNvGrpSpPr/>
-        <p:nvPr/>
-      </p:nvGrpSpPr>
-      <p:grpSpPr>
-        <a:xfrm>
-          <a:off x="0" y="0"/>
-          <a:ext cx="0" cy="0"/>
-          <a:chOff x="0" y="0"/>
-          <a:chExt cx="0" cy="0"/>
-        </a:xfrm>
-      </p:grpSpPr>
-      <p:sp>
-        <p:nvSpPr>
-          <p:cNvPr id="2" name="Title 1"/>
-          <p:cNvSpPr>
-            <a:spLocks noGrp="1"/>
-          </p:cNvSpPr>
-          <p:nvPr>
-            <p:ph type="title"/>
-          </p:nvPr>
-        </p:nvSpPr>
-        <p:spPr/>
-        <p:txBody>
-          <a:bodyPr/>
-          <a:lstStyle/>
-          <a:p>
-            <a:r>
-              <a:rPr lang="en-US" dirty="0"/>
-              <a:t>Wiring up web services to Motors</a:t>
-            </a:r>
-          </a:p>
-        </p:txBody>
-      </p:sp>
-      <p:sp>
-        <p:nvSpPr>
-          <p:cNvPr id="3" name="Content Placeholder 2"/>
-          <p:cNvSpPr>
-            <a:spLocks noGrp="1"/>
-          </p:cNvSpPr>
-          <p:nvPr>
-            <p:ph idx="1"/>
-          </p:nvPr>
-        </p:nvSpPr>
-        <p:spPr/>
-        <p:txBody>
-          <a:bodyPr/>
-          <a:lstStyle/>
-          <a:p>
-            <a:endParaRPr lang="en-US"/>
-          </a:p>
-        </p:txBody>
-      </p:sp>
-    </p:spTree>
-    <p:extLst>
-      <p:ext uri="{BB962C8B-B14F-4D97-AF65-F5344CB8AC3E}">
-        <p14:creationId xmlns:p14="http://schemas.microsoft.com/office/powerpoint/2010/main" val="2392235267"/>
-      </p:ext>
-    </p:extLst>
-  </p:cSld>
-  <p:clrMapOvr>
-    <a:masterClrMapping/>
-  </p:clrMapOvr>
-</p:sld>
-</file>
-
-<file path=ppt/slides/slide52.xml><?xml version="1.0" encoding="utf-8"?>
-<p:sld xmlns:a="http://schemas.openxmlformats.org/drawingml/2006/main" xmlns:r="http://schemas.openxmlformats.org/officeDocument/2006/relationships" xmlns:p="http://schemas.openxmlformats.org/presentationml/2006/main">
-  <p:cSld>
-    <p:spTree>
-      <p:nvGrpSpPr>
-        <p:cNvPr id="1" name=""/>
-        <p:cNvGrpSpPr/>
-        <p:nvPr/>
-      </p:nvGrpSpPr>
-      <p:grpSpPr>
-        <a:xfrm>
-          <a:off x="0" y="0"/>
-          <a:ext cx="0" cy="0"/>
-          <a:chOff x="0" y="0"/>
-          <a:chExt cx="0" cy="0"/>
-        </a:xfrm>
-      </p:grpSpPr>
-      <p:pic>
-        <p:nvPicPr>
-          <p:cNvPr id="1028" name="Picture 2" descr="GPIO diagram"/>
-          <p:cNvPicPr>
-            <a:picLocks noChangeAspect="1"/>
-          </p:cNvPicPr>
-          <p:nvPr/>
-        </p:nvPicPr>
-        <p:blipFill rotWithShape="1">
-          <a:blip r:embed="rId2">
-            <a:extLst>
-              <a:ext uri="{28A0092B-C50C-407E-A947-70E740481C1C}">
-                <a14:useLocalDpi xmlns:a14="http://schemas.microsoft.com/office/drawing/2010/main" val="0"/>
-              </a:ext>
-            </a:extLst>
-          </a:blip>
-          <a:srcRect t="2450" r="-2" b="4182"/>
-          <a:stretch/>
-        </p:blipFill>
-        <p:spPr>
-          <a:xfrm>
-            <a:off x="4639056" y="10"/>
-            <a:ext cx="7552944" cy="6857990"/>
-          </a:xfrm>
-          <a:prstGeom prst="rect">
-            <a:avLst/>
-          </a:prstGeom>
-          <a:effectLst/>
-        </p:spPr>
-      </p:pic>
-      <p:sp>
-        <p:nvSpPr>
-          <p:cNvPr id="2" name="Title 1"/>
-          <p:cNvSpPr>
-            <a:spLocks noGrp="1"/>
-          </p:cNvSpPr>
-          <p:nvPr>
-            <p:ph type="title"/>
-          </p:nvPr>
-        </p:nvSpPr>
-        <p:spPr>
-          <a:xfrm>
-            <a:off x="648929" y="629266"/>
-            <a:ext cx="3651467" cy="1676603"/>
-          </a:xfrm>
-        </p:spPr>
-        <p:txBody>
-          <a:bodyPr>
-            <a:normAutofit/>
-          </a:bodyPr>
-          <a:lstStyle/>
-          <a:p>
-            <a:r>
-              <a:rPr lang="en-US" dirty="0"/>
-              <a:t>Traffic Lights</a:t>
-            </a:r>
-            <a:br>
-              <a:rPr lang="en-US" dirty="0"/>
-            </a:br>
-            <a:r>
-              <a:rPr lang="en-US" dirty="0"/>
-              <a:t>Exercise</a:t>
-            </a:r>
-          </a:p>
-        </p:txBody>
-      </p:sp>
-      <p:graphicFrame>
-        <p:nvGraphicFramePr>
-          <p:cNvPr id="4" name="Content Placeholder 3"/>
-          <p:cNvGraphicFramePr>
-            <a:graphicFrameLocks noGrp="1"/>
-          </p:cNvGraphicFramePr>
-          <p:nvPr>
-            <p:ph idx="1"/>
-            <p:extLst>
-              <p:ext uri="{D42A27DB-BD31-4B8C-83A1-F6EECF244321}">
-                <p14:modId xmlns:p14="http://schemas.microsoft.com/office/powerpoint/2010/main" val="1121207410"/>
-              </p:ext>
-            </p:extLst>
-          </p:nvPr>
-        </p:nvGraphicFramePr>
-        <p:xfrm>
-          <a:off x="649288" y="2841520"/>
-          <a:ext cx="3023060" cy="1964868"/>
-        </p:xfrm>
-        <a:graphic>
-          <a:graphicData uri="http://schemas.openxmlformats.org/drawingml/2006/table">
-            <a:tbl>
-              <a:tblPr/>
-              <a:tblGrid>
-                <a:gridCol w="1511530">
-                  <a:extLst>
-                    <a:ext uri="{9D8B030D-6E8A-4147-A177-3AD203B41FA5}">
-                      <a16:colId xmlns:a16="http://schemas.microsoft.com/office/drawing/2014/main" val="3764869724"/>
-                    </a:ext>
-                  </a:extLst>
-                </a:gridCol>
-                <a:gridCol w="1511530">
-                  <a:extLst>
-                    <a:ext uri="{9D8B030D-6E8A-4147-A177-3AD203B41FA5}">
-                      <a16:colId xmlns:a16="http://schemas.microsoft.com/office/drawing/2014/main" val="2130788667"/>
-                    </a:ext>
-                  </a:extLst>
-                </a:gridCol>
-              </a:tblGrid>
-              <a:tr h="307293">
-                <a:tc>
-                  <a:txBody>
-                    <a:bodyPr/>
-                    <a:lstStyle/>
-                    <a:p>
-                      <a:r>
-                        <a:rPr lang="en-US" sz="2000" b="1">
-                          <a:effectLst/>
-                        </a:rPr>
-                        <a:t>Component</a:t>
-                      </a:r>
-                    </a:p>
-                  </a:txBody>
-                  <a:tcPr marL="24568" marR="24568" marT="11339" marB="11339" anchor="ctr">
-                    <a:lnL w="5443" cap="flat" cmpd="sng" algn="ctr">
-                      <a:solidFill>
-                        <a:srgbClr val="DDDDDD"/>
-                      </a:solidFill>
-                      <a:prstDash val="solid"/>
-                      <a:round/>
-                      <a:headEnd type="none" w="med" len="med"/>
-                      <a:tailEnd type="none" w="med" len="med"/>
-                    </a:lnL>
-                    <a:lnR w="5443" cap="flat" cmpd="sng" algn="ctr">
-                      <a:solidFill>
-                        <a:srgbClr val="DDDDDD"/>
-                      </a:solidFill>
-                      <a:prstDash val="solid"/>
-                      <a:round/>
-                      <a:headEnd type="none" w="med" len="med"/>
-                      <a:tailEnd type="none" w="med" len="med"/>
-                    </a:lnR>
-                    <a:lnT w="5443" cap="flat" cmpd="sng" algn="ctr">
-                      <a:solidFill>
-                        <a:srgbClr val="DDDDDD"/>
-                      </a:solidFill>
-                      <a:prstDash val="solid"/>
-                      <a:round/>
-                      <a:headEnd type="none" w="med" len="med"/>
-                      <a:tailEnd type="none" w="med" len="med"/>
-                    </a:lnT>
-                    <a:lnB w="5443" cap="flat" cmpd="sng" algn="ctr">
-                      <a:solidFill>
-                        <a:srgbClr val="DDDDDD"/>
-                      </a:solidFill>
-                      <a:prstDash val="solid"/>
-                      <a:round/>
-                      <a:headEnd type="none" w="med" len="med"/>
-                      <a:tailEnd type="none" w="med" len="med"/>
-                    </a:lnB>
-                    <a:solidFill>
-                      <a:srgbClr val="FFFFFF"/>
-                    </a:solidFill>
-                  </a:tcPr>
-                </a:tc>
-                <a:tc>
-                  <a:txBody>
-                    <a:bodyPr/>
-                    <a:lstStyle/>
-                    <a:p>
-                      <a:pPr algn="ctr"/>
-                      <a:r>
-                        <a:rPr lang="en-US" sz="2000" b="1" dirty="0">
-                          <a:effectLst/>
-                        </a:rPr>
-                        <a:t>GPIO pin</a:t>
-                      </a:r>
-                    </a:p>
-                  </a:txBody>
-                  <a:tcPr marL="24568" marR="24568" marT="11339" marB="11339" anchor="ctr">
-                    <a:lnL w="5443" cap="flat" cmpd="sng" algn="ctr">
-                      <a:solidFill>
-                        <a:srgbClr val="DDDDDD"/>
-                      </a:solidFill>
-                      <a:prstDash val="solid"/>
-                      <a:round/>
-                      <a:headEnd type="none" w="med" len="med"/>
-                      <a:tailEnd type="none" w="med" len="med"/>
-                    </a:lnL>
-                    <a:lnR w="5443" cap="flat" cmpd="sng" algn="ctr">
-                      <a:solidFill>
-                        <a:srgbClr val="DDDDDD"/>
-                      </a:solidFill>
-                      <a:prstDash val="solid"/>
-                      <a:round/>
-                      <a:headEnd type="none" w="med" len="med"/>
-                      <a:tailEnd type="none" w="med" len="med"/>
-                    </a:lnR>
-                    <a:lnT w="5443" cap="flat" cmpd="sng" algn="ctr">
-                      <a:solidFill>
-                        <a:srgbClr val="DDDDDD"/>
-                      </a:solidFill>
-                      <a:prstDash val="solid"/>
-                      <a:round/>
-                      <a:headEnd type="none" w="med" len="med"/>
-                      <a:tailEnd type="none" w="med" len="med"/>
-                    </a:lnT>
-                    <a:lnB w="5443" cap="flat" cmpd="sng" algn="ctr">
-                      <a:solidFill>
-                        <a:srgbClr val="DDDDDD"/>
-                      </a:solidFill>
-                      <a:prstDash val="solid"/>
-                      <a:round/>
-                      <a:headEnd type="none" w="med" len="med"/>
-                      <a:tailEnd type="none" w="med" len="med"/>
-                    </a:lnB>
-                    <a:solidFill>
-                      <a:srgbClr val="FFFFFF"/>
-                    </a:solidFill>
-                  </a:tcPr>
-                </a:tc>
-                <a:extLst>
-                  <a:ext uri="{0D108BD9-81ED-4DB2-BD59-A6C34878D82A}">
-                    <a16:rowId xmlns:a16="http://schemas.microsoft.com/office/drawing/2014/main" val="1048854025"/>
-                  </a:ext>
-                </a:extLst>
-              </a:tr>
-              <a:tr h="307293">
-                <a:tc>
-                  <a:txBody>
-                    <a:bodyPr/>
-                    <a:lstStyle/>
-                    <a:p>
-                      <a:r>
-                        <a:rPr lang="en-US" sz="2000">
-                          <a:effectLst/>
-                        </a:rPr>
-                        <a:t>Button</a:t>
-                      </a:r>
-                    </a:p>
-                  </a:txBody>
-                  <a:tcPr marL="24568" marR="24568" marT="11339" marB="11339" anchor="ctr">
-                    <a:lnL w="5443" cap="flat" cmpd="sng" algn="ctr">
-                      <a:solidFill>
-                        <a:srgbClr val="DDDDDD"/>
-                      </a:solidFill>
-                      <a:prstDash val="solid"/>
-                      <a:round/>
-                      <a:headEnd type="none" w="med" len="med"/>
-                      <a:tailEnd type="none" w="med" len="med"/>
-                    </a:lnL>
-                    <a:lnR w="5443" cap="flat" cmpd="sng" algn="ctr">
-                      <a:solidFill>
-                        <a:srgbClr val="DDDDDD"/>
-                      </a:solidFill>
-                      <a:prstDash val="solid"/>
-                      <a:round/>
-                      <a:headEnd type="none" w="med" len="med"/>
-                      <a:tailEnd type="none" w="med" len="med"/>
-                    </a:lnR>
-                    <a:lnT w="5443" cap="flat" cmpd="sng" algn="ctr">
-                      <a:solidFill>
-                        <a:srgbClr val="DDDDDD"/>
-                      </a:solidFill>
-                      <a:prstDash val="solid"/>
-                      <a:round/>
-                      <a:headEnd type="none" w="med" len="med"/>
-                      <a:tailEnd type="none" w="med" len="med"/>
-                    </a:lnT>
-                    <a:lnB w="5443" cap="flat" cmpd="sng" algn="ctr">
-                      <a:solidFill>
-                        <a:srgbClr val="DDDDDD"/>
-                      </a:solidFill>
-                      <a:prstDash val="solid"/>
-                      <a:round/>
-                      <a:headEnd type="none" w="med" len="med"/>
-                      <a:tailEnd type="none" w="med" len="med"/>
-                    </a:lnB>
-                    <a:solidFill>
-                      <a:srgbClr val="FFFFFF"/>
-                    </a:solidFill>
-                  </a:tcPr>
-                </a:tc>
-                <a:tc>
-                  <a:txBody>
-                    <a:bodyPr/>
-                    <a:lstStyle/>
-                    <a:p>
-                      <a:pPr algn="ctr"/>
-                      <a:r>
-                        <a:rPr lang="en-US" sz="2000" dirty="0">
-                          <a:effectLst/>
-                        </a:rPr>
-                        <a:t>21</a:t>
-                      </a:r>
-                    </a:p>
-                  </a:txBody>
-                  <a:tcPr marL="24568" marR="24568" marT="11339" marB="11339" anchor="ctr">
-                    <a:lnL w="5443" cap="flat" cmpd="sng" algn="ctr">
-                      <a:solidFill>
-                        <a:srgbClr val="DDDDDD"/>
-                      </a:solidFill>
-                      <a:prstDash val="solid"/>
-                      <a:round/>
-                      <a:headEnd type="none" w="med" len="med"/>
-                      <a:tailEnd type="none" w="med" len="med"/>
-                    </a:lnL>
-                    <a:lnR w="5443" cap="flat" cmpd="sng" algn="ctr">
-                      <a:solidFill>
-                        <a:srgbClr val="DDDDDD"/>
-                      </a:solidFill>
-                      <a:prstDash val="solid"/>
-                      <a:round/>
-                      <a:headEnd type="none" w="med" len="med"/>
-                      <a:tailEnd type="none" w="med" len="med"/>
-                    </a:lnR>
-                    <a:lnT w="5443" cap="flat" cmpd="sng" algn="ctr">
-                      <a:solidFill>
-                        <a:srgbClr val="DDDDDD"/>
-                      </a:solidFill>
-                      <a:prstDash val="solid"/>
-                      <a:round/>
-                      <a:headEnd type="none" w="med" len="med"/>
-                      <a:tailEnd type="none" w="med" len="med"/>
-                    </a:lnT>
-                    <a:lnB w="5443" cap="flat" cmpd="sng" algn="ctr">
-                      <a:solidFill>
-                        <a:srgbClr val="DDDDDD"/>
-                      </a:solidFill>
-                      <a:prstDash val="solid"/>
-                      <a:round/>
-                      <a:headEnd type="none" w="med" len="med"/>
-                      <a:tailEnd type="none" w="med" len="med"/>
-                    </a:lnB>
-                    <a:solidFill>
-                      <a:srgbClr val="FFFFFF"/>
-                    </a:solidFill>
-                  </a:tcPr>
-                </a:tc>
-                <a:extLst>
-                  <a:ext uri="{0D108BD9-81ED-4DB2-BD59-A6C34878D82A}">
-                    <a16:rowId xmlns:a16="http://schemas.microsoft.com/office/drawing/2014/main" val="663980406"/>
-                  </a:ext>
-                </a:extLst>
-              </a:tr>
-              <a:tr h="307293">
-                <a:tc>
-                  <a:txBody>
-                    <a:bodyPr/>
-                    <a:lstStyle/>
-                    <a:p>
-                      <a:r>
-                        <a:rPr lang="en-US" sz="2000">
-                          <a:effectLst/>
-                        </a:rPr>
-                        <a:t>Red LED</a:t>
-                      </a:r>
-                    </a:p>
-                  </a:txBody>
-                  <a:tcPr marL="24568" marR="24568" marT="11339" marB="11339" anchor="ctr">
-                    <a:lnL w="5443" cap="flat" cmpd="sng" algn="ctr">
-                      <a:solidFill>
-                        <a:srgbClr val="DDDDDD"/>
-                      </a:solidFill>
-                      <a:prstDash val="solid"/>
-                      <a:round/>
-                      <a:headEnd type="none" w="med" len="med"/>
-                      <a:tailEnd type="none" w="med" len="med"/>
-                    </a:lnL>
-                    <a:lnR w="5443" cap="flat" cmpd="sng" algn="ctr">
-                      <a:solidFill>
-                        <a:srgbClr val="DDDDDD"/>
-                      </a:solidFill>
-                      <a:prstDash val="solid"/>
-                      <a:round/>
-                      <a:headEnd type="none" w="med" len="med"/>
-                      <a:tailEnd type="none" w="med" len="med"/>
-                    </a:lnR>
-                    <a:lnT w="5443" cap="flat" cmpd="sng" algn="ctr">
-                      <a:solidFill>
-                        <a:srgbClr val="DDDDDD"/>
-                      </a:solidFill>
-                      <a:prstDash val="solid"/>
-                      <a:round/>
-                      <a:headEnd type="none" w="med" len="med"/>
-                      <a:tailEnd type="none" w="med" len="med"/>
-                    </a:lnT>
-                    <a:lnB w="5443" cap="flat" cmpd="sng" algn="ctr">
-                      <a:solidFill>
-                        <a:srgbClr val="DDDDDD"/>
-                      </a:solidFill>
-                      <a:prstDash val="solid"/>
-                      <a:round/>
-                      <a:headEnd type="none" w="med" len="med"/>
-                      <a:tailEnd type="none" w="med" len="med"/>
-                    </a:lnB>
-                    <a:solidFill>
-                      <a:srgbClr val="FFFFFF"/>
-                    </a:solidFill>
-                  </a:tcPr>
-                </a:tc>
-                <a:tc>
-                  <a:txBody>
-                    <a:bodyPr/>
-                    <a:lstStyle/>
-                    <a:p>
-                      <a:pPr algn="ctr"/>
-                      <a:r>
-                        <a:rPr lang="en-US" sz="2000">
-                          <a:effectLst/>
-                        </a:rPr>
-                        <a:t>25</a:t>
-                      </a:r>
-                    </a:p>
-                  </a:txBody>
-                  <a:tcPr marL="24568" marR="24568" marT="11339" marB="11339" anchor="ctr">
-                    <a:lnL w="5443" cap="flat" cmpd="sng" algn="ctr">
-                      <a:solidFill>
-                        <a:srgbClr val="DDDDDD"/>
-                      </a:solidFill>
-                      <a:prstDash val="solid"/>
-                      <a:round/>
-                      <a:headEnd type="none" w="med" len="med"/>
-                      <a:tailEnd type="none" w="med" len="med"/>
-                    </a:lnL>
-                    <a:lnR w="5443" cap="flat" cmpd="sng" algn="ctr">
-                      <a:solidFill>
-                        <a:srgbClr val="DDDDDD"/>
-                      </a:solidFill>
-                      <a:prstDash val="solid"/>
-                      <a:round/>
-                      <a:headEnd type="none" w="med" len="med"/>
-                      <a:tailEnd type="none" w="med" len="med"/>
-                    </a:lnR>
-                    <a:lnT w="5443" cap="flat" cmpd="sng" algn="ctr">
-                      <a:solidFill>
-                        <a:srgbClr val="DDDDDD"/>
-                      </a:solidFill>
-                      <a:prstDash val="solid"/>
-                      <a:round/>
-                      <a:headEnd type="none" w="med" len="med"/>
-                      <a:tailEnd type="none" w="med" len="med"/>
-                    </a:lnT>
-                    <a:lnB w="5443" cap="flat" cmpd="sng" algn="ctr">
-                      <a:solidFill>
-                        <a:srgbClr val="DDDDDD"/>
-                      </a:solidFill>
-                      <a:prstDash val="solid"/>
-                      <a:round/>
-                      <a:headEnd type="none" w="med" len="med"/>
-                      <a:tailEnd type="none" w="med" len="med"/>
-                    </a:lnB>
-                    <a:solidFill>
-                      <a:srgbClr val="FFFFFF"/>
-                    </a:solidFill>
-                  </a:tcPr>
-                </a:tc>
-                <a:extLst>
-                  <a:ext uri="{0D108BD9-81ED-4DB2-BD59-A6C34878D82A}">
-                    <a16:rowId xmlns:a16="http://schemas.microsoft.com/office/drawing/2014/main" val="751520324"/>
-                  </a:ext>
-                </a:extLst>
-              </a:tr>
-              <a:tr h="307293">
-                <a:tc>
-                  <a:txBody>
-                    <a:bodyPr/>
-                    <a:lstStyle/>
-                    <a:p>
-                      <a:r>
-                        <a:rPr lang="en-US" sz="2000">
-                          <a:effectLst/>
-                        </a:rPr>
-                        <a:t>Amber LED</a:t>
-                      </a:r>
-                    </a:p>
-                  </a:txBody>
-                  <a:tcPr marL="24568" marR="24568" marT="11339" marB="11339" anchor="ctr">
-                    <a:lnL w="5443" cap="flat" cmpd="sng" algn="ctr">
-                      <a:solidFill>
-                        <a:srgbClr val="DDDDDD"/>
-                      </a:solidFill>
-                      <a:prstDash val="solid"/>
-                      <a:round/>
-                      <a:headEnd type="none" w="med" len="med"/>
-                      <a:tailEnd type="none" w="med" len="med"/>
-                    </a:lnL>
-                    <a:lnR w="5443" cap="flat" cmpd="sng" algn="ctr">
-                      <a:solidFill>
-                        <a:srgbClr val="DDDDDD"/>
-                      </a:solidFill>
-                      <a:prstDash val="solid"/>
-                      <a:round/>
-                      <a:headEnd type="none" w="med" len="med"/>
-                      <a:tailEnd type="none" w="med" len="med"/>
-                    </a:lnR>
-                    <a:lnT w="5443" cap="flat" cmpd="sng" algn="ctr">
-                      <a:solidFill>
-                        <a:srgbClr val="DDDDDD"/>
-                      </a:solidFill>
-                      <a:prstDash val="solid"/>
-                      <a:round/>
-                      <a:headEnd type="none" w="med" len="med"/>
-                      <a:tailEnd type="none" w="med" len="med"/>
-                    </a:lnT>
-                    <a:lnB w="5443" cap="flat" cmpd="sng" algn="ctr">
-                      <a:solidFill>
-                        <a:srgbClr val="DDDDDD"/>
-                      </a:solidFill>
-                      <a:prstDash val="solid"/>
-                      <a:round/>
-                      <a:headEnd type="none" w="med" len="med"/>
-                      <a:tailEnd type="none" w="med" len="med"/>
-                    </a:lnB>
-                    <a:solidFill>
-                      <a:srgbClr val="FFFFFF"/>
-                    </a:solidFill>
-                  </a:tcPr>
-                </a:tc>
-                <a:tc>
-                  <a:txBody>
-                    <a:bodyPr/>
-                    <a:lstStyle/>
-                    <a:p>
-                      <a:pPr algn="ctr"/>
-                      <a:r>
-                        <a:rPr lang="en-US" sz="2000">
-                          <a:effectLst/>
-                        </a:rPr>
-                        <a:t>8</a:t>
-                      </a:r>
-                    </a:p>
-                  </a:txBody>
-                  <a:tcPr marL="24568" marR="24568" marT="11339" marB="11339" anchor="ctr">
-                    <a:lnL w="5443" cap="flat" cmpd="sng" algn="ctr">
-                      <a:solidFill>
-                        <a:srgbClr val="DDDDDD"/>
-                      </a:solidFill>
-                      <a:prstDash val="solid"/>
-                      <a:round/>
-                      <a:headEnd type="none" w="med" len="med"/>
-                      <a:tailEnd type="none" w="med" len="med"/>
-                    </a:lnL>
-                    <a:lnR w="5443" cap="flat" cmpd="sng" algn="ctr">
-                      <a:solidFill>
-                        <a:srgbClr val="DDDDDD"/>
-                      </a:solidFill>
-                      <a:prstDash val="solid"/>
-                      <a:round/>
-                      <a:headEnd type="none" w="med" len="med"/>
-                      <a:tailEnd type="none" w="med" len="med"/>
-                    </a:lnR>
-                    <a:lnT w="5443" cap="flat" cmpd="sng" algn="ctr">
-                      <a:solidFill>
-                        <a:srgbClr val="DDDDDD"/>
-                      </a:solidFill>
-                      <a:prstDash val="solid"/>
-                      <a:round/>
-                      <a:headEnd type="none" w="med" len="med"/>
-                      <a:tailEnd type="none" w="med" len="med"/>
-                    </a:lnT>
-                    <a:lnB w="5443" cap="flat" cmpd="sng" algn="ctr">
-                      <a:solidFill>
-                        <a:srgbClr val="DDDDDD"/>
-                      </a:solidFill>
-                      <a:prstDash val="solid"/>
-                      <a:round/>
-                      <a:headEnd type="none" w="med" len="med"/>
-                      <a:tailEnd type="none" w="med" len="med"/>
-                    </a:lnB>
-                    <a:solidFill>
-                      <a:srgbClr val="FFFFFF"/>
-                    </a:solidFill>
-                  </a:tcPr>
-                </a:tc>
-                <a:extLst>
-                  <a:ext uri="{0D108BD9-81ED-4DB2-BD59-A6C34878D82A}">
-                    <a16:rowId xmlns:a16="http://schemas.microsoft.com/office/drawing/2014/main" val="3712619895"/>
-                  </a:ext>
-                </a:extLst>
-              </a:tr>
-              <a:tr h="307293">
-                <a:tc>
-                  <a:txBody>
-                    <a:bodyPr/>
-                    <a:lstStyle/>
-                    <a:p>
-                      <a:r>
-                        <a:rPr lang="en-US" sz="2000">
-                          <a:effectLst/>
-                        </a:rPr>
-                        <a:t>Green LED</a:t>
-                      </a:r>
-                    </a:p>
-                  </a:txBody>
-                  <a:tcPr marL="24568" marR="24568" marT="11339" marB="11339" anchor="ctr">
-                    <a:lnL w="5443" cap="flat" cmpd="sng" algn="ctr">
-                      <a:solidFill>
-                        <a:srgbClr val="DDDDDD"/>
-                      </a:solidFill>
-                      <a:prstDash val="solid"/>
-                      <a:round/>
-                      <a:headEnd type="none" w="med" len="med"/>
-                      <a:tailEnd type="none" w="med" len="med"/>
-                    </a:lnL>
-                    <a:lnR w="5443" cap="flat" cmpd="sng" algn="ctr">
-                      <a:solidFill>
-                        <a:srgbClr val="DDDDDD"/>
-                      </a:solidFill>
-                      <a:prstDash val="solid"/>
-                      <a:round/>
-                      <a:headEnd type="none" w="med" len="med"/>
-                      <a:tailEnd type="none" w="med" len="med"/>
-                    </a:lnR>
-                    <a:lnT w="5443" cap="flat" cmpd="sng" algn="ctr">
-                      <a:solidFill>
-                        <a:srgbClr val="DDDDDD"/>
-                      </a:solidFill>
-                      <a:prstDash val="solid"/>
-                      <a:round/>
-                      <a:headEnd type="none" w="med" len="med"/>
-                      <a:tailEnd type="none" w="med" len="med"/>
-                    </a:lnT>
-                    <a:lnB w="5443" cap="flat" cmpd="sng" algn="ctr">
-                      <a:solidFill>
-                        <a:srgbClr val="DDDDDD"/>
-                      </a:solidFill>
-                      <a:prstDash val="solid"/>
-                      <a:round/>
-                      <a:headEnd type="none" w="med" len="med"/>
-                      <a:tailEnd type="none" w="med" len="med"/>
-                    </a:lnB>
-                    <a:solidFill>
-                      <a:srgbClr val="FFFFFF"/>
-                    </a:solidFill>
-                  </a:tcPr>
-                </a:tc>
-                <a:tc>
-                  <a:txBody>
-                    <a:bodyPr/>
-                    <a:lstStyle/>
-                    <a:p>
-                      <a:pPr algn="ctr"/>
-                      <a:r>
-                        <a:rPr lang="en-US" sz="2000">
-                          <a:effectLst/>
-                        </a:rPr>
-                        <a:t>7</a:t>
-                      </a:r>
-                    </a:p>
-                  </a:txBody>
-                  <a:tcPr marL="24568" marR="24568" marT="11339" marB="11339" anchor="ctr">
-                    <a:lnL w="5443" cap="flat" cmpd="sng" algn="ctr">
-                      <a:solidFill>
-                        <a:srgbClr val="DDDDDD"/>
-                      </a:solidFill>
-                      <a:prstDash val="solid"/>
-                      <a:round/>
-                      <a:headEnd type="none" w="med" len="med"/>
-                      <a:tailEnd type="none" w="med" len="med"/>
-                    </a:lnL>
-                    <a:lnR w="5443" cap="flat" cmpd="sng" algn="ctr">
-                      <a:solidFill>
-                        <a:srgbClr val="DDDDDD"/>
-                      </a:solidFill>
-                      <a:prstDash val="solid"/>
-                      <a:round/>
-                      <a:headEnd type="none" w="med" len="med"/>
-                      <a:tailEnd type="none" w="med" len="med"/>
-                    </a:lnR>
-                    <a:lnT w="5443" cap="flat" cmpd="sng" algn="ctr">
-                      <a:solidFill>
-                        <a:srgbClr val="DDDDDD"/>
-                      </a:solidFill>
-                      <a:prstDash val="solid"/>
-                      <a:round/>
-                      <a:headEnd type="none" w="med" len="med"/>
-                      <a:tailEnd type="none" w="med" len="med"/>
-                    </a:lnT>
-                    <a:lnB w="5443" cap="flat" cmpd="sng" algn="ctr">
-                      <a:solidFill>
-                        <a:srgbClr val="DDDDDD"/>
-                      </a:solidFill>
-                      <a:prstDash val="solid"/>
-                      <a:round/>
-                      <a:headEnd type="none" w="med" len="med"/>
-                      <a:tailEnd type="none" w="med" len="med"/>
-                    </a:lnB>
-                    <a:solidFill>
-                      <a:srgbClr val="FFFFFF"/>
-                    </a:solidFill>
-                  </a:tcPr>
-                </a:tc>
-                <a:extLst>
-                  <a:ext uri="{0D108BD9-81ED-4DB2-BD59-A6C34878D82A}">
-                    <a16:rowId xmlns:a16="http://schemas.microsoft.com/office/drawing/2014/main" val="2499935102"/>
-                  </a:ext>
-                </a:extLst>
-              </a:tr>
-              <a:tr h="307293">
-                <a:tc>
-                  <a:txBody>
-                    <a:bodyPr/>
-                    <a:lstStyle/>
-                    <a:p>
-                      <a:r>
-                        <a:rPr lang="en-US" sz="2000">
-                          <a:effectLst/>
-                        </a:rPr>
-                        <a:t>Buzzer</a:t>
-                      </a:r>
-                    </a:p>
-                  </a:txBody>
-                  <a:tcPr marL="24568" marR="24568" marT="11339" marB="11339" anchor="ctr">
-                    <a:lnL w="5443" cap="flat" cmpd="sng" algn="ctr">
-                      <a:solidFill>
-                        <a:srgbClr val="DDDDDD"/>
-                      </a:solidFill>
-                      <a:prstDash val="solid"/>
-                      <a:round/>
-                      <a:headEnd type="none" w="med" len="med"/>
-                      <a:tailEnd type="none" w="med" len="med"/>
-                    </a:lnL>
-                    <a:lnR w="5443" cap="flat" cmpd="sng" algn="ctr">
-                      <a:solidFill>
-                        <a:srgbClr val="DDDDDD"/>
-                      </a:solidFill>
-                      <a:prstDash val="solid"/>
-                      <a:round/>
-                      <a:headEnd type="none" w="med" len="med"/>
-                      <a:tailEnd type="none" w="med" len="med"/>
-                    </a:lnR>
-                    <a:lnT w="5443" cap="flat" cmpd="sng" algn="ctr">
-                      <a:solidFill>
-                        <a:srgbClr val="DDDDDD"/>
-                      </a:solidFill>
-                      <a:prstDash val="solid"/>
-                      <a:round/>
-                      <a:headEnd type="none" w="med" len="med"/>
-                      <a:tailEnd type="none" w="med" len="med"/>
-                    </a:lnT>
-                    <a:lnB w="5443" cap="flat" cmpd="sng" algn="ctr">
-                      <a:solidFill>
-                        <a:srgbClr val="DDDDDD"/>
-                      </a:solidFill>
-                      <a:prstDash val="solid"/>
-                      <a:round/>
-                      <a:headEnd type="none" w="med" len="med"/>
-                      <a:tailEnd type="none" w="med" len="med"/>
-                    </a:lnB>
-                    <a:solidFill>
-                      <a:srgbClr val="FFFFFF"/>
-                    </a:solidFill>
-                  </a:tcPr>
-                </a:tc>
-                <a:tc>
-                  <a:txBody>
-                    <a:bodyPr/>
-                    <a:lstStyle/>
-                    <a:p>
-                      <a:pPr algn="ctr"/>
-                      <a:r>
-                        <a:rPr lang="en-US" sz="2000" dirty="0">
-                          <a:effectLst/>
-                        </a:rPr>
-                        <a:t>15</a:t>
-                      </a:r>
-                    </a:p>
-                  </a:txBody>
-                  <a:tcPr marL="24568" marR="24568" marT="11339" marB="11339" anchor="ctr">
-                    <a:lnL w="5443" cap="flat" cmpd="sng" algn="ctr">
-                      <a:solidFill>
-                        <a:srgbClr val="DDDDDD"/>
-                      </a:solidFill>
-                      <a:prstDash val="solid"/>
-                      <a:round/>
-                      <a:headEnd type="none" w="med" len="med"/>
-                      <a:tailEnd type="none" w="med" len="med"/>
-                    </a:lnL>
-                    <a:lnR w="5443" cap="flat" cmpd="sng" algn="ctr">
-                      <a:solidFill>
-                        <a:srgbClr val="DDDDDD"/>
-                      </a:solidFill>
-                      <a:prstDash val="solid"/>
-                      <a:round/>
-                      <a:headEnd type="none" w="med" len="med"/>
-                      <a:tailEnd type="none" w="med" len="med"/>
-                    </a:lnR>
-                    <a:lnT w="5443" cap="flat" cmpd="sng" algn="ctr">
-                      <a:solidFill>
-                        <a:srgbClr val="DDDDDD"/>
-                      </a:solidFill>
-                      <a:prstDash val="solid"/>
-                      <a:round/>
-                      <a:headEnd type="none" w="med" len="med"/>
-                      <a:tailEnd type="none" w="med" len="med"/>
-                    </a:lnT>
-                    <a:lnB w="5443" cap="flat" cmpd="sng" algn="ctr">
-                      <a:solidFill>
-                        <a:srgbClr val="DDDDDD"/>
-                      </a:solidFill>
-                      <a:prstDash val="solid"/>
-                      <a:round/>
-                      <a:headEnd type="none" w="med" len="med"/>
-                      <a:tailEnd type="none" w="med" len="med"/>
-                    </a:lnB>
-                    <a:solidFill>
-                      <a:srgbClr val="FFFFFF"/>
-                    </a:solidFill>
-                  </a:tcPr>
-                </a:tc>
-                <a:extLst>
-                  <a:ext uri="{0D108BD9-81ED-4DB2-BD59-A6C34878D82A}">
-                    <a16:rowId xmlns:a16="http://schemas.microsoft.com/office/drawing/2014/main" val="3654752669"/>
-                  </a:ext>
-                </a:extLst>
-              </a:tr>
-            </a:tbl>
-          </a:graphicData>
-        </a:graphic>
-      </p:graphicFrame>
-      <p:sp>
-        <p:nvSpPr>
-          <p:cNvPr id="5" name="Rectangle 3"/>
-          <p:cNvSpPr>
-            <a:spLocks noChangeArrowheads="1"/>
-          </p:cNvSpPr>
-          <p:nvPr/>
-        </p:nvSpPr>
-        <p:spPr bwMode="auto">
-          <a:xfrm>
-            <a:off x="0" y="-323165"/>
-            <a:ext cx="6417298" cy="646331"/>
-          </a:xfrm>
-          <a:prstGeom prst="rect">
-            <a:avLst/>
-          </a:prstGeom>
-          <a:noFill/>
-          <a:ln>
-            <a:noFill/>
-          </a:ln>
-          <a:effectLst/>
-          <a:extLst>
-            <a:ext uri="{909E8E84-426E-40DD-AFC4-6F175D3DCCD1}">
-              <a14:hiddenFill xmlns:a14="http://schemas.microsoft.com/office/drawing/2010/main">
-                <a:solidFill>
-                  <a:schemeClr val="accent1"/>
-                </a:solidFill>
-              </a14:hiddenFill>
-            </a:ext>
-            <a:ext uri="{91240B29-F687-4F45-9708-019B960494DF}">
-              <a14:hiddenLine xmlns:a14="http://schemas.microsoft.com/office/drawing/2010/main" w="9525">
-                <a:solidFill>
-                  <a:schemeClr val="tx1"/>
-                </a:solidFill>
-                <a:miter lim="800000"/>
-                <a:headEnd/>
-                <a:tailEnd/>
-              </a14:hiddenLine>
-            </a:ext>
-            <a:ext uri="{AF507438-7753-43E0-B8FC-AC1667EBCBE1}">
-              <a14:hiddenEffects xmlns:a14="http://schemas.microsoft.com/office/drawing/2010/main">
-                <a:effectLst>
-                  <a:outerShdw dist="35921" dir="2700000" algn="ctr" rotWithShape="0">
-                    <a:schemeClr val="bg2"/>
-                  </a:outerShdw>
-                </a:effectLst>
-              </a14:hiddenEffects>
-            </a:ext>
-          </a:extLst>
-        </p:spPr>
-        <p:txBody>
-          <a:bodyPr vert="horz" wrap="square" lIns="91440" tIns="45720" rIns="91440" bIns="45720" numCol="1" anchor="ctr" anchorCtr="0" compatLnSpc="1">
-            <a:prstTxWarp prst="textNoShape">
-              <a:avLst/>
-            </a:prstTxWarp>
-            <a:spAutoFit/>
-          </a:bodyPr>
-          <a:lstStyle/>
-          <a:p>
-            <a:pPr marL="0" marR="0" lvl="0" indent="0" algn="l" defTabSz="914400" rtl="0" eaLnBrk="0" fontAlgn="base" latinLnBrk="0" hangingPunct="0">
-              <a:lnSpc>
-                <a:spcPct val="100000"/>
-              </a:lnSpc>
-              <a:spcBef>
-                <a:spcPct val="0"/>
-              </a:spcBef>
-              <a:spcAft>
-                <a:spcPct val="0"/>
-              </a:spcAft>
-              <a:buClrTx/>
-              <a:buSzTx/>
-              <a:buFontTx/>
-              <a:buNone/>
-              <a:tabLst/>
-            </a:pPr>
-            <a:br>
-              <a:rPr kumimoji="0" lang="en-US" altLang="en-US" sz="1800" b="0" i="0" u="none" strike="noStrike" cap="none" normalizeH="0" baseline="0">
-                <a:ln>
-                  <a:noFill/>
-                </a:ln>
-                <a:solidFill>
-                  <a:schemeClr val="tx1"/>
-                </a:solidFill>
-                <a:effectLst/>
-                <a:latin typeface="Arial" panose="020B0604020202020204" pitchFamily="34" charset="0"/>
-              </a:rPr>
-            </a:br>
-            <a:endParaRPr kumimoji="0" lang="en-US" altLang="en-US" sz="1800" b="0" i="0" u="none" strike="noStrike" cap="none" normalizeH="0" baseline="0">
-              <a:ln>
-                <a:noFill/>
-              </a:ln>
-              <a:solidFill>
-                <a:schemeClr val="tx1"/>
-              </a:solidFill>
-              <a:effectLst/>
-              <a:latin typeface="Arial" panose="020B0604020202020204" pitchFamily="34" charset="0"/>
-            </a:endParaRPr>
-          </a:p>
-        </p:txBody>
-      </p:sp>
-    </p:spTree>
-    <p:extLst>
-      <p:ext uri="{BB962C8B-B14F-4D97-AF65-F5344CB8AC3E}">
-        <p14:creationId xmlns:p14="http://schemas.microsoft.com/office/powerpoint/2010/main" val="1251222904"/>
       </p:ext>
     </p:extLst>
   </p:cSld>

--- a/Philadelphia Code Camp.pptx
+++ b/Philadelphia Code Camp.pptx
@@ -40,7 +40,14 @@
     <p:sldId id="308" r:id="rId34"/>
     <p:sldId id="266" r:id="rId35"/>
     <p:sldId id="310" r:id="rId36"/>
-    <p:sldId id="311" r:id="rId37"/>
+    <p:sldId id="314" r:id="rId37"/>
+    <p:sldId id="315" r:id="rId38"/>
+    <p:sldId id="313" r:id="rId39"/>
+    <p:sldId id="312" r:id="rId40"/>
+    <p:sldId id="316" r:id="rId41"/>
+    <p:sldId id="317" r:id="rId42"/>
+    <p:sldId id="318" r:id="rId43"/>
+    <p:sldId id="311" r:id="rId44"/>
   </p:sldIdLst>
   <p:sldSz cx="12192000" cy="6858000"/>
   <p:notesSz cx="6858000" cy="9144000"/>
@@ -214,6 +221,13 @@
         </p14:section>
         <p14:section name="Lesson 7 - Drone Car" id="{ED7258B8-CAC7-4C2D-AB65-3CC3C6C419D6}">
           <p14:sldIdLst>
+            <p14:sldId id="314"/>
+            <p14:sldId id="315"/>
+            <p14:sldId id="313"/>
+            <p14:sldId id="312"/>
+            <p14:sldId id="316"/>
+            <p14:sldId id="317"/>
+            <p14:sldId id="318"/>
             <p14:sldId id="311"/>
           </p14:sldIdLst>
         </p14:section>
@@ -366,7 +380,7 @@
           <a:p>
             <a:fld id="{0C877353-E782-4104-A72D-F21DF2D84710}" type="datetimeFigureOut">
               <a:rPr lang="en-US" smtClean="0"/>
-              <a:t>2/23/2017</a:t>
+              <a:t>2/24/2017</a:t>
             </a:fld>
             <a:endParaRPr lang="en-US"/>
           </a:p>
@@ -534,7 +548,7 @@
           <a:p>
             <a:fld id="{0C877353-E782-4104-A72D-F21DF2D84710}" type="datetimeFigureOut">
               <a:rPr lang="en-US" smtClean="0"/>
-              <a:t>2/23/2017</a:t>
+              <a:t>2/24/2017</a:t>
             </a:fld>
             <a:endParaRPr lang="en-US"/>
           </a:p>
@@ -712,7 +726,7 @@
           <a:p>
             <a:fld id="{0C877353-E782-4104-A72D-F21DF2D84710}" type="datetimeFigureOut">
               <a:rPr lang="en-US" smtClean="0"/>
-              <a:t>2/23/2017</a:t>
+              <a:t>2/24/2017</a:t>
             </a:fld>
             <a:endParaRPr lang="en-US"/>
           </a:p>
@@ -880,7 +894,7 @@
           <a:p>
             <a:fld id="{0C877353-E782-4104-A72D-F21DF2D84710}" type="datetimeFigureOut">
               <a:rPr lang="en-US" smtClean="0"/>
-              <a:t>2/23/2017</a:t>
+              <a:t>2/24/2017</a:t>
             </a:fld>
             <a:endParaRPr lang="en-US"/>
           </a:p>
@@ -1125,7 +1139,7 @@
           <a:p>
             <a:fld id="{0C877353-E782-4104-A72D-F21DF2D84710}" type="datetimeFigureOut">
               <a:rPr lang="en-US" smtClean="0"/>
-              <a:t>2/23/2017</a:t>
+              <a:t>2/24/2017</a:t>
             </a:fld>
             <a:endParaRPr lang="en-US"/>
           </a:p>
@@ -1354,7 +1368,7 @@
           <a:p>
             <a:fld id="{0C877353-E782-4104-A72D-F21DF2D84710}" type="datetimeFigureOut">
               <a:rPr lang="en-US" smtClean="0"/>
-              <a:t>2/23/2017</a:t>
+              <a:t>2/24/2017</a:t>
             </a:fld>
             <a:endParaRPr lang="en-US"/>
           </a:p>
@@ -1718,7 +1732,7 @@
           <a:p>
             <a:fld id="{0C877353-E782-4104-A72D-F21DF2D84710}" type="datetimeFigureOut">
               <a:rPr lang="en-US" smtClean="0"/>
-              <a:t>2/23/2017</a:t>
+              <a:t>2/24/2017</a:t>
             </a:fld>
             <a:endParaRPr lang="en-US"/>
           </a:p>
@@ -1835,7 +1849,7 @@
           <a:p>
             <a:fld id="{0C877353-E782-4104-A72D-F21DF2D84710}" type="datetimeFigureOut">
               <a:rPr lang="en-US" smtClean="0"/>
-              <a:t>2/23/2017</a:t>
+              <a:t>2/24/2017</a:t>
             </a:fld>
             <a:endParaRPr lang="en-US"/>
           </a:p>
@@ -1930,7 +1944,7 @@
           <a:p>
             <a:fld id="{0C877353-E782-4104-A72D-F21DF2D84710}" type="datetimeFigureOut">
               <a:rPr lang="en-US" smtClean="0"/>
-              <a:t>2/23/2017</a:t>
+              <a:t>2/24/2017</a:t>
             </a:fld>
             <a:endParaRPr lang="en-US"/>
           </a:p>
@@ -2205,7 +2219,7 @@
           <a:p>
             <a:fld id="{0C877353-E782-4104-A72D-F21DF2D84710}" type="datetimeFigureOut">
               <a:rPr lang="en-US" smtClean="0"/>
-              <a:t>2/23/2017</a:t>
+              <a:t>2/24/2017</a:t>
             </a:fld>
             <a:endParaRPr lang="en-US"/>
           </a:p>
@@ -2457,7 +2471,7 @@
           <a:p>
             <a:fld id="{0C877353-E782-4104-A72D-F21DF2D84710}" type="datetimeFigureOut">
               <a:rPr lang="en-US" smtClean="0"/>
-              <a:t>2/23/2017</a:t>
+              <a:t>2/24/2017</a:t>
             </a:fld>
             <a:endParaRPr lang="en-US"/>
           </a:p>
@@ -2668,7 +2682,7 @@
           <a:p>
             <a:fld id="{0C877353-E782-4104-A72D-F21DF2D84710}" type="datetimeFigureOut">
               <a:rPr lang="en-US" smtClean="0"/>
-              <a:t>2/23/2017</a:t>
+              <a:t>2/24/2017</a:t>
             </a:fld>
             <a:endParaRPr lang="en-US"/>
           </a:p>
@@ -9936,6 +9950,36 @@
           <a:chExt cx="0" cy="0"/>
         </a:xfrm>
       </p:grpSpPr>
+      <p:pic>
+        <p:nvPicPr>
+          <p:cNvPr id="3076" name="Picture 2" descr="https://hackster.imgix.net/uploads/image/file/54688/L298N_5venable_jumper.jpg?w=1280&amp;h=960&amp;fit=max&amp;fm=jpg"/>
+          <p:cNvPicPr>
+            <a:picLocks noChangeAspect="1"/>
+          </p:cNvPicPr>
+          <p:nvPr/>
+        </p:nvPicPr>
+        <p:blipFill rotWithShape="1">
+          <a:blip r:embed="rId2">
+            <a:extLst>
+              <a:ext uri="{28A0092B-C50C-407E-A947-70E740481C1C}">
+                <a14:useLocalDpi xmlns:a14="http://schemas.microsoft.com/office/drawing/2010/main" val="0"/>
+              </a:ext>
+            </a:extLst>
+          </a:blip>
+          <a:srcRect r="7004" b="1"/>
+          <a:stretch/>
+        </p:blipFill>
+        <p:spPr>
+          <a:xfrm>
+            <a:off x="4636008" y="640082"/>
+            <a:ext cx="6916329" cy="5577837"/>
+          </a:xfrm>
+          <a:prstGeom prst="rect">
+            <a:avLst/>
+          </a:prstGeom>
+          <a:effectLst/>
+        </p:spPr>
+      </p:pic>
       <p:sp>
         <p:nvSpPr>
           <p:cNvPr id="2" name="Title 1"/>
@@ -9949,7 +9993,7 @@
         <p:spPr>
           <a:xfrm>
             <a:off x="648929" y="629266"/>
-            <a:ext cx="9419303" cy="1676603"/>
+            <a:ext cx="3667039" cy="1676603"/>
           </a:xfrm>
         </p:spPr>
         <p:txBody>
@@ -9960,14 +10004,14 @@
           <a:p>
             <a:r>
               <a:rPr lang="en-US" dirty="0"/>
-              <a:t>Installing Raspberry Pi Camera v2</a:t>
-            </a:r>
-          </a:p>
-        </p:txBody>
-      </p:sp>
-      <p:sp>
-        <p:nvSpPr>
-          <p:cNvPr id="3" name="Content Placeholder 2"/>
+              <a:t>L298N</a:t>
+            </a:r>
+          </a:p>
+        </p:txBody>
+      </p:sp>
+      <p:sp>
+        <p:nvSpPr>
+          <p:cNvPr id="3078" name="Content Placeholder 3077"/>
           <p:cNvSpPr>
             <a:spLocks noGrp="1"/>
           </p:cNvSpPr>
@@ -9975,41 +10019,389 @@
             <p:ph idx="1"/>
           </p:nvPr>
         </p:nvSpPr>
-        <p:spPr/>
-        <p:txBody>
-          <a:bodyPr/>
-          <a:lstStyle/>
-          <a:p>
-            <a:r>
-              <a:rPr lang="en-US" dirty="0"/>
-              <a:t>Currently, there is driver issues with Raspberry Pi Camera 2 and Motion Library</a:t>
-            </a:r>
-          </a:p>
-          <a:p>
-            <a:r>
-              <a:rPr lang="en-US" dirty="0"/>
-              <a:t>I’ve updated and fixed this in the repo</a:t>
-            </a:r>
-          </a:p>
-          <a:p>
-            <a:r>
-              <a:rPr lang="en-US" dirty="0"/>
-              <a:t>Please Go to Lesson 6 – Drone Car</a:t>
-            </a:r>
-          </a:p>
-          <a:p>
-            <a:pPr lvl="1"/>
-            <a:r>
-              <a:rPr lang="en-US" dirty="0"/>
-              <a:t>ReadMe.txt</a:t>
-            </a:r>
+        <p:spPr>
+          <a:xfrm>
+            <a:off x="648930" y="2438400"/>
+            <a:ext cx="3667037" cy="3785419"/>
+          </a:xfrm>
+        </p:spPr>
+        <p:txBody>
+          <a:bodyPr>
+            <a:normAutofit/>
+          </a:bodyPr>
+          <a:lstStyle/>
+          <a:p>
+            <a:r>
+              <a:rPr lang="en-US" dirty="0"/>
+              <a:t>The L298N motor driver allows you to spin the motors forwards AND backwards using a handful of GPIO pins</a:t>
+            </a:r>
+            <a:endParaRPr lang="en-US" sz="1800" dirty="0"/>
           </a:p>
         </p:txBody>
       </p:sp>
     </p:spTree>
     <p:extLst>
       <p:ext uri="{BB962C8B-B14F-4D97-AF65-F5344CB8AC3E}">
-        <p14:creationId xmlns:p14="http://schemas.microsoft.com/office/powerpoint/2010/main" val="1403893181"/>
+        <p14:creationId xmlns:p14="http://schemas.microsoft.com/office/powerpoint/2010/main" val="3959902308"/>
+      </p:ext>
+    </p:extLst>
+  </p:cSld>
+  <p:clrMapOvr>
+    <a:masterClrMapping/>
+  </p:clrMapOvr>
+</p:sld>
+</file>
+
+<file path=ppt/slides/slide37.xml><?xml version="1.0" encoding="utf-8"?>
+<p:sld xmlns:a="http://schemas.openxmlformats.org/drawingml/2006/main" xmlns:r="http://schemas.openxmlformats.org/officeDocument/2006/relationships" xmlns:p="http://schemas.openxmlformats.org/presentationml/2006/main">
+  <p:cSld>
+    <p:spTree>
+      <p:nvGrpSpPr>
+        <p:cNvPr id="1" name=""/>
+        <p:cNvGrpSpPr/>
+        <p:nvPr/>
+      </p:nvGrpSpPr>
+      <p:grpSpPr>
+        <a:xfrm>
+          <a:off x="0" y="0"/>
+          <a:ext cx="0" cy="0"/>
+          <a:chOff x="0" y="0"/>
+          <a:chExt cx="0" cy="0"/>
+        </a:xfrm>
+      </p:grpSpPr>
+      <p:pic>
+        <p:nvPicPr>
+          <p:cNvPr id="4" name="Picture 2" descr="https://hackster.imgix.net/uploads/image/file/54688/L298N_5venable_jumper.jpg?w=1280&amp;h=960&amp;fit=max&amp;fm=jpg"/>
+          <p:cNvPicPr>
+            <a:picLocks noChangeAspect="1"/>
+          </p:cNvPicPr>
+          <p:nvPr/>
+        </p:nvPicPr>
+        <p:blipFill rotWithShape="1">
+          <a:blip r:embed="rId2">
+            <a:extLst>
+              <a:ext uri="{28A0092B-C50C-407E-A947-70E740481C1C}">
+                <a14:useLocalDpi xmlns:a14="http://schemas.microsoft.com/office/drawing/2010/main" val="0"/>
+              </a:ext>
+            </a:extLst>
+          </a:blip>
+          <a:srcRect r="17400"/>
+          <a:stretch/>
+        </p:blipFill>
+        <p:spPr>
+          <a:xfrm>
+            <a:off x="4639056" y="10"/>
+            <a:ext cx="7552944" cy="6857990"/>
+          </a:xfrm>
+          <a:prstGeom prst="rect">
+            <a:avLst/>
+          </a:prstGeom>
+          <a:effectLst/>
+        </p:spPr>
+      </p:pic>
+      <p:sp>
+        <p:nvSpPr>
+          <p:cNvPr id="2" name="Title 1"/>
+          <p:cNvSpPr>
+            <a:spLocks noGrp="1"/>
+          </p:cNvSpPr>
+          <p:nvPr>
+            <p:ph type="title"/>
+          </p:nvPr>
+        </p:nvSpPr>
+        <p:spPr>
+          <a:xfrm>
+            <a:off x="648929" y="629266"/>
+            <a:ext cx="3651467" cy="1676603"/>
+          </a:xfrm>
+        </p:spPr>
+        <p:txBody>
+          <a:bodyPr>
+            <a:normAutofit/>
+          </a:bodyPr>
+          <a:lstStyle/>
+          <a:p>
+            <a:r>
+              <a:rPr lang="en-US" dirty="0"/>
+              <a:t>Link Power to Raspberry Pi</a:t>
+            </a:r>
+          </a:p>
+        </p:txBody>
+      </p:sp>
+      <p:sp>
+        <p:nvSpPr>
+          <p:cNvPr id="3" name="Content Placeholder 2"/>
+          <p:cNvSpPr>
+            <a:spLocks noGrp="1"/>
+          </p:cNvSpPr>
+          <p:nvPr>
+            <p:ph idx="1"/>
+          </p:nvPr>
+        </p:nvSpPr>
+        <p:spPr>
+          <a:xfrm>
+            <a:off x="648931" y="2438400"/>
+            <a:ext cx="3651466" cy="3785419"/>
+          </a:xfrm>
+        </p:spPr>
+        <p:txBody>
+          <a:bodyPr>
+            <a:normAutofit/>
+          </a:bodyPr>
+          <a:lstStyle/>
+          <a:p>
+            <a:r>
+              <a:rPr lang="en-US" sz="1800"/>
+              <a:t>We are setting up the L298N, we’ll go ahead and link the power from the Raspberry Pi to the L298N. </a:t>
+            </a:r>
+          </a:p>
+          <a:p>
+            <a:r>
+              <a:rPr lang="en-US" sz="1800"/>
+              <a:t>First, remove the physical jumper – labeled ‘5v enable’ in the photo – from the L298N. </a:t>
+            </a:r>
+          </a:p>
+          <a:p>
+            <a:r>
+              <a:rPr lang="en-US" sz="1800"/>
+              <a:t>This sets the motor controller logic to be powered by the Raspberry Pi via the +5v terminal on the power block rather than from the power source connected to the +12v terminal.</a:t>
+            </a:r>
+          </a:p>
+        </p:txBody>
+      </p:sp>
+    </p:spTree>
+    <p:extLst>
+      <p:ext uri="{BB962C8B-B14F-4D97-AF65-F5344CB8AC3E}">
+        <p14:creationId xmlns:p14="http://schemas.microsoft.com/office/powerpoint/2010/main" val="2887734539"/>
+      </p:ext>
+    </p:extLst>
+  </p:cSld>
+  <p:clrMapOvr>
+    <a:masterClrMapping/>
+  </p:clrMapOvr>
+</p:sld>
+</file>
+
+<file path=ppt/slides/slide38.xml><?xml version="1.0" encoding="utf-8"?>
+<p:sld xmlns:a="http://schemas.openxmlformats.org/drawingml/2006/main" xmlns:r="http://schemas.openxmlformats.org/officeDocument/2006/relationships" xmlns:p="http://schemas.openxmlformats.org/presentationml/2006/main">
+  <p:cSld>
+    <p:spTree>
+      <p:nvGrpSpPr>
+        <p:cNvPr id="1" name=""/>
+        <p:cNvGrpSpPr/>
+        <p:nvPr/>
+      </p:nvGrpSpPr>
+      <p:grpSpPr>
+        <a:xfrm>
+          <a:off x="0" y="0"/>
+          <a:ext cx="0" cy="0"/>
+          <a:chOff x="0" y="0"/>
+          <a:chExt cx="0" cy="0"/>
+        </a:xfrm>
+      </p:grpSpPr>
+      <p:sp>
+        <p:nvSpPr>
+          <p:cNvPr id="2" name="Title 1"/>
+          <p:cNvSpPr>
+            <a:spLocks noGrp="1"/>
+          </p:cNvSpPr>
+          <p:nvPr>
+            <p:ph type="title"/>
+          </p:nvPr>
+        </p:nvSpPr>
+        <p:spPr/>
+        <p:txBody>
+          <a:bodyPr/>
+          <a:lstStyle/>
+          <a:p>
+            <a:r>
+              <a:rPr lang="en-US" dirty="0"/>
+              <a:t>GPIO Ports</a:t>
+            </a:r>
+          </a:p>
+        </p:txBody>
+      </p:sp>
+      <p:sp>
+        <p:nvSpPr>
+          <p:cNvPr id="3" name="Content Placeholder 2"/>
+          <p:cNvSpPr>
+            <a:spLocks noGrp="1"/>
+          </p:cNvSpPr>
+          <p:nvPr>
+            <p:ph idx="1"/>
+          </p:nvPr>
+        </p:nvSpPr>
+        <p:spPr/>
+        <p:txBody>
+          <a:bodyPr/>
+          <a:lstStyle/>
+          <a:p>
+            <a:r>
+              <a:rPr lang="en-US" dirty="0"/>
+              <a:t> IN1 -&gt; GPIO 27 / physical 13</a:t>
+            </a:r>
+          </a:p>
+          <a:p>
+            <a:r>
+              <a:rPr lang="en-US" dirty="0"/>
+              <a:t> IN2 -&gt; GPIO 22 / physical 15</a:t>
+            </a:r>
+          </a:p>
+          <a:p>
+            <a:r>
+              <a:rPr lang="en-US" dirty="0"/>
+              <a:t> IN3 -&gt; GPIO 5 / physical 29</a:t>
+            </a:r>
+          </a:p>
+          <a:p>
+            <a:r>
+              <a:rPr lang="en-US" dirty="0"/>
+              <a:t> IN4 -&gt; GPIO 6 / physical 31</a:t>
+            </a:r>
+          </a:p>
+          <a:p>
+            <a:endParaRPr lang="en-US" dirty="0"/>
+          </a:p>
+        </p:txBody>
+      </p:sp>
+      <p:pic>
+        <p:nvPicPr>
+          <p:cNvPr id="2050" name="Picture 2" descr="https://hackster.imgix.net/uploads/image/file/54687/L298N.jpg?w=1280&amp;h=960&amp;fit=max&amp;fm=jpg"/>
+          <p:cNvPicPr>
+            <a:picLocks noChangeAspect="1" noChangeArrowheads="1"/>
+          </p:cNvPicPr>
+          <p:nvPr/>
+        </p:nvPicPr>
+        <p:blipFill>
+          <a:blip r:embed="rId2">
+            <a:extLst>
+              <a:ext uri="{28A0092B-C50C-407E-A947-70E740481C1C}">
+                <a14:useLocalDpi xmlns:a14="http://schemas.microsoft.com/office/drawing/2010/main" val="0"/>
+              </a:ext>
+            </a:extLst>
+          </a:blip>
+          <a:srcRect/>
+          <a:stretch>
+            <a:fillRect/>
+          </a:stretch>
+        </p:blipFill>
+        <p:spPr bwMode="auto">
+          <a:xfrm>
+            <a:off x="6656736" y="1586377"/>
+            <a:ext cx="4120918" cy="4120918"/>
+          </a:xfrm>
+          <a:prstGeom prst="rect">
+            <a:avLst/>
+          </a:prstGeom>
+          <a:noFill/>
+          <a:extLst>
+            <a:ext uri="{909E8E84-426E-40DD-AFC4-6F175D3DCCD1}">
+              <a14:hiddenFill xmlns:a14="http://schemas.microsoft.com/office/drawing/2010/main">
+                <a:solidFill>
+                  <a:srgbClr val="FFFFFF"/>
+                </a:solidFill>
+              </a14:hiddenFill>
+            </a:ext>
+          </a:extLst>
+        </p:spPr>
+      </p:pic>
+    </p:spTree>
+    <p:extLst>
+      <p:ext uri="{BB962C8B-B14F-4D97-AF65-F5344CB8AC3E}">
+        <p14:creationId xmlns:p14="http://schemas.microsoft.com/office/powerpoint/2010/main" val="1917029364"/>
+      </p:ext>
+    </p:extLst>
+  </p:cSld>
+  <p:clrMapOvr>
+    <a:masterClrMapping/>
+  </p:clrMapOvr>
+</p:sld>
+</file>
+
+<file path=ppt/slides/slide39.xml><?xml version="1.0" encoding="utf-8"?>
+<p:sld xmlns:a="http://schemas.openxmlformats.org/drawingml/2006/main" xmlns:r="http://schemas.openxmlformats.org/officeDocument/2006/relationships" xmlns:p="http://schemas.openxmlformats.org/presentationml/2006/main">
+  <p:cSld>
+    <p:spTree>
+      <p:nvGrpSpPr>
+        <p:cNvPr id="1" name=""/>
+        <p:cNvGrpSpPr/>
+        <p:nvPr/>
+      </p:nvGrpSpPr>
+      <p:grpSpPr>
+        <a:xfrm>
+          <a:off x="0" y="0"/>
+          <a:ext cx="0" cy="0"/>
+          <a:chOff x="0" y="0"/>
+          <a:chExt cx="0" cy="0"/>
+        </a:xfrm>
+      </p:grpSpPr>
+      <p:sp>
+        <p:nvSpPr>
+          <p:cNvPr id="2" name="Title 1"/>
+          <p:cNvSpPr>
+            <a:spLocks noGrp="1"/>
+          </p:cNvSpPr>
+          <p:nvPr>
+            <p:ph type="title"/>
+          </p:nvPr>
+        </p:nvSpPr>
+        <p:spPr/>
+        <p:txBody>
+          <a:bodyPr/>
+          <a:lstStyle/>
+          <a:p>
+            <a:r>
+              <a:rPr lang="en-US" dirty="0"/>
+              <a:t>Build Overview</a:t>
+            </a:r>
+          </a:p>
+        </p:txBody>
+      </p:sp>
+      <p:pic>
+        <p:nvPicPr>
+          <p:cNvPr id="1028" name="Picture 4" descr="https://hackster.imgix.net/uploads/image/file/54689/rover_step2.jpg?w=680&amp;h=510&amp;fit=max&amp;fm=jpg"/>
+          <p:cNvPicPr>
+            <a:picLocks noChangeAspect="1" noChangeArrowheads="1"/>
+          </p:cNvPicPr>
+          <p:nvPr/>
+        </p:nvPicPr>
+        <p:blipFill>
+          <a:blip r:embed="rId2">
+            <a:extLst>
+              <a:ext uri="{28A0092B-C50C-407E-A947-70E740481C1C}">
+                <a14:useLocalDpi xmlns:a14="http://schemas.microsoft.com/office/drawing/2010/main" val="0"/>
+              </a:ext>
+            </a:extLst>
+          </a:blip>
+          <a:srcRect/>
+          <a:stretch>
+            <a:fillRect/>
+          </a:stretch>
+        </p:blipFill>
+        <p:spPr bwMode="auto">
+          <a:xfrm>
+            <a:off x="1099472" y="1205344"/>
+            <a:ext cx="10178128" cy="5927264"/>
+          </a:xfrm>
+          <a:prstGeom prst="rect">
+            <a:avLst/>
+          </a:prstGeom>
+          <a:noFill/>
+          <a:extLst>
+            <a:ext uri="{909E8E84-426E-40DD-AFC4-6F175D3DCCD1}">
+              <a14:hiddenFill xmlns:a14="http://schemas.microsoft.com/office/drawing/2010/main">
+                <a:solidFill>
+                  <a:srgbClr val="FFFFFF"/>
+                </a:solidFill>
+              </a14:hiddenFill>
+            </a:ext>
+          </a:extLst>
+        </p:spPr>
+      </p:pic>
+    </p:spTree>
+    <p:extLst>
+      <p:ext uri="{BB962C8B-B14F-4D97-AF65-F5344CB8AC3E}">
+        <p14:creationId xmlns:p14="http://schemas.microsoft.com/office/powerpoint/2010/main" val="3595403135"/>
       </p:ext>
     </p:extLst>
   </p:cSld>
@@ -10183,6 +10575,338 @@
     <p:extLst>
       <p:ext uri="{BB962C8B-B14F-4D97-AF65-F5344CB8AC3E}">
         <p14:creationId xmlns:p14="http://schemas.microsoft.com/office/powerpoint/2010/main" val="3572186423"/>
+      </p:ext>
+    </p:extLst>
+  </p:cSld>
+  <p:clrMapOvr>
+    <a:masterClrMapping/>
+  </p:clrMapOvr>
+</p:sld>
+</file>
+
+<file path=ppt/slides/slide40.xml><?xml version="1.0" encoding="utf-8"?>
+<p:sld xmlns:a="http://schemas.openxmlformats.org/drawingml/2006/main" xmlns:r="http://schemas.openxmlformats.org/officeDocument/2006/relationships" xmlns:p="http://schemas.openxmlformats.org/presentationml/2006/main">
+  <p:cSld>
+    <p:spTree>
+      <p:nvGrpSpPr>
+        <p:cNvPr id="1" name=""/>
+        <p:cNvGrpSpPr/>
+        <p:nvPr/>
+      </p:nvGrpSpPr>
+      <p:grpSpPr>
+        <a:xfrm>
+          <a:off x="0" y="0"/>
+          <a:ext cx="0" cy="0"/>
+          <a:chOff x="0" y="0"/>
+          <a:chExt cx="0" cy="0"/>
+        </a:xfrm>
+      </p:grpSpPr>
+      <p:sp>
+        <p:nvSpPr>
+          <p:cNvPr id="2" name="Title 1"/>
+          <p:cNvSpPr>
+            <a:spLocks noGrp="1"/>
+          </p:cNvSpPr>
+          <p:nvPr>
+            <p:ph type="title"/>
+          </p:nvPr>
+        </p:nvSpPr>
+        <p:spPr/>
+        <p:txBody>
+          <a:bodyPr/>
+          <a:lstStyle/>
+          <a:p>
+            <a:r>
+              <a:rPr lang="en-US" dirty="0"/>
+              <a:t>Keyboard Drone	</a:t>
+            </a:r>
+          </a:p>
+        </p:txBody>
+      </p:sp>
+      <p:sp>
+        <p:nvSpPr>
+          <p:cNvPr id="3" name="Content Placeholder 2"/>
+          <p:cNvSpPr>
+            <a:spLocks noGrp="1"/>
+          </p:cNvSpPr>
+          <p:nvPr>
+            <p:ph idx="1"/>
+          </p:nvPr>
+        </p:nvSpPr>
+        <p:spPr/>
+        <p:txBody>
+          <a:bodyPr/>
+          <a:lstStyle/>
+          <a:p>
+            <a:r>
+              <a:rPr lang="en-US" dirty="0"/>
+              <a:t>Manual Control Drone via SSH/Terminal</a:t>
+            </a:r>
+          </a:p>
+        </p:txBody>
+      </p:sp>
+    </p:spTree>
+    <p:extLst>
+      <p:ext uri="{BB962C8B-B14F-4D97-AF65-F5344CB8AC3E}">
+        <p14:creationId xmlns:p14="http://schemas.microsoft.com/office/powerpoint/2010/main" val="2144614067"/>
+      </p:ext>
+    </p:extLst>
+  </p:cSld>
+  <p:clrMapOvr>
+    <a:masterClrMapping/>
+  </p:clrMapOvr>
+</p:sld>
+</file>
+
+<file path=ppt/slides/slide41.xml><?xml version="1.0" encoding="utf-8"?>
+<p:sld xmlns:a="http://schemas.openxmlformats.org/drawingml/2006/main" xmlns:r="http://schemas.openxmlformats.org/officeDocument/2006/relationships" xmlns:p="http://schemas.openxmlformats.org/presentationml/2006/main">
+  <p:cSld>
+    <p:spTree>
+      <p:nvGrpSpPr>
+        <p:cNvPr id="1" name=""/>
+        <p:cNvGrpSpPr/>
+        <p:nvPr/>
+      </p:nvGrpSpPr>
+      <p:grpSpPr>
+        <a:xfrm>
+          <a:off x="0" y="0"/>
+          <a:ext cx="0" cy="0"/>
+          <a:chOff x="0" y="0"/>
+          <a:chExt cx="0" cy="0"/>
+        </a:xfrm>
+      </p:grpSpPr>
+      <p:sp>
+        <p:nvSpPr>
+          <p:cNvPr id="2" name="Title 1"/>
+          <p:cNvSpPr>
+            <a:spLocks noGrp="1"/>
+          </p:cNvSpPr>
+          <p:nvPr>
+            <p:ph type="title"/>
+          </p:nvPr>
+        </p:nvSpPr>
+        <p:spPr/>
+        <p:txBody>
+          <a:bodyPr/>
+          <a:lstStyle/>
+          <a:p>
+            <a:r>
+              <a:rPr lang="en-US" dirty="0" err="1"/>
+              <a:t>Pokemon</a:t>
+            </a:r>
+            <a:r>
+              <a:rPr lang="en-US" dirty="0"/>
+              <a:t> Go Drone Car</a:t>
+            </a:r>
+          </a:p>
+        </p:txBody>
+      </p:sp>
+      <p:sp>
+        <p:nvSpPr>
+          <p:cNvPr id="3" name="Content Placeholder 2"/>
+          <p:cNvSpPr>
+            <a:spLocks noGrp="1"/>
+          </p:cNvSpPr>
+          <p:nvPr>
+            <p:ph idx="1"/>
+          </p:nvPr>
+        </p:nvSpPr>
+        <p:spPr/>
+        <p:txBody>
+          <a:bodyPr/>
+          <a:lstStyle/>
+          <a:p>
+            <a:r>
+              <a:rPr lang="en-US" dirty="0"/>
+              <a:t>Automate a path for your via Code</a:t>
+            </a:r>
+          </a:p>
+        </p:txBody>
+      </p:sp>
+    </p:spTree>
+    <p:extLst>
+      <p:ext uri="{BB962C8B-B14F-4D97-AF65-F5344CB8AC3E}">
+        <p14:creationId xmlns:p14="http://schemas.microsoft.com/office/powerpoint/2010/main" val="2052519995"/>
+      </p:ext>
+    </p:extLst>
+  </p:cSld>
+  <p:clrMapOvr>
+    <a:masterClrMapping/>
+  </p:clrMapOvr>
+</p:sld>
+</file>
+
+<file path=ppt/slides/slide42.xml><?xml version="1.0" encoding="utf-8"?>
+<p:sld xmlns:a="http://schemas.openxmlformats.org/drawingml/2006/main" xmlns:r="http://schemas.openxmlformats.org/officeDocument/2006/relationships" xmlns:p="http://schemas.openxmlformats.org/presentationml/2006/main">
+  <p:cSld>
+    <p:spTree>
+      <p:nvGrpSpPr>
+        <p:cNvPr id="1" name=""/>
+        <p:cNvGrpSpPr/>
+        <p:nvPr/>
+      </p:nvGrpSpPr>
+      <p:grpSpPr>
+        <a:xfrm>
+          <a:off x="0" y="0"/>
+          <a:ext cx="0" cy="0"/>
+          <a:chOff x="0" y="0"/>
+          <a:chExt cx="0" cy="0"/>
+        </a:xfrm>
+      </p:grpSpPr>
+      <p:sp>
+        <p:nvSpPr>
+          <p:cNvPr id="2" name="Title 1"/>
+          <p:cNvSpPr>
+            <a:spLocks noGrp="1"/>
+          </p:cNvSpPr>
+          <p:nvPr>
+            <p:ph type="title"/>
+          </p:nvPr>
+        </p:nvSpPr>
+        <p:spPr/>
+        <p:txBody>
+          <a:bodyPr/>
+          <a:lstStyle/>
+          <a:p>
+            <a:r>
+              <a:rPr lang="en-US" dirty="0"/>
+              <a:t>Adding Eyes to Drone Car</a:t>
+            </a:r>
+          </a:p>
+        </p:txBody>
+      </p:sp>
+      <p:sp>
+        <p:nvSpPr>
+          <p:cNvPr id="3" name="Content Placeholder 2"/>
+          <p:cNvSpPr>
+            <a:spLocks noGrp="1"/>
+          </p:cNvSpPr>
+          <p:nvPr>
+            <p:ph idx="1"/>
+          </p:nvPr>
+        </p:nvSpPr>
+        <p:spPr/>
+        <p:txBody>
+          <a:bodyPr/>
+          <a:lstStyle/>
+          <a:p>
+            <a:r>
+              <a:rPr lang="en-US" dirty="0"/>
+              <a:t>Follow ReadMe.txt in Lesson 6</a:t>
+            </a:r>
+          </a:p>
+          <a:p>
+            <a:r>
+              <a:rPr lang="en-US" dirty="0"/>
+              <a:t>This will depend on each person’s camera they purchased</a:t>
+            </a:r>
+          </a:p>
+        </p:txBody>
+      </p:sp>
+    </p:spTree>
+    <p:extLst>
+      <p:ext uri="{BB962C8B-B14F-4D97-AF65-F5344CB8AC3E}">
+        <p14:creationId xmlns:p14="http://schemas.microsoft.com/office/powerpoint/2010/main" val="3953508719"/>
+      </p:ext>
+    </p:extLst>
+  </p:cSld>
+  <p:clrMapOvr>
+    <a:masterClrMapping/>
+  </p:clrMapOvr>
+</p:sld>
+</file>
+
+<file path=ppt/slides/slide43.xml><?xml version="1.0" encoding="utf-8"?>
+<p:sld xmlns:a="http://schemas.openxmlformats.org/drawingml/2006/main" xmlns:r="http://schemas.openxmlformats.org/officeDocument/2006/relationships" xmlns:p="http://schemas.openxmlformats.org/presentationml/2006/main">
+  <p:cSld>
+    <p:spTree>
+      <p:nvGrpSpPr>
+        <p:cNvPr id="1" name=""/>
+        <p:cNvGrpSpPr/>
+        <p:nvPr/>
+      </p:nvGrpSpPr>
+      <p:grpSpPr>
+        <a:xfrm>
+          <a:off x="0" y="0"/>
+          <a:ext cx="0" cy="0"/>
+          <a:chOff x="0" y="0"/>
+          <a:chExt cx="0" cy="0"/>
+        </a:xfrm>
+      </p:grpSpPr>
+      <p:sp>
+        <p:nvSpPr>
+          <p:cNvPr id="2" name="Title 1"/>
+          <p:cNvSpPr>
+            <a:spLocks noGrp="1"/>
+          </p:cNvSpPr>
+          <p:nvPr>
+            <p:ph type="title"/>
+          </p:nvPr>
+        </p:nvSpPr>
+        <p:spPr>
+          <a:xfrm>
+            <a:off x="648929" y="629266"/>
+            <a:ext cx="9419303" cy="1676603"/>
+          </a:xfrm>
+        </p:spPr>
+        <p:txBody>
+          <a:bodyPr>
+            <a:normAutofit/>
+          </a:bodyPr>
+          <a:lstStyle/>
+          <a:p>
+            <a:r>
+              <a:rPr lang="en-US" dirty="0"/>
+              <a:t>Installing Raspberry Pi Camera v2</a:t>
+            </a:r>
+          </a:p>
+        </p:txBody>
+      </p:sp>
+      <p:sp>
+        <p:nvSpPr>
+          <p:cNvPr id="3" name="Content Placeholder 2"/>
+          <p:cNvSpPr>
+            <a:spLocks noGrp="1"/>
+          </p:cNvSpPr>
+          <p:nvPr>
+            <p:ph idx="1"/>
+          </p:nvPr>
+        </p:nvSpPr>
+        <p:spPr/>
+        <p:txBody>
+          <a:bodyPr/>
+          <a:lstStyle/>
+          <a:p>
+            <a:r>
+              <a:rPr lang="en-US" dirty="0"/>
+              <a:t>Currently, there is driver issues with Raspberry Pi Camera 2 and Motion Library</a:t>
+            </a:r>
+          </a:p>
+          <a:p>
+            <a:r>
+              <a:rPr lang="en-US" dirty="0"/>
+              <a:t>I’ve updated and fixed this in the repo</a:t>
+            </a:r>
+          </a:p>
+          <a:p>
+            <a:r>
+              <a:rPr lang="en-US" dirty="0"/>
+              <a:t>Please Go to Lesson 6 – Drone Car</a:t>
+            </a:r>
+          </a:p>
+          <a:p>
+            <a:pPr lvl="1"/>
+            <a:r>
+              <a:rPr lang="en-US" dirty="0"/>
+              <a:t>ReadMe.txt</a:t>
+            </a:r>
+          </a:p>
+        </p:txBody>
+      </p:sp>
+    </p:spTree>
+    <p:extLst>
+      <p:ext uri="{BB962C8B-B14F-4D97-AF65-F5344CB8AC3E}">
+        <p14:creationId xmlns:p14="http://schemas.microsoft.com/office/powerpoint/2010/main" val="1403893181"/>
       </p:ext>
     </p:extLst>
   </p:cSld>

--- a/Philadelphia Code Camp.pptx
+++ b/Philadelphia Code Camp.pptx
@@ -47,7 +47,7 @@
     <p:sldId id="316" r:id="rId41"/>
     <p:sldId id="317" r:id="rId42"/>
     <p:sldId id="318" r:id="rId43"/>
-    <p:sldId id="311" r:id="rId44"/>
+    <p:sldId id="319" r:id="rId44"/>
   </p:sldIdLst>
   <p:sldSz cx="12192000" cy="6858000"/>
   <p:notesSz cx="6858000" cy="9144000"/>
@@ -228,7 +228,7 @@
             <p14:sldId id="316"/>
             <p14:sldId id="317"/>
             <p14:sldId id="318"/>
-            <p14:sldId id="311"/>
+            <p14:sldId id="319"/>
           </p14:sldIdLst>
         </p14:section>
       </p14:sectionLst>
@@ -10835,18 +10835,109 @@
       </p:grpSpPr>
       <p:sp>
         <p:nvSpPr>
-          <p:cNvPr id="2" name="Title 1"/>
-          <p:cNvSpPr>
-            <a:spLocks noGrp="1"/>
-          </p:cNvSpPr>
-          <p:nvPr>
-            <p:ph type="title"/>
+          <p:cNvPr id="75" name="Rectangle 73"/>
+          <p:cNvSpPr>
+            <a:spLocks noGrp="1" noRot="1" noChangeAspect="1" noMove="1" noResize="1" noEditPoints="1" noAdjustHandles="1" noChangeArrowheads="1" noChangeShapeType="1" noTextEdit="1"/>
+          </p:cNvSpPr>
+          <p:nvPr>
+            <p:extLst>
+              <p:ext uri="{386F3935-93C4-4BCD-93E2-E3B085C9AB24}">
+                <p16:designElem xmlns:p16="http://schemas.microsoft.com/office/powerpoint/2015/main" val="1"/>
+              </p:ext>
+            </p:extLst>
           </p:nvPr>
         </p:nvSpPr>
         <p:spPr>
           <a:xfrm>
-            <a:off x="648929" y="629266"/>
-            <a:ext cx="9419303" cy="1676603"/>
+            <a:off x="0" y="2"/>
+            <a:ext cx="6090612" cy="6857998"/>
+          </a:xfrm>
+          <a:prstGeom prst="rect">
+            <a:avLst/>
+          </a:prstGeom>
+          <a:solidFill>
+            <a:schemeClr val="tx1">
+              <a:lumMod val="85000"/>
+              <a:lumOff val="15000"/>
+            </a:schemeClr>
+          </a:solidFill>
+          <a:ln>
+            <a:noFill/>
+          </a:ln>
+          <a:effectLst/>
+        </p:spPr>
+        <p:style>
+          <a:lnRef idx="1">
+            <a:schemeClr val="accent1"/>
+          </a:lnRef>
+          <a:fillRef idx="3">
+            <a:schemeClr val="accent1"/>
+          </a:fillRef>
+          <a:effectRef idx="2">
+            <a:schemeClr val="accent1"/>
+          </a:effectRef>
+          <a:fontRef idx="minor">
+            <a:schemeClr val="lt1"/>
+          </a:fontRef>
+        </p:style>
+        <p:txBody>
+          <a:bodyPr rtlCol="0" anchor="ctr"/>
+          <a:lstStyle/>
+          <a:p>
+            <a:pPr algn="ctr" defTabSz="457200"/>
+            <a:endParaRPr lang="en-US">
+              <a:solidFill>
+                <a:srgbClr val="FFFFFF"/>
+              </a:solidFill>
+              <a:latin typeface="Calibri" panose="020F0502020204030204"/>
+            </a:endParaRPr>
+          </a:p>
+        </p:txBody>
+      </p:sp>
+      <p:pic>
+        <p:nvPicPr>
+          <p:cNvPr id="1028" name="Picture 2" descr="https://www.tutorials-raspberrypi.de/wp-content/uploads/2014/05/ultraschall_Steckplatine.png"/>
+          <p:cNvPicPr>
+            <a:picLocks noChangeAspect="1"/>
+          </p:cNvPicPr>
+          <p:nvPr/>
+        </p:nvPicPr>
+        <p:blipFill rotWithShape="1">
+          <a:blip r:embed="rId2">
+            <a:extLst>
+              <a:ext uri="{28A0092B-C50C-407E-A947-70E740481C1C}">
+                <a14:useLocalDpi xmlns:a14="http://schemas.microsoft.com/office/drawing/2010/main" val="0"/>
+              </a:ext>
+            </a:extLst>
+          </a:blip>
+          <a:srcRect t="6769"/>
+          <a:stretch/>
+        </p:blipFill>
+        <p:spPr>
+          <a:xfrm>
+            <a:off x="6721233" y="640082"/>
+            <a:ext cx="4831104" cy="5577837"/>
+          </a:xfrm>
+          <a:prstGeom prst="rect">
+            <a:avLst/>
+          </a:prstGeom>
+          <a:effectLst/>
+        </p:spPr>
+      </p:pic>
+      <p:sp>
+        <p:nvSpPr>
+          <p:cNvPr id="2" name="Title 1"/>
+          <p:cNvSpPr>
+            <a:spLocks noGrp="1"/>
+          </p:cNvSpPr>
+          <p:nvPr>
+            <p:ph type="title"/>
+          </p:nvPr>
+        </p:nvSpPr>
+        <p:spPr>
+          <a:xfrm>
+            <a:off x="648930" y="629266"/>
+            <a:ext cx="5121644" cy="1676603"/>
           </a:xfrm>
         </p:spPr>
         <p:txBody>
@@ -10856,15 +10947,19 @@
           <a:lstStyle/>
           <a:p>
             <a:r>
-              <a:rPr lang="en-US" dirty="0"/>
-              <a:t>Installing Raspberry Pi Camera v2</a:t>
-            </a:r>
-          </a:p>
-        </p:txBody>
-      </p:sp>
-      <p:sp>
-        <p:nvSpPr>
-          <p:cNvPr id="3" name="Content Placeholder 2"/>
+              <a:rPr lang="en-US">
+                <a:solidFill>
+                  <a:schemeClr val="bg1"/>
+                </a:solidFill>
+              </a:rPr>
+              <a:t>Adding Sonar Sensor</a:t>
+            </a:r>
+          </a:p>
+        </p:txBody>
+      </p:sp>
+      <p:sp>
+        <p:nvSpPr>
+          <p:cNvPr id="1030" name="Content Placeholder 1029"/>
           <p:cNvSpPr>
             <a:spLocks noGrp="1"/>
           </p:cNvSpPr>
@@ -10872,41 +10967,73 @@
             <p:ph idx="1"/>
           </p:nvPr>
         </p:nvSpPr>
-        <p:spPr/>
-        <p:txBody>
-          <a:bodyPr/>
-          <a:lstStyle/>
-          <a:p>
-            <a:r>
-              <a:rPr lang="en-US" dirty="0"/>
-              <a:t>Currently, there is driver issues with Raspberry Pi Camera 2 and Motion Library</a:t>
-            </a:r>
-          </a:p>
-          <a:p>
-            <a:r>
-              <a:rPr lang="en-US" dirty="0"/>
-              <a:t>I’ve updated and fixed this in the repo</a:t>
-            </a:r>
-          </a:p>
-          <a:p>
-            <a:r>
-              <a:rPr lang="en-US" dirty="0"/>
-              <a:t>Please Go to Lesson 6 – Drone Car</a:t>
-            </a:r>
-          </a:p>
-          <a:p>
-            <a:pPr lvl="1"/>
-            <a:r>
-              <a:rPr lang="en-US" dirty="0"/>
-              <a:t>ReadMe.txt</a:t>
-            </a:r>
+        <p:spPr>
+          <a:xfrm>
+            <a:off x="648931" y="2438400"/>
+            <a:ext cx="5121642" cy="3785419"/>
+          </a:xfrm>
+        </p:spPr>
+        <p:txBody>
+          <a:bodyPr>
+            <a:normAutofit/>
+          </a:bodyPr>
+          <a:lstStyle/>
+          <a:p>
+            <a:r>
+              <a:rPr lang="en-US" sz="2000" dirty="0">
+                <a:solidFill>
+                  <a:schemeClr val="bg1"/>
+                </a:solidFill>
+              </a:rPr>
+              <a:t>Here we will attach the sonar sensor to the raspberry pi</a:t>
+            </a:r>
+          </a:p>
+          <a:p>
+            <a:r>
+              <a:rPr lang="en-US" sz="2000" dirty="0">
+                <a:solidFill>
+                  <a:schemeClr val="bg1"/>
+                </a:solidFill>
+              </a:rPr>
+              <a:t>We need to use 330 resistor </a:t>
+            </a:r>
+          </a:p>
+          <a:p>
+            <a:r>
+              <a:rPr lang="en-US" sz="2000" dirty="0">
+                <a:solidFill>
+                  <a:schemeClr val="bg1"/>
+                </a:solidFill>
+              </a:rPr>
+              <a:t>We need to use 430 – 470 resistor</a:t>
+            </a:r>
+          </a:p>
+          <a:p>
+            <a:r>
+              <a:rPr lang="en-US" sz="2000">
+                <a:solidFill>
+                  <a:schemeClr val="bg1"/>
+                </a:solidFill>
+              </a:rPr>
+              <a:t>sonar-drone.py</a:t>
+            </a:r>
+          </a:p>
+          <a:p>
+            <a:pPr marL="0" indent="0">
+              <a:buNone/>
+            </a:pPr>
+            <a:endParaRPr lang="en-US" sz="2000" dirty="0">
+              <a:solidFill>
+                <a:schemeClr val="bg1"/>
+              </a:solidFill>
+            </a:endParaRPr>
           </a:p>
         </p:txBody>
       </p:sp>
     </p:spTree>
     <p:extLst>
       <p:ext uri="{BB962C8B-B14F-4D97-AF65-F5344CB8AC3E}">
-        <p14:creationId xmlns:p14="http://schemas.microsoft.com/office/powerpoint/2010/main" val="1403893181"/>
+        <p14:creationId xmlns:p14="http://schemas.microsoft.com/office/powerpoint/2010/main" val="1766035259"/>
       </p:ext>
     </p:extLst>
   </p:cSld>
